--- a/Project/Readme_v2.pptx
+++ b/Project/Readme_v2.pptx
@@ -6,11 +6,14 @@
   </p:sldMasterIdLst>
   <p:sldIdLst>
     <p:sldId id="256" r:id="rId2"/>
-    <p:sldId id="257" r:id="rId3"/>
-    <p:sldId id="258" r:id="rId4"/>
-    <p:sldId id="259" r:id="rId5"/>
-    <p:sldId id="260" r:id="rId6"/>
-    <p:sldId id="261" r:id="rId7"/>
+    <p:sldId id="262" r:id="rId3"/>
+    <p:sldId id="263" r:id="rId4"/>
+    <p:sldId id="264" r:id="rId5"/>
+    <p:sldId id="257" r:id="rId6"/>
+    <p:sldId id="258" r:id="rId7"/>
+    <p:sldId id="259" r:id="rId8"/>
+    <p:sldId id="260" r:id="rId9"/>
+    <p:sldId id="261" r:id="rId10"/>
   </p:sldIdLst>
   <p:sldSz cx="9144000" cy="6858000" type="screen4x3"/>
   <p:notesSz cx="6858000" cy="9144000"/>
@@ -293,7 +296,7 @@
           <a:p>
             <a:fld id="{5BBEAD13-0566-4C6C-97E7-55F17F24B09F}" type="datetimeFigureOut">
               <a:rPr lang="zh-TW" altLang="en-US" smtClean="0"/>
-              <a:t>2014/12/25</a:t>
+              <a:t>2014/12/27</a:t>
             </a:fld>
             <a:endParaRPr lang="zh-TW" altLang="en-US"/>
           </a:p>
@@ -458,7 +461,7 @@
           <a:p>
             <a:fld id="{5BBEAD13-0566-4C6C-97E7-55F17F24B09F}" type="datetimeFigureOut">
               <a:rPr lang="zh-TW" altLang="en-US" smtClean="0"/>
-              <a:t>2014/12/25</a:t>
+              <a:t>2014/12/27</a:t>
             </a:fld>
             <a:endParaRPr lang="zh-TW" altLang="en-US"/>
           </a:p>
@@ -633,7 +636,7 @@
           <a:p>
             <a:fld id="{5BBEAD13-0566-4C6C-97E7-55F17F24B09F}" type="datetimeFigureOut">
               <a:rPr lang="zh-TW" altLang="en-US" smtClean="0"/>
-              <a:t>2014/12/25</a:t>
+              <a:t>2014/12/27</a:t>
             </a:fld>
             <a:endParaRPr lang="zh-TW" altLang="en-US"/>
           </a:p>
@@ -798,7 +801,7 @@
           <a:p>
             <a:fld id="{5BBEAD13-0566-4C6C-97E7-55F17F24B09F}" type="datetimeFigureOut">
               <a:rPr lang="zh-TW" altLang="en-US" smtClean="0"/>
-              <a:t>2014/12/25</a:t>
+              <a:t>2014/12/27</a:t>
             </a:fld>
             <a:endParaRPr lang="zh-TW" altLang="en-US"/>
           </a:p>
@@ -1039,7 +1042,7 @@
           <a:p>
             <a:fld id="{5BBEAD13-0566-4C6C-97E7-55F17F24B09F}" type="datetimeFigureOut">
               <a:rPr lang="zh-TW" altLang="en-US" smtClean="0"/>
-              <a:t>2014/12/25</a:t>
+              <a:t>2014/12/27</a:t>
             </a:fld>
             <a:endParaRPr lang="zh-TW" altLang="en-US"/>
           </a:p>
@@ -1322,7 +1325,7 @@
           <a:p>
             <a:fld id="{5BBEAD13-0566-4C6C-97E7-55F17F24B09F}" type="datetimeFigureOut">
               <a:rPr lang="zh-TW" altLang="en-US" smtClean="0"/>
-              <a:t>2014/12/25</a:t>
+              <a:t>2014/12/27</a:t>
             </a:fld>
             <a:endParaRPr lang="zh-TW" altLang="en-US"/>
           </a:p>
@@ -1739,7 +1742,7 @@
           <a:p>
             <a:fld id="{5BBEAD13-0566-4C6C-97E7-55F17F24B09F}" type="datetimeFigureOut">
               <a:rPr lang="zh-TW" altLang="en-US" smtClean="0"/>
-              <a:t>2014/12/25</a:t>
+              <a:t>2014/12/27</a:t>
             </a:fld>
             <a:endParaRPr lang="zh-TW" altLang="en-US"/>
           </a:p>
@@ -1852,7 +1855,7 @@
           <a:p>
             <a:fld id="{5BBEAD13-0566-4C6C-97E7-55F17F24B09F}" type="datetimeFigureOut">
               <a:rPr lang="zh-TW" altLang="en-US" smtClean="0"/>
-              <a:t>2014/12/25</a:t>
+              <a:t>2014/12/27</a:t>
             </a:fld>
             <a:endParaRPr lang="zh-TW" altLang="en-US"/>
           </a:p>
@@ -1942,7 +1945,7 @@
           <a:p>
             <a:fld id="{5BBEAD13-0566-4C6C-97E7-55F17F24B09F}" type="datetimeFigureOut">
               <a:rPr lang="zh-TW" altLang="en-US" smtClean="0"/>
-              <a:t>2014/12/25</a:t>
+              <a:t>2014/12/27</a:t>
             </a:fld>
             <a:endParaRPr lang="zh-TW" altLang="en-US"/>
           </a:p>
@@ -2214,7 +2217,7 @@
           <a:p>
             <a:fld id="{5BBEAD13-0566-4C6C-97E7-55F17F24B09F}" type="datetimeFigureOut">
               <a:rPr lang="zh-TW" altLang="en-US" smtClean="0"/>
-              <a:t>2014/12/25</a:t>
+              <a:t>2014/12/27</a:t>
             </a:fld>
             <a:endParaRPr lang="zh-TW" altLang="en-US"/>
           </a:p>
@@ -2462,7 +2465,7 @@
           <a:p>
             <a:fld id="{5BBEAD13-0566-4C6C-97E7-55F17F24B09F}" type="datetimeFigureOut">
               <a:rPr lang="zh-TW" altLang="en-US" smtClean="0"/>
-              <a:t>2014/12/25</a:t>
+              <a:t>2014/12/27</a:t>
             </a:fld>
             <a:endParaRPr lang="zh-TW" altLang="en-US"/>
           </a:p>
@@ -2670,7 +2673,7 @@
           <a:p>
             <a:fld id="{5BBEAD13-0566-4C6C-97E7-55F17F24B09F}" type="datetimeFigureOut">
               <a:rPr lang="zh-TW" altLang="en-US" smtClean="0"/>
-              <a:t>2014/12/25</a:t>
+              <a:t>2014/12/27</a:t>
             </a:fld>
             <a:endParaRPr lang="zh-TW" altLang="en-US"/>
           </a:p>
@@ -3130,7 +3133,1034 @@
           <a:bodyPr/>
           <a:lstStyle/>
           <a:p>
-            <a:endParaRPr lang="zh-TW" altLang="en-US"/>
+            <a:r>
+              <a:rPr lang="en-US" altLang="zh-TW" dirty="0"/>
+              <a:t>Hypothesis</a:t>
+            </a:r>
+            <a:endParaRPr lang="zh-TW" altLang="en-US" dirty="0"/>
+          </a:p>
+        </p:txBody>
+      </p:sp>
+      <p:sp>
+        <p:nvSpPr>
+          <p:cNvPr id="3" name="內容版面配置區 2"/>
+          <p:cNvSpPr>
+            <a:spLocks noGrp="1"/>
+          </p:cNvSpPr>
+          <p:nvPr>
+            <p:ph idx="1"/>
+          </p:nvPr>
+        </p:nvSpPr>
+        <p:spPr/>
+        <p:txBody>
+          <a:bodyPr/>
+          <a:lstStyle/>
+          <a:p>
+            <a:r>
+              <a:rPr lang="en-US" altLang="zh-TW" dirty="0" smtClean="0"/>
+              <a:t>u</a:t>
+            </a:r>
+            <a:r>
+              <a:rPr lang="zh-TW" altLang="en-US" dirty="0" smtClean="0"/>
+              <a:t>與</a:t>
+            </a:r>
+            <a:r>
+              <a:rPr lang="en-US" altLang="zh-TW" dirty="0" smtClean="0"/>
+              <a:t>v</a:t>
+            </a:r>
+            <a:r>
+              <a:rPr lang="zh-TW" altLang="en-US" dirty="0" smtClean="0"/>
+              <a:t>合作過，</a:t>
+            </a:r>
+            <a:r>
+              <a:rPr lang="en-US" altLang="zh-TW" dirty="0" smtClean="0"/>
+              <a:t>u</a:t>
+            </a:r>
+            <a:r>
+              <a:rPr lang="zh-TW" altLang="en-US" dirty="0" smtClean="0"/>
+              <a:t>與</a:t>
+            </a:r>
+            <a:r>
+              <a:rPr lang="en-US" altLang="zh-TW" dirty="0" smtClean="0"/>
+              <a:t>v</a:t>
+            </a:r>
+            <a:r>
+              <a:rPr lang="zh-TW" altLang="en-US" dirty="0" smtClean="0"/>
+              <a:t>可能繼續合作</a:t>
+            </a:r>
+            <a:endParaRPr lang="en-US" altLang="zh-TW" dirty="0" smtClean="0"/>
+          </a:p>
+          <a:p>
+            <a:r>
+              <a:rPr lang="en-US" altLang="zh-TW" dirty="0" smtClean="0"/>
+              <a:t>u</a:t>
+            </a:r>
+            <a:r>
+              <a:rPr lang="zh-TW" altLang="en-US" dirty="0" smtClean="0"/>
+              <a:t>與</a:t>
+            </a:r>
+            <a:r>
+              <a:rPr lang="en-US" altLang="zh-TW" dirty="0" smtClean="0"/>
+              <a:t>v</a:t>
+            </a:r>
+            <a:r>
+              <a:rPr lang="zh-TW" altLang="en-US" dirty="0" smtClean="0"/>
+              <a:t>近幾年合作過，</a:t>
+            </a:r>
+            <a:r>
+              <a:rPr lang="en-US" altLang="zh-TW" dirty="0" smtClean="0"/>
+              <a:t>u</a:t>
+            </a:r>
+            <a:r>
+              <a:rPr lang="zh-TW" altLang="en-US" dirty="0"/>
+              <a:t>與</a:t>
+            </a:r>
+            <a:r>
+              <a:rPr lang="en-US" altLang="zh-TW" dirty="0"/>
+              <a:t>v</a:t>
+            </a:r>
+            <a:r>
+              <a:rPr lang="zh-TW" altLang="en-US" dirty="0"/>
+              <a:t>可能繼續</a:t>
+            </a:r>
+            <a:r>
+              <a:rPr lang="zh-TW" altLang="en-US" dirty="0" smtClean="0"/>
+              <a:t>合作</a:t>
+            </a:r>
+            <a:endParaRPr lang="en-US" altLang="zh-TW" dirty="0" smtClean="0"/>
+          </a:p>
+          <a:p>
+            <a:r>
+              <a:rPr lang="en-US" altLang="zh-TW" dirty="0"/>
+              <a:t>u</a:t>
+            </a:r>
+            <a:r>
+              <a:rPr lang="zh-TW" altLang="en-US" dirty="0" smtClean="0"/>
+              <a:t>與</a:t>
+            </a:r>
+            <a:r>
+              <a:rPr lang="en-US" altLang="zh-TW" dirty="0" err="1" smtClean="0"/>
+              <a:t>i</a:t>
+            </a:r>
+            <a:r>
+              <a:rPr lang="zh-TW" altLang="en-US" dirty="0" smtClean="0"/>
+              <a:t>合作過，</a:t>
+            </a:r>
+            <a:r>
+              <a:rPr lang="en-US" altLang="zh-TW" dirty="0" err="1" smtClean="0"/>
+              <a:t>i</a:t>
+            </a:r>
+            <a:r>
+              <a:rPr lang="zh-TW" altLang="en-US" dirty="0" smtClean="0"/>
+              <a:t>與</a:t>
+            </a:r>
+            <a:r>
+              <a:rPr lang="en-US" altLang="zh-TW" dirty="0" smtClean="0"/>
+              <a:t>v</a:t>
+            </a:r>
+            <a:r>
+              <a:rPr lang="zh-TW" altLang="en-US" dirty="0" smtClean="0"/>
+              <a:t>合作過，</a:t>
+            </a:r>
+            <a:r>
+              <a:rPr lang="en-US" altLang="zh-TW" dirty="0"/>
+              <a:t> u</a:t>
+            </a:r>
+            <a:r>
+              <a:rPr lang="zh-TW" altLang="en-US" dirty="0"/>
+              <a:t>與</a:t>
+            </a:r>
+            <a:r>
+              <a:rPr lang="en-US" altLang="zh-TW" dirty="0"/>
+              <a:t>v</a:t>
+            </a:r>
+            <a:r>
+              <a:rPr lang="zh-TW" altLang="en-US" dirty="0" smtClean="0"/>
+              <a:t>可能合作</a:t>
+            </a:r>
+            <a:endParaRPr lang="en-US" altLang="zh-TW" dirty="0" smtClean="0"/>
+          </a:p>
+          <a:p>
+            <a:r>
+              <a:rPr lang="en-US" altLang="zh-TW" dirty="0" smtClean="0"/>
+              <a:t>u</a:t>
+            </a:r>
+            <a:r>
+              <a:rPr lang="zh-TW" altLang="en-US" dirty="0" smtClean="0"/>
+              <a:t>跟很多人合作過，</a:t>
+            </a:r>
+            <a:r>
+              <a:rPr lang="en-US" altLang="zh-TW" dirty="0" smtClean="0"/>
+              <a:t>v</a:t>
+            </a:r>
+            <a:r>
+              <a:rPr lang="zh-TW" altLang="en-US" dirty="0" smtClean="0"/>
+              <a:t>跟很多人合作過，</a:t>
+            </a:r>
+            <a:r>
+              <a:rPr lang="en-US" altLang="zh-TW" dirty="0" smtClean="0"/>
+              <a:t>u</a:t>
+            </a:r>
+            <a:r>
+              <a:rPr lang="zh-TW" altLang="en-US" dirty="0" smtClean="0"/>
+              <a:t>與</a:t>
+            </a:r>
+            <a:r>
+              <a:rPr lang="en-US" altLang="zh-TW" dirty="0" smtClean="0"/>
+              <a:t>v</a:t>
+            </a:r>
+            <a:r>
+              <a:rPr lang="zh-TW" altLang="en-US" dirty="0" smtClean="0"/>
+              <a:t>可能合作</a:t>
+            </a:r>
+            <a:endParaRPr lang="en-US" altLang="zh-TW" dirty="0" smtClean="0"/>
+          </a:p>
+          <a:p>
+            <a:r>
+              <a:rPr lang="en-US" altLang="zh-TW" dirty="0" smtClean="0"/>
+              <a:t>u</a:t>
+            </a:r>
+            <a:r>
+              <a:rPr lang="zh-TW" altLang="en-US" dirty="0" smtClean="0"/>
+              <a:t>有發表</a:t>
+            </a:r>
+            <a:r>
+              <a:rPr lang="en-US" altLang="zh-TW" dirty="0" smtClean="0"/>
+              <a:t>paper</a:t>
+            </a:r>
+            <a:r>
+              <a:rPr lang="zh-TW" altLang="en-US" dirty="0" smtClean="0"/>
+              <a:t>在</a:t>
+            </a:r>
+            <a:r>
+              <a:rPr lang="en-US" altLang="zh-TW" dirty="0" smtClean="0"/>
+              <a:t>conference A</a:t>
+            </a:r>
+            <a:r>
+              <a:rPr lang="zh-TW" altLang="en-US" dirty="0" smtClean="0"/>
+              <a:t>，</a:t>
+            </a:r>
+            <a:r>
+              <a:rPr lang="en-US" altLang="zh-TW" dirty="0" smtClean="0"/>
+              <a:t>v</a:t>
+            </a:r>
+            <a:r>
+              <a:rPr lang="en-US" altLang="zh-TW" dirty="0"/>
+              <a:t> </a:t>
+            </a:r>
+            <a:r>
+              <a:rPr lang="zh-TW" altLang="en-US" dirty="0" smtClean="0"/>
+              <a:t>有</a:t>
+            </a:r>
+            <a:r>
+              <a:rPr lang="zh-TW" altLang="en-US" dirty="0"/>
+              <a:t>發表</a:t>
+            </a:r>
+            <a:r>
+              <a:rPr lang="en-US" altLang="zh-TW" dirty="0"/>
+              <a:t>paper</a:t>
+            </a:r>
+            <a:r>
+              <a:rPr lang="zh-TW" altLang="en-US" dirty="0"/>
+              <a:t>在</a:t>
+            </a:r>
+            <a:r>
+              <a:rPr lang="en-US" altLang="zh-TW" dirty="0"/>
+              <a:t>conference </a:t>
+            </a:r>
+            <a:r>
+              <a:rPr lang="en-US" altLang="zh-TW" dirty="0" smtClean="0"/>
+              <a:t>A</a:t>
+            </a:r>
+            <a:r>
+              <a:rPr lang="zh-TW" altLang="en-US" dirty="0" smtClean="0"/>
+              <a:t>，</a:t>
+            </a:r>
+            <a:r>
+              <a:rPr lang="en-US" altLang="zh-TW" dirty="0" smtClean="0"/>
+              <a:t>u</a:t>
+            </a:r>
+            <a:r>
+              <a:rPr lang="zh-TW" altLang="en-US" dirty="0" smtClean="0"/>
+              <a:t>跟</a:t>
+            </a:r>
+            <a:r>
+              <a:rPr lang="en-US" altLang="zh-TW" dirty="0" smtClean="0"/>
+              <a:t>v</a:t>
+            </a:r>
+            <a:r>
+              <a:rPr lang="zh-TW" altLang="en-US" dirty="0" smtClean="0"/>
+              <a:t>可能合作</a:t>
+            </a:r>
+            <a:endParaRPr lang="zh-TW" altLang="en-US" dirty="0"/>
+          </a:p>
+        </p:txBody>
+      </p:sp>
+    </p:spTree>
+    <p:extLst>
+      <p:ext uri="{BB962C8B-B14F-4D97-AF65-F5344CB8AC3E}">
+        <p14:creationId xmlns:p14="http://schemas.microsoft.com/office/powerpoint/2010/main" val="3759339203"/>
+      </p:ext>
+    </p:extLst>
+  </p:cSld>
+  <p:clrMapOvr>
+    <a:masterClrMapping/>
+  </p:clrMapOvr>
+</p:sld>
+</file>
+
+<file path=ppt/slides/slide3.xml><?xml version="1.0" encoding="utf-8"?>
+<p:sld xmlns:a="http://schemas.openxmlformats.org/drawingml/2006/main" xmlns:r="http://schemas.openxmlformats.org/officeDocument/2006/relationships" xmlns:p="http://schemas.openxmlformats.org/presentationml/2006/main">
+  <p:cSld>
+    <p:spTree>
+      <p:nvGrpSpPr>
+        <p:cNvPr id="1" name=""/>
+        <p:cNvGrpSpPr/>
+        <p:nvPr/>
+      </p:nvGrpSpPr>
+      <p:grpSpPr>
+        <a:xfrm>
+          <a:off x="0" y="0"/>
+          <a:ext cx="0" cy="0"/>
+          <a:chOff x="0" y="0"/>
+          <a:chExt cx="0" cy="0"/>
+        </a:xfrm>
+      </p:grpSpPr>
+      <p:sp>
+        <p:nvSpPr>
+          <p:cNvPr id="2" name="標題 1"/>
+          <p:cNvSpPr>
+            <a:spLocks noGrp="1"/>
+          </p:cNvSpPr>
+          <p:nvPr>
+            <p:ph type="title"/>
+          </p:nvPr>
+        </p:nvSpPr>
+        <p:spPr/>
+        <p:txBody>
+          <a:bodyPr/>
+          <a:lstStyle/>
+          <a:p>
+            <a:r>
+              <a:rPr lang="en-US" altLang="zh-TW" dirty="0" smtClean="0"/>
+              <a:t>Node Information</a:t>
+            </a:r>
+            <a:endParaRPr lang="zh-TW" altLang="en-US" dirty="0"/>
+          </a:p>
+        </p:txBody>
+      </p:sp>
+      <mc:AlternateContent xmlns:mc="http://schemas.openxmlformats.org/markup-compatibility/2006">
+        <mc:Choice xmlns:a14="http://schemas.microsoft.com/office/drawing/2010/main" Requires="a14">
+          <p:sp>
+            <p:nvSpPr>
+              <p:cNvPr id="3" name="內容版面配置區 2"/>
+              <p:cNvSpPr>
+                <a:spLocks noGrp="1"/>
+              </p:cNvSpPr>
+              <p:nvPr>
+                <p:ph idx="1"/>
+              </p:nvPr>
+            </p:nvSpPr>
+            <p:spPr/>
+            <p:txBody>
+              <a:bodyPr>
+                <a:normAutofit fontScale="92500"/>
+              </a:bodyPr>
+              <a:lstStyle/>
+              <a:p>
+                <a:r>
+                  <a:rPr lang="en-US" altLang="zh-TW" dirty="0" smtClean="0"/>
+                  <a:t>PageRank(v):</a:t>
+                </a:r>
+                <a:r>
+                  <a:rPr lang="zh-TW" altLang="en-US" dirty="0" smtClean="0"/>
+                  <a:t>作家</a:t>
+                </a:r>
+                <a:r>
+                  <a:rPr lang="en-US" altLang="zh-TW" dirty="0" smtClean="0"/>
+                  <a:t>v</a:t>
+                </a:r>
+                <a:r>
+                  <a:rPr lang="zh-TW" altLang="en-US" dirty="0" smtClean="0"/>
+                  <a:t>與人合作的權重</a:t>
+                </a:r>
+                <a:endParaRPr lang="en-US" altLang="zh-TW" dirty="0" smtClean="0"/>
+              </a:p>
+              <a:p>
+                <a:r>
+                  <a:rPr lang="en-US" altLang="zh-TW" dirty="0" err="1" smtClean="0"/>
+                  <a:t>PageRankWeight</a:t>
+                </a:r>
+                <a:r>
+                  <a:rPr lang="en-US" altLang="zh-TW" dirty="0" smtClean="0"/>
+                  <a:t>(</a:t>
+                </a:r>
+                <a:r>
+                  <a:rPr lang="en-US" altLang="zh-TW" dirty="0" err="1" smtClean="0"/>
+                  <a:t>u,v</a:t>
+                </a:r>
+                <a:r>
+                  <a:rPr lang="en-US" altLang="zh-TW" dirty="0" smtClean="0"/>
+                  <a:t>):</a:t>
+                </a:r>
+                <a:r>
+                  <a:rPr lang="en-US" altLang="zh-TW" dirty="0"/>
+                  <a:t> </a:t>
+                </a:r>
+                <a14:m>
+                  <m:oMath xmlns:m="http://schemas.openxmlformats.org/officeDocument/2006/math">
+                    <m:sSub>
+                      <m:sSubPr>
+                        <m:ctrlPr>
+                          <a:rPr lang="en-US" altLang="zh-TW" b="0" i="0" dirty="0" smtClean="0">
+                            <a:latin typeface="Cambria Math"/>
+                          </a:rPr>
+                        </m:ctrlPr>
+                      </m:sSubPr>
+                      <m:e>
+                        <m:r>
+                          <m:rPr>
+                            <m:sty m:val="p"/>
+                          </m:rPr>
+                          <a:rPr lang="en-US" altLang="zh-TW" b="0" i="0" dirty="0" smtClean="0">
+                            <a:latin typeface="Cambria Math"/>
+                          </a:rPr>
+                          <m:t>c</m:t>
+                        </m:r>
+                      </m:e>
+                      <m:sub>
+                        <m:r>
+                          <a:rPr lang="en-US" altLang="zh-TW" b="0" i="0" dirty="0" smtClean="0">
+                            <a:latin typeface="Cambria Math"/>
+                          </a:rPr>
+                          <m:t>1</m:t>
+                        </m:r>
+                      </m:sub>
+                    </m:sSub>
+                    <m:r>
+                      <a:rPr lang="en-US" altLang="zh-TW" i="1" dirty="0" smtClean="0">
+                        <a:latin typeface="Cambria Math"/>
+                      </a:rPr>
+                      <m:t>𝑃𝑎𝑔𝑒𝑅𝑎𝑛𝑘</m:t>
+                    </m:r>
+                    <m:r>
+                      <a:rPr lang="en-US" altLang="zh-TW" i="1" dirty="0" smtClean="0">
+                        <a:latin typeface="Cambria Math"/>
+                      </a:rPr>
+                      <m:t>(</m:t>
+                    </m:r>
+                    <m:r>
+                      <a:rPr lang="en-US" altLang="zh-TW" i="1" dirty="0" smtClean="0">
+                        <a:latin typeface="Cambria Math"/>
+                      </a:rPr>
+                      <m:t>𝑣</m:t>
+                    </m:r>
+                    <m:r>
+                      <a:rPr lang="en-US" altLang="zh-TW" i="1" dirty="0" smtClean="0">
+                        <a:latin typeface="Cambria Math"/>
+                      </a:rPr>
+                      <m:t>)+</m:t>
+                    </m:r>
+                    <m:sSub>
+                      <m:sSubPr>
+                        <m:ctrlPr>
+                          <a:rPr lang="en-US" altLang="zh-TW" b="0" i="1" dirty="0" smtClean="0">
+                            <a:latin typeface="Cambria Math"/>
+                          </a:rPr>
+                        </m:ctrlPr>
+                      </m:sSubPr>
+                      <m:e>
+                        <m:r>
+                          <a:rPr lang="en-US" altLang="zh-TW" b="0" i="1" dirty="0" smtClean="0">
+                            <a:latin typeface="Cambria Math"/>
+                          </a:rPr>
+                          <m:t>𝑐</m:t>
+                        </m:r>
+                      </m:e>
+                      <m:sub>
+                        <m:r>
+                          <a:rPr lang="en-US" altLang="zh-TW" b="0" i="1" dirty="0" smtClean="0">
+                            <a:latin typeface="Cambria Math"/>
+                          </a:rPr>
+                          <m:t>2</m:t>
+                        </m:r>
+                      </m:sub>
+                    </m:sSub>
+                    <m:r>
+                      <a:rPr lang="en-US" altLang="zh-TW" i="1" dirty="0" smtClean="0">
+                        <a:latin typeface="Cambria Math"/>
+                      </a:rPr>
+                      <m:t>𝑃𝑎𝑔𝑒𝑅𝑎𝑛𝑘</m:t>
+                    </m:r>
+                    <m:r>
+                      <a:rPr lang="en-US" altLang="zh-TW" i="1" dirty="0" smtClean="0">
+                        <a:latin typeface="Cambria Math"/>
+                      </a:rPr>
+                      <m:t>(</m:t>
+                    </m:r>
+                    <m:r>
+                      <a:rPr lang="en-US" altLang="zh-TW" i="1" dirty="0" smtClean="0">
+                        <a:latin typeface="Cambria Math"/>
+                      </a:rPr>
+                      <m:t>𝑢</m:t>
+                    </m:r>
+                    <m:r>
+                      <a:rPr lang="en-US" altLang="zh-TW" i="1" dirty="0" smtClean="0">
+                        <a:latin typeface="Cambria Math"/>
+                      </a:rPr>
+                      <m:t>):</m:t>
+                    </m:r>
+                  </m:oMath>
+                </a14:m>
+                <a:endParaRPr lang="en-US" altLang="zh-TW" dirty="0" smtClean="0"/>
+              </a:p>
+              <a:p>
+                <a:endParaRPr lang="en-US" altLang="zh-TW" dirty="0" smtClean="0"/>
+              </a:p>
+              <a:p>
+                <a:r>
+                  <a:rPr lang="en-US" altLang="zh-TW" dirty="0" err="1" smtClean="0"/>
+                  <a:t>ConferenceCount</a:t>
+                </a:r>
+                <a:r>
+                  <a:rPr lang="en-US" altLang="zh-TW" dirty="0" smtClean="0"/>
+                  <a:t>(</a:t>
+                </a:r>
+                <a:r>
+                  <a:rPr lang="en-US" altLang="zh-TW" dirty="0" err="1" smtClean="0"/>
+                  <a:t>v,i</a:t>
+                </a:r>
+                <a:r>
+                  <a:rPr lang="en-US" altLang="zh-TW" dirty="0" smtClean="0"/>
+                  <a:t>):</a:t>
+                </a:r>
+                <a:r>
+                  <a:rPr lang="zh-TW" altLang="en-US" dirty="0" smtClean="0"/>
+                  <a:t>作家</a:t>
+                </a:r>
+                <a:r>
+                  <a:rPr lang="en-US" altLang="zh-TW" dirty="0" smtClean="0"/>
+                  <a:t>v</a:t>
+                </a:r>
+                <a:r>
+                  <a:rPr lang="zh-TW" altLang="en-US" dirty="0" smtClean="0"/>
+                  <a:t>發表</a:t>
+                </a:r>
+                <a:r>
+                  <a:rPr lang="en-US" altLang="zh-TW" dirty="0" smtClean="0"/>
+                  <a:t>paper</a:t>
+                </a:r>
+                <a:r>
+                  <a:rPr lang="zh-TW" altLang="en-US" dirty="0" smtClean="0"/>
+                  <a:t>在</a:t>
+                </a:r>
+                <a:r>
+                  <a:rPr lang="en-US" altLang="zh-TW" dirty="0" smtClean="0"/>
+                  <a:t>conference </a:t>
+                </a:r>
+                <a:r>
+                  <a:rPr lang="en-US" altLang="zh-TW" dirty="0" err="1" smtClean="0"/>
+                  <a:t>i</a:t>
+                </a:r>
+                <a:r>
+                  <a:rPr lang="zh-TW" altLang="en-US" dirty="0" smtClean="0"/>
+                  <a:t>的次數</a:t>
+                </a:r>
+                <a:endParaRPr lang="en-US" altLang="zh-TW" dirty="0" smtClean="0"/>
+              </a:p>
+              <a:p>
+                <a:r>
+                  <a:rPr lang="en-US" altLang="zh-TW" dirty="0" err="1" smtClean="0"/>
+                  <a:t>ConferenceWeight</a:t>
+                </a:r>
+                <a:r>
+                  <a:rPr lang="en-US" altLang="zh-TW" dirty="0" smtClean="0"/>
+                  <a:t>(</a:t>
+                </a:r>
+                <a:r>
+                  <a:rPr lang="en-US" altLang="zh-TW" dirty="0" err="1" smtClean="0"/>
+                  <a:t>u,v</a:t>
+                </a:r>
+                <a:r>
+                  <a:rPr lang="en-US" altLang="zh-TW" dirty="0" smtClean="0"/>
+                  <a:t>):</a:t>
+                </a:r>
+                <a14:m>
+                  <m:oMath xmlns:m="http://schemas.openxmlformats.org/officeDocument/2006/math">
+                    <m:nary>
+                      <m:naryPr>
+                        <m:chr m:val="∑"/>
+                        <m:supHide m:val="on"/>
+                        <m:ctrlPr>
+                          <a:rPr lang="en-US" altLang="zh-TW" i="1" smtClean="0">
+                            <a:latin typeface="Cambria Math"/>
+                          </a:rPr>
+                        </m:ctrlPr>
+                      </m:naryPr>
+                      <m:sub>
+                        <m:r>
+                          <m:rPr>
+                            <m:brk m:alnAt="7"/>
+                          </m:rPr>
+                          <a:rPr lang="en-US" altLang="zh-TW" b="0" i="1" smtClean="0">
+                            <a:latin typeface="Cambria Math"/>
+                          </a:rPr>
+                          <m:t>𝑎𝑙𝑙</m:t>
+                        </m:r>
+                        <m:r>
+                          <a:rPr lang="en-US" altLang="zh-TW" b="0" i="1" smtClean="0">
+                            <a:latin typeface="Cambria Math"/>
+                          </a:rPr>
+                          <m:t> </m:t>
+                        </m:r>
+                        <m:r>
+                          <a:rPr lang="en-US" altLang="zh-TW" b="0" i="1" smtClean="0">
+                            <a:latin typeface="Cambria Math"/>
+                          </a:rPr>
+                          <m:t>𝑖</m:t>
+                        </m:r>
+                      </m:sub>
+                      <m:sup/>
+                      <m:e>
+                        <m:r>
+                          <m:rPr>
+                            <m:nor/>
+                          </m:rPr>
+                          <a:rPr lang="en-US" altLang="zh-TW" dirty="0"/>
+                          <m:t>ConferenceCount</m:t>
+                        </m:r>
+                        <m:r>
+                          <m:rPr>
+                            <m:nor/>
+                          </m:rPr>
+                          <a:rPr lang="en-US" altLang="zh-TW" dirty="0"/>
+                          <m:t>(</m:t>
+                        </m:r>
+                        <m:r>
+                          <m:rPr>
+                            <m:nor/>
+                          </m:rPr>
+                          <a:rPr lang="en-US" altLang="zh-TW" dirty="0"/>
+                          <m:t>v</m:t>
+                        </m:r>
+                        <m:r>
+                          <m:rPr>
+                            <m:nor/>
+                          </m:rPr>
+                          <a:rPr lang="en-US" altLang="zh-TW" dirty="0"/>
+                          <m:t>,</m:t>
+                        </m:r>
+                        <m:r>
+                          <m:rPr>
+                            <m:nor/>
+                          </m:rPr>
+                          <a:rPr lang="en-US" altLang="zh-TW" dirty="0"/>
+                          <m:t>i</m:t>
+                        </m:r>
+                        <m:r>
+                          <m:rPr>
+                            <m:nor/>
+                          </m:rPr>
+                          <a:rPr lang="en-US" altLang="zh-TW" dirty="0"/>
+                          <m:t>)+</m:t>
+                        </m:r>
+                        <m:r>
+                          <m:rPr>
+                            <m:nor/>
+                          </m:rPr>
+                          <a:rPr lang="en-US" altLang="zh-TW" dirty="0"/>
+                          <m:t>ConferenceCount</m:t>
+                        </m:r>
+                        <m:r>
+                          <m:rPr>
+                            <m:nor/>
+                          </m:rPr>
+                          <a:rPr lang="en-US" altLang="zh-TW" dirty="0"/>
+                          <m:t>(</m:t>
+                        </m:r>
+                        <m:r>
+                          <m:rPr>
+                            <m:nor/>
+                          </m:rPr>
+                          <a:rPr lang="en-US" altLang="zh-TW" dirty="0"/>
+                          <m:t>v</m:t>
+                        </m:r>
+                        <m:r>
+                          <m:rPr>
+                            <m:nor/>
+                          </m:rPr>
+                          <a:rPr lang="en-US" altLang="zh-TW" dirty="0"/>
+                          <m:t>,</m:t>
+                        </m:r>
+                        <m:r>
+                          <m:rPr>
+                            <m:nor/>
+                          </m:rPr>
+                          <a:rPr lang="en-US" altLang="zh-TW" dirty="0"/>
+                          <m:t>i</m:t>
+                        </m:r>
+                        <m:r>
+                          <m:rPr>
+                            <m:nor/>
+                          </m:rPr>
+                          <a:rPr lang="en-US" altLang="zh-TW" dirty="0"/>
+                          <m:t>)</m:t>
+                        </m:r>
+                        <m:r>
+                          <m:rPr>
+                            <m:nor/>
+                          </m:rPr>
+                          <a:rPr lang="zh-TW" altLang="en-US" dirty="0"/>
+                          <m:t> </m:t>
+                        </m:r>
+                      </m:e>
+                    </m:nary>
+                  </m:oMath>
+                </a14:m>
+                <a:endParaRPr lang="zh-TW" altLang="en-US" dirty="0"/>
+              </a:p>
+            </p:txBody>
+          </p:sp>
+        </mc:Choice>
+        <mc:Fallback>
+          <p:sp>
+            <p:nvSpPr>
+              <p:cNvPr id="3" name="內容版面配置區 2"/>
+              <p:cNvSpPr>
+                <a:spLocks noGrp="1" noRot="1" noChangeAspect="1" noMove="1" noResize="1" noEditPoints="1" noAdjustHandles="1" noChangeArrowheads="1" noChangeShapeType="1" noTextEdit="1"/>
+              </p:cNvSpPr>
+              <p:nvPr>
+                <p:ph idx="1"/>
+              </p:nvPr>
+            </p:nvSpPr>
+            <p:spPr>
+              <a:blipFill rotWithShape="1">
+                <a:blip r:embed="rId2"/>
+                <a:stretch>
+                  <a:fillRect l="-1481" t="-1752"/>
+                </a:stretch>
+              </a:blipFill>
+            </p:spPr>
+            <p:txBody>
+              <a:bodyPr/>
+              <a:lstStyle/>
+              <a:p>
+                <a:r>
+                  <a:rPr lang="zh-TW" altLang="en-US">
+                    <a:noFill/>
+                  </a:rPr>
+                  <a:t> </a:t>
+                </a:r>
+              </a:p>
+            </p:txBody>
+          </p:sp>
+        </mc:Fallback>
+      </mc:AlternateContent>
+    </p:spTree>
+    <p:extLst>
+      <p:ext uri="{BB962C8B-B14F-4D97-AF65-F5344CB8AC3E}">
+        <p14:creationId xmlns:p14="http://schemas.microsoft.com/office/powerpoint/2010/main" val="854679138"/>
+      </p:ext>
+    </p:extLst>
+  </p:cSld>
+  <p:clrMapOvr>
+    <a:masterClrMapping/>
+  </p:clrMapOvr>
+</p:sld>
+</file>
+
+<file path=ppt/slides/slide4.xml><?xml version="1.0" encoding="utf-8"?>
+<p:sld xmlns:a="http://schemas.openxmlformats.org/drawingml/2006/main" xmlns:r="http://schemas.openxmlformats.org/officeDocument/2006/relationships" xmlns:p="http://schemas.openxmlformats.org/presentationml/2006/main">
+  <p:cSld>
+    <p:spTree>
+      <p:nvGrpSpPr>
+        <p:cNvPr id="1" name=""/>
+        <p:cNvGrpSpPr/>
+        <p:nvPr/>
+      </p:nvGrpSpPr>
+      <p:grpSpPr>
+        <a:xfrm>
+          <a:off x="0" y="0"/>
+          <a:ext cx="0" cy="0"/>
+          <a:chOff x="0" y="0"/>
+          <a:chExt cx="0" cy="0"/>
+        </a:xfrm>
+      </p:grpSpPr>
+      <p:sp>
+        <p:nvSpPr>
+          <p:cNvPr id="2" name="標題 1"/>
+          <p:cNvSpPr>
+            <a:spLocks noGrp="1"/>
+          </p:cNvSpPr>
+          <p:nvPr>
+            <p:ph type="title"/>
+          </p:nvPr>
+        </p:nvSpPr>
+        <p:spPr/>
+        <p:txBody>
+          <a:bodyPr/>
+          <a:lstStyle/>
+          <a:p>
+            <a:r>
+              <a:rPr lang="en-US" altLang="zh-TW" dirty="0" smtClean="0"/>
+              <a:t>Node Weight</a:t>
+            </a:r>
+            <a:endParaRPr lang="zh-TW" altLang="en-US" dirty="0"/>
+          </a:p>
+        </p:txBody>
+      </p:sp>
+      <mc:AlternateContent xmlns:mc="http://schemas.openxmlformats.org/markup-compatibility/2006">
+        <mc:Choice xmlns:a14="http://schemas.microsoft.com/office/drawing/2010/main" Requires="a14">
+          <p:sp>
+            <p:nvSpPr>
+              <p:cNvPr id="3" name="內容版面配置區 2"/>
+              <p:cNvSpPr>
+                <a:spLocks noGrp="1"/>
+              </p:cNvSpPr>
+              <p:nvPr>
+                <p:ph idx="1"/>
+              </p:nvPr>
+            </p:nvSpPr>
+            <p:spPr/>
+            <p:txBody>
+              <a:bodyPr/>
+              <a:lstStyle/>
+              <a:p>
+                <a14:m>
+                  <m:oMath xmlns:m="http://schemas.openxmlformats.org/officeDocument/2006/math">
+                    <m:r>
+                      <a:rPr lang="en-US" altLang="zh-TW" b="0" i="1" smtClean="0">
+                        <a:latin typeface="Cambria Math"/>
+                      </a:rPr>
+                      <m:t>𝑁𝑜𝑑𝑒𝑊𝑒𝑖𝑔h𝑡</m:t>
+                    </m:r>
+                    <m:d>
+                      <m:dPr>
+                        <m:ctrlPr>
+                          <a:rPr lang="en-US" altLang="zh-TW" b="0" i="1" smtClean="0">
+                            <a:latin typeface="Cambria Math"/>
+                          </a:rPr>
+                        </m:ctrlPr>
+                      </m:dPr>
+                      <m:e>
+                        <m:r>
+                          <a:rPr lang="en-US" altLang="zh-TW" b="0" i="1" smtClean="0">
+                            <a:latin typeface="Cambria Math"/>
+                          </a:rPr>
+                          <m:t>𝑢</m:t>
+                        </m:r>
+                        <m:r>
+                          <a:rPr lang="en-US" altLang="zh-TW" b="0" i="1" smtClean="0">
+                            <a:latin typeface="Cambria Math"/>
+                          </a:rPr>
+                          <m:t>,</m:t>
+                        </m:r>
+                        <m:r>
+                          <a:rPr lang="en-US" altLang="zh-TW" b="0" i="1" smtClean="0">
+                            <a:latin typeface="Cambria Math"/>
+                          </a:rPr>
+                          <m:t>𝑣</m:t>
+                        </m:r>
+                      </m:e>
+                    </m:d>
+                    <m:r>
+                      <a:rPr lang="en-US" altLang="zh-TW" b="0" i="1" smtClean="0">
+                        <a:latin typeface="Cambria Math"/>
+                      </a:rPr>
+                      <m:t>=</m:t>
+                    </m:r>
+                    <m:r>
+                      <a:rPr lang="en-US" altLang="zh-TW" b="0" i="1" smtClean="0">
+                        <a:latin typeface="Cambria Math"/>
+                      </a:rPr>
+                      <m:t>𝑝𝑃𝑎𝑔𝑒𝑅𝑎𝑛𝑘</m:t>
+                    </m:r>
+                    <m:r>
+                      <a:rPr lang="en-US" altLang="zh-TW" b="0" i="1" smtClean="0">
+                        <a:latin typeface="Cambria Math"/>
+                      </a:rPr>
+                      <m:t>∗</m:t>
+                    </m:r>
+                    <m:r>
+                      <a:rPr lang="en-US" altLang="zh-TW" b="0" i="1" smtClean="0">
+                        <a:latin typeface="Cambria Math"/>
+                      </a:rPr>
+                      <m:t>𝑃𝑎𝑔𝑒𝑅𝑎𝑛𝑘𝑊𝑒𝑖𝑔h𝑡</m:t>
+                    </m:r>
+                    <m:d>
+                      <m:dPr>
+                        <m:ctrlPr>
+                          <a:rPr lang="en-US" altLang="zh-TW" b="0" i="1" smtClean="0">
+                            <a:latin typeface="Cambria Math"/>
+                          </a:rPr>
+                        </m:ctrlPr>
+                      </m:dPr>
+                      <m:e>
+                        <m:r>
+                          <a:rPr lang="en-US" altLang="zh-TW" b="0" i="1" smtClean="0">
+                            <a:latin typeface="Cambria Math"/>
+                          </a:rPr>
+                          <m:t>𝑢</m:t>
+                        </m:r>
+                        <m:r>
+                          <a:rPr lang="en-US" altLang="zh-TW" b="0" i="1" smtClean="0">
+                            <a:latin typeface="Cambria Math"/>
+                          </a:rPr>
+                          <m:t>,</m:t>
+                        </m:r>
+                        <m:r>
+                          <a:rPr lang="en-US" altLang="zh-TW" b="0" i="1" smtClean="0">
+                            <a:latin typeface="Cambria Math"/>
+                          </a:rPr>
+                          <m:t>𝑣</m:t>
+                        </m:r>
+                      </m:e>
+                    </m:d>
+                    <m:r>
+                      <a:rPr lang="en-US" altLang="zh-TW" b="0" i="1" smtClean="0">
+                        <a:latin typeface="Cambria Math"/>
+                      </a:rPr>
+                      <m:t>+</m:t>
+                    </m:r>
+                    <m:r>
+                      <a:rPr lang="en-US" altLang="zh-TW" b="0" i="1" smtClean="0">
+                        <a:latin typeface="Cambria Math"/>
+                      </a:rPr>
+                      <m:t>𝑝𝐶𝑜𝑛𝑓𝑒𝑟𝑒𝑛𝑐𝑒</m:t>
+                    </m:r>
+                    <m:r>
+                      <a:rPr lang="en-US" altLang="zh-TW" b="0" i="1" smtClean="0">
+                        <a:latin typeface="Cambria Math"/>
+                      </a:rPr>
+                      <m:t>∗</m:t>
+                    </m:r>
+                    <m:r>
+                      <a:rPr lang="en-US" altLang="zh-TW" b="0" i="1" smtClean="0">
+                        <a:latin typeface="Cambria Math"/>
+                      </a:rPr>
+                      <m:t>𝐶𝑜𝑛𝑓𝑒𝑟𝑒𝑛𝑐𝑒𝑊𝑒𝑖𝑔h𝑡</m:t>
+                    </m:r>
+                    <m:r>
+                      <a:rPr lang="en-US" altLang="zh-TW" b="0" i="1" smtClean="0">
+                        <a:latin typeface="Cambria Math"/>
+                      </a:rPr>
+                      <m:t>(</m:t>
+                    </m:r>
+                    <m:r>
+                      <a:rPr lang="en-US" altLang="zh-TW" b="0" i="1" smtClean="0">
+                        <a:latin typeface="Cambria Math"/>
+                      </a:rPr>
+                      <m:t>𝑢</m:t>
+                    </m:r>
+                    <m:r>
+                      <a:rPr lang="en-US" altLang="zh-TW" b="0" i="1" smtClean="0">
+                        <a:latin typeface="Cambria Math"/>
+                      </a:rPr>
+                      <m:t>,</m:t>
+                    </m:r>
+                    <m:r>
+                      <a:rPr lang="en-US" altLang="zh-TW" b="0" i="1" smtClean="0">
+                        <a:latin typeface="Cambria Math"/>
+                      </a:rPr>
+                      <m:t>𝑣</m:t>
+                    </m:r>
+                    <m:r>
+                      <a:rPr lang="en-US" altLang="zh-TW" b="0" i="1" smtClean="0">
+                        <a:latin typeface="Cambria Math"/>
+                      </a:rPr>
+                      <m:t>)</m:t>
+                    </m:r>
+                  </m:oMath>
+                </a14:m>
+                <a:endParaRPr lang="zh-TW" altLang="en-US" dirty="0"/>
+              </a:p>
+            </p:txBody>
+          </p:sp>
+        </mc:Choice>
+        <mc:Fallback>
+          <p:sp>
+            <p:nvSpPr>
+              <p:cNvPr id="3" name="內容版面配置區 2"/>
+              <p:cNvSpPr>
+                <a:spLocks noGrp="1" noRot="1" noChangeAspect="1" noMove="1" noResize="1" noEditPoints="1" noAdjustHandles="1" noChangeArrowheads="1" noChangeShapeType="1" noTextEdit="1"/>
+              </p:cNvSpPr>
+              <p:nvPr>
+                <p:ph idx="1"/>
+              </p:nvPr>
+            </p:nvSpPr>
+            <p:spPr>
+              <a:blipFill rotWithShape="1">
+                <a:blip r:embed="rId2"/>
+                <a:stretch>
+                  <a:fillRect/>
+                </a:stretch>
+              </a:blipFill>
+            </p:spPr>
+            <p:txBody>
+              <a:bodyPr/>
+              <a:lstStyle/>
+              <a:p>
+                <a:r>
+                  <a:rPr lang="zh-TW" altLang="en-US">
+                    <a:noFill/>
+                  </a:rPr>
+                  <a:t> </a:t>
+                </a:r>
+              </a:p>
+            </p:txBody>
+          </p:sp>
+        </mc:Fallback>
+      </mc:AlternateContent>
+    </p:spTree>
+    <p:extLst>
+      <p:ext uri="{BB962C8B-B14F-4D97-AF65-F5344CB8AC3E}">
+        <p14:creationId xmlns:p14="http://schemas.microsoft.com/office/powerpoint/2010/main" val="2491152719"/>
+      </p:ext>
+    </p:extLst>
+  </p:cSld>
+  <p:clrMapOvr>
+    <a:masterClrMapping/>
+  </p:clrMapOvr>
+</p:sld>
+</file>
+
+<file path=ppt/slides/slide5.xml><?xml version="1.0" encoding="utf-8"?>
+<p:sld xmlns:a="http://schemas.openxmlformats.org/drawingml/2006/main" xmlns:r="http://schemas.openxmlformats.org/officeDocument/2006/relationships" xmlns:p="http://schemas.openxmlformats.org/presentationml/2006/main">
+  <p:cSld>
+    <p:spTree>
+      <p:nvGrpSpPr>
+        <p:cNvPr id="1" name=""/>
+        <p:cNvGrpSpPr/>
+        <p:nvPr/>
+      </p:nvGrpSpPr>
+      <p:grpSpPr>
+        <a:xfrm>
+          <a:off x="0" y="0"/>
+          <a:ext cx="0" cy="0"/>
+          <a:chOff x="0" y="0"/>
+          <a:chExt cx="0" cy="0"/>
+        </a:xfrm>
+      </p:grpSpPr>
+      <p:sp>
+        <p:nvSpPr>
+          <p:cNvPr id="2" name="標題 1"/>
+          <p:cNvSpPr>
+            <a:spLocks noGrp="1"/>
+          </p:cNvSpPr>
+          <p:nvPr>
+            <p:ph type="title"/>
+          </p:nvPr>
+        </p:nvSpPr>
+        <p:spPr/>
+        <p:txBody>
+          <a:bodyPr/>
+          <a:lstStyle/>
+          <a:p>
+            <a:r>
+              <a:rPr lang="en-US" altLang="zh-TW" dirty="0" smtClean="0"/>
+              <a:t>Edge Weight</a:t>
+            </a:r>
+            <a:endParaRPr lang="zh-TW" altLang="en-US" dirty="0"/>
           </a:p>
         </p:txBody>
       </p:sp>
@@ -3453,15 +4483,11 @@
             </a:r>
             <a:r>
               <a:rPr lang="en-US" altLang="zh-TW" dirty="0" smtClean="0"/>
-              <a:t>^(2010-2008)+</a:t>
-            </a:r>
-            <a:r>
-              <a:rPr lang="en-US" altLang="zh-TW" dirty="0" err="1" smtClean="0"/>
-              <a:t>pConf</a:t>
+              <a:t>^(2010-2008</a:t>
             </a:r>
             <a:r>
               <a:rPr lang="en-US" altLang="zh-TW" dirty="0" smtClean="0"/>
-              <a:t>*1+pPaper*1</a:t>
+              <a:t>)</a:t>
             </a:r>
             <a:endParaRPr lang="zh-TW" altLang="en-US" dirty="0"/>
           </a:p>
@@ -3509,7 +4535,7 @@
         <p:spPr>
           <a:xfrm>
             <a:off x="3347107" y="3249074"/>
-            <a:ext cx="5688161" cy="461665"/>
+            <a:ext cx="5688161" cy="276999"/>
           </a:xfrm>
           <a:prstGeom prst="rect">
             <a:avLst/>
@@ -3532,45 +4558,23 @@
             </a:r>
             <a:r>
               <a:rPr lang="en-US" altLang="zh-TW" sz="1200" dirty="0" smtClean="0"/>
-              <a:t>^(2010-2008)+</a:t>
+              <a:t>^(2010-2008</a:t>
+            </a:r>
+            <a:r>
+              <a:rPr lang="en-US" altLang="zh-TW" sz="1200" dirty="0" smtClean="0"/>
+              <a:t>)+   </a:t>
             </a:r>
             <a:r>
               <a:rPr lang="en-US" altLang="zh-TW" sz="1200" dirty="0" err="1" smtClean="0"/>
-              <a:t>pConf</a:t>
+              <a:t>pYear</a:t>
+            </a:r>
+            <a:r>
+              <a:rPr lang="en-US" altLang="zh-TW" sz="1200" dirty="0"/>
+              <a:t>^(2010-2008</a:t>
             </a:r>
             <a:r>
               <a:rPr lang="en-US" altLang="zh-TW" sz="1200" dirty="0" smtClean="0"/>
-              <a:t>*1+pPaper*1</a:t>
-            </a:r>
-          </a:p>
-          <a:p>
-            <a:r>
-              <a:rPr lang="en-US" altLang="zh-TW" sz="1200" dirty="0"/>
-              <a:t> </a:t>
-            </a:r>
-            <a:r>
-              <a:rPr lang="en-US" altLang="zh-TW" sz="1200" dirty="0" smtClean="0"/>
-              <a:t>                     +</a:t>
-            </a:r>
-            <a:r>
-              <a:rPr lang="en-US" altLang="zh-TW" sz="1200" dirty="0"/>
-              <a:t> </a:t>
-            </a:r>
-            <a:r>
-              <a:rPr lang="en-US" altLang="zh-TW" sz="1200" dirty="0" err="1"/>
-              <a:t>pYear</a:t>
-            </a:r>
-            <a:r>
-              <a:rPr lang="en-US" altLang="zh-TW" sz="1200" dirty="0"/>
-              <a:t>^(2010-2008)+</a:t>
-            </a:r>
-            <a:r>
-              <a:rPr lang="en-US" altLang="zh-TW" sz="1200" dirty="0" err="1"/>
-              <a:t>pConf</a:t>
-            </a:r>
-            <a:r>
-              <a:rPr lang="en-US" altLang="zh-TW" sz="1200" dirty="0"/>
-              <a:t>*1+pPaper*1</a:t>
+              <a:t>)</a:t>
             </a:r>
             <a:endParaRPr lang="zh-TW" altLang="en-US" sz="1200" dirty="0"/>
           </a:p>
@@ -3662,7 +4666,7 @@
 </p:sld>
 </file>
 
-<file path=ppt/slides/slide3.xml><?xml version="1.0" encoding="utf-8"?>
+<file path=ppt/slides/slide6.xml><?xml version="1.0" encoding="utf-8"?>
 <p:sld xmlns:a="http://schemas.openxmlformats.org/drawingml/2006/main" xmlns:r="http://schemas.openxmlformats.org/officeDocument/2006/relationships" xmlns:p="http://schemas.openxmlformats.org/presentationml/2006/main">
   <p:cSld>
     <p:spTree>
@@ -3739,6 +4743,7 @@
             <a:endParaRPr lang="en-US" altLang="zh-TW" dirty="0" smtClean="0"/>
           </a:p>
           <a:p>
+            <a:pPr lvl="1"/>
             <a:endParaRPr lang="zh-TW" altLang="en-US" dirty="0"/>
           </a:p>
         </p:txBody>
@@ -4486,44 +5491,270 @@
           </a:fontRef>
         </p:style>
       </p:cxnSp>
-      <p:sp>
-        <p:nvSpPr>
-          <p:cNvPr id="76" name="文字方塊 75"/>
-          <p:cNvSpPr txBox="1"/>
-          <p:nvPr/>
-        </p:nvSpPr>
-        <p:spPr>
-          <a:xfrm>
-            <a:off x="4644008" y="3789664"/>
-            <a:ext cx="5240345" cy="369332"/>
-          </a:xfrm>
-          <a:prstGeom prst="rect">
-            <a:avLst/>
-          </a:prstGeom>
-          <a:noFill/>
-        </p:spPr>
-        <p:txBody>
-          <a:bodyPr wrap="none" rtlCol="0">
-            <a:spAutoFit/>
-          </a:bodyPr>
-          <a:lstStyle/>
-          <a:p>
-            <a:r>
-              <a:rPr lang="en-US" altLang="zh-TW" dirty="0" err="1" smtClean="0"/>
-              <a:t>PathWeight</a:t>
-            </a:r>
-            <a:r>
-              <a:rPr lang="en-US" altLang="zh-TW" dirty="0" smtClean="0"/>
-              <a:t> = (Weight(S,M)+Weight(M,T))/</a:t>
-            </a:r>
-            <a:r>
-              <a:rPr lang="en-US" altLang="zh-TW" dirty="0" err="1" smtClean="0"/>
-              <a:t>PathLength</a:t>
-            </a:r>
-            <a:endParaRPr lang="zh-TW" altLang="en-US" dirty="0"/>
-          </a:p>
-        </p:txBody>
-      </p:sp>
+      <mc:AlternateContent xmlns:mc="http://schemas.openxmlformats.org/markup-compatibility/2006">
+        <mc:Choice xmlns:a14="http://schemas.microsoft.com/office/drawing/2010/main" Requires="a14">
+          <p:sp>
+            <p:nvSpPr>
+              <p:cNvPr id="76" name="文字方塊 75"/>
+              <p:cNvSpPr txBox="1"/>
+              <p:nvPr/>
+            </p:nvSpPr>
+            <p:spPr>
+              <a:xfrm>
+                <a:off x="2143922" y="5246320"/>
+                <a:ext cx="7007752" cy="678455"/>
+              </a:xfrm>
+              <a:prstGeom prst="rect">
+                <a:avLst/>
+              </a:prstGeom>
+              <a:noFill/>
+            </p:spPr>
+            <p:txBody>
+              <a:bodyPr wrap="none" rtlCol="0">
+                <a:spAutoFit/>
+              </a:bodyPr>
+              <a:lstStyle/>
+              <a:p>
+                <a14:m>
+                  <m:oMathPara xmlns:m="http://schemas.openxmlformats.org/officeDocument/2006/math">
+                    <m:oMathParaPr>
+                      <m:jc m:val="centerGroup"/>
+                    </m:oMathParaPr>
+                    <m:oMath xmlns:m="http://schemas.openxmlformats.org/officeDocument/2006/math">
+                      <m:r>
+                        <a:rPr lang="en-US" altLang="zh-TW" i="1" dirty="0" smtClean="0">
+                          <a:latin typeface="Cambria Math"/>
+                        </a:rPr>
+                        <m:t>𝑃𝑎𝑡h𝑊𝑒𝑖𝑔h𝑡</m:t>
+                      </m:r>
+                      <m:r>
+                        <a:rPr lang="en-US" altLang="zh-TW" i="1" dirty="0" smtClean="0">
+                          <a:latin typeface="Cambria Math"/>
+                        </a:rPr>
+                        <m:t> =</m:t>
+                      </m:r>
+                      <m:f>
+                        <m:fPr>
+                          <m:ctrlPr>
+                            <a:rPr lang="en-US" altLang="zh-TW" i="1" dirty="0" smtClean="0">
+                              <a:latin typeface="Cambria Math"/>
+                            </a:rPr>
+                          </m:ctrlPr>
+                        </m:fPr>
+                        <m:num>
+                          <m:r>
+                            <a:rPr lang="en-US" altLang="zh-TW" i="1" dirty="0" smtClean="0">
+                              <a:latin typeface="Cambria Math"/>
+                            </a:rPr>
+                            <m:t>𝑊𝑒𝑖𝑔h𝑡</m:t>
+                          </m:r>
+                          <m:d>
+                            <m:dPr>
+                              <m:ctrlPr>
+                                <a:rPr lang="en-US" altLang="zh-TW" i="1" dirty="0" smtClean="0">
+                                  <a:latin typeface="Cambria Math"/>
+                                </a:rPr>
+                              </m:ctrlPr>
+                            </m:dPr>
+                            <m:e>
+                              <m:r>
+                                <a:rPr lang="en-US" altLang="zh-TW" i="1" dirty="0" smtClean="0">
+                                  <a:latin typeface="Cambria Math"/>
+                                </a:rPr>
+                                <m:t>𝑆</m:t>
+                              </m:r>
+                              <m:r>
+                                <a:rPr lang="en-US" altLang="zh-TW" i="1" dirty="0" smtClean="0">
+                                  <a:latin typeface="Cambria Math"/>
+                                </a:rPr>
+                                <m:t>,</m:t>
+                              </m:r>
+                              <m:r>
+                                <a:rPr lang="en-US" altLang="zh-TW" i="1" dirty="0" smtClean="0">
+                                  <a:latin typeface="Cambria Math"/>
+                                </a:rPr>
+                                <m:t>𝑀</m:t>
+                              </m:r>
+                            </m:e>
+                          </m:d>
+                          <m:r>
+                            <a:rPr lang="en-US" altLang="zh-TW" i="1" dirty="0" smtClean="0">
+                              <a:latin typeface="Cambria Math"/>
+                            </a:rPr>
+                            <m:t>+</m:t>
+                          </m:r>
+                          <m:r>
+                            <a:rPr lang="en-US" altLang="zh-TW" i="1" dirty="0" smtClean="0">
+                              <a:latin typeface="Cambria Math"/>
+                            </a:rPr>
+                            <m:t>𝑊𝑒𝑖𝑔h𝑡</m:t>
+                          </m:r>
+                          <m:d>
+                            <m:dPr>
+                              <m:ctrlPr>
+                                <a:rPr lang="en-US" altLang="zh-TW" i="1" dirty="0" smtClean="0">
+                                  <a:latin typeface="Cambria Math"/>
+                                </a:rPr>
+                              </m:ctrlPr>
+                            </m:dPr>
+                            <m:e>
+                              <m:r>
+                                <a:rPr lang="en-US" altLang="zh-TW" i="1" dirty="0" smtClean="0">
+                                  <a:latin typeface="Cambria Math"/>
+                                </a:rPr>
+                                <m:t>𝑀</m:t>
+                              </m:r>
+                              <m:r>
+                                <a:rPr lang="en-US" altLang="zh-TW" i="1" dirty="0" smtClean="0">
+                                  <a:latin typeface="Cambria Math"/>
+                                </a:rPr>
+                                <m:t>,</m:t>
+                              </m:r>
+                              <m:r>
+                                <a:rPr lang="en-US" altLang="zh-TW" i="1" dirty="0" smtClean="0">
+                                  <a:latin typeface="Cambria Math"/>
+                                </a:rPr>
+                                <m:t>𝑇</m:t>
+                              </m:r>
+                            </m:e>
+                          </m:d>
+                          <m:r>
+                            <a:rPr lang="en-US" altLang="zh-TW" b="0" i="1" dirty="0" smtClean="0">
+                              <a:latin typeface="Cambria Math"/>
+                            </a:rPr>
+                            <m:t>+</m:t>
+                          </m:r>
+                          <m:r>
+                            <a:rPr lang="en-US" altLang="zh-TW" b="0" i="1" dirty="0" smtClean="0">
+                              <a:latin typeface="Cambria Math"/>
+                            </a:rPr>
+                            <m:t>𝑁𝑜𝑑𝑒𝑊𝑒𝑖𝑔h𝑡</m:t>
+                          </m:r>
+                          <m:r>
+                            <a:rPr lang="en-US" altLang="zh-TW" b="0" i="1" dirty="0" smtClean="0">
+                              <a:latin typeface="Cambria Math"/>
+                            </a:rPr>
+                            <m:t>(</m:t>
+                          </m:r>
+                          <m:r>
+                            <a:rPr lang="en-US" altLang="zh-TW" b="0" i="1" dirty="0" smtClean="0">
+                              <a:latin typeface="Cambria Math"/>
+                            </a:rPr>
+                            <m:t>𝑆</m:t>
+                          </m:r>
+                          <m:r>
+                            <a:rPr lang="en-US" altLang="zh-TW" b="0" i="1" dirty="0" smtClean="0">
+                              <a:latin typeface="Cambria Math"/>
+                            </a:rPr>
+                            <m:t>,</m:t>
+                          </m:r>
+                          <m:r>
+                            <a:rPr lang="en-US" altLang="zh-TW" b="0" i="1" dirty="0" smtClean="0">
+                              <a:latin typeface="Cambria Math"/>
+                            </a:rPr>
+                            <m:t>𝑇</m:t>
+                          </m:r>
+                          <m:r>
+                            <a:rPr lang="en-US" altLang="zh-TW" b="0" i="1" dirty="0" smtClean="0">
+                              <a:latin typeface="Cambria Math"/>
+                            </a:rPr>
+                            <m:t>)</m:t>
+                          </m:r>
+                        </m:num>
+                        <m:den>
+                          <m:r>
+                            <a:rPr lang="en-US" altLang="zh-TW" i="1" dirty="0">
+                              <a:latin typeface="Cambria Math"/>
+                              <a:ea typeface="Cambria Math"/>
+                            </a:rPr>
+                            <m:t>𝛼</m:t>
+                          </m:r>
+                          <m:r>
+                            <a:rPr lang="en-US" altLang="zh-TW" i="1" dirty="0" err="1" smtClean="0">
+                              <a:latin typeface="Cambria Math"/>
+                            </a:rPr>
+                            <m:t>𝑃𝑎𝑡h𝐿𝑒𝑛𝑔𝑡h</m:t>
+                          </m:r>
+                          <m:r>
+                            <a:rPr lang="en-US" altLang="zh-TW" b="0" i="1" dirty="0" smtClean="0">
+                              <a:latin typeface="Cambria Math"/>
+                            </a:rPr>
+                            <m:t>+</m:t>
+                          </m:r>
+                          <m:sSup>
+                            <m:sSupPr>
+                              <m:ctrlPr>
+                                <a:rPr lang="en-US" altLang="zh-TW" b="0" i="1" dirty="0" smtClean="0">
+                                  <a:latin typeface="Cambria Math"/>
+                                </a:rPr>
+                              </m:ctrlPr>
+                            </m:sSupPr>
+                            <m:e>
+                              <m:r>
+                                <a:rPr lang="zh-TW" altLang="en-US" b="0" i="1" dirty="0" smtClean="0">
+                                  <a:latin typeface="Cambria Math"/>
+                                </a:rPr>
+                                <m:t>𝛽</m:t>
+                              </m:r>
+                            </m:e>
+                            <m:sup>
+                              <m:r>
+                                <a:rPr lang="en-US" altLang="zh-TW" b="0" i="1" dirty="0" smtClean="0">
+                                  <a:latin typeface="Cambria Math"/>
+                                </a:rPr>
+                                <m:t>𝑃𝑎𝑡h𝐿𝑒𝑛𝑔𝑡h</m:t>
+                              </m:r>
+                            </m:sup>
+                          </m:sSup>
+                        </m:den>
+                      </m:f>
+                    </m:oMath>
+                  </m:oMathPara>
+                </a14:m>
+                <a:endParaRPr lang="zh-TW" altLang="en-US" dirty="0"/>
+              </a:p>
+            </p:txBody>
+          </p:sp>
+        </mc:Choice>
+        <mc:Fallback>
+          <p:sp>
+            <p:nvSpPr>
+              <p:cNvPr id="76" name="文字方塊 75"/>
+              <p:cNvSpPr txBox="1">
+                <a:spLocks noRot="1" noChangeAspect="1" noMove="1" noResize="1" noEditPoints="1" noAdjustHandles="1" noChangeArrowheads="1" noChangeShapeType="1" noTextEdit="1"/>
+              </p:cNvSpPr>
+              <p:nvPr/>
+            </p:nvSpPr>
+            <p:spPr>
+              <a:xfrm>
+                <a:off x="2143922" y="5246320"/>
+                <a:ext cx="7007752" cy="678455"/>
+              </a:xfrm>
+              <a:prstGeom prst="rect">
+                <a:avLst/>
+              </a:prstGeom>
+              <a:blipFill rotWithShape="1">
+                <a:blip r:embed="rId2"/>
+                <a:stretch>
+                  <a:fillRect/>
+                </a:stretch>
+              </a:blipFill>
+            </p:spPr>
+            <p:txBody>
+              <a:bodyPr/>
+              <a:lstStyle/>
+              <a:p>
+                <a:r>
+                  <a:rPr lang="zh-TW" altLang="en-US">
+                    <a:noFill/>
+                  </a:rPr>
+                  <a:t> </a:t>
+                </a:r>
+              </a:p>
+            </p:txBody>
+          </p:sp>
+        </mc:Fallback>
+      </mc:AlternateContent>
       <p:cxnSp>
         <p:nvCxnSpPr>
           <p:cNvPr id="78" name="直線單箭頭接點 77"/>
@@ -4533,7 +5764,7 @@
         <p:spPr>
           <a:xfrm flipH="1" flipV="1">
             <a:off x="4081326" y="2833369"/>
-            <a:ext cx="1354770" cy="935634"/>
+            <a:ext cx="2794930" cy="2412951"/>
           </a:xfrm>
           <a:prstGeom prst="straightConnector1">
             <a:avLst/>
@@ -4577,7 +5808,7 @@
 </p:sld>
 </file>
 
-<file path=ppt/slides/slide4.xml><?xml version="1.0" encoding="utf-8"?>
+<file path=ppt/slides/slide7.xml><?xml version="1.0" encoding="utf-8"?>
 <p:sld xmlns:a="http://schemas.openxmlformats.org/drawingml/2006/main" xmlns:r="http://schemas.openxmlformats.org/officeDocument/2006/relationships" xmlns:p="http://schemas.openxmlformats.org/presentationml/2006/main">
   <p:cSld>
     <p:spTree>
@@ -4678,7 +5909,7 @@
 </p:sld>
 </file>
 
-<file path=ppt/slides/slide5.xml><?xml version="1.0" encoding="utf-8"?>
+<file path=ppt/slides/slide8.xml><?xml version="1.0" encoding="utf-8"?>
 <p:sld xmlns:a="http://schemas.openxmlformats.org/drawingml/2006/main" xmlns:r="http://schemas.openxmlformats.org/officeDocument/2006/relationships" xmlns:p="http://schemas.openxmlformats.org/presentationml/2006/main">
   <p:cSld>
     <p:spTree>
@@ -4730,7 +5961,9 @@
         </p:nvSpPr>
         <p:spPr/>
         <p:txBody>
-          <a:bodyPr/>
+          <a:bodyPr>
+            <a:normAutofit lnSpcReduction="10000"/>
+          </a:bodyPr>
           <a:lstStyle/>
           <a:p>
             <a:r>
@@ -4757,6 +5990,13 @@
             <a:r>
               <a:rPr lang="en-US" altLang="zh-TW" dirty="0" err="1" smtClean="0"/>
               <a:t>pPredictYear</a:t>
+            </a:r>
+            <a:endParaRPr lang="en-US" altLang="zh-TW" dirty="0" smtClean="0"/>
+          </a:p>
+          <a:p>
+            <a:r>
+              <a:rPr lang="en-US" altLang="zh-TW" dirty="0" err="1" smtClean="0"/>
+              <a:t>pPageRank</a:t>
             </a:r>
             <a:endParaRPr lang="en-US" altLang="zh-TW" dirty="0" smtClean="0"/>
           </a:p>
@@ -4796,7 +6036,7 @@
 </p:sld>
 </file>
 
-<file path=ppt/slides/slide6.xml><?xml version="1.0" encoding="utf-8"?>
+<file path=ppt/slides/slide9.xml><?xml version="1.0" encoding="utf-8"?>
 <p:sld xmlns:a="http://schemas.openxmlformats.org/drawingml/2006/main" xmlns:r="http://schemas.openxmlformats.org/officeDocument/2006/relationships" xmlns:p="http://schemas.openxmlformats.org/presentationml/2006/main">
   <p:cSld>
     <p:spTree>

--- a/Project/Readme_v2.pptx
+++ b/Project/Readme_v2.pptx
@@ -6,14 +6,23 @@
   </p:sldMasterIdLst>
   <p:sldIdLst>
     <p:sldId id="256" r:id="rId2"/>
-    <p:sldId id="262" r:id="rId3"/>
-    <p:sldId id="263" r:id="rId4"/>
-    <p:sldId id="264" r:id="rId5"/>
-    <p:sldId id="257" r:id="rId6"/>
-    <p:sldId id="258" r:id="rId7"/>
-    <p:sldId id="259" r:id="rId8"/>
-    <p:sldId id="260" r:id="rId9"/>
-    <p:sldId id="261" r:id="rId10"/>
+    <p:sldId id="265" r:id="rId3"/>
+    <p:sldId id="274" r:id="rId4"/>
+    <p:sldId id="266" r:id="rId5"/>
+    <p:sldId id="268" r:id="rId6"/>
+    <p:sldId id="267" r:id="rId7"/>
+    <p:sldId id="273" r:id="rId8"/>
+    <p:sldId id="269" r:id="rId9"/>
+    <p:sldId id="270" r:id="rId10"/>
+    <p:sldId id="271" r:id="rId11"/>
+    <p:sldId id="262" r:id="rId12"/>
+    <p:sldId id="263" r:id="rId13"/>
+    <p:sldId id="264" r:id="rId14"/>
+    <p:sldId id="257" r:id="rId15"/>
+    <p:sldId id="258" r:id="rId16"/>
+    <p:sldId id="259" r:id="rId17"/>
+    <p:sldId id="260" r:id="rId18"/>
+    <p:sldId id="261" r:id="rId19"/>
   </p:sldIdLst>
   <p:sldSz cx="9144000" cy="6858000" type="screen4x3"/>
   <p:notesSz cx="6858000" cy="9144000"/>
@@ -112,6 +121,22 @@
       </a:defRPr>
     </a:lvl9pPr>
   </p:defaultTextStyle>
+  <p:extLst>
+    <p:ext uri="{EFAFB233-063F-42B5-8137-9DF3F51BA10A}">
+      <p15:sldGuideLst xmlns:p15="http://schemas.microsoft.com/office/powerpoint/2012/main">
+        <p15:guide id="1" orient="horz" pos="2160">
+          <p15:clr>
+            <a:srgbClr val="A4A3A4"/>
+          </p15:clr>
+        </p15:guide>
+        <p15:guide id="2" pos="2880">
+          <p15:clr>
+            <a:srgbClr val="A4A3A4"/>
+          </p15:clr>
+        </p15:guide>
+      </p15:sldGuideLst>
+    </p:ext>
+  </p:extLst>
 </p:presentation>
 </file>
 
@@ -296,7 +321,7 @@
           <a:p>
             <a:fld id="{5BBEAD13-0566-4C6C-97E7-55F17F24B09F}" type="datetimeFigureOut">
               <a:rPr lang="zh-TW" altLang="en-US" smtClean="0"/>
-              <a:t>2014/12/27</a:t>
+              <a:t>2014/12/30</a:t>
             </a:fld>
             <a:endParaRPr lang="zh-TW" altLang="en-US"/>
           </a:p>
@@ -461,7 +486,7 @@
           <a:p>
             <a:fld id="{5BBEAD13-0566-4C6C-97E7-55F17F24B09F}" type="datetimeFigureOut">
               <a:rPr lang="zh-TW" altLang="en-US" smtClean="0"/>
-              <a:t>2014/12/27</a:t>
+              <a:t>2014/12/30</a:t>
             </a:fld>
             <a:endParaRPr lang="zh-TW" altLang="en-US"/>
           </a:p>
@@ -636,7 +661,7 @@
           <a:p>
             <a:fld id="{5BBEAD13-0566-4C6C-97E7-55F17F24B09F}" type="datetimeFigureOut">
               <a:rPr lang="zh-TW" altLang="en-US" smtClean="0"/>
-              <a:t>2014/12/27</a:t>
+              <a:t>2014/12/30</a:t>
             </a:fld>
             <a:endParaRPr lang="zh-TW" altLang="en-US"/>
           </a:p>
@@ -801,7 +826,7 @@
           <a:p>
             <a:fld id="{5BBEAD13-0566-4C6C-97E7-55F17F24B09F}" type="datetimeFigureOut">
               <a:rPr lang="zh-TW" altLang="en-US" smtClean="0"/>
-              <a:t>2014/12/27</a:t>
+              <a:t>2014/12/30</a:t>
             </a:fld>
             <a:endParaRPr lang="zh-TW" altLang="en-US"/>
           </a:p>
@@ -1042,7 +1067,7 @@
           <a:p>
             <a:fld id="{5BBEAD13-0566-4C6C-97E7-55F17F24B09F}" type="datetimeFigureOut">
               <a:rPr lang="zh-TW" altLang="en-US" smtClean="0"/>
-              <a:t>2014/12/27</a:t>
+              <a:t>2014/12/30</a:t>
             </a:fld>
             <a:endParaRPr lang="zh-TW" altLang="en-US"/>
           </a:p>
@@ -1325,7 +1350,7 @@
           <a:p>
             <a:fld id="{5BBEAD13-0566-4C6C-97E7-55F17F24B09F}" type="datetimeFigureOut">
               <a:rPr lang="zh-TW" altLang="en-US" smtClean="0"/>
-              <a:t>2014/12/27</a:t>
+              <a:t>2014/12/30</a:t>
             </a:fld>
             <a:endParaRPr lang="zh-TW" altLang="en-US"/>
           </a:p>
@@ -1742,7 +1767,7 @@
           <a:p>
             <a:fld id="{5BBEAD13-0566-4C6C-97E7-55F17F24B09F}" type="datetimeFigureOut">
               <a:rPr lang="zh-TW" altLang="en-US" smtClean="0"/>
-              <a:t>2014/12/27</a:t>
+              <a:t>2014/12/30</a:t>
             </a:fld>
             <a:endParaRPr lang="zh-TW" altLang="en-US"/>
           </a:p>
@@ -1855,7 +1880,7 @@
           <a:p>
             <a:fld id="{5BBEAD13-0566-4C6C-97E7-55F17F24B09F}" type="datetimeFigureOut">
               <a:rPr lang="zh-TW" altLang="en-US" smtClean="0"/>
-              <a:t>2014/12/27</a:t>
+              <a:t>2014/12/30</a:t>
             </a:fld>
             <a:endParaRPr lang="zh-TW" altLang="en-US"/>
           </a:p>
@@ -1945,7 +1970,7 @@
           <a:p>
             <a:fld id="{5BBEAD13-0566-4C6C-97E7-55F17F24B09F}" type="datetimeFigureOut">
               <a:rPr lang="zh-TW" altLang="en-US" smtClean="0"/>
-              <a:t>2014/12/27</a:t>
+              <a:t>2014/12/30</a:t>
             </a:fld>
             <a:endParaRPr lang="zh-TW" altLang="en-US"/>
           </a:p>
@@ -2217,7 +2242,7 @@
           <a:p>
             <a:fld id="{5BBEAD13-0566-4C6C-97E7-55F17F24B09F}" type="datetimeFigureOut">
               <a:rPr lang="zh-TW" altLang="en-US" smtClean="0"/>
-              <a:t>2014/12/27</a:t>
+              <a:t>2014/12/30</a:t>
             </a:fld>
             <a:endParaRPr lang="zh-TW" altLang="en-US"/>
           </a:p>
@@ -2465,7 +2490,7 @@
           <a:p>
             <a:fld id="{5BBEAD13-0566-4C6C-97E7-55F17F24B09F}" type="datetimeFigureOut">
               <a:rPr lang="zh-TW" altLang="en-US" smtClean="0"/>
-              <a:t>2014/12/27</a:t>
+              <a:t>2014/12/30</a:t>
             </a:fld>
             <a:endParaRPr lang="zh-TW" altLang="en-US"/>
           </a:p>
@@ -2673,7 +2698,7 @@
           <a:p>
             <a:fld id="{5BBEAD13-0566-4C6C-97E7-55F17F24B09F}" type="datetimeFigureOut">
               <a:rPr lang="zh-TW" altLang="en-US" smtClean="0"/>
-              <a:t>2014/12/27</a:t>
+              <a:t>2014/12/30</a:t>
             </a:fld>
             <a:endParaRPr lang="zh-TW" altLang="en-US"/>
           </a:p>
@@ -3053,12 +3078,49 @@
             <p:ph type="ctrTitle"/>
           </p:nvPr>
         </p:nvSpPr>
-        <p:spPr/>
-        <p:txBody>
-          <a:bodyPr/>
-          <a:lstStyle/>
-          <a:p>
-            <a:endParaRPr lang="zh-TW" altLang="en-US"/>
+        <p:spPr>
+          <a:xfrm>
+            <a:off x="107504" y="2130425"/>
+            <a:ext cx="8928992" cy="1470025"/>
+          </a:xfrm>
+        </p:spPr>
+        <p:txBody>
+          <a:bodyPr>
+            <a:normAutofit fontScale="90000"/>
+          </a:bodyPr>
+          <a:lstStyle/>
+          <a:p>
+            <a:r>
+              <a:rPr lang="en-US" altLang="zh-TW" sz="5400" dirty="0" smtClean="0">
+                <a:latin typeface="Times New Roman" panose="02020603050405020304" pitchFamily="18" charset="0"/>
+                <a:cs typeface="Times New Roman" panose="02020603050405020304" pitchFamily="18" charset="0"/>
+              </a:rPr>
+              <a:t>Final Project</a:t>
+            </a:r>
+            <a:r>
+              <a:rPr lang="en-US" altLang="zh-TW" sz="4800" dirty="0" smtClean="0">
+                <a:latin typeface="Times New Roman" panose="02020603050405020304" pitchFamily="18" charset="0"/>
+                <a:cs typeface="Times New Roman" panose="02020603050405020304" pitchFamily="18" charset="0"/>
+              </a:rPr>
+              <a:t/>
+            </a:r>
+            <a:br>
+              <a:rPr lang="en-US" altLang="zh-TW" sz="4800" dirty="0" smtClean="0">
+                <a:latin typeface="Times New Roman" panose="02020603050405020304" pitchFamily="18" charset="0"/>
+                <a:cs typeface="Times New Roman" panose="02020603050405020304" pitchFamily="18" charset="0"/>
+              </a:rPr>
+            </a:br>
+            <a:r>
+              <a:rPr lang="en-US" altLang="zh-TW" sz="3100" dirty="0" smtClean="0">
+                <a:latin typeface="Times New Roman" panose="02020603050405020304" pitchFamily="18" charset="0"/>
+                <a:cs typeface="Times New Roman" panose="02020603050405020304" pitchFamily="18" charset="0"/>
+              </a:rPr>
+              <a:t>Coauthor Prediction Using Time-based Supervised Learning</a:t>
+            </a:r>
+            <a:endParaRPr lang="zh-TW" altLang="en-US" sz="4800" dirty="0">
+              <a:latin typeface="Times New Roman" panose="02020603050405020304" pitchFamily="18" charset="0"/>
+              <a:cs typeface="Times New Roman" panose="02020603050405020304" pitchFamily="18" charset="0"/>
+            </a:endParaRPr>
           </a:p>
         </p:txBody>
       </p:sp>
@@ -3072,12 +3134,38 @@
             <p:ph type="subTitle" idx="1"/>
           </p:nvPr>
         </p:nvSpPr>
-        <p:spPr/>
-        <p:txBody>
-          <a:bodyPr/>
-          <a:lstStyle/>
-          <a:p>
-            <a:endParaRPr lang="zh-TW" altLang="en-US"/>
+        <p:spPr>
+          <a:xfrm>
+            <a:off x="1371600" y="4725144"/>
+            <a:ext cx="6400800" cy="913656"/>
+          </a:xfrm>
+        </p:spPr>
+        <p:txBody>
+          <a:bodyPr>
+            <a:normAutofit/>
+          </a:bodyPr>
+          <a:lstStyle/>
+          <a:p>
+            <a:r>
+              <a:rPr lang="en-US" altLang="zh-TW" sz="2400" dirty="0" smtClean="0"/>
+              <a:t>R02921044</a:t>
+            </a:r>
+            <a:r>
+              <a:rPr lang="zh-TW" altLang="en-US" sz="2400" dirty="0" smtClean="0"/>
+              <a:t> 童宇凡</a:t>
+            </a:r>
+            <a:endParaRPr lang="en-US" altLang="zh-TW" sz="2400" dirty="0" smtClean="0"/>
+          </a:p>
+          <a:p>
+            <a:r>
+              <a:rPr lang="en-US" altLang="zh-TW" sz="2400" dirty="0" smtClean="0"/>
+              <a:t>R02921074</a:t>
+            </a:r>
+            <a:r>
+              <a:rPr lang="zh-TW" altLang="en-US" sz="2400" dirty="0" smtClean="0"/>
+              <a:t> 吳家輝</a:t>
+            </a:r>
+            <a:endParaRPr lang="zh-TW" altLang="en-US" sz="2400" dirty="0"/>
           </a:p>
         </p:txBody>
       </p:sp>
@@ -3101,7 +3189,7 @@
 </p:sld>
 </file>
 
-<file path=ppt/slides/slide2.xml><?xml version="1.0" encoding="utf-8"?>
+<file path=ppt/slides/slide10.xml><?xml version="1.0" encoding="utf-8"?>
 <p:sld xmlns:a="http://schemas.openxmlformats.org/drawingml/2006/main" xmlns:r="http://schemas.openxmlformats.org/officeDocument/2006/relationships" xmlns:p="http://schemas.openxmlformats.org/presentationml/2006/main">
   <p:cSld>
     <p:spTree>
@@ -3134,8 +3222,8 @@
           <a:lstStyle/>
           <a:p>
             <a:r>
-              <a:rPr lang="en-US" altLang="zh-TW" dirty="0"/>
-              <a:t>Hypothesis</a:t>
+              <a:rPr lang="en-US" altLang="zh-TW" dirty="0" smtClean="0"/>
+              <a:t>Summary</a:t>
             </a:r>
             <a:endParaRPr lang="zh-TW" altLang="en-US" dirty="0"/>
           </a:p>
@@ -3156,242 +3244,6 @@
           <a:bodyPr/>
           <a:lstStyle/>
           <a:p>
-            <a:r>
-              <a:rPr lang="en-US" altLang="zh-TW" dirty="0" smtClean="0"/>
-              <a:t>u</a:t>
-            </a:r>
-            <a:r>
-              <a:rPr lang="zh-TW" altLang="en-US" dirty="0" smtClean="0"/>
-              <a:t>與</a:t>
-            </a:r>
-            <a:r>
-              <a:rPr lang="en-US" altLang="zh-TW" dirty="0" smtClean="0"/>
-              <a:t>v</a:t>
-            </a:r>
-            <a:r>
-              <a:rPr lang="zh-TW" altLang="en-US" dirty="0" smtClean="0"/>
-              <a:t>合作過，</a:t>
-            </a:r>
-            <a:r>
-              <a:rPr lang="en-US" altLang="zh-TW" dirty="0" smtClean="0"/>
-              <a:t>u</a:t>
-            </a:r>
-            <a:r>
-              <a:rPr lang="zh-TW" altLang="en-US" dirty="0" smtClean="0"/>
-              <a:t>與</a:t>
-            </a:r>
-            <a:r>
-              <a:rPr lang="en-US" altLang="zh-TW" dirty="0" smtClean="0"/>
-              <a:t>v</a:t>
-            </a:r>
-            <a:r>
-              <a:rPr lang="zh-TW" altLang="en-US" dirty="0" smtClean="0"/>
-              <a:t>可能繼續合作</a:t>
-            </a:r>
-            <a:endParaRPr lang="en-US" altLang="zh-TW" dirty="0" smtClean="0"/>
-          </a:p>
-          <a:p>
-            <a:r>
-              <a:rPr lang="en-US" altLang="zh-TW" dirty="0" smtClean="0"/>
-              <a:t>u</a:t>
-            </a:r>
-            <a:r>
-              <a:rPr lang="zh-TW" altLang="en-US" dirty="0" smtClean="0"/>
-              <a:t>與</a:t>
-            </a:r>
-            <a:r>
-              <a:rPr lang="en-US" altLang="zh-TW" dirty="0" smtClean="0"/>
-              <a:t>v</a:t>
-            </a:r>
-            <a:r>
-              <a:rPr lang="zh-TW" altLang="en-US" dirty="0" smtClean="0"/>
-              <a:t>近幾年合作過，</a:t>
-            </a:r>
-            <a:r>
-              <a:rPr lang="en-US" altLang="zh-TW" dirty="0" smtClean="0"/>
-              <a:t>u</a:t>
-            </a:r>
-            <a:r>
-              <a:rPr lang="zh-TW" altLang="en-US" dirty="0"/>
-              <a:t>與</a:t>
-            </a:r>
-            <a:r>
-              <a:rPr lang="en-US" altLang="zh-TW" dirty="0"/>
-              <a:t>v</a:t>
-            </a:r>
-            <a:r>
-              <a:rPr lang="zh-TW" altLang="en-US" dirty="0"/>
-              <a:t>可能繼續</a:t>
-            </a:r>
-            <a:r>
-              <a:rPr lang="zh-TW" altLang="en-US" dirty="0" smtClean="0"/>
-              <a:t>合作</a:t>
-            </a:r>
-            <a:endParaRPr lang="en-US" altLang="zh-TW" dirty="0" smtClean="0"/>
-          </a:p>
-          <a:p>
-            <a:r>
-              <a:rPr lang="en-US" altLang="zh-TW" dirty="0"/>
-              <a:t>u</a:t>
-            </a:r>
-            <a:r>
-              <a:rPr lang="zh-TW" altLang="en-US" dirty="0" smtClean="0"/>
-              <a:t>與</a:t>
-            </a:r>
-            <a:r>
-              <a:rPr lang="en-US" altLang="zh-TW" dirty="0" err="1" smtClean="0"/>
-              <a:t>i</a:t>
-            </a:r>
-            <a:r>
-              <a:rPr lang="zh-TW" altLang="en-US" dirty="0" smtClean="0"/>
-              <a:t>合作過，</a:t>
-            </a:r>
-            <a:r>
-              <a:rPr lang="en-US" altLang="zh-TW" dirty="0" err="1" smtClean="0"/>
-              <a:t>i</a:t>
-            </a:r>
-            <a:r>
-              <a:rPr lang="zh-TW" altLang="en-US" dirty="0" smtClean="0"/>
-              <a:t>與</a:t>
-            </a:r>
-            <a:r>
-              <a:rPr lang="en-US" altLang="zh-TW" dirty="0" smtClean="0"/>
-              <a:t>v</a:t>
-            </a:r>
-            <a:r>
-              <a:rPr lang="zh-TW" altLang="en-US" dirty="0" smtClean="0"/>
-              <a:t>合作過，</a:t>
-            </a:r>
-            <a:r>
-              <a:rPr lang="en-US" altLang="zh-TW" dirty="0"/>
-              <a:t> u</a:t>
-            </a:r>
-            <a:r>
-              <a:rPr lang="zh-TW" altLang="en-US" dirty="0"/>
-              <a:t>與</a:t>
-            </a:r>
-            <a:r>
-              <a:rPr lang="en-US" altLang="zh-TW" dirty="0"/>
-              <a:t>v</a:t>
-            </a:r>
-            <a:r>
-              <a:rPr lang="zh-TW" altLang="en-US" dirty="0" smtClean="0"/>
-              <a:t>可能合作</a:t>
-            </a:r>
-            <a:endParaRPr lang="en-US" altLang="zh-TW" dirty="0" smtClean="0"/>
-          </a:p>
-          <a:p>
-            <a:r>
-              <a:rPr lang="en-US" altLang="zh-TW" dirty="0" smtClean="0"/>
-              <a:t>u</a:t>
-            </a:r>
-            <a:r>
-              <a:rPr lang="zh-TW" altLang="en-US" dirty="0" smtClean="0"/>
-              <a:t>跟很多人合作過，</a:t>
-            </a:r>
-            <a:r>
-              <a:rPr lang="en-US" altLang="zh-TW" dirty="0" smtClean="0"/>
-              <a:t>v</a:t>
-            </a:r>
-            <a:r>
-              <a:rPr lang="zh-TW" altLang="en-US" dirty="0" smtClean="0"/>
-              <a:t>跟很多人合作過，</a:t>
-            </a:r>
-            <a:r>
-              <a:rPr lang="en-US" altLang="zh-TW" dirty="0" smtClean="0"/>
-              <a:t>u</a:t>
-            </a:r>
-            <a:r>
-              <a:rPr lang="zh-TW" altLang="en-US" dirty="0" smtClean="0"/>
-              <a:t>與</a:t>
-            </a:r>
-            <a:r>
-              <a:rPr lang="en-US" altLang="zh-TW" dirty="0" smtClean="0"/>
-              <a:t>v</a:t>
-            </a:r>
-            <a:r>
-              <a:rPr lang="zh-TW" altLang="en-US" dirty="0" smtClean="0"/>
-              <a:t>可能合作</a:t>
-            </a:r>
-            <a:endParaRPr lang="en-US" altLang="zh-TW" dirty="0" smtClean="0"/>
-          </a:p>
-          <a:p>
-            <a:r>
-              <a:rPr lang="en-US" altLang="zh-TW" dirty="0" smtClean="0"/>
-              <a:t>u</a:t>
-            </a:r>
-            <a:r>
-              <a:rPr lang="zh-TW" altLang="en-US" dirty="0" smtClean="0"/>
-              <a:t>有發表</a:t>
-            </a:r>
-            <a:r>
-              <a:rPr lang="en-US" altLang="zh-TW" dirty="0" smtClean="0"/>
-              <a:t>paper</a:t>
-            </a:r>
-            <a:r>
-              <a:rPr lang="zh-TW" altLang="en-US" dirty="0" smtClean="0"/>
-              <a:t>在</a:t>
-            </a:r>
-            <a:r>
-              <a:rPr lang="en-US" altLang="zh-TW" dirty="0" smtClean="0"/>
-              <a:t>conference A</a:t>
-            </a:r>
-            <a:r>
-              <a:rPr lang="zh-TW" altLang="en-US" dirty="0" smtClean="0"/>
-              <a:t>，</a:t>
-            </a:r>
-            <a:r>
-              <a:rPr lang="en-US" altLang="zh-TW" dirty="0" smtClean="0"/>
-              <a:t>v</a:t>
-            </a:r>
-            <a:r>
-              <a:rPr lang="en-US" altLang="zh-TW" dirty="0"/>
-              <a:t> </a:t>
-            </a:r>
-            <a:r>
-              <a:rPr lang="zh-TW" altLang="en-US" dirty="0" smtClean="0"/>
-              <a:t>有</a:t>
-            </a:r>
-            <a:r>
-              <a:rPr lang="zh-TW" altLang="en-US" dirty="0"/>
-              <a:t>發表</a:t>
-            </a:r>
-            <a:r>
-              <a:rPr lang="en-US" altLang="zh-TW" dirty="0"/>
-              <a:t>paper</a:t>
-            </a:r>
-            <a:r>
-              <a:rPr lang="zh-TW" altLang="en-US" dirty="0"/>
-              <a:t>在</a:t>
-            </a:r>
-            <a:r>
-              <a:rPr lang="en-US" altLang="zh-TW" dirty="0"/>
-              <a:t>conference </a:t>
-            </a:r>
-            <a:r>
-              <a:rPr lang="en-US" altLang="zh-TW" dirty="0" smtClean="0"/>
-              <a:t>A</a:t>
-            </a:r>
-            <a:r>
-              <a:rPr lang="zh-TW" altLang="en-US" dirty="0" smtClean="0"/>
-              <a:t>，</a:t>
-            </a:r>
-            <a:r>
-              <a:rPr lang="en-US" altLang="zh-TW" dirty="0" smtClean="0"/>
-              <a:t>u</a:t>
-            </a:r>
-            <a:r>
-              <a:rPr lang="zh-TW" altLang="en-US" dirty="0" smtClean="0"/>
-              <a:t>跟</a:t>
-            </a:r>
-            <a:r>
-              <a:rPr lang="en-US" altLang="zh-TW" dirty="0" smtClean="0"/>
-              <a:t>v</a:t>
-            </a:r>
-            <a:r>
-              <a:rPr lang="zh-TW" altLang="en-US" dirty="0" smtClean="0"/>
-              <a:t>可能合作</a:t>
-            </a:r>
             <a:endParaRPr lang="zh-TW" altLang="en-US" dirty="0"/>
           </a:p>
         </p:txBody>
@@ -3399,7 +3251,7 @@
     </p:spTree>
     <p:extLst>
       <p:ext uri="{BB962C8B-B14F-4D97-AF65-F5344CB8AC3E}">
-        <p14:creationId xmlns:p14="http://schemas.microsoft.com/office/powerpoint/2010/main" val="3759339203"/>
+        <p14:creationId xmlns:p14="http://schemas.microsoft.com/office/powerpoint/2010/main" val="1901077309"/>
       </p:ext>
     </p:extLst>
   </p:cSld>
@@ -3409,7 +3261,7 @@
 </p:sld>
 </file>
 
-<file path=ppt/slides/slide3.xml><?xml version="1.0" encoding="utf-8"?>
+<file path=ppt/slides/slide11.xml><?xml version="1.0" encoding="utf-8"?>
 <p:sld xmlns:a="http://schemas.openxmlformats.org/drawingml/2006/main" xmlns:r="http://schemas.openxmlformats.org/officeDocument/2006/relationships" xmlns:p="http://schemas.openxmlformats.org/presentationml/2006/main">
   <p:cSld>
     <p:spTree>
@@ -3442,6 +3294,314 @@
           <a:lstStyle/>
           <a:p>
             <a:r>
+              <a:rPr lang="en-US" altLang="zh-TW" dirty="0"/>
+              <a:t>Hypothesis</a:t>
+            </a:r>
+            <a:endParaRPr lang="zh-TW" altLang="en-US" dirty="0"/>
+          </a:p>
+        </p:txBody>
+      </p:sp>
+      <p:sp>
+        <p:nvSpPr>
+          <p:cNvPr id="3" name="內容版面配置區 2"/>
+          <p:cNvSpPr>
+            <a:spLocks noGrp="1"/>
+          </p:cNvSpPr>
+          <p:nvPr>
+            <p:ph idx="1"/>
+          </p:nvPr>
+        </p:nvSpPr>
+        <p:spPr/>
+        <p:txBody>
+          <a:bodyPr/>
+          <a:lstStyle/>
+          <a:p>
+            <a:r>
+              <a:rPr lang="en-US" altLang="zh-TW" dirty="0" smtClean="0"/>
+              <a:t>u</a:t>
+            </a:r>
+            <a:r>
+              <a:rPr lang="zh-TW" altLang="en-US" dirty="0" smtClean="0"/>
+              <a:t>與</a:t>
+            </a:r>
+            <a:r>
+              <a:rPr lang="en-US" altLang="zh-TW" dirty="0" smtClean="0"/>
+              <a:t>v</a:t>
+            </a:r>
+            <a:r>
+              <a:rPr lang="zh-TW" altLang="en-US" dirty="0" smtClean="0"/>
+              <a:t>合作過，</a:t>
+            </a:r>
+            <a:r>
+              <a:rPr lang="en-US" altLang="zh-TW" dirty="0" smtClean="0"/>
+              <a:t>u</a:t>
+            </a:r>
+            <a:r>
+              <a:rPr lang="zh-TW" altLang="en-US" dirty="0" smtClean="0"/>
+              <a:t>與</a:t>
+            </a:r>
+            <a:r>
+              <a:rPr lang="en-US" altLang="zh-TW" dirty="0" smtClean="0"/>
+              <a:t>v</a:t>
+            </a:r>
+            <a:r>
+              <a:rPr lang="zh-TW" altLang="en-US" dirty="0" smtClean="0"/>
+              <a:t>可能繼續合作</a:t>
+            </a:r>
+            <a:endParaRPr lang="en-US" altLang="zh-TW" dirty="0" smtClean="0"/>
+          </a:p>
+          <a:p>
+            <a:r>
+              <a:rPr lang="en-US" altLang="zh-TW" dirty="0" smtClean="0"/>
+              <a:t>u</a:t>
+            </a:r>
+            <a:r>
+              <a:rPr lang="zh-TW" altLang="en-US" dirty="0" smtClean="0"/>
+              <a:t>與</a:t>
+            </a:r>
+            <a:r>
+              <a:rPr lang="en-US" altLang="zh-TW" dirty="0" smtClean="0"/>
+              <a:t>v</a:t>
+            </a:r>
+            <a:r>
+              <a:rPr lang="zh-TW" altLang="en-US" dirty="0" smtClean="0"/>
+              <a:t>近幾年合作過，</a:t>
+            </a:r>
+            <a:r>
+              <a:rPr lang="en-US" altLang="zh-TW" dirty="0" smtClean="0"/>
+              <a:t>u</a:t>
+            </a:r>
+            <a:r>
+              <a:rPr lang="zh-TW" altLang="en-US" dirty="0"/>
+              <a:t>與</a:t>
+            </a:r>
+            <a:r>
+              <a:rPr lang="en-US" altLang="zh-TW" dirty="0"/>
+              <a:t>v</a:t>
+            </a:r>
+            <a:r>
+              <a:rPr lang="zh-TW" altLang="en-US" dirty="0"/>
+              <a:t>可能繼續</a:t>
+            </a:r>
+            <a:r>
+              <a:rPr lang="zh-TW" altLang="en-US" dirty="0" smtClean="0"/>
+              <a:t>合作</a:t>
+            </a:r>
+            <a:endParaRPr lang="en-US" altLang="zh-TW" dirty="0" smtClean="0"/>
+          </a:p>
+          <a:p>
+            <a:r>
+              <a:rPr lang="en-US" altLang="zh-TW" dirty="0"/>
+              <a:t>u</a:t>
+            </a:r>
+            <a:r>
+              <a:rPr lang="zh-TW" altLang="en-US" dirty="0" smtClean="0"/>
+              <a:t>與</a:t>
+            </a:r>
+            <a:r>
+              <a:rPr lang="en-US" altLang="zh-TW" dirty="0" err="1" smtClean="0"/>
+              <a:t>i</a:t>
+            </a:r>
+            <a:r>
+              <a:rPr lang="zh-TW" altLang="en-US" dirty="0" smtClean="0"/>
+              <a:t>合作過，</a:t>
+            </a:r>
+            <a:r>
+              <a:rPr lang="en-US" altLang="zh-TW" dirty="0" err="1" smtClean="0"/>
+              <a:t>i</a:t>
+            </a:r>
+            <a:r>
+              <a:rPr lang="zh-TW" altLang="en-US" dirty="0" smtClean="0"/>
+              <a:t>與</a:t>
+            </a:r>
+            <a:r>
+              <a:rPr lang="en-US" altLang="zh-TW" dirty="0" smtClean="0"/>
+              <a:t>v</a:t>
+            </a:r>
+            <a:r>
+              <a:rPr lang="zh-TW" altLang="en-US" dirty="0" smtClean="0"/>
+              <a:t>合作過，</a:t>
+            </a:r>
+            <a:r>
+              <a:rPr lang="en-US" altLang="zh-TW" dirty="0"/>
+              <a:t> u</a:t>
+            </a:r>
+            <a:r>
+              <a:rPr lang="zh-TW" altLang="en-US" dirty="0"/>
+              <a:t>與</a:t>
+            </a:r>
+            <a:r>
+              <a:rPr lang="en-US" altLang="zh-TW" dirty="0"/>
+              <a:t>v</a:t>
+            </a:r>
+            <a:r>
+              <a:rPr lang="zh-TW" altLang="en-US" dirty="0" smtClean="0"/>
+              <a:t>可能合作</a:t>
+            </a:r>
+            <a:endParaRPr lang="en-US" altLang="zh-TW" dirty="0" smtClean="0"/>
+          </a:p>
+          <a:p>
+            <a:r>
+              <a:rPr lang="en-US" altLang="zh-TW" dirty="0" smtClean="0"/>
+              <a:t>u</a:t>
+            </a:r>
+            <a:r>
+              <a:rPr lang="zh-TW" altLang="en-US" dirty="0" smtClean="0"/>
+              <a:t>跟很多人合作過，</a:t>
+            </a:r>
+            <a:r>
+              <a:rPr lang="en-US" altLang="zh-TW" dirty="0" smtClean="0"/>
+              <a:t>v</a:t>
+            </a:r>
+            <a:r>
+              <a:rPr lang="zh-TW" altLang="en-US" dirty="0" smtClean="0"/>
+              <a:t>跟很多人合作過，</a:t>
+            </a:r>
+            <a:r>
+              <a:rPr lang="en-US" altLang="zh-TW" dirty="0" smtClean="0"/>
+              <a:t>u</a:t>
+            </a:r>
+            <a:r>
+              <a:rPr lang="zh-TW" altLang="en-US" dirty="0" smtClean="0"/>
+              <a:t>與</a:t>
+            </a:r>
+            <a:r>
+              <a:rPr lang="en-US" altLang="zh-TW" dirty="0" smtClean="0"/>
+              <a:t>v</a:t>
+            </a:r>
+            <a:r>
+              <a:rPr lang="zh-TW" altLang="en-US" dirty="0" smtClean="0"/>
+              <a:t>可能合作</a:t>
+            </a:r>
+            <a:endParaRPr lang="en-US" altLang="zh-TW" dirty="0" smtClean="0"/>
+          </a:p>
+          <a:p>
+            <a:r>
+              <a:rPr lang="en-US" altLang="zh-TW" dirty="0" smtClean="0"/>
+              <a:t>u</a:t>
+            </a:r>
+            <a:r>
+              <a:rPr lang="zh-TW" altLang="en-US" dirty="0" smtClean="0"/>
+              <a:t>有發表</a:t>
+            </a:r>
+            <a:r>
+              <a:rPr lang="en-US" altLang="zh-TW" dirty="0" smtClean="0"/>
+              <a:t>paper</a:t>
+            </a:r>
+            <a:r>
+              <a:rPr lang="zh-TW" altLang="en-US" dirty="0" smtClean="0"/>
+              <a:t>在</a:t>
+            </a:r>
+            <a:r>
+              <a:rPr lang="en-US" altLang="zh-TW" dirty="0" smtClean="0"/>
+              <a:t>conference A</a:t>
+            </a:r>
+            <a:r>
+              <a:rPr lang="zh-TW" altLang="en-US" dirty="0" smtClean="0"/>
+              <a:t>，</a:t>
+            </a:r>
+            <a:r>
+              <a:rPr lang="en-US" altLang="zh-TW" dirty="0" smtClean="0"/>
+              <a:t>v</a:t>
+            </a:r>
+            <a:r>
+              <a:rPr lang="en-US" altLang="zh-TW" dirty="0"/>
+              <a:t> </a:t>
+            </a:r>
+            <a:r>
+              <a:rPr lang="zh-TW" altLang="en-US" dirty="0" smtClean="0"/>
+              <a:t>有</a:t>
+            </a:r>
+            <a:r>
+              <a:rPr lang="zh-TW" altLang="en-US" dirty="0"/>
+              <a:t>發表</a:t>
+            </a:r>
+            <a:r>
+              <a:rPr lang="en-US" altLang="zh-TW" dirty="0"/>
+              <a:t>paper</a:t>
+            </a:r>
+            <a:r>
+              <a:rPr lang="zh-TW" altLang="en-US" dirty="0"/>
+              <a:t>在</a:t>
+            </a:r>
+            <a:r>
+              <a:rPr lang="en-US" altLang="zh-TW" dirty="0"/>
+              <a:t>conference </a:t>
+            </a:r>
+            <a:r>
+              <a:rPr lang="en-US" altLang="zh-TW" dirty="0" smtClean="0"/>
+              <a:t>A</a:t>
+            </a:r>
+            <a:r>
+              <a:rPr lang="zh-TW" altLang="en-US" dirty="0" smtClean="0"/>
+              <a:t>，</a:t>
+            </a:r>
+            <a:r>
+              <a:rPr lang="en-US" altLang="zh-TW" dirty="0" smtClean="0"/>
+              <a:t>u</a:t>
+            </a:r>
+            <a:r>
+              <a:rPr lang="zh-TW" altLang="en-US" dirty="0" smtClean="0"/>
+              <a:t>跟</a:t>
+            </a:r>
+            <a:r>
+              <a:rPr lang="en-US" altLang="zh-TW" dirty="0" smtClean="0"/>
+              <a:t>v</a:t>
+            </a:r>
+            <a:r>
+              <a:rPr lang="zh-TW" altLang="en-US" dirty="0" smtClean="0"/>
+              <a:t>可能合作</a:t>
+            </a:r>
+            <a:endParaRPr lang="zh-TW" altLang="en-US" dirty="0"/>
+          </a:p>
+        </p:txBody>
+      </p:sp>
+    </p:spTree>
+    <p:extLst>
+      <p:ext uri="{BB962C8B-B14F-4D97-AF65-F5344CB8AC3E}">
+        <p14:creationId xmlns:p14="http://schemas.microsoft.com/office/powerpoint/2010/main" val="3759339203"/>
+      </p:ext>
+    </p:extLst>
+  </p:cSld>
+  <p:clrMapOvr>
+    <a:masterClrMapping/>
+  </p:clrMapOvr>
+</p:sld>
+</file>
+
+<file path=ppt/slides/slide12.xml><?xml version="1.0" encoding="utf-8"?>
+<p:sld xmlns:a="http://schemas.openxmlformats.org/drawingml/2006/main" xmlns:r="http://schemas.openxmlformats.org/officeDocument/2006/relationships" xmlns:p="http://schemas.openxmlformats.org/presentationml/2006/main">
+  <p:cSld>
+    <p:spTree>
+      <p:nvGrpSpPr>
+        <p:cNvPr id="1" name=""/>
+        <p:cNvGrpSpPr/>
+        <p:nvPr/>
+      </p:nvGrpSpPr>
+      <p:grpSpPr>
+        <a:xfrm>
+          <a:off x="0" y="0"/>
+          <a:ext cx="0" cy="0"/>
+          <a:chOff x="0" y="0"/>
+          <a:chExt cx="0" cy="0"/>
+        </a:xfrm>
+      </p:grpSpPr>
+      <p:sp>
+        <p:nvSpPr>
+          <p:cNvPr id="2" name="標題 1"/>
+          <p:cNvSpPr>
+            <a:spLocks noGrp="1"/>
+          </p:cNvSpPr>
+          <p:nvPr>
+            <p:ph type="title"/>
+          </p:nvPr>
+        </p:nvSpPr>
+        <p:spPr/>
+        <p:txBody>
+          <a:bodyPr/>
+          <a:lstStyle/>
+          <a:p>
+            <a:r>
               <a:rPr lang="en-US" altLang="zh-TW" dirty="0" smtClean="0"/>
               <a:t>Node Information</a:t>
             </a:r>
@@ -3449,8 +3609,8 @@
           </a:p>
         </p:txBody>
       </p:sp>
-      <mc:AlternateContent xmlns:mc="http://schemas.openxmlformats.org/markup-compatibility/2006">
-        <mc:Choice xmlns:a14="http://schemas.microsoft.com/office/drawing/2010/main" Requires="a14">
+      <mc:AlternateContent xmlns:mc="http://schemas.openxmlformats.org/markup-compatibility/2006" xmlns:a14="http://schemas.microsoft.com/office/drawing/2010/main">
+        <mc:Choice Requires="a14">
           <p:sp>
             <p:nvSpPr>
               <p:cNvPr id="3" name="內容版面配置區 2"/>
@@ -3512,8 +3672,8 @@
                     <m:sSub>
                       <m:sSubPr>
                         <m:ctrlPr>
-                          <a:rPr lang="en-US" altLang="zh-TW" b="0" i="0" dirty="0" smtClean="0">
-                            <a:latin typeface="Cambria Math"/>
+                          <a:rPr lang="en-US" altLang="zh-TW" b="0" i="1" dirty="0" smtClean="0">
+                            <a:latin typeface="Cambria Math" panose="02040503050406030204" pitchFamily="18" charset="0"/>
                           </a:rPr>
                         </m:ctrlPr>
                       </m:sSubPr>
@@ -3565,7 +3725,7 @@
                       <m:sSubPr>
                         <m:ctrlPr>
                           <a:rPr lang="en-US" altLang="zh-TW" b="0" i="1" dirty="0" smtClean="0">
-                            <a:latin typeface="Cambria Math"/>
+                            <a:latin typeface="Cambria Math" panose="02040503050406030204" pitchFamily="18" charset="0"/>
                           </a:rPr>
                         </m:ctrlPr>
                       </m:sSubPr>
@@ -3693,7 +3853,7 @@
                         <m:supHide m:val="on"/>
                         <m:ctrlPr>
                           <a:rPr lang="en-US" altLang="zh-TW" i="1" smtClean="0">
-                            <a:latin typeface="Cambria Math"/>
+                            <a:latin typeface="Cambria Math" panose="02040503050406030204" pitchFamily="18" charset="0"/>
                           </a:rPr>
                         </m:ctrlPr>
                       </m:naryPr>
@@ -3705,7 +3865,13 @@
                           <a:rPr lang="en-US" altLang="zh-TW" b="0" i="1" smtClean="0">
                             <a:latin typeface="Cambria Math"/>
                           </a:rPr>
-                          <m:t>𝑎𝑙𝑙</m:t>
+                          <m:t>𝑎</m:t>
+                        </m:r>
+                        <m:r>
+                          <a:rPr lang="en-US" altLang="zh-TW" b="0" i="1" smtClean="0">
+                            <a:latin typeface="Cambria Math"/>
+                          </a:rPr>
+                          <m:t>𝑙𝑙</m:t>
                         </m:r>
                         <m:r>
                           <a:rPr lang="en-US" altLang="zh-TW" b="0" i="1" smtClean="0">
@@ -3822,7 +3988,7 @@
             </p:txBody>
           </p:sp>
         </mc:Choice>
-        <mc:Fallback>
+        <mc:Fallback xmlns="">
           <p:sp>
             <p:nvSpPr>
               <p:cNvPr id="3" name="內容版面配置區 2"/>
@@ -3869,7 +4035,7 @@
 </p:sld>
 </file>
 
-<file path=ppt/slides/slide4.xml><?xml version="1.0" encoding="utf-8"?>
+<file path=ppt/slides/slide13.xml><?xml version="1.0" encoding="utf-8"?>
 <p:sld xmlns:a="http://schemas.openxmlformats.org/drawingml/2006/main" xmlns:r="http://schemas.openxmlformats.org/officeDocument/2006/relationships" xmlns:p="http://schemas.openxmlformats.org/presentationml/2006/main">
   <p:cSld>
     <p:spTree>
@@ -3909,8 +4075,8 @@
           </a:p>
         </p:txBody>
       </p:sp>
-      <mc:AlternateContent xmlns:mc="http://schemas.openxmlformats.org/markup-compatibility/2006">
-        <mc:Choice xmlns:a14="http://schemas.microsoft.com/office/drawing/2010/main" Requires="a14">
+      <mc:AlternateContent xmlns:mc="http://schemas.openxmlformats.org/markup-compatibility/2006" xmlns:a14="http://schemas.microsoft.com/office/drawing/2010/main">
+        <mc:Choice Requires="a14">
           <p:sp>
             <p:nvSpPr>
               <p:cNvPr id="3" name="內容版面配置區 2"/>
@@ -3938,7 +4104,7 @@
                       <m:dPr>
                         <m:ctrlPr>
                           <a:rPr lang="en-US" altLang="zh-TW" b="0" i="1" smtClean="0">
-                            <a:latin typeface="Cambria Math"/>
+                            <a:latin typeface="Cambria Math" panose="02040503050406030204" pitchFamily="18" charset="0"/>
                           </a:rPr>
                         </m:ctrlPr>
                       </m:dPr>
@@ -3991,7 +4157,7 @@
                       <m:dPr>
                         <m:ctrlPr>
                           <a:rPr lang="en-US" altLang="zh-TW" b="0" i="1" smtClean="0">
-                            <a:latin typeface="Cambria Math"/>
+                            <a:latin typeface="Cambria Math" panose="02040503050406030204" pitchFamily="18" charset="0"/>
                           </a:rPr>
                         </m:ctrlPr>
                       </m:dPr>
@@ -4077,7 +4243,7 @@
             </p:txBody>
           </p:sp>
         </mc:Choice>
-        <mc:Fallback>
+        <mc:Fallback xmlns="">
           <p:sp>
             <p:nvSpPr>
               <p:cNvPr id="3" name="內容版面配置區 2"/>
@@ -4124,7 +4290,7 @@
 </p:sld>
 </file>
 
-<file path=ppt/slides/slide5.xml><?xml version="1.0" encoding="utf-8"?>
+<file path=ppt/slides/slide14.xml><?xml version="1.0" encoding="utf-8"?>
 <p:sld xmlns:a="http://schemas.openxmlformats.org/drawingml/2006/main" xmlns:r="http://schemas.openxmlformats.org/officeDocument/2006/relationships" xmlns:p="http://schemas.openxmlformats.org/presentationml/2006/main">
   <p:cSld>
     <p:spTree>
@@ -4483,11 +4649,7 @@
             </a:r>
             <a:r>
               <a:rPr lang="en-US" altLang="zh-TW" dirty="0" smtClean="0"/>
-              <a:t>^(2010-2008</a:t>
-            </a:r>
-            <a:r>
-              <a:rPr lang="en-US" altLang="zh-TW" dirty="0" smtClean="0"/>
-              <a:t>)</a:t>
+              <a:t>^(2010-2008)</a:t>
             </a:r>
             <a:endParaRPr lang="zh-TW" altLang="en-US" dirty="0"/>
           </a:p>
@@ -4558,11 +4720,7 @@
             </a:r>
             <a:r>
               <a:rPr lang="en-US" altLang="zh-TW" sz="1200" dirty="0" smtClean="0"/>
-              <a:t>^(2010-2008</a:t>
-            </a:r>
-            <a:r>
-              <a:rPr lang="en-US" altLang="zh-TW" sz="1200" dirty="0" smtClean="0"/>
-              <a:t>)+   </a:t>
+              <a:t>^(2010-2008)+   </a:t>
             </a:r>
             <a:r>
               <a:rPr lang="en-US" altLang="zh-TW" sz="1200" dirty="0" err="1" smtClean="0"/>
@@ -4666,7 +4824,7 @@
 </p:sld>
 </file>
 
-<file path=ppt/slides/slide6.xml><?xml version="1.0" encoding="utf-8"?>
+<file path=ppt/slides/slide15.xml><?xml version="1.0" encoding="utf-8"?>
 <p:sld xmlns:a="http://schemas.openxmlformats.org/drawingml/2006/main" xmlns:r="http://schemas.openxmlformats.org/officeDocument/2006/relationships" xmlns:p="http://schemas.openxmlformats.org/presentationml/2006/main">
   <p:cSld>
     <p:spTree>
@@ -5491,8 +5649,8 @@
           </a:fontRef>
         </p:style>
       </p:cxnSp>
-      <mc:AlternateContent xmlns:mc="http://schemas.openxmlformats.org/markup-compatibility/2006">
-        <mc:Choice xmlns:a14="http://schemas.microsoft.com/office/drawing/2010/main" Requires="a14">
+      <mc:AlternateContent xmlns:mc="http://schemas.openxmlformats.org/markup-compatibility/2006" xmlns:a14="http://schemas.microsoft.com/office/drawing/2010/main">
+        <mc:Choice Requires="a14">
           <p:sp>
             <p:nvSpPr>
               <p:cNvPr id="76" name="文字方塊 75"/>
@@ -5515,6 +5673,7 @@
               </a:bodyPr>
               <a:lstStyle/>
               <a:p>
+                <a:pPr/>
                 <a14:m>
                   <m:oMathPara xmlns:m="http://schemas.openxmlformats.org/officeDocument/2006/math">
                     <m:oMathParaPr>
@@ -5537,7 +5696,7 @@
                         <m:fPr>
                           <m:ctrlPr>
                             <a:rPr lang="en-US" altLang="zh-TW" i="1" dirty="0" smtClean="0">
-                              <a:latin typeface="Cambria Math"/>
+                              <a:latin typeface="Cambria Math" panose="02040503050406030204" pitchFamily="18" charset="0"/>
                             </a:rPr>
                           </m:ctrlPr>
                         </m:fPr>
@@ -5552,7 +5711,7 @@
                             <m:dPr>
                               <m:ctrlPr>
                                 <a:rPr lang="en-US" altLang="zh-TW" i="1" dirty="0" smtClean="0">
-                                  <a:latin typeface="Cambria Math"/>
+                                  <a:latin typeface="Cambria Math" panose="02040503050406030204" pitchFamily="18" charset="0"/>
                                 </a:rPr>
                               </m:ctrlPr>
                             </m:dPr>
@@ -5593,7 +5752,7 @@
                             <m:dPr>
                               <m:ctrlPr>
                                 <a:rPr lang="en-US" altLang="zh-TW" i="1" dirty="0" smtClean="0">
-                                  <a:latin typeface="Cambria Math"/>
+                                  <a:latin typeface="Cambria Math" panose="02040503050406030204" pitchFamily="18" charset="0"/>
                                 </a:rPr>
                               </m:ctrlPr>
                             </m:dPr>
@@ -5685,7 +5844,7 @@
                             <m:sSupPr>
                               <m:ctrlPr>
                                 <a:rPr lang="en-US" altLang="zh-TW" b="0" i="1" dirty="0" smtClean="0">
-                                  <a:latin typeface="Cambria Math"/>
+                                  <a:latin typeface="Cambria Math" panose="02040503050406030204" pitchFamily="18" charset="0"/>
                                 </a:rPr>
                               </m:ctrlPr>
                             </m:sSupPr>
@@ -5716,7 +5875,7 @@
             </p:txBody>
           </p:sp>
         </mc:Choice>
-        <mc:Fallback>
+        <mc:Fallback xmlns="">
           <p:sp>
             <p:nvSpPr>
               <p:cNvPr id="76" name="文字方塊 75"/>
@@ -5808,7 +5967,7 @@
 </p:sld>
 </file>
 
-<file path=ppt/slides/slide7.xml><?xml version="1.0" encoding="utf-8"?>
+<file path=ppt/slides/slide16.xml><?xml version="1.0" encoding="utf-8"?>
 <p:sld xmlns:a="http://schemas.openxmlformats.org/drawingml/2006/main" xmlns:r="http://schemas.openxmlformats.org/officeDocument/2006/relationships" xmlns:p="http://schemas.openxmlformats.org/presentationml/2006/main">
   <p:cSld>
     <p:spTree>
@@ -5909,6 +6068,1070 @@
 </p:sld>
 </file>
 
+<file path=ppt/slides/slide17.xml><?xml version="1.0" encoding="utf-8"?>
+<p:sld xmlns:a="http://schemas.openxmlformats.org/drawingml/2006/main" xmlns:r="http://schemas.openxmlformats.org/officeDocument/2006/relationships" xmlns:p="http://schemas.openxmlformats.org/presentationml/2006/main">
+  <p:cSld>
+    <p:spTree>
+      <p:nvGrpSpPr>
+        <p:cNvPr id="1" name=""/>
+        <p:cNvGrpSpPr/>
+        <p:nvPr/>
+      </p:nvGrpSpPr>
+      <p:grpSpPr>
+        <a:xfrm>
+          <a:off x="0" y="0"/>
+          <a:ext cx="0" cy="0"/>
+          <a:chOff x="0" y="0"/>
+          <a:chExt cx="0" cy="0"/>
+        </a:xfrm>
+      </p:grpSpPr>
+      <p:sp>
+        <p:nvSpPr>
+          <p:cNvPr id="2" name="標題 1"/>
+          <p:cNvSpPr>
+            <a:spLocks noGrp="1"/>
+          </p:cNvSpPr>
+          <p:nvPr>
+            <p:ph type="title"/>
+          </p:nvPr>
+        </p:nvSpPr>
+        <p:spPr/>
+        <p:txBody>
+          <a:bodyPr/>
+          <a:lstStyle/>
+          <a:p>
+            <a:r>
+              <a:rPr lang="en-US" altLang="zh-TW" dirty="0" smtClean="0"/>
+              <a:t>Parameter</a:t>
+            </a:r>
+            <a:endParaRPr lang="zh-TW" altLang="en-US" dirty="0"/>
+          </a:p>
+        </p:txBody>
+      </p:sp>
+      <p:sp>
+        <p:nvSpPr>
+          <p:cNvPr id="3" name="內容版面配置區 2"/>
+          <p:cNvSpPr>
+            <a:spLocks noGrp="1"/>
+          </p:cNvSpPr>
+          <p:nvPr>
+            <p:ph idx="1"/>
+          </p:nvPr>
+        </p:nvSpPr>
+        <p:spPr/>
+        <p:txBody>
+          <a:bodyPr>
+            <a:normAutofit lnSpcReduction="10000"/>
+          </a:bodyPr>
+          <a:lstStyle/>
+          <a:p>
+            <a:r>
+              <a:rPr lang="en-US" altLang="zh-TW" dirty="0" err="1" smtClean="0"/>
+              <a:t>pYear</a:t>
+            </a:r>
+            <a:endParaRPr lang="en-US" altLang="zh-TW" dirty="0" smtClean="0"/>
+          </a:p>
+          <a:p>
+            <a:r>
+              <a:rPr lang="en-US" altLang="zh-TW" dirty="0" err="1" smtClean="0"/>
+              <a:t>pConf</a:t>
+            </a:r>
+            <a:endParaRPr lang="en-US" altLang="zh-TW" dirty="0" smtClean="0"/>
+          </a:p>
+          <a:p>
+            <a:r>
+              <a:rPr lang="en-US" altLang="zh-TW" dirty="0" err="1" smtClean="0"/>
+              <a:t>pPaper</a:t>
+            </a:r>
+            <a:endParaRPr lang="en-US" altLang="zh-TW" dirty="0" smtClean="0"/>
+          </a:p>
+          <a:p>
+            <a:r>
+              <a:rPr lang="en-US" altLang="zh-TW" dirty="0" err="1" smtClean="0"/>
+              <a:t>pPredictYear</a:t>
+            </a:r>
+            <a:endParaRPr lang="en-US" altLang="zh-TW" dirty="0" smtClean="0"/>
+          </a:p>
+          <a:p>
+            <a:r>
+              <a:rPr lang="en-US" altLang="zh-TW" dirty="0" err="1" smtClean="0"/>
+              <a:t>pPageRank</a:t>
+            </a:r>
+            <a:endParaRPr lang="en-US" altLang="zh-TW" dirty="0" smtClean="0"/>
+          </a:p>
+          <a:p>
+            <a:r>
+              <a:rPr lang="en-US" altLang="zh-TW" dirty="0" err="1" smtClean="0"/>
+              <a:t>pNumofAuthor</a:t>
+            </a:r>
+            <a:endParaRPr lang="en-US" altLang="zh-TW" dirty="0" smtClean="0"/>
+          </a:p>
+          <a:p>
+            <a:r>
+              <a:rPr lang="en-US" altLang="zh-TW" dirty="0" err="1" smtClean="0"/>
+              <a:t>pBFSlimit</a:t>
+            </a:r>
+            <a:endParaRPr lang="en-US" altLang="zh-TW" dirty="0" smtClean="0"/>
+          </a:p>
+          <a:p>
+            <a:r>
+              <a:rPr lang="en-US" altLang="zh-TW" dirty="0" err="1" smtClean="0"/>
+              <a:t>pThreshold</a:t>
+            </a:r>
+            <a:endParaRPr lang="zh-TW" altLang="en-US" dirty="0"/>
+          </a:p>
+        </p:txBody>
+      </p:sp>
+    </p:spTree>
+    <p:extLst>
+      <p:ext uri="{BB962C8B-B14F-4D97-AF65-F5344CB8AC3E}">
+        <p14:creationId xmlns:p14="http://schemas.microsoft.com/office/powerpoint/2010/main" val="1676197269"/>
+      </p:ext>
+    </p:extLst>
+  </p:cSld>
+  <p:clrMapOvr>
+    <a:masterClrMapping/>
+  </p:clrMapOvr>
+</p:sld>
+</file>
+
+<file path=ppt/slides/slide18.xml><?xml version="1.0" encoding="utf-8"?>
+<p:sld xmlns:a="http://schemas.openxmlformats.org/drawingml/2006/main" xmlns:r="http://schemas.openxmlformats.org/officeDocument/2006/relationships" xmlns:p="http://schemas.openxmlformats.org/presentationml/2006/main">
+  <p:cSld>
+    <p:spTree>
+      <p:nvGrpSpPr>
+        <p:cNvPr id="1" name=""/>
+        <p:cNvGrpSpPr/>
+        <p:nvPr/>
+      </p:nvGrpSpPr>
+      <p:grpSpPr>
+        <a:xfrm>
+          <a:off x="0" y="0"/>
+          <a:ext cx="0" cy="0"/>
+          <a:chOff x="0" y="0"/>
+          <a:chExt cx="0" cy="0"/>
+        </a:xfrm>
+      </p:grpSpPr>
+      <p:sp>
+        <p:nvSpPr>
+          <p:cNvPr id="2" name="標題 1"/>
+          <p:cNvSpPr>
+            <a:spLocks noGrp="1"/>
+          </p:cNvSpPr>
+          <p:nvPr>
+            <p:ph type="title"/>
+          </p:nvPr>
+        </p:nvSpPr>
+        <p:spPr/>
+        <p:txBody>
+          <a:bodyPr/>
+          <a:lstStyle/>
+          <a:p>
+            <a:r>
+              <a:rPr lang="zh-TW" altLang="en-US" dirty="0" smtClean="0"/>
+              <a:t>原本想的作法</a:t>
+            </a:r>
+            <a:endParaRPr lang="zh-TW" altLang="en-US" dirty="0"/>
+          </a:p>
+        </p:txBody>
+      </p:sp>
+      <p:sp>
+        <p:nvSpPr>
+          <p:cNvPr id="3" name="內容版面配置區 2"/>
+          <p:cNvSpPr>
+            <a:spLocks noGrp="1"/>
+          </p:cNvSpPr>
+          <p:nvPr>
+            <p:ph idx="1"/>
+          </p:nvPr>
+        </p:nvSpPr>
+        <p:spPr/>
+        <p:txBody>
+          <a:bodyPr/>
+          <a:lstStyle/>
+          <a:p>
+            <a:r>
+              <a:rPr lang="zh-TW" altLang="en-US" dirty="0" smtClean="0"/>
+              <a:t>其實我原本是希望</a:t>
+            </a:r>
+            <a:r>
+              <a:rPr lang="en-US" altLang="zh-TW" dirty="0" smtClean="0"/>
+              <a:t>edge(</a:t>
+            </a:r>
+            <a:r>
+              <a:rPr lang="en-US" altLang="zh-TW" dirty="0" err="1" smtClean="0"/>
+              <a:t>i,j</a:t>
+            </a:r>
+            <a:r>
+              <a:rPr lang="en-US" altLang="zh-TW" dirty="0" smtClean="0"/>
+              <a:t>)</a:t>
+            </a:r>
+            <a:r>
+              <a:rPr lang="zh-TW" altLang="en-US" dirty="0" smtClean="0"/>
+              <a:t>的</a:t>
+            </a:r>
+            <a:r>
+              <a:rPr lang="en-US" altLang="zh-TW" dirty="0" smtClean="0"/>
+              <a:t>Weight</a:t>
+            </a:r>
+            <a:r>
+              <a:rPr lang="zh-TW" altLang="en-US" dirty="0" smtClean="0"/>
+              <a:t>代表的是</a:t>
+            </a:r>
+            <a:r>
+              <a:rPr lang="en-US" altLang="zh-TW" dirty="0" err="1" smtClean="0"/>
+              <a:t>i,j</a:t>
+            </a:r>
+            <a:r>
+              <a:rPr lang="zh-TW" altLang="en-US" smtClean="0"/>
+              <a:t>直接合作</a:t>
+            </a:r>
+            <a:r>
+              <a:rPr lang="zh-TW" altLang="en-US" dirty="0" smtClean="0"/>
+              <a:t>的機率</a:t>
+            </a:r>
+            <a:endParaRPr lang="en-US" altLang="zh-TW" dirty="0" smtClean="0"/>
+          </a:p>
+          <a:p>
+            <a:r>
+              <a:rPr lang="zh-TW" altLang="en-US" dirty="0" smtClean="0"/>
+              <a:t>然後</a:t>
+            </a:r>
+            <a:r>
+              <a:rPr lang="en-US" altLang="zh-TW" dirty="0" err="1" smtClean="0"/>
+              <a:t>PathWeight</a:t>
+            </a:r>
+            <a:r>
+              <a:rPr lang="zh-TW" altLang="en-US" dirty="0" smtClean="0"/>
+              <a:t>就直接連乘</a:t>
+            </a:r>
+            <a:r>
+              <a:rPr lang="en-US" altLang="zh-TW" dirty="0" smtClean="0"/>
+              <a:t>edge weight</a:t>
+            </a:r>
+          </a:p>
+          <a:p>
+            <a:r>
+              <a:rPr lang="zh-TW" altLang="en-US" dirty="0" smtClean="0"/>
+              <a:t>決定</a:t>
+            </a:r>
+            <a:r>
+              <a:rPr lang="en-US" altLang="zh-TW" dirty="0" smtClean="0"/>
+              <a:t>(</a:t>
+            </a:r>
+            <a:r>
+              <a:rPr lang="en-US" altLang="zh-TW" dirty="0" err="1" smtClean="0"/>
+              <a:t>i,j</a:t>
+            </a:r>
+            <a:r>
+              <a:rPr lang="en-US" altLang="zh-TW" dirty="0" smtClean="0"/>
+              <a:t>)</a:t>
+            </a:r>
+            <a:r>
+              <a:rPr lang="zh-TW" altLang="en-US" dirty="0" smtClean="0"/>
+              <a:t>有沒有合作則是把</a:t>
+            </a:r>
+            <a:r>
+              <a:rPr lang="en-US" altLang="zh-TW" dirty="0" err="1" smtClean="0"/>
+              <a:t>PathWeight</a:t>
+            </a:r>
+            <a:r>
+              <a:rPr lang="zh-TW" altLang="en-US" dirty="0" smtClean="0"/>
+              <a:t>取聯集</a:t>
+            </a:r>
+            <a:r>
+              <a:rPr lang="zh-TW" altLang="en-US" dirty="0"/>
+              <a:t>看有沒有大於</a:t>
+            </a:r>
+            <a:r>
+              <a:rPr lang="en-US" altLang="zh-TW" dirty="0" smtClean="0"/>
+              <a:t>Threshold</a:t>
+            </a:r>
+          </a:p>
+          <a:p>
+            <a:endParaRPr lang="en-US" altLang="zh-TW" dirty="0"/>
+          </a:p>
+          <a:p>
+            <a:r>
+              <a:rPr lang="zh-TW" altLang="en-US" dirty="0" smtClean="0"/>
+              <a:t>不過這想法再決定</a:t>
+            </a:r>
+            <a:r>
+              <a:rPr lang="en-US" altLang="zh-TW" dirty="0" smtClean="0"/>
+              <a:t>edge weight</a:t>
+            </a:r>
+            <a:r>
+              <a:rPr lang="zh-TW" altLang="en-US" dirty="0" smtClean="0"/>
+              <a:t>的時候我有點卡住，就先寫成別的做法</a:t>
+            </a:r>
+            <a:endParaRPr lang="en-US" altLang="zh-TW" dirty="0"/>
+          </a:p>
+        </p:txBody>
+      </p:sp>
+    </p:spTree>
+    <p:extLst>
+      <p:ext uri="{BB962C8B-B14F-4D97-AF65-F5344CB8AC3E}">
+        <p14:creationId xmlns:p14="http://schemas.microsoft.com/office/powerpoint/2010/main" val="298382098"/>
+      </p:ext>
+    </p:extLst>
+  </p:cSld>
+  <p:clrMapOvr>
+    <a:masterClrMapping/>
+  </p:clrMapOvr>
+</p:sld>
+</file>
+
+<file path=ppt/slides/slide2.xml><?xml version="1.0" encoding="utf-8"?>
+<p:sld xmlns:a="http://schemas.openxmlformats.org/drawingml/2006/main" xmlns:r="http://schemas.openxmlformats.org/officeDocument/2006/relationships" xmlns:p="http://schemas.openxmlformats.org/presentationml/2006/main">
+  <p:cSld>
+    <p:spTree>
+      <p:nvGrpSpPr>
+        <p:cNvPr id="1" name=""/>
+        <p:cNvGrpSpPr/>
+        <p:nvPr/>
+      </p:nvGrpSpPr>
+      <p:grpSpPr>
+        <a:xfrm>
+          <a:off x="0" y="0"/>
+          <a:ext cx="0" cy="0"/>
+          <a:chOff x="0" y="0"/>
+          <a:chExt cx="0" cy="0"/>
+        </a:xfrm>
+      </p:grpSpPr>
+      <p:sp>
+        <p:nvSpPr>
+          <p:cNvPr id="2" name="標題 1"/>
+          <p:cNvSpPr>
+            <a:spLocks noGrp="1"/>
+          </p:cNvSpPr>
+          <p:nvPr>
+            <p:ph type="title"/>
+          </p:nvPr>
+        </p:nvSpPr>
+        <p:spPr/>
+        <p:txBody>
+          <a:bodyPr/>
+          <a:lstStyle/>
+          <a:p>
+            <a:r>
+              <a:rPr lang="en-US" altLang="zh-TW" dirty="0" smtClean="0"/>
+              <a:t>Outline</a:t>
+            </a:r>
+            <a:endParaRPr lang="zh-TW" altLang="en-US" dirty="0"/>
+          </a:p>
+        </p:txBody>
+      </p:sp>
+      <p:sp>
+        <p:nvSpPr>
+          <p:cNvPr id="3" name="內容版面配置區 2"/>
+          <p:cNvSpPr>
+            <a:spLocks noGrp="1"/>
+          </p:cNvSpPr>
+          <p:nvPr>
+            <p:ph idx="1"/>
+          </p:nvPr>
+        </p:nvSpPr>
+        <p:spPr/>
+        <p:txBody>
+          <a:bodyPr>
+            <a:normAutofit/>
+          </a:bodyPr>
+          <a:lstStyle/>
+          <a:p>
+            <a:r>
+              <a:rPr lang="en-US" altLang="zh-TW" dirty="0" smtClean="0"/>
+              <a:t>Introduction</a:t>
+            </a:r>
+          </a:p>
+          <a:p>
+            <a:r>
+              <a:rPr lang="en-US" altLang="zh-TW" dirty="0" smtClean="0"/>
+              <a:t>Problem Specification</a:t>
+            </a:r>
+          </a:p>
+          <a:p>
+            <a:r>
+              <a:rPr lang="en-US" altLang="zh-TW" dirty="0" smtClean="0"/>
+              <a:t>Features</a:t>
+            </a:r>
+          </a:p>
+          <a:p>
+            <a:r>
+              <a:rPr lang="en-US" altLang="zh-TW" dirty="0" smtClean="0"/>
+              <a:t>Our Framework</a:t>
+            </a:r>
+          </a:p>
+          <a:p>
+            <a:r>
+              <a:rPr lang="en-US" altLang="zh-TW" dirty="0" smtClean="0"/>
+              <a:t>Cross-validation Result</a:t>
+            </a:r>
+          </a:p>
+          <a:p>
+            <a:r>
+              <a:rPr lang="en-US" altLang="zh-TW" dirty="0" smtClean="0"/>
+              <a:t>Difficulties Encountered</a:t>
+            </a:r>
+          </a:p>
+          <a:p>
+            <a:r>
+              <a:rPr lang="en-US" altLang="zh-TW" dirty="0" smtClean="0"/>
+              <a:t>Summary</a:t>
+            </a:r>
+            <a:endParaRPr lang="zh-TW" altLang="en-US" dirty="0"/>
+          </a:p>
+        </p:txBody>
+      </p:sp>
+    </p:spTree>
+    <p:extLst>
+      <p:ext uri="{BB962C8B-B14F-4D97-AF65-F5344CB8AC3E}">
+        <p14:creationId xmlns:p14="http://schemas.microsoft.com/office/powerpoint/2010/main" val="4154441751"/>
+      </p:ext>
+    </p:extLst>
+  </p:cSld>
+  <p:clrMapOvr>
+    <a:masterClrMapping/>
+  </p:clrMapOvr>
+</p:sld>
+</file>
+
+<file path=ppt/slides/slide3.xml><?xml version="1.0" encoding="utf-8"?>
+<p:sld xmlns:a="http://schemas.openxmlformats.org/drawingml/2006/main" xmlns:r="http://schemas.openxmlformats.org/officeDocument/2006/relationships" xmlns:p="http://schemas.openxmlformats.org/presentationml/2006/main">
+  <p:cSld>
+    <p:spTree>
+      <p:nvGrpSpPr>
+        <p:cNvPr id="1" name=""/>
+        <p:cNvGrpSpPr/>
+        <p:nvPr/>
+      </p:nvGrpSpPr>
+      <p:grpSpPr>
+        <a:xfrm>
+          <a:off x="0" y="0"/>
+          <a:ext cx="0" cy="0"/>
+          <a:chOff x="0" y="0"/>
+          <a:chExt cx="0" cy="0"/>
+        </a:xfrm>
+      </p:grpSpPr>
+      <p:sp>
+        <p:nvSpPr>
+          <p:cNvPr id="2" name="標題 1"/>
+          <p:cNvSpPr>
+            <a:spLocks noGrp="1"/>
+          </p:cNvSpPr>
+          <p:nvPr>
+            <p:ph type="title"/>
+          </p:nvPr>
+        </p:nvSpPr>
+        <p:spPr/>
+        <p:txBody>
+          <a:bodyPr/>
+          <a:lstStyle/>
+          <a:p>
+            <a:r>
+              <a:rPr lang="en-US" altLang="zh-TW" dirty="0" smtClean="0"/>
+              <a:t>Introduction</a:t>
+            </a:r>
+            <a:endParaRPr lang="zh-TW" altLang="en-US" dirty="0"/>
+          </a:p>
+        </p:txBody>
+      </p:sp>
+      <p:sp>
+        <p:nvSpPr>
+          <p:cNvPr id="3" name="內容版面配置區 2"/>
+          <p:cNvSpPr>
+            <a:spLocks noGrp="1"/>
+          </p:cNvSpPr>
+          <p:nvPr>
+            <p:ph idx="1"/>
+          </p:nvPr>
+        </p:nvSpPr>
+        <p:spPr/>
+        <p:txBody>
+          <a:bodyPr/>
+          <a:lstStyle/>
+          <a:p>
+            <a:r>
+              <a:rPr lang="en-US" altLang="zh-TW" dirty="0" smtClean="0"/>
+              <a:t>Coauthor relationship has long been a popular problem in linkage prediction</a:t>
+            </a:r>
+          </a:p>
+          <a:p>
+            <a:r>
+              <a:rPr lang="en-US" altLang="zh-TW" dirty="0" smtClean="0"/>
+              <a:t>Two types of prediction: homogeneous and heterogeneous</a:t>
+            </a:r>
+          </a:p>
+          <a:p>
+            <a:endParaRPr lang="zh-TW" altLang="en-US" dirty="0"/>
+          </a:p>
+        </p:txBody>
+      </p:sp>
+    </p:spTree>
+    <p:extLst>
+      <p:ext uri="{BB962C8B-B14F-4D97-AF65-F5344CB8AC3E}">
+        <p14:creationId xmlns:p14="http://schemas.microsoft.com/office/powerpoint/2010/main" val="828904908"/>
+      </p:ext>
+    </p:extLst>
+  </p:cSld>
+  <p:clrMapOvr>
+    <a:masterClrMapping/>
+  </p:clrMapOvr>
+</p:sld>
+</file>
+
+<file path=ppt/slides/slide4.xml><?xml version="1.0" encoding="utf-8"?>
+<p:sld xmlns:a="http://schemas.openxmlformats.org/drawingml/2006/main" xmlns:r="http://schemas.openxmlformats.org/officeDocument/2006/relationships" xmlns:p="http://schemas.openxmlformats.org/presentationml/2006/main">
+  <p:cSld>
+    <p:spTree>
+      <p:nvGrpSpPr>
+        <p:cNvPr id="1" name=""/>
+        <p:cNvGrpSpPr/>
+        <p:nvPr/>
+      </p:nvGrpSpPr>
+      <p:grpSpPr>
+        <a:xfrm>
+          <a:off x="0" y="0"/>
+          <a:ext cx="0" cy="0"/>
+          <a:chOff x="0" y="0"/>
+          <a:chExt cx="0" cy="0"/>
+        </a:xfrm>
+      </p:grpSpPr>
+      <p:sp>
+        <p:nvSpPr>
+          <p:cNvPr id="2" name="標題 1"/>
+          <p:cNvSpPr>
+            <a:spLocks noGrp="1"/>
+          </p:cNvSpPr>
+          <p:nvPr>
+            <p:ph type="title"/>
+          </p:nvPr>
+        </p:nvSpPr>
+        <p:spPr/>
+        <p:txBody>
+          <a:bodyPr/>
+          <a:lstStyle/>
+          <a:p>
+            <a:r>
+              <a:rPr lang="en-US" altLang="zh-TW" dirty="0"/>
+              <a:t>Problem Specification</a:t>
+            </a:r>
+            <a:endParaRPr lang="zh-TW" altLang="en-US" dirty="0"/>
+          </a:p>
+        </p:txBody>
+      </p:sp>
+      <p:sp>
+        <p:nvSpPr>
+          <p:cNvPr id="3" name="內容版面配置區 2"/>
+          <p:cNvSpPr>
+            <a:spLocks noGrp="1"/>
+          </p:cNvSpPr>
+          <p:nvPr>
+            <p:ph idx="1"/>
+          </p:nvPr>
+        </p:nvSpPr>
+        <p:spPr/>
+        <p:txBody>
+          <a:bodyPr/>
+          <a:lstStyle/>
+          <a:p>
+            <a:r>
+              <a:rPr lang="en-US" altLang="zh-TW" dirty="0" smtClean="0"/>
+              <a:t>Data we have: authors, year, conference</a:t>
+            </a:r>
+          </a:p>
+          <a:p>
+            <a:r>
+              <a:rPr lang="en-US" altLang="zh-TW" dirty="0" smtClean="0"/>
+              <a:t>Data we don’t have: paper keyword, paper with single author</a:t>
+            </a:r>
+          </a:p>
+          <a:p>
+            <a:r>
+              <a:rPr lang="en-US" altLang="zh-TW" dirty="0" smtClean="0"/>
+              <a:t>Coauthor relationship prediction for given pairs. (CN3_query.txt)</a:t>
+            </a:r>
+          </a:p>
+          <a:p>
+            <a:r>
+              <a:rPr lang="en-US" altLang="zh-TW" dirty="0" smtClean="0"/>
+              <a:t>All pairs in testing set have cooperated at least once in training set.</a:t>
+            </a:r>
+            <a:endParaRPr lang="zh-TW" altLang="en-US" dirty="0"/>
+          </a:p>
+        </p:txBody>
+      </p:sp>
+    </p:spTree>
+    <p:extLst>
+      <p:ext uri="{BB962C8B-B14F-4D97-AF65-F5344CB8AC3E}">
+        <p14:creationId xmlns:p14="http://schemas.microsoft.com/office/powerpoint/2010/main" val="2511352151"/>
+      </p:ext>
+    </p:extLst>
+  </p:cSld>
+  <p:clrMapOvr>
+    <a:masterClrMapping/>
+  </p:clrMapOvr>
+</p:sld>
+</file>
+
+<file path=ppt/slides/slide5.xml><?xml version="1.0" encoding="utf-8"?>
+<p:sld xmlns:a="http://schemas.openxmlformats.org/drawingml/2006/main" xmlns:r="http://schemas.openxmlformats.org/officeDocument/2006/relationships" xmlns:p="http://schemas.openxmlformats.org/presentationml/2006/main">
+  <p:cSld>
+    <p:spTree>
+      <p:nvGrpSpPr>
+        <p:cNvPr id="1" name=""/>
+        <p:cNvGrpSpPr/>
+        <p:nvPr/>
+      </p:nvGrpSpPr>
+      <p:grpSpPr>
+        <a:xfrm>
+          <a:off x="0" y="0"/>
+          <a:ext cx="0" cy="0"/>
+          <a:chOff x="0" y="0"/>
+          <a:chExt cx="0" cy="0"/>
+        </a:xfrm>
+      </p:grpSpPr>
+      <p:sp>
+        <p:nvSpPr>
+          <p:cNvPr id="2" name="標題 1"/>
+          <p:cNvSpPr>
+            <a:spLocks noGrp="1"/>
+          </p:cNvSpPr>
+          <p:nvPr>
+            <p:ph type="title"/>
+          </p:nvPr>
+        </p:nvSpPr>
+        <p:spPr/>
+        <p:txBody>
+          <a:bodyPr/>
+          <a:lstStyle/>
+          <a:p>
+            <a:r>
+              <a:rPr lang="en-US" altLang="zh-TW" dirty="0" smtClean="0"/>
+              <a:t>Features (TODO)</a:t>
+            </a:r>
+            <a:endParaRPr lang="zh-TW" altLang="en-US" dirty="0"/>
+          </a:p>
+        </p:txBody>
+      </p:sp>
+      <p:sp>
+        <p:nvSpPr>
+          <p:cNvPr id="3" name="內容版面配置區 2"/>
+          <p:cNvSpPr>
+            <a:spLocks noGrp="1"/>
+          </p:cNvSpPr>
+          <p:nvPr>
+            <p:ph idx="1"/>
+          </p:nvPr>
+        </p:nvSpPr>
+        <p:spPr/>
+        <p:txBody>
+          <a:bodyPr>
+            <a:normAutofit lnSpcReduction="10000"/>
+          </a:bodyPr>
+          <a:lstStyle/>
+          <a:p>
+            <a:r>
+              <a:rPr lang="en-US" altLang="zh-TW" dirty="0" smtClean="0"/>
+              <a:t>Time-weighted coauthor counts</a:t>
+            </a:r>
+            <a:endParaRPr lang="en-US" altLang="zh-TW" dirty="0"/>
+          </a:p>
+          <a:p>
+            <a:r>
+              <a:rPr lang="en-US" altLang="zh-TW" dirty="0" smtClean="0"/>
+              <a:t>Activeness</a:t>
+            </a:r>
+          </a:p>
+          <a:p>
+            <a:r>
+              <a:rPr lang="en-US" altLang="zh-TW" dirty="0" smtClean="0"/>
+              <a:t>Common neighbors</a:t>
+            </a:r>
+          </a:p>
+          <a:p>
+            <a:r>
+              <a:rPr lang="en-US" altLang="zh-TW" dirty="0" err="1" smtClean="0"/>
+              <a:t>Jaccard’s</a:t>
+            </a:r>
+            <a:r>
+              <a:rPr lang="en-US" altLang="zh-TW" dirty="0" smtClean="0"/>
+              <a:t> coefficient</a:t>
+            </a:r>
+          </a:p>
+          <a:p>
+            <a:r>
+              <a:rPr lang="en-US" altLang="zh-TW" dirty="0" err="1" smtClean="0"/>
+              <a:t>Adamic</a:t>
+            </a:r>
+            <a:r>
+              <a:rPr lang="en-US" altLang="zh-TW" dirty="0" smtClean="0"/>
+              <a:t> / Adar</a:t>
+            </a:r>
+          </a:p>
+          <a:p>
+            <a:r>
+              <a:rPr lang="en-US" altLang="zh-TW" dirty="0" smtClean="0"/>
+              <a:t>Conference preference</a:t>
+            </a:r>
+          </a:p>
+          <a:p>
+            <a:r>
+              <a:rPr lang="en-US" altLang="zh-TW" dirty="0" smtClean="0"/>
+              <a:t>Clustering index</a:t>
+            </a:r>
+          </a:p>
+          <a:p>
+            <a:r>
+              <a:rPr lang="en-US" altLang="zh-TW" dirty="0" smtClean="0"/>
+              <a:t>Log of second neighbors</a:t>
+            </a:r>
+          </a:p>
+          <a:p>
+            <a:endParaRPr lang="en-US" altLang="zh-TW" dirty="0" smtClean="0"/>
+          </a:p>
+          <a:p>
+            <a:endParaRPr lang="en-US" altLang="zh-TW" dirty="0" smtClean="0"/>
+          </a:p>
+          <a:p>
+            <a:endParaRPr lang="zh-TW" altLang="en-US" dirty="0"/>
+          </a:p>
+        </p:txBody>
+      </p:sp>
+    </p:spTree>
+    <p:extLst>
+      <p:ext uri="{BB962C8B-B14F-4D97-AF65-F5344CB8AC3E}">
+        <p14:creationId xmlns:p14="http://schemas.microsoft.com/office/powerpoint/2010/main" val="751544494"/>
+      </p:ext>
+    </p:extLst>
+  </p:cSld>
+  <p:clrMapOvr>
+    <a:masterClrMapping/>
+  </p:clrMapOvr>
+</p:sld>
+</file>
+
+<file path=ppt/slides/slide6.xml><?xml version="1.0" encoding="utf-8"?>
+<p:sld xmlns:a="http://schemas.openxmlformats.org/drawingml/2006/main" xmlns:r="http://schemas.openxmlformats.org/officeDocument/2006/relationships" xmlns:p="http://schemas.openxmlformats.org/presentationml/2006/main">
+  <p:cSld>
+    <p:spTree>
+      <p:nvGrpSpPr>
+        <p:cNvPr id="1" name=""/>
+        <p:cNvGrpSpPr/>
+        <p:nvPr/>
+      </p:nvGrpSpPr>
+      <p:grpSpPr>
+        <a:xfrm>
+          <a:off x="0" y="0"/>
+          <a:ext cx="0" cy="0"/>
+          <a:chOff x="0" y="0"/>
+          <a:chExt cx="0" cy="0"/>
+        </a:xfrm>
+      </p:grpSpPr>
+      <p:sp>
+        <p:nvSpPr>
+          <p:cNvPr id="2" name="標題 1"/>
+          <p:cNvSpPr>
+            <a:spLocks noGrp="1"/>
+          </p:cNvSpPr>
+          <p:nvPr>
+            <p:ph type="title"/>
+          </p:nvPr>
+        </p:nvSpPr>
+        <p:spPr/>
+        <p:txBody>
+          <a:bodyPr/>
+          <a:lstStyle/>
+          <a:p>
+            <a:r>
+              <a:rPr lang="en-US" altLang="zh-TW" dirty="0"/>
+              <a:t>Our Framework</a:t>
+            </a:r>
+            <a:endParaRPr lang="zh-TW" altLang="en-US" dirty="0"/>
+          </a:p>
+        </p:txBody>
+      </p:sp>
+      <p:sp>
+        <p:nvSpPr>
+          <p:cNvPr id="3" name="內容版面配置區 2"/>
+          <p:cNvSpPr>
+            <a:spLocks noGrp="1"/>
+          </p:cNvSpPr>
+          <p:nvPr>
+            <p:ph idx="1"/>
+          </p:nvPr>
+        </p:nvSpPr>
+        <p:spPr/>
+        <p:txBody>
+          <a:bodyPr/>
+          <a:lstStyle/>
+          <a:p>
+            <a:r>
+              <a:rPr lang="en-US" altLang="zh-TW" dirty="0" smtClean="0"/>
+              <a:t>Input: CN3.txt (2008?~2012)</a:t>
+            </a:r>
+          </a:p>
+          <a:p>
+            <a:r>
+              <a:rPr lang="en-US" altLang="zh-TW" dirty="0" smtClean="0"/>
+              <a:t>Output: Prediction from CN3_query.txt (2013)</a:t>
+            </a:r>
+          </a:p>
+          <a:p>
+            <a:endParaRPr lang="zh-TW" altLang="en-US" dirty="0"/>
+          </a:p>
+        </p:txBody>
+      </p:sp>
+    </p:spTree>
+    <p:extLst>
+      <p:ext uri="{BB962C8B-B14F-4D97-AF65-F5344CB8AC3E}">
+        <p14:creationId xmlns:p14="http://schemas.microsoft.com/office/powerpoint/2010/main" val="1825577614"/>
+      </p:ext>
+    </p:extLst>
+  </p:cSld>
+  <p:clrMapOvr>
+    <a:masterClrMapping/>
+  </p:clrMapOvr>
+</p:sld>
+</file>
+
+<file path=ppt/slides/slide7.xml><?xml version="1.0" encoding="utf-8"?>
+<p:sld xmlns:a="http://schemas.openxmlformats.org/drawingml/2006/main" xmlns:r="http://schemas.openxmlformats.org/officeDocument/2006/relationships" xmlns:p="http://schemas.openxmlformats.org/presentationml/2006/main">
+  <p:cSld>
+    <p:spTree>
+      <p:nvGrpSpPr>
+        <p:cNvPr id="1" name=""/>
+        <p:cNvGrpSpPr/>
+        <p:nvPr/>
+      </p:nvGrpSpPr>
+      <p:grpSpPr>
+        <a:xfrm>
+          <a:off x="0" y="0"/>
+          <a:ext cx="0" cy="0"/>
+          <a:chOff x="0" y="0"/>
+          <a:chExt cx="0" cy="0"/>
+        </a:xfrm>
+      </p:grpSpPr>
+      <p:sp>
+        <p:nvSpPr>
+          <p:cNvPr id="2" name="標題 1"/>
+          <p:cNvSpPr>
+            <a:spLocks noGrp="1"/>
+          </p:cNvSpPr>
+          <p:nvPr>
+            <p:ph type="title"/>
+          </p:nvPr>
+        </p:nvSpPr>
+        <p:spPr/>
+        <p:txBody>
+          <a:bodyPr/>
+          <a:lstStyle/>
+          <a:p>
+            <a:r>
+              <a:rPr lang="en-US" altLang="zh-TW" dirty="0"/>
+              <a:t>Our Framework</a:t>
+            </a:r>
+            <a:endParaRPr lang="zh-TW" altLang="en-US" dirty="0"/>
+          </a:p>
+        </p:txBody>
+      </p:sp>
+      <mc:AlternateContent xmlns:mc="http://schemas.openxmlformats.org/markup-compatibility/2006">
+        <mc:Choice xmlns:a14="http://schemas.microsoft.com/office/drawing/2010/main" Requires="a14">
+          <p:sp>
+            <p:nvSpPr>
+              <p:cNvPr id="3" name="內容版面配置區 2"/>
+              <p:cNvSpPr>
+                <a:spLocks noGrp="1"/>
+              </p:cNvSpPr>
+              <p:nvPr>
+                <p:ph idx="1"/>
+              </p:nvPr>
+            </p:nvSpPr>
+            <p:spPr/>
+            <p:txBody>
+              <a:bodyPr/>
+              <a:lstStyle/>
+              <a:p>
+                <a:r>
+                  <a:rPr lang="en-US" altLang="zh-TW" dirty="0" smtClean="0"/>
+                  <a:t>Training: CN3.txt (2008~2011)</a:t>
+                </a:r>
+              </a:p>
+              <a:p>
+                <a:r>
+                  <a:rPr lang="en-US" altLang="zh-TW" dirty="0" smtClean="0"/>
+                  <a:t>Testing: Prediction for pairs in CN3.txt (2008~2011); then comparison with CN3.txt (2012)</a:t>
+                </a:r>
+              </a:p>
+              <a:p>
+                <a:r>
+                  <a:rPr lang="en-US" altLang="zh-TW" dirty="0" smtClean="0"/>
+                  <a:t>Accuracy: (optimized for CN3_qruey.txt)</a:t>
+                </a:r>
+                <a:br>
+                  <a:rPr lang="en-US" altLang="zh-TW" dirty="0" smtClean="0"/>
+                </a:br>
+                <a14:m>
+                  <m:oMath xmlns:m="http://schemas.openxmlformats.org/officeDocument/2006/math">
+                    <m:r>
+                      <a:rPr lang="en-US" altLang="zh-TW" b="0" i="0" smtClean="0">
+                        <a:latin typeface="Cambria Math" panose="02040503050406030204" pitchFamily="18" charset="0"/>
+                      </a:rPr>
+                      <m:t>50%</m:t>
+                    </m:r>
+                    <m:r>
+                      <a:rPr lang="en-US" altLang="zh-TW" b="0" i="1" smtClean="0">
+                        <a:latin typeface="Cambria Math" panose="02040503050406030204" pitchFamily="18" charset="0"/>
+                        <a:ea typeface="Cambria Math" panose="02040503050406030204" pitchFamily="18" charset="0"/>
+                      </a:rPr>
+                      <m:t>∙</m:t>
+                    </m:r>
+                    <m:f>
+                      <m:fPr>
+                        <m:ctrlPr>
+                          <a:rPr lang="en-US" altLang="zh-TW" i="1" smtClean="0">
+                            <a:latin typeface="Cambria Math" panose="02040503050406030204" pitchFamily="18" charset="0"/>
+                          </a:rPr>
+                        </m:ctrlPr>
+                      </m:fPr>
+                      <m:num>
+                        <m:r>
+                          <a:rPr lang="en-US" altLang="zh-TW" b="0" i="1" smtClean="0">
+                            <a:latin typeface="Cambria Math" panose="02040503050406030204" pitchFamily="18" charset="0"/>
+                          </a:rPr>
+                          <m:t>𝑇𝑃</m:t>
+                        </m:r>
+                      </m:num>
+                      <m:den>
+                        <m:r>
+                          <a:rPr lang="en-US" altLang="zh-TW" b="0" i="1" smtClean="0">
+                            <a:latin typeface="Cambria Math" panose="02040503050406030204" pitchFamily="18" charset="0"/>
+                          </a:rPr>
+                          <m:t>𝑇𝑃</m:t>
+                        </m:r>
+                        <m:r>
+                          <a:rPr lang="en-US" altLang="zh-TW" b="0" i="1" smtClean="0">
+                            <a:latin typeface="Cambria Math" panose="02040503050406030204" pitchFamily="18" charset="0"/>
+                          </a:rPr>
+                          <m:t>+</m:t>
+                        </m:r>
+                        <m:r>
+                          <a:rPr lang="en-US" altLang="zh-TW" b="0" i="1" smtClean="0">
+                            <a:latin typeface="Cambria Math" panose="02040503050406030204" pitchFamily="18" charset="0"/>
+                          </a:rPr>
+                          <m:t>𝐹𝑁</m:t>
+                        </m:r>
+                      </m:den>
+                    </m:f>
+                    <m:r>
+                      <a:rPr lang="en-US" altLang="zh-TW" b="0" i="1" smtClean="0">
+                        <a:latin typeface="Cambria Math" panose="02040503050406030204" pitchFamily="18" charset="0"/>
+                      </a:rPr>
+                      <m:t>+</m:t>
+                    </m:r>
+                    <m:r>
+                      <a:rPr lang="en-US" altLang="zh-TW">
+                        <a:latin typeface="Cambria Math" panose="02040503050406030204" pitchFamily="18" charset="0"/>
+                      </a:rPr>
+                      <m:t>50%</m:t>
+                    </m:r>
+                    <m:r>
+                      <a:rPr lang="en-US" altLang="zh-TW" i="1">
+                        <a:latin typeface="Cambria Math" panose="02040503050406030204" pitchFamily="18" charset="0"/>
+                        <a:ea typeface="Cambria Math" panose="02040503050406030204" pitchFamily="18" charset="0"/>
+                      </a:rPr>
+                      <m:t>∙</m:t>
+                    </m:r>
+                    <m:f>
+                      <m:fPr>
+                        <m:ctrlPr>
+                          <a:rPr lang="en-US" altLang="zh-TW" i="1">
+                            <a:latin typeface="Cambria Math" panose="02040503050406030204" pitchFamily="18" charset="0"/>
+                          </a:rPr>
+                        </m:ctrlPr>
+                      </m:fPr>
+                      <m:num>
+                        <m:r>
+                          <a:rPr lang="en-US" altLang="zh-TW" b="0" i="1" smtClean="0">
+                            <a:latin typeface="Cambria Math" panose="02040503050406030204" pitchFamily="18" charset="0"/>
+                          </a:rPr>
+                          <m:t>𝑇𝑁</m:t>
+                        </m:r>
+                      </m:num>
+                      <m:den>
+                        <m:r>
+                          <a:rPr lang="en-US" altLang="zh-TW" b="0" i="1" smtClean="0">
+                            <a:latin typeface="Cambria Math" panose="02040503050406030204" pitchFamily="18" charset="0"/>
+                          </a:rPr>
+                          <m:t>𝑇𝑁</m:t>
+                        </m:r>
+                        <m:r>
+                          <a:rPr lang="en-US" altLang="zh-TW" b="0" i="1" smtClean="0">
+                            <a:latin typeface="Cambria Math" panose="02040503050406030204" pitchFamily="18" charset="0"/>
+                          </a:rPr>
+                          <m:t>+</m:t>
+                        </m:r>
+                        <m:r>
+                          <a:rPr lang="en-US" altLang="zh-TW" b="0" i="1" smtClean="0">
+                            <a:latin typeface="Cambria Math" panose="02040503050406030204" pitchFamily="18" charset="0"/>
+                          </a:rPr>
+                          <m:t>𝐹𝑃</m:t>
+                        </m:r>
+                      </m:den>
+                    </m:f>
+                  </m:oMath>
+                </a14:m>
+                <a:endParaRPr lang="zh-TW" altLang="en-US" dirty="0"/>
+              </a:p>
+            </p:txBody>
+          </p:sp>
+        </mc:Choice>
+        <mc:Fallback>
+          <p:sp>
+            <p:nvSpPr>
+              <p:cNvPr id="3" name="內容版面配置區 2"/>
+              <p:cNvSpPr>
+                <a:spLocks noGrp="1" noRot="1" noChangeAspect="1" noMove="1" noResize="1" noEditPoints="1" noAdjustHandles="1" noChangeArrowheads="1" noChangeShapeType="1" noTextEdit="1"/>
+              </p:cNvSpPr>
+              <p:nvPr>
+                <p:ph idx="1"/>
+              </p:nvPr>
+            </p:nvSpPr>
+            <p:spPr>
+              <a:blipFill rotWithShape="0">
+                <a:blip r:embed="rId2"/>
+                <a:stretch>
+                  <a:fillRect l="-1704" t="-1752"/>
+                </a:stretch>
+              </a:blipFill>
+            </p:spPr>
+            <p:txBody>
+              <a:bodyPr/>
+              <a:lstStyle/>
+              <a:p>
+                <a:r>
+                  <a:rPr lang="zh-TW" altLang="en-US">
+                    <a:noFill/>
+                  </a:rPr>
+                  <a:t> </a:t>
+                </a:r>
+              </a:p>
+            </p:txBody>
+          </p:sp>
+        </mc:Fallback>
+      </mc:AlternateContent>
+    </p:spTree>
+    <p:extLst>
+      <p:ext uri="{BB962C8B-B14F-4D97-AF65-F5344CB8AC3E}">
+        <p14:creationId xmlns:p14="http://schemas.microsoft.com/office/powerpoint/2010/main" val="886489445"/>
+      </p:ext>
+    </p:extLst>
+  </p:cSld>
+  <p:clrMapOvr>
+    <a:masterClrMapping/>
+  </p:clrMapOvr>
+</p:sld>
+</file>
+
 <file path=ppt/slides/slide8.xml><?xml version="1.0" encoding="utf-8"?>
 <p:sld xmlns:a="http://schemas.openxmlformats.org/drawingml/2006/main" xmlns:r="http://schemas.openxmlformats.org/officeDocument/2006/relationships" xmlns:p="http://schemas.openxmlformats.org/presentationml/2006/main">
   <p:cSld>
@@ -5943,7 +7166,7 @@
           <a:p>
             <a:r>
               <a:rPr lang="en-US" altLang="zh-TW" dirty="0" smtClean="0"/>
-              <a:t>Parameter</a:t>
+              <a:t>Cross-validation Result</a:t>
             </a:r>
             <a:endParaRPr lang="zh-TW" altLang="en-US" dirty="0"/>
           </a:p>
@@ -5961,72 +7184,17 @@
         </p:nvSpPr>
         <p:spPr/>
         <p:txBody>
-          <a:bodyPr>
-            <a:normAutofit lnSpcReduction="10000"/>
-          </a:bodyPr>
-          <a:lstStyle/>
-          <a:p>
-            <a:r>
-              <a:rPr lang="en-US" altLang="zh-TW" dirty="0" err="1" smtClean="0"/>
-              <a:t>pYear</a:t>
-            </a:r>
-            <a:endParaRPr lang="en-US" altLang="zh-TW" dirty="0" smtClean="0"/>
-          </a:p>
-          <a:p>
-            <a:r>
-              <a:rPr lang="en-US" altLang="zh-TW" dirty="0" err="1" smtClean="0"/>
-              <a:t>pConf</a:t>
-            </a:r>
-            <a:endParaRPr lang="en-US" altLang="zh-TW" dirty="0" smtClean="0"/>
-          </a:p>
-          <a:p>
-            <a:r>
-              <a:rPr lang="en-US" altLang="zh-TW" dirty="0" err="1" smtClean="0"/>
-              <a:t>pPaper</a:t>
-            </a:r>
-            <a:endParaRPr lang="en-US" altLang="zh-TW" dirty="0" smtClean="0"/>
-          </a:p>
-          <a:p>
-            <a:r>
-              <a:rPr lang="en-US" altLang="zh-TW" dirty="0" err="1" smtClean="0"/>
-              <a:t>pPredictYear</a:t>
-            </a:r>
-            <a:endParaRPr lang="en-US" altLang="zh-TW" dirty="0" smtClean="0"/>
-          </a:p>
-          <a:p>
-            <a:r>
-              <a:rPr lang="en-US" altLang="zh-TW" dirty="0" err="1" smtClean="0"/>
-              <a:t>pPageRank</a:t>
-            </a:r>
-            <a:endParaRPr lang="en-US" altLang="zh-TW" dirty="0" smtClean="0"/>
-          </a:p>
-          <a:p>
-            <a:r>
-              <a:rPr lang="en-US" altLang="zh-TW" dirty="0" err="1" smtClean="0"/>
-              <a:t>pNumofAuthor</a:t>
-            </a:r>
-            <a:endParaRPr lang="en-US" altLang="zh-TW" dirty="0" smtClean="0"/>
-          </a:p>
-          <a:p>
-            <a:r>
-              <a:rPr lang="en-US" altLang="zh-TW" dirty="0" err="1" smtClean="0"/>
-              <a:t>pBFSlimit</a:t>
-            </a:r>
-            <a:endParaRPr lang="en-US" altLang="zh-TW" dirty="0" smtClean="0"/>
-          </a:p>
-          <a:p>
-            <a:r>
-              <a:rPr lang="en-US" altLang="zh-TW" dirty="0" err="1" smtClean="0"/>
-              <a:t>pThreshold</a:t>
-            </a:r>
-            <a:endParaRPr lang="zh-TW" altLang="en-US" dirty="0"/>
+          <a:bodyPr/>
+          <a:lstStyle/>
+          <a:p>
+            <a:endParaRPr lang="zh-TW" altLang="en-US"/>
           </a:p>
         </p:txBody>
       </p:sp>
     </p:spTree>
     <p:extLst>
       <p:ext uri="{BB962C8B-B14F-4D97-AF65-F5344CB8AC3E}">
-        <p14:creationId xmlns:p14="http://schemas.microsoft.com/office/powerpoint/2010/main" val="1676197269"/>
+        <p14:creationId xmlns:p14="http://schemas.microsoft.com/office/powerpoint/2010/main" val="2334914531"/>
       </p:ext>
     </p:extLst>
   </p:cSld>
@@ -6069,8 +7237,8 @@
           <a:lstStyle/>
           <a:p>
             <a:r>
-              <a:rPr lang="zh-TW" altLang="en-US" dirty="0" smtClean="0"/>
-              <a:t>原本想的作法</a:t>
+              <a:rPr lang="en-US" altLang="zh-TW" dirty="0"/>
+              <a:t>Difficulties Encountered</a:t>
             </a:r>
             <a:endParaRPr lang="zh-TW" altLang="en-US" dirty="0"/>
           </a:p>
@@ -6092,127 +7260,52 @@
           <a:lstStyle/>
           <a:p>
             <a:r>
-              <a:rPr lang="zh-TW" altLang="en-US" dirty="0" smtClean="0"/>
-              <a:t>其實我原本是希望</a:t>
-            </a:r>
-            <a:r>
-              <a:rPr lang="en-US" altLang="zh-TW" dirty="0" smtClean="0"/>
-              <a:t>edge(</a:t>
-            </a:r>
-            <a:r>
-              <a:rPr lang="en-US" altLang="zh-TW" dirty="0" err="1" smtClean="0"/>
-              <a:t>i,j</a:t>
-            </a:r>
-            <a:r>
-              <a:rPr lang="en-US" altLang="zh-TW" dirty="0" smtClean="0"/>
-              <a:t>)</a:t>
-            </a:r>
-            <a:r>
-              <a:rPr lang="zh-TW" altLang="en-US" dirty="0" smtClean="0"/>
-              <a:t>的</a:t>
-            </a:r>
-            <a:r>
-              <a:rPr lang="en-US" altLang="zh-TW" dirty="0" smtClean="0"/>
-              <a:t>Weight</a:t>
-            </a:r>
-            <a:r>
-              <a:rPr lang="zh-TW" altLang="en-US" dirty="0" smtClean="0"/>
-              <a:t>代表的是</a:t>
-            </a:r>
-            <a:r>
-              <a:rPr lang="en-US" altLang="zh-TW" dirty="0" err="1" smtClean="0"/>
-              <a:t>i,j</a:t>
-            </a:r>
-            <a:r>
-              <a:rPr lang="zh-TW" altLang="en-US" smtClean="0"/>
-              <a:t>直接合作</a:t>
-            </a:r>
-            <a:r>
-              <a:rPr lang="zh-TW" altLang="en-US" dirty="0" smtClean="0"/>
-              <a:t>的機率</a:t>
-            </a:r>
+              <a:rPr lang="en-US" altLang="zh-TW" dirty="0" smtClean="0"/>
+              <a:t>Memory issues</a:t>
+            </a:r>
+          </a:p>
+          <a:p>
+            <a:pPr lvl="1"/>
+            <a:r>
+              <a:rPr lang="en-US" altLang="zh-TW" dirty="0" smtClean="0"/>
+              <a:t>Adjacency list instead of adjacency matrix</a:t>
+            </a:r>
+          </a:p>
+          <a:p>
+            <a:r>
+              <a:rPr lang="en-US" altLang="zh-TW" dirty="0" smtClean="0"/>
+              <a:t>Problem characteristic</a:t>
+            </a:r>
+          </a:p>
+          <a:p>
+            <a:pPr lvl="1"/>
+            <a:r>
+              <a:rPr lang="en-US" altLang="zh-TW" dirty="0" smtClean="0"/>
+              <a:t>All testing pairs were linked before</a:t>
+            </a:r>
+          </a:p>
+          <a:p>
+            <a:pPr lvl="1"/>
+            <a:r>
+              <a:rPr lang="en-US" altLang="zh-TW" dirty="0" smtClean="0"/>
+              <a:t>Many features do not work (e.g. shortest path)</a:t>
+            </a:r>
+          </a:p>
+          <a:p>
             <a:endParaRPr lang="en-US" altLang="zh-TW" dirty="0" smtClean="0"/>
           </a:p>
           <a:p>
-            <a:r>
-              <a:rPr lang="zh-TW" altLang="en-US" dirty="0" smtClean="0"/>
-              <a:t>然後</a:t>
-            </a:r>
-            <a:r>
-              <a:rPr lang="en-US" altLang="zh-TW" dirty="0" err="1" smtClean="0"/>
-              <a:t>PathWeight</a:t>
-            </a:r>
-            <a:r>
-              <a:rPr lang="zh-TW" altLang="en-US" dirty="0" smtClean="0"/>
-              <a:t>就直接連乘</a:t>
-            </a:r>
-            <a:r>
-              <a:rPr lang="en-US" altLang="zh-TW" dirty="0" smtClean="0"/>
-              <a:t>edge weight</a:t>
-            </a:r>
-          </a:p>
-          <a:p>
-            <a:r>
-              <a:rPr lang="zh-TW" altLang="en-US" dirty="0" smtClean="0"/>
-              <a:t>決定</a:t>
-            </a:r>
-            <a:r>
-              <a:rPr lang="en-US" altLang="zh-TW" dirty="0" smtClean="0"/>
-              <a:t>(</a:t>
-            </a:r>
-            <a:r>
-              <a:rPr lang="en-US" altLang="zh-TW" dirty="0" err="1" smtClean="0"/>
-              <a:t>i,j</a:t>
-            </a:r>
-            <a:r>
-              <a:rPr lang="en-US" altLang="zh-TW" dirty="0" smtClean="0"/>
-              <a:t>)</a:t>
-            </a:r>
-            <a:r>
-              <a:rPr lang="zh-TW" altLang="en-US" dirty="0" smtClean="0"/>
-              <a:t>有沒有合作則是把</a:t>
-            </a:r>
-            <a:r>
-              <a:rPr lang="en-US" altLang="zh-TW" dirty="0" err="1" smtClean="0"/>
-              <a:t>PathWeight</a:t>
-            </a:r>
-            <a:r>
-              <a:rPr lang="zh-TW" altLang="en-US" dirty="0" smtClean="0"/>
-              <a:t>取聯集</a:t>
-            </a:r>
-            <a:r>
-              <a:rPr lang="zh-TW" altLang="en-US" dirty="0"/>
-              <a:t>看有沒有大於</a:t>
-            </a:r>
-            <a:r>
-              <a:rPr lang="en-US" altLang="zh-TW" dirty="0" smtClean="0"/>
-              <a:t>Threshold</a:t>
-            </a:r>
-          </a:p>
-          <a:p>
-            <a:endParaRPr lang="en-US" altLang="zh-TW" dirty="0"/>
-          </a:p>
-          <a:p>
-            <a:r>
-              <a:rPr lang="zh-TW" altLang="en-US" dirty="0" smtClean="0"/>
-              <a:t>不過這想法再決定</a:t>
-            </a:r>
-            <a:r>
-              <a:rPr lang="en-US" altLang="zh-TW" dirty="0" smtClean="0"/>
-              <a:t>edge weight</a:t>
-            </a:r>
-            <a:r>
-              <a:rPr lang="zh-TW" altLang="en-US" dirty="0" smtClean="0"/>
-              <a:t>的時候我有點卡住，就先寫成別的做法</a:t>
-            </a:r>
-            <a:endParaRPr lang="en-US" altLang="zh-TW" dirty="0"/>
+            <a:endParaRPr lang="en-US" altLang="zh-TW" dirty="0" smtClean="0"/>
+          </a:p>
+          <a:p>
+            <a:endParaRPr lang="zh-TW" altLang="en-US" dirty="0"/>
           </a:p>
         </p:txBody>
       </p:sp>
     </p:spTree>
     <p:extLst>
       <p:ext uri="{BB962C8B-B14F-4D97-AF65-F5344CB8AC3E}">
-        <p14:creationId xmlns:p14="http://schemas.microsoft.com/office/powerpoint/2010/main" val="298382098"/>
+        <p14:creationId xmlns:p14="http://schemas.microsoft.com/office/powerpoint/2010/main" val="4177398306"/>
       </p:ext>
     </p:extLst>
   </p:cSld>

--- a/Project/Readme_v2.pptx
+++ b/Project/Readme_v2.pptx
@@ -123,7 +123,7 @@
   </p:defaultTextStyle>
   <p:extLst>
     <p:ext uri="{EFAFB233-063F-42B5-8137-9DF3F51BA10A}">
-      <p15:sldGuideLst xmlns:p15="http://schemas.microsoft.com/office/powerpoint/2012/main">
+      <p15:sldGuideLst xmlns:p15="http://schemas.microsoft.com/office/powerpoint/2012/main" xmlns="">
         <p15:guide id="1" orient="horz" pos="2160">
           <p15:clr>
             <a:srgbClr val="A4A3A4"/>
@@ -321,7 +321,7 @@
           <a:p>
             <a:fld id="{5BBEAD13-0566-4C6C-97E7-55F17F24B09F}" type="datetimeFigureOut">
               <a:rPr lang="zh-TW" altLang="en-US" smtClean="0"/>
-              <a:t>2014/12/30</a:t>
+              <a:t>2015/1/4</a:t>
             </a:fld>
             <a:endParaRPr lang="zh-TW" altLang="en-US"/>
           </a:p>
@@ -486,7 +486,7 @@
           <a:p>
             <a:fld id="{5BBEAD13-0566-4C6C-97E7-55F17F24B09F}" type="datetimeFigureOut">
               <a:rPr lang="zh-TW" altLang="en-US" smtClean="0"/>
-              <a:t>2014/12/30</a:t>
+              <a:t>2015/1/4</a:t>
             </a:fld>
             <a:endParaRPr lang="zh-TW" altLang="en-US"/>
           </a:p>
@@ -661,7 +661,7 @@
           <a:p>
             <a:fld id="{5BBEAD13-0566-4C6C-97E7-55F17F24B09F}" type="datetimeFigureOut">
               <a:rPr lang="zh-TW" altLang="en-US" smtClean="0"/>
-              <a:t>2014/12/30</a:t>
+              <a:t>2015/1/4</a:t>
             </a:fld>
             <a:endParaRPr lang="zh-TW" altLang="en-US"/>
           </a:p>
@@ -826,7 +826,7 @@
           <a:p>
             <a:fld id="{5BBEAD13-0566-4C6C-97E7-55F17F24B09F}" type="datetimeFigureOut">
               <a:rPr lang="zh-TW" altLang="en-US" smtClean="0"/>
-              <a:t>2014/12/30</a:t>
+              <a:t>2015/1/4</a:t>
             </a:fld>
             <a:endParaRPr lang="zh-TW" altLang="en-US"/>
           </a:p>
@@ -1067,7 +1067,7 @@
           <a:p>
             <a:fld id="{5BBEAD13-0566-4C6C-97E7-55F17F24B09F}" type="datetimeFigureOut">
               <a:rPr lang="zh-TW" altLang="en-US" smtClean="0"/>
-              <a:t>2014/12/30</a:t>
+              <a:t>2015/1/4</a:t>
             </a:fld>
             <a:endParaRPr lang="zh-TW" altLang="en-US"/>
           </a:p>
@@ -1350,7 +1350,7 @@
           <a:p>
             <a:fld id="{5BBEAD13-0566-4C6C-97E7-55F17F24B09F}" type="datetimeFigureOut">
               <a:rPr lang="zh-TW" altLang="en-US" smtClean="0"/>
-              <a:t>2014/12/30</a:t>
+              <a:t>2015/1/4</a:t>
             </a:fld>
             <a:endParaRPr lang="zh-TW" altLang="en-US"/>
           </a:p>
@@ -1767,7 +1767,7 @@
           <a:p>
             <a:fld id="{5BBEAD13-0566-4C6C-97E7-55F17F24B09F}" type="datetimeFigureOut">
               <a:rPr lang="zh-TW" altLang="en-US" smtClean="0"/>
-              <a:t>2014/12/30</a:t>
+              <a:t>2015/1/4</a:t>
             </a:fld>
             <a:endParaRPr lang="zh-TW" altLang="en-US"/>
           </a:p>
@@ -1880,7 +1880,7 @@
           <a:p>
             <a:fld id="{5BBEAD13-0566-4C6C-97E7-55F17F24B09F}" type="datetimeFigureOut">
               <a:rPr lang="zh-TW" altLang="en-US" smtClean="0"/>
-              <a:t>2014/12/30</a:t>
+              <a:t>2015/1/4</a:t>
             </a:fld>
             <a:endParaRPr lang="zh-TW" altLang="en-US"/>
           </a:p>
@@ -1970,7 +1970,7 @@
           <a:p>
             <a:fld id="{5BBEAD13-0566-4C6C-97E7-55F17F24B09F}" type="datetimeFigureOut">
               <a:rPr lang="zh-TW" altLang="en-US" smtClean="0"/>
-              <a:t>2014/12/30</a:t>
+              <a:t>2015/1/4</a:t>
             </a:fld>
             <a:endParaRPr lang="zh-TW" altLang="en-US"/>
           </a:p>
@@ -2242,7 +2242,7 @@
           <a:p>
             <a:fld id="{5BBEAD13-0566-4C6C-97E7-55F17F24B09F}" type="datetimeFigureOut">
               <a:rPr lang="zh-TW" altLang="en-US" smtClean="0"/>
-              <a:t>2014/12/30</a:t>
+              <a:t>2015/1/4</a:t>
             </a:fld>
             <a:endParaRPr lang="zh-TW" altLang="en-US"/>
           </a:p>
@@ -2490,7 +2490,7 @@
           <a:p>
             <a:fld id="{5BBEAD13-0566-4C6C-97E7-55F17F24B09F}" type="datetimeFigureOut">
               <a:rPr lang="zh-TW" altLang="en-US" smtClean="0"/>
-              <a:t>2014/12/30</a:t>
+              <a:t>2015/1/4</a:t>
             </a:fld>
             <a:endParaRPr lang="zh-TW" altLang="en-US"/>
           </a:p>
@@ -2698,7 +2698,7 @@
           <a:p>
             <a:fld id="{5BBEAD13-0566-4C6C-97E7-55F17F24B09F}" type="datetimeFigureOut">
               <a:rPr lang="zh-TW" altLang="en-US" smtClean="0"/>
-              <a:t>2014/12/30</a:t>
+              <a:t>2015/1/4</a:t>
             </a:fld>
             <a:endParaRPr lang="zh-TW" altLang="en-US"/>
           </a:p>
@@ -3673,7 +3673,7 @@
                       <m:sSubPr>
                         <m:ctrlPr>
                           <a:rPr lang="en-US" altLang="zh-TW" b="0" i="1" dirty="0" smtClean="0">
-                            <a:latin typeface="Cambria Math" panose="02040503050406030204" pitchFamily="18" charset="0"/>
+                            <a:latin typeface="Cambria Math"/>
                           </a:rPr>
                         </m:ctrlPr>
                       </m:sSubPr>
@@ -3725,7 +3725,7 @@
                       <m:sSubPr>
                         <m:ctrlPr>
                           <a:rPr lang="en-US" altLang="zh-TW" b="0" i="1" dirty="0" smtClean="0">
-                            <a:latin typeface="Cambria Math" panose="02040503050406030204" pitchFamily="18" charset="0"/>
+                            <a:latin typeface="Cambria Math"/>
                           </a:rPr>
                         </m:ctrlPr>
                       </m:sSubPr>
@@ -3853,7 +3853,7 @@
                         <m:supHide m:val="on"/>
                         <m:ctrlPr>
                           <a:rPr lang="en-US" altLang="zh-TW" i="1" smtClean="0">
-                            <a:latin typeface="Cambria Math" panose="02040503050406030204" pitchFamily="18" charset="0"/>
+                            <a:latin typeface="Cambria Math"/>
                           </a:rPr>
                         </m:ctrlPr>
                       </m:naryPr>
@@ -4104,7 +4104,7 @@
                       <m:dPr>
                         <m:ctrlPr>
                           <a:rPr lang="en-US" altLang="zh-TW" b="0" i="1" smtClean="0">
-                            <a:latin typeface="Cambria Math" panose="02040503050406030204" pitchFamily="18" charset="0"/>
+                            <a:latin typeface="Cambria Math"/>
                           </a:rPr>
                         </m:ctrlPr>
                       </m:dPr>
@@ -4157,7 +4157,7 @@
                       <m:dPr>
                         <m:ctrlPr>
                           <a:rPr lang="en-US" altLang="zh-TW" b="0" i="1" smtClean="0">
-                            <a:latin typeface="Cambria Math" panose="02040503050406030204" pitchFamily="18" charset="0"/>
+                            <a:latin typeface="Cambria Math"/>
                           </a:rPr>
                         </m:ctrlPr>
                       </m:dPr>
@@ -5696,7 +5696,7 @@
                         <m:fPr>
                           <m:ctrlPr>
                             <a:rPr lang="en-US" altLang="zh-TW" i="1" dirty="0" smtClean="0">
-                              <a:latin typeface="Cambria Math" panose="02040503050406030204" pitchFamily="18" charset="0"/>
+                              <a:latin typeface="Cambria Math"/>
                             </a:rPr>
                           </m:ctrlPr>
                         </m:fPr>
@@ -5711,7 +5711,7 @@
                             <m:dPr>
                               <m:ctrlPr>
                                 <a:rPr lang="en-US" altLang="zh-TW" i="1" dirty="0" smtClean="0">
-                                  <a:latin typeface="Cambria Math" panose="02040503050406030204" pitchFamily="18" charset="0"/>
+                                  <a:latin typeface="Cambria Math"/>
                                 </a:rPr>
                               </m:ctrlPr>
                             </m:dPr>
@@ -5752,7 +5752,7 @@
                             <m:dPr>
                               <m:ctrlPr>
                                 <a:rPr lang="en-US" altLang="zh-TW" i="1" dirty="0" smtClean="0">
-                                  <a:latin typeface="Cambria Math" panose="02040503050406030204" pitchFamily="18" charset="0"/>
+                                  <a:latin typeface="Cambria Math"/>
                                 </a:rPr>
                               </m:ctrlPr>
                             </m:dPr>
@@ -5844,7 +5844,7 @@
                             <m:sSupPr>
                               <m:ctrlPr>
                                 <a:rPr lang="en-US" altLang="zh-TW" b="0" i="1" dirty="0" smtClean="0">
-                                  <a:latin typeface="Cambria Math" panose="02040503050406030204" pitchFamily="18" charset="0"/>
+                                  <a:latin typeface="Cambria Math"/>
                                 </a:rPr>
                               </m:ctrlPr>
                             </m:sSupPr>
@@ -6881,6 +6881,726 @@
           </a:p>
         </p:txBody>
       </p:sp>
+      <p:sp>
+        <p:nvSpPr>
+          <p:cNvPr id="4" name="橢圓 3"/>
+          <p:cNvSpPr/>
+          <p:nvPr/>
+        </p:nvSpPr>
+        <p:spPr>
+          <a:xfrm>
+            <a:off x="1187624" y="3429000"/>
+            <a:ext cx="288032" cy="288032"/>
+          </a:xfrm>
+          <a:prstGeom prst="ellipse">
+            <a:avLst/>
+          </a:prstGeom>
+        </p:spPr>
+        <p:style>
+          <a:lnRef idx="2">
+            <a:schemeClr val="accent1">
+              <a:shade val="50000"/>
+            </a:schemeClr>
+          </a:lnRef>
+          <a:fillRef idx="1">
+            <a:schemeClr val="accent1"/>
+          </a:fillRef>
+          <a:effectRef idx="0">
+            <a:schemeClr val="accent1"/>
+          </a:effectRef>
+          <a:fontRef idx="minor">
+            <a:schemeClr val="lt1"/>
+          </a:fontRef>
+        </p:style>
+        <p:txBody>
+          <a:bodyPr rtlCol="0" anchor="ctr"/>
+          <a:lstStyle/>
+          <a:p>
+            <a:pPr algn="ctr"/>
+            <a:r>
+              <a:rPr lang="en-US" altLang="zh-TW" dirty="0" smtClean="0"/>
+              <a:t>u</a:t>
+            </a:r>
+            <a:endParaRPr lang="zh-TW" altLang="en-US" dirty="0"/>
+          </a:p>
+        </p:txBody>
+      </p:sp>
+      <p:sp>
+        <p:nvSpPr>
+          <p:cNvPr id="5" name="橢圓 4"/>
+          <p:cNvSpPr/>
+          <p:nvPr/>
+        </p:nvSpPr>
+        <p:spPr>
+          <a:xfrm>
+            <a:off x="1195561" y="5013176"/>
+            <a:ext cx="288032" cy="288032"/>
+          </a:xfrm>
+          <a:prstGeom prst="ellipse">
+            <a:avLst/>
+          </a:prstGeom>
+        </p:spPr>
+        <p:style>
+          <a:lnRef idx="2">
+            <a:schemeClr val="accent1">
+              <a:shade val="50000"/>
+            </a:schemeClr>
+          </a:lnRef>
+          <a:fillRef idx="1">
+            <a:schemeClr val="accent1"/>
+          </a:fillRef>
+          <a:effectRef idx="0">
+            <a:schemeClr val="accent1"/>
+          </a:effectRef>
+          <a:fontRef idx="minor">
+            <a:schemeClr val="lt1"/>
+          </a:fontRef>
+        </p:style>
+        <p:txBody>
+          <a:bodyPr rtlCol="0" anchor="ctr"/>
+          <a:lstStyle/>
+          <a:p>
+            <a:pPr algn="ctr"/>
+            <a:r>
+              <a:rPr lang="en-US" altLang="zh-TW" dirty="0" smtClean="0"/>
+              <a:t>v</a:t>
+            </a:r>
+            <a:endParaRPr lang="zh-TW" altLang="en-US" dirty="0"/>
+          </a:p>
+        </p:txBody>
+      </p:sp>
+      <p:sp>
+        <p:nvSpPr>
+          <p:cNvPr id="6" name="橢圓 5"/>
+          <p:cNvSpPr/>
+          <p:nvPr/>
+        </p:nvSpPr>
+        <p:spPr>
+          <a:xfrm>
+            <a:off x="429991" y="4153921"/>
+            <a:ext cx="288032" cy="288032"/>
+          </a:xfrm>
+          <a:prstGeom prst="ellipse">
+            <a:avLst/>
+          </a:prstGeom>
+        </p:spPr>
+        <p:style>
+          <a:lnRef idx="2">
+            <a:schemeClr val="accent1">
+              <a:shade val="50000"/>
+            </a:schemeClr>
+          </a:lnRef>
+          <a:fillRef idx="1">
+            <a:schemeClr val="accent1"/>
+          </a:fillRef>
+          <a:effectRef idx="0">
+            <a:schemeClr val="accent1"/>
+          </a:effectRef>
+          <a:fontRef idx="minor">
+            <a:schemeClr val="lt1"/>
+          </a:fontRef>
+        </p:style>
+        <p:txBody>
+          <a:bodyPr rtlCol="0" anchor="ctr"/>
+          <a:lstStyle/>
+          <a:p>
+            <a:pPr algn="ctr"/>
+            <a:endParaRPr lang="zh-TW" altLang="en-US"/>
+          </a:p>
+        </p:txBody>
+      </p:sp>
+      <p:sp>
+        <p:nvSpPr>
+          <p:cNvPr id="7" name="橢圓 6"/>
+          <p:cNvSpPr/>
+          <p:nvPr/>
+        </p:nvSpPr>
+        <p:spPr>
+          <a:xfrm>
+            <a:off x="1899522" y="4153921"/>
+            <a:ext cx="288032" cy="288032"/>
+          </a:xfrm>
+          <a:prstGeom prst="ellipse">
+            <a:avLst/>
+          </a:prstGeom>
+        </p:spPr>
+        <p:style>
+          <a:lnRef idx="2">
+            <a:schemeClr val="accent1">
+              <a:shade val="50000"/>
+            </a:schemeClr>
+          </a:lnRef>
+          <a:fillRef idx="1">
+            <a:schemeClr val="accent1"/>
+          </a:fillRef>
+          <a:effectRef idx="0">
+            <a:schemeClr val="accent1"/>
+          </a:effectRef>
+          <a:fontRef idx="minor">
+            <a:schemeClr val="lt1"/>
+          </a:fontRef>
+        </p:style>
+        <p:txBody>
+          <a:bodyPr rtlCol="0" anchor="ctr"/>
+          <a:lstStyle/>
+          <a:p>
+            <a:pPr algn="ctr"/>
+            <a:endParaRPr lang="zh-TW" altLang="en-US"/>
+          </a:p>
+        </p:txBody>
+      </p:sp>
+      <p:cxnSp>
+        <p:nvCxnSpPr>
+          <p:cNvPr id="13" name="直線接點 12"/>
+          <p:cNvCxnSpPr>
+            <a:stCxn id="4" idx="5"/>
+          </p:cNvCxnSpPr>
+          <p:nvPr/>
+        </p:nvCxnSpPr>
+        <p:spPr>
+          <a:xfrm>
+            <a:off x="1433475" y="3674851"/>
+            <a:ext cx="610063" cy="623086"/>
+          </a:xfrm>
+          <a:prstGeom prst="line">
+            <a:avLst/>
+          </a:prstGeom>
+        </p:spPr>
+        <p:style>
+          <a:lnRef idx="1">
+            <a:schemeClr val="accent2"/>
+          </a:lnRef>
+          <a:fillRef idx="0">
+            <a:schemeClr val="accent2"/>
+          </a:fillRef>
+          <a:effectRef idx="0">
+            <a:schemeClr val="accent2"/>
+          </a:effectRef>
+          <a:fontRef idx="minor">
+            <a:schemeClr val="tx1"/>
+          </a:fontRef>
+        </p:style>
+      </p:cxnSp>
+      <p:cxnSp>
+        <p:nvCxnSpPr>
+          <p:cNvPr id="15" name="直線接點 14"/>
+          <p:cNvCxnSpPr>
+            <a:stCxn id="4" idx="4"/>
+            <a:endCxn id="5" idx="0"/>
+          </p:cNvCxnSpPr>
+          <p:nvPr/>
+        </p:nvCxnSpPr>
+        <p:spPr>
+          <a:xfrm>
+            <a:off x="1331640" y="3717032"/>
+            <a:ext cx="7937" cy="1296144"/>
+          </a:xfrm>
+          <a:prstGeom prst="line">
+            <a:avLst/>
+          </a:prstGeom>
+        </p:spPr>
+        <p:style>
+          <a:lnRef idx="1">
+            <a:schemeClr val="accent6"/>
+          </a:lnRef>
+          <a:fillRef idx="0">
+            <a:schemeClr val="accent6"/>
+          </a:fillRef>
+          <a:effectRef idx="0">
+            <a:schemeClr val="accent6"/>
+          </a:effectRef>
+          <a:fontRef idx="minor">
+            <a:schemeClr val="tx1"/>
+          </a:fontRef>
+        </p:style>
+      </p:cxnSp>
+      <p:cxnSp>
+        <p:nvCxnSpPr>
+          <p:cNvPr id="19" name="直線接點 18"/>
+          <p:cNvCxnSpPr>
+            <a:stCxn id="6" idx="7"/>
+            <a:endCxn id="4" idx="3"/>
+          </p:cNvCxnSpPr>
+          <p:nvPr/>
+        </p:nvCxnSpPr>
+        <p:spPr>
+          <a:xfrm flipV="1">
+            <a:off x="675842" y="3674851"/>
+            <a:ext cx="553963" cy="521251"/>
+          </a:xfrm>
+          <a:prstGeom prst="line">
+            <a:avLst/>
+          </a:prstGeom>
+        </p:spPr>
+        <p:style>
+          <a:lnRef idx="1">
+            <a:schemeClr val="accent2"/>
+          </a:lnRef>
+          <a:fillRef idx="0">
+            <a:schemeClr val="accent2"/>
+          </a:fillRef>
+          <a:effectRef idx="0">
+            <a:schemeClr val="accent2"/>
+          </a:effectRef>
+          <a:fontRef idx="minor">
+            <a:schemeClr val="tx1"/>
+          </a:fontRef>
+        </p:style>
+      </p:cxnSp>
+      <p:sp>
+        <p:nvSpPr>
+          <p:cNvPr id="22" name="向右箭號 21"/>
+          <p:cNvSpPr/>
+          <p:nvPr/>
+        </p:nvSpPr>
+        <p:spPr>
+          <a:xfrm>
+            <a:off x="2411760" y="4151500"/>
+            <a:ext cx="648072" cy="357620"/>
+          </a:xfrm>
+          <a:prstGeom prst="rightArrow">
+            <a:avLst/>
+          </a:prstGeom>
+        </p:spPr>
+        <p:style>
+          <a:lnRef idx="2">
+            <a:schemeClr val="dk1">
+              <a:shade val="50000"/>
+            </a:schemeClr>
+          </a:lnRef>
+          <a:fillRef idx="1">
+            <a:schemeClr val="dk1"/>
+          </a:fillRef>
+          <a:effectRef idx="0">
+            <a:schemeClr val="dk1"/>
+          </a:effectRef>
+          <a:fontRef idx="minor">
+            <a:schemeClr val="lt1"/>
+          </a:fontRef>
+        </p:style>
+        <p:txBody>
+          <a:bodyPr rtlCol="0" anchor="ctr"/>
+          <a:lstStyle/>
+          <a:p>
+            <a:pPr algn="ctr"/>
+            <a:endParaRPr lang="zh-TW" altLang="en-US"/>
+          </a:p>
+        </p:txBody>
+      </p:sp>
+      <p:sp>
+        <p:nvSpPr>
+          <p:cNvPr id="23" name="矩形 22"/>
+          <p:cNvSpPr/>
+          <p:nvPr/>
+        </p:nvSpPr>
+        <p:spPr>
+          <a:xfrm>
+            <a:off x="3347864" y="4186294"/>
+            <a:ext cx="1440160" cy="394834"/>
+          </a:xfrm>
+          <a:prstGeom prst="rect">
+            <a:avLst/>
+          </a:prstGeom>
+        </p:spPr>
+        <p:style>
+          <a:lnRef idx="2">
+            <a:schemeClr val="accent6">
+              <a:shade val="50000"/>
+            </a:schemeClr>
+          </a:lnRef>
+          <a:fillRef idx="1">
+            <a:schemeClr val="accent6"/>
+          </a:fillRef>
+          <a:effectRef idx="0">
+            <a:schemeClr val="accent6"/>
+          </a:effectRef>
+          <a:fontRef idx="minor">
+            <a:schemeClr val="lt1"/>
+          </a:fontRef>
+        </p:style>
+        <p:txBody>
+          <a:bodyPr rtlCol="0" anchor="ctr"/>
+          <a:lstStyle/>
+          <a:p>
+            <a:pPr algn="ctr"/>
+            <a:endParaRPr lang="zh-TW" altLang="en-US"/>
+          </a:p>
+        </p:txBody>
+      </p:sp>
+      <p:sp>
+        <p:nvSpPr>
+          <p:cNvPr id="25" name="向右箭號 24"/>
+          <p:cNvSpPr/>
+          <p:nvPr/>
+        </p:nvSpPr>
+        <p:spPr>
+          <a:xfrm>
+            <a:off x="5436096" y="4151500"/>
+            <a:ext cx="648072" cy="357620"/>
+          </a:xfrm>
+          <a:prstGeom prst="rightArrow">
+            <a:avLst/>
+          </a:prstGeom>
+        </p:spPr>
+        <p:style>
+          <a:lnRef idx="2">
+            <a:schemeClr val="dk1">
+              <a:shade val="50000"/>
+            </a:schemeClr>
+          </a:lnRef>
+          <a:fillRef idx="1">
+            <a:schemeClr val="dk1"/>
+          </a:fillRef>
+          <a:effectRef idx="0">
+            <a:schemeClr val="dk1"/>
+          </a:effectRef>
+          <a:fontRef idx="minor">
+            <a:schemeClr val="lt1"/>
+          </a:fontRef>
+        </p:style>
+        <p:txBody>
+          <a:bodyPr rtlCol="0" anchor="ctr"/>
+          <a:lstStyle/>
+          <a:p>
+            <a:pPr algn="ctr"/>
+            <a:endParaRPr lang="zh-TW" altLang="en-US"/>
+          </a:p>
+        </p:txBody>
+      </p:sp>
+      <p:sp>
+        <p:nvSpPr>
+          <p:cNvPr id="30" name="橢圓 29"/>
+          <p:cNvSpPr/>
+          <p:nvPr/>
+        </p:nvSpPr>
+        <p:spPr>
+          <a:xfrm>
+            <a:off x="7020272" y="3429000"/>
+            <a:ext cx="288032" cy="288032"/>
+          </a:xfrm>
+          <a:prstGeom prst="ellipse">
+            <a:avLst/>
+          </a:prstGeom>
+        </p:spPr>
+        <p:style>
+          <a:lnRef idx="2">
+            <a:schemeClr val="accent1">
+              <a:shade val="50000"/>
+            </a:schemeClr>
+          </a:lnRef>
+          <a:fillRef idx="1">
+            <a:schemeClr val="accent1"/>
+          </a:fillRef>
+          <a:effectRef idx="0">
+            <a:schemeClr val="accent1"/>
+          </a:effectRef>
+          <a:fontRef idx="minor">
+            <a:schemeClr val="lt1"/>
+          </a:fontRef>
+        </p:style>
+        <p:txBody>
+          <a:bodyPr rtlCol="0" anchor="ctr"/>
+          <a:lstStyle/>
+          <a:p>
+            <a:pPr algn="ctr"/>
+            <a:r>
+              <a:rPr lang="en-US" altLang="zh-TW" dirty="0" smtClean="0"/>
+              <a:t>u</a:t>
+            </a:r>
+            <a:endParaRPr lang="zh-TW" altLang="en-US" dirty="0"/>
+          </a:p>
+        </p:txBody>
+      </p:sp>
+      <p:sp>
+        <p:nvSpPr>
+          <p:cNvPr id="31" name="橢圓 30"/>
+          <p:cNvSpPr/>
+          <p:nvPr/>
+        </p:nvSpPr>
+        <p:spPr>
+          <a:xfrm>
+            <a:off x="7028209" y="5013176"/>
+            <a:ext cx="288032" cy="288032"/>
+          </a:xfrm>
+          <a:prstGeom prst="ellipse">
+            <a:avLst/>
+          </a:prstGeom>
+        </p:spPr>
+        <p:style>
+          <a:lnRef idx="2">
+            <a:schemeClr val="accent1">
+              <a:shade val="50000"/>
+            </a:schemeClr>
+          </a:lnRef>
+          <a:fillRef idx="1">
+            <a:schemeClr val="accent1"/>
+          </a:fillRef>
+          <a:effectRef idx="0">
+            <a:schemeClr val="accent1"/>
+          </a:effectRef>
+          <a:fontRef idx="minor">
+            <a:schemeClr val="lt1"/>
+          </a:fontRef>
+        </p:style>
+        <p:txBody>
+          <a:bodyPr rtlCol="0" anchor="ctr"/>
+          <a:lstStyle/>
+          <a:p>
+            <a:pPr algn="ctr"/>
+            <a:r>
+              <a:rPr lang="en-US" altLang="zh-TW" dirty="0" smtClean="0"/>
+              <a:t>v</a:t>
+            </a:r>
+            <a:endParaRPr lang="zh-TW" altLang="en-US" dirty="0"/>
+          </a:p>
+        </p:txBody>
+      </p:sp>
+      <p:cxnSp>
+        <p:nvCxnSpPr>
+          <p:cNvPr id="32" name="直線接點 31"/>
+          <p:cNvCxnSpPr>
+            <a:stCxn id="30" idx="4"/>
+            <a:endCxn id="31" idx="0"/>
+          </p:cNvCxnSpPr>
+          <p:nvPr/>
+        </p:nvCxnSpPr>
+        <p:spPr>
+          <a:xfrm>
+            <a:off x="7164288" y="3717032"/>
+            <a:ext cx="7937" cy="1296144"/>
+          </a:xfrm>
+          <a:prstGeom prst="line">
+            <a:avLst/>
+          </a:prstGeom>
+          <a:ln w="19050">
+            <a:prstDash val="dash"/>
+          </a:ln>
+        </p:spPr>
+        <p:style>
+          <a:lnRef idx="1">
+            <a:schemeClr val="accent6"/>
+          </a:lnRef>
+          <a:fillRef idx="0">
+            <a:schemeClr val="accent6"/>
+          </a:fillRef>
+          <a:effectRef idx="0">
+            <a:schemeClr val="accent6"/>
+          </a:effectRef>
+          <a:fontRef idx="minor">
+            <a:schemeClr val="tx1"/>
+          </a:fontRef>
+        </p:style>
+      </p:cxnSp>
+      <p:sp>
+        <p:nvSpPr>
+          <p:cNvPr id="33" name="文字方塊 32"/>
+          <p:cNvSpPr txBox="1"/>
+          <p:nvPr/>
+        </p:nvSpPr>
+        <p:spPr>
+          <a:xfrm>
+            <a:off x="744451" y="5445224"/>
+            <a:ext cx="994055" cy="369332"/>
+          </a:xfrm>
+          <a:prstGeom prst="rect">
+            <a:avLst/>
+          </a:prstGeom>
+          <a:noFill/>
+        </p:spPr>
+        <p:txBody>
+          <a:bodyPr wrap="none" rtlCol="0">
+            <a:spAutoFit/>
+          </a:bodyPr>
+          <a:lstStyle/>
+          <a:p>
+            <a:r>
+              <a:rPr lang="en-US" altLang="zh-TW" dirty="0" smtClean="0"/>
+              <a:t>Network</a:t>
+            </a:r>
+            <a:endParaRPr lang="zh-TW" altLang="en-US" dirty="0"/>
+          </a:p>
+        </p:txBody>
+      </p:sp>
+      <p:cxnSp>
+        <p:nvCxnSpPr>
+          <p:cNvPr id="35" name="直線接點 34"/>
+          <p:cNvCxnSpPr/>
+          <p:nvPr/>
+        </p:nvCxnSpPr>
+        <p:spPr>
+          <a:xfrm>
+            <a:off x="3635896" y="4196102"/>
+            <a:ext cx="0" cy="385026"/>
+          </a:xfrm>
+          <a:prstGeom prst="line">
+            <a:avLst/>
+          </a:prstGeom>
+        </p:spPr>
+        <p:style>
+          <a:lnRef idx="1">
+            <a:schemeClr val="dk1"/>
+          </a:lnRef>
+          <a:fillRef idx="0">
+            <a:schemeClr val="dk1"/>
+          </a:fillRef>
+          <a:effectRef idx="0">
+            <a:schemeClr val="dk1"/>
+          </a:effectRef>
+          <a:fontRef idx="minor">
+            <a:schemeClr val="tx1"/>
+          </a:fontRef>
+        </p:style>
+      </p:cxnSp>
+      <p:cxnSp>
+        <p:nvCxnSpPr>
+          <p:cNvPr id="36" name="直線接點 35"/>
+          <p:cNvCxnSpPr/>
+          <p:nvPr/>
+        </p:nvCxnSpPr>
+        <p:spPr>
+          <a:xfrm>
+            <a:off x="3923928" y="4196102"/>
+            <a:ext cx="0" cy="385026"/>
+          </a:xfrm>
+          <a:prstGeom prst="line">
+            <a:avLst/>
+          </a:prstGeom>
+        </p:spPr>
+        <p:style>
+          <a:lnRef idx="1">
+            <a:schemeClr val="dk1"/>
+          </a:lnRef>
+          <a:fillRef idx="0">
+            <a:schemeClr val="dk1"/>
+          </a:fillRef>
+          <a:effectRef idx="0">
+            <a:schemeClr val="dk1"/>
+          </a:effectRef>
+          <a:fontRef idx="minor">
+            <a:schemeClr val="tx1"/>
+          </a:fontRef>
+        </p:style>
+      </p:cxnSp>
+      <p:cxnSp>
+        <p:nvCxnSpPr>
+          <p:cNvPr id="37" name="直線接點 36"/>
+          <p:cNvCxnSpPr/>
+          <p:nvPr/>
+        </p:nvCxnSpPr>
+        <p:spPr>
+          <a:xfrm>
+            <a:off x="4211960" y="4196102"/>
+            <a:ext cx="0" cy="385026"/>
+          </a:xfrm>
+          <a:prstGeom prst="line">
+            <a:avLst/>
+          </a:prstGeom>
+        </p:spPr>
+        <p:style>
+          <a:lnRef idx="1">
+            <a:schemeClr val="dk1"/>
+          </a:lnRef>
+          <a:fillRef idx="0">
+            <a:schemeClr val="dk1"/>
+          </a:fillRef>
+          <a:effectRef idx="0">
+            <a:schemeClr val="dk1"/>
+          </a:effectRef>
+          <a:fontRef idx="minor">
+            <a:schemeClr val="tx1"/>
+          </a:fontRef>
+        </p:style>
+      </p:cxnSp>
+      <p:cxnSp>
+        <p:nvCxnSpPr>
+          <p:cNvPr id="38" name="直線接點 37"/>
+          <p:cNvCxnSpPr/>
+          <p:nvPr/>
+        </p:nvCxnSpPr>
+        <p:spPr>
+          <a:xfrm>
+            <a:off x="4499992" y="4196102"/>
+            <a:ext cx="0" cy="385026"/>
+          </a:xfrm>
+          <a:prstGeom prst="line">
+            <a:avLst/>
+          </a:prstGeom>
+        </p:spPr>
+        <p:style>
+          <a:lnRef idx="1">
+            <a:schemeClr val="dk1"/>
+          </a:lnRef>
+          <a:fillRef idx="0">
+            <a:schemeClr val="dk1"/>
+          </a:fillRef>
+          <a:effectRef idx="0">
+            <a:schemeClr val="dk1"/>
+          </a:effectRef>
+          <a:fontRef idx="minor">
+            <a:schemeClr val="tx1"/>
+          </a:fontRef>
+        </p:style>
+      </p:cxnSp>
+      <p:sp>
+        <p:nvSpPr>
+          <p:cNvPr id="39" name="文字方塊 38"/>
+          <p:cNvSpPr txBox="1"/>
+          <p:nvPr/>
+        </p:nvSpPr>
+        <p:spPr>
+          <a:xfrm>
+            <a:off x="3429438" y="5260558"/>
+            <a:ext cx="1565044" cy="369332"/>
+          </a:xfrm>
+          <a:prstGeom prst="rect">
+            <a:avLst/>
+          </a:prstGeom>
+          <a:noFill/>
+        </p:spPr>
+        <p:txBody>
+          <a:bodyPr wrap="none" rtlCol="0">
+            <a:spAutoFit/>
+          </a:bodyPr>
+          <a:lstStyle/>
+          <a:p>
+            <a:r>
+              <a:rPr lang="en-US" altLang="zh-TW" dirty="0" smtClean="0"/>
+              <a:t>Feature Vector</a:t>
+            </a:r>
+            <a:endParaRPr lang="zh-TW" altLang="en-US" dirty="0"/>
+          </a:p>
+        </p:txBody>
+      </p:sp>
+      <p:sp>
+        <p:nvSpPr>
+          <p:cNvPr id="40" name="文字方塊 39"/>
+          <p:cNvSpPr txBox="1"/>
+          <p:nvPr/>
+        </p:nvSpPr>
+        <p:spPr>
+          <a:xfrm>
+            <a:off x="6523244" y="5597624"/>
+            <a:ext cx="1141851" cy="369332"/>
+          </a:xfrm>
+          <a:prstGeom prst="rect">
+            <a:avLst/>
+          </a:prstGeom>
+          <a:noFill/>
+        </p:spPr>
+        <p:txBody>
+          <a:bodyPr wrap="none" rtlCol="0">
+            <a:spAutoFit/>
+          </a:bodyPr>
+          <a:lstStyle/>
+          <a:p>
+            <a:r>
+              <a:rPr lang="en-US" altLang="zh-TW" dirty="0" smtClean="0"/>
+              <a:t>Prediction</a:t>
+            </a:r>
+            <a:endParaRPr lang="zh-TW" altLang="en-US" dirty="0"/>
+          </a:p>
+        </p:txBody>
+      </p:sp>
     </p:spTree>
     <p:extLst>
       <p:ext uri="{BB962C8B-B14F-4D97-AF65-F5344CB8AC3E}">
@@ -6934,8 +7654,8 @@
           </a:p>
         </p:txBody>
       </p:sp>
-      <mc:AlternateContent xmlns:mc="http://schemas.openxmlformats.org/markup-compatibility/2006">
-        <mc:Choice xmlns:a14="http://schemas.microsoft.com/office/drawing/2010/main" Requires="a14">
+      <mc:AlternateContent xmlns:mc="http://schemas.openxmlformats.org/markup-compatibility/2006" xmlns:a14="http://schemas.microsoft.com/office/drawing/2010/main">
+        <mc:Choice Requires="a14">
           <p:sp>
             <p:nvSpPr>
               <p:cNvPr id="3" name="內容版面配置區 2"/>
@@ -6989,7 +7709,7 @@
                       <m:fPr>
                         <m:ctrlPr>
                           <a:rPr lang="en-US" altLang="zh-TW" i="1" smtClean="0">
-                            <a:latin typeface="Cambria Math" panose="02040503050406030204" pitchFamily="18" charset="0"/>
+                            <a:latin typeface="Cambria Math"/>
                           </a:rPr>
                         </m:ctrlPr>
                       </m:fPr>
@@ -7045,7 +7765,7 @@
                       <m:fPr>
                         <m:ctrlPr>
                           <a:rPr lang="en-US" altLang="zh-TW" i="1">
-                            <a:latin typeface="Cambria Math" panose="02040503050406030204" pitchFamily="18" charset="0"/>
+                            <a:latin typeface="Cambria Math"/>
                           </a:rPr>
                         </m:ctrlPr>
                       </m:fPr>
@@ -7085,7 +7805,7 @@
             </p:txBody>
           </p:sp>
         </mc:Choice>
-        <mc:Fallback>
+        <mc:Fallback xmlns="">
           <p:sp>
             <p:nvSpPr>
               <p:cNvPr id="3" name="內容版面配置區 2"/>

--- a/Project/Readme_v2.pptx
+++ b/Project/Readme_v2.pptx
@@ -123,7 +123,7 @@
   </p:defaultTextStyle>
   <p:extLst>
     <p:ext uri="{EFAFB233-063F-42B5-8137-9DF3F51BA10A}">
-      <p15:sldGuideLst xmlns:p15="http://schemas.microsoft.com/office/powerpoint/2012/main" xmlns="">
+      <p15:sldGuideLst xmlns="" xmlns:p15="http://schemas.microsoft.com/office/powerpoint/2012/main">
         <p15:guide id="1" orient="horz" pos="2160">
           <p15:clr>
             <a:srgbClr val="A4A3A4"/>
@@ -321,7 +321,7 @@
           <a:p>
             <a:fld id="{5BBEAD13-0566-4C6C-97E7-55F17F24B09F}" type="datetimeFigureOut">
               <a:rPr lang="zh-TW" altLang="en-US" smtClean="0"/>
-              <a:t>2015/1/4</a:t>
+              <a:t>2015/1/5</a:t>
             </a:fld>
             <a:endParaRPr lang="zh-TW" altLang="en-US"/>
           </a:p>
@@ -486,7 +486,7 @@
           <a:p>
             <a:fld id="{5BBEAD13-0566-4C6C-97E7-55F17F24B09F}" type="datetimeFigureOut">
               <a:rPr lang="zh-TW" altLang="en-US" smtClean="0"/>
-              <a:t>2015/1/4</a:t>
+              <a:t>2015/1/5</a:t>
             </a:fld>
             <a:endParaRPr lang="zh-TW" altLang="en-US"/>
           </a:p>
@@ -661,7 +661,7 @@
           <a:p>
             <a:fld id="{5BBEAD13-0566-4C6C-97E7-55F17F24B09F}" type="datetimeFigureOut">
               <a:rPr lang="zh-TW" altLang="en-US" smtClean="0"/>
-              <a:t>2015/1/4</a:t>
+              <a:t>2015/1/5</a:t>
             </a:fld>
             <a:endParaRPr lang="zh-TW" altLang="en-US"/>
           </a:p>
@@ -826,7 +826,7 @@
           <a:p>
             <a:fld id="{5BBEAD13-0566-4C6C-97E7-55F17F24B09F}" type="datetimeFigureOut">
               <a:rPr lang="zh-TW" altLang="en-US" smtClean="0"/>
-              <a:t>2015/1/4</a:t>
+              <a:t>2015/1/5</a:t>
             </a:fld>
             <a:endParaRPr lang="zh-TW" altLang="en-US"/>
           </a:p>
@@ -1067,7 +1067,7 @@
           <a:p>
             <a:fld id="{5BBEAD13-0566-4C6C-97E7-55F17F24B09F}" type="datetimeFigureOut">
               <a:rPr lang="zh-TW" altLang="en-US" smtClean="0"/>
-              <a:t>2015/1/4</a:t>
+              <a:t>2015/1/5</a:t>
             </a:fld>
             <a:endParaRPr lang="zh-TW" altLang="en-US"/>
           </a:p>
@@ -1350,7 +1350,7 @@
           <a:p>
             <a:fld id="{5BBEAD13-0566-4C6C-97E7-55F17F24B09F}" type="datetimeFigureOut">
               <a:rPr lang="zh-TW" altLang="en-US" smtClean="0"/>
-              <a:t>2015/1/4</a:t>
+              <a:t>2015/1/5</a:t>
             </a:fld>
             <a:endParaRPr lang="zh-TW" altLang="en-US"/>
           </a:p>
@@ -1767,7 +1767,7 @@
           <a:p>
             <a:fld id="{5BBEAD13-0566-4C6C-97E7-55F17F24B09F}" type="datetimeFigureOut">
               <a:rPr lang="zh-TW" altLang="en-US" smtClean="0"/>
-              <a:t>2015/1/4</a:t>
+              <a:t>2015/1/5</a:t>
             </a:fld>
             <a:endParaRPr lang="zh-TW" altLang="en-US"/>
           </a:p>
@@ -1880,7 +1880,7 @@
           <a:p>
             <a:fld id="{5BBEAD13-0566-4C6C-97E7-55F17F24B09F}" type="datetimeFigureOut">
               <a:rPr lang="zh-TW" altLang="en-US" smtClean="0"/>
-              <a:t>2015/1/4</a:t>
+              <a:t>2015/1/5</a:t>
             </a:fld>
             <a:endParaRPr lang="zh-TW" altLang="en-US"/>
           </a:p>
@@ -1970,7 +1970,7 @@
           <a:p>
             <a:fld id="{5BBEAD13-0566-4C6C-97E7-55F17F24B09F}" type="datetimeFigureOut">
               <a:rPr lang="zh-TW" altLang="en-US" smtClean="0"/>
-              <a:t>2015/1/4</a:t>
+              <a:t>2015/1/5</a:t>
             </a:fld>
             <a:endParaRPr lang="zh-TW" altLang="en-US"/>
           </a:p>
@@ -2242,7 +2242,7 @@
           <a:p>
             <a:fld id="{5BBEAD13-0566-4C6C-97E7-55F17F24B09F}" type="datetimeFigureOut">
               <a:rPr lang="zh-TW" altLang="en-US" smtClean="0"/>
-              <a:t>2015/1/4</a:t>
+              <a:t>2015/1/5</a:t>
             </a:fld>
             <a:endParaRPr lang="zh-TW" altLang="en-US"/>
           </a:p>
@@ -2490,7 +2490,7 @@
           <a:p>
             <a:fld id="{5BBEAD13-0566-4C6C-97E7-55F17F24B09F}" type="datetimeFigureOut">
               <a:rPr lang="zh-TW" altLang="en-US" smtClean="0"/>
-              <a:t>2015/1/4</a:t>
+              <a:t>2015/1/5</a:t>
             </a:fld>
             <a:endParaRPr lang="zh-TW" altLang="en-US"/>
           </a:p>
@@ -2698,7 +2698,7 @@
           <a:p>
             <a:fld id="{5BBEAD13-0566-4C6C-97E7-55F17F24B09F}" type="datetimeFigureOut">
               <a:rPr lang="zh-TW" altLang="en-US" smtClean="0"/>
-              <a:t>2015/1/4</a:t>
+              <a:t>2015/1/5</a:t>
             </a:fld>
             <a:endParaRPr lang="zh-TW" altLang="en-US"/>
           </a:p>
@@ -6283,12 +6283,8 @@
               <a:t>i,j</a:t>
             </a:r>
             <a:r>
-              <a:rPr lang="zh-TW" altLang="en-US" smtClean="0"/>
-              <a:t>直接合作</a:t>
-            </a:r>
-            <a:r>
               <a:rPr lang="zh-TW" altLang="en-US" dirty="0" smtClean="0"/>
-              <a:t>的機率</a:t>
+              <a:t>直接合作的機率</a:t>
             </a:r>
             <a:endParaRPr lang="en-US" altLang="zh-TW" dirty="0" smtClean="0"/>
           </a:p>
@@ -6558,8 +6554,24 @@
           <a:p>
             <a:r>
               <a:rPr lang="en-US" altLang="zh-TW" dirty="0" smtClean="0"/>
-              <a:t>Two types of prediction: homogeneous and heterogeneous</a:t>
-            </a:r>
+              <a:t>Two types of prediction: </a:t>
+            </a:r>
+            <a:endParaRPr lang="en-US" altLang="zh-TW" dirty="0" smtClean="0"/>
+          </a:p>
+          <a:p>
+            <a:pPr lvl="1"/>
+            <a:r>
+              <a:rPr lang="en-US" altLang="zh-TW" dirty="0" smtClean="0"/>
+              <a:t>Homogeneous </a:t>
+            </a:r>
+          </a:p>
+          <a:p>
+            <a:pPr lvl="1"/>
+            <a:r>
+              <a:rPr lang="en-US" altLang="zh-TW" dirty="0" smtClean="0"/>
+              <a:t>Heterogeneous</a:t>
+            </a:r>
+            <a:endParaRPr lang="en-US" altLang="zh-TW" dirty="0" smtClean="0"/>
           </a:p>
           <a:p>
             <a:endParaRPr lang="zh-TW" altLang="en-US" dirty="0"/>
@@ -6713,90 +6725,283 @@
           </a:p>
         </p:txBody>
       </p:sp>
-      <p:sp>
-        <p:nvSpPr>
-          <p:cNvPr id="3" name="內容版面配置區 2"/>
-          <p:cNvSpPr>
-            <a:spLocks noGrp="1"/>
-          </p:cNvSpPr>
-          <p:nvPr>
-            <p:ph idx="1"/>
-          </p:nvPr>
-        </p:nvSpPr>
-        <p:spPr/>
-        <p:txBody>
-          <a:bodyPr>
-            <a:normAutofit lnSpcReduction="10000"/>
-          </a:bodyPr>
-          <a:lstStyle/>
-          <a:p>
-            <a:r>
-              <a:rPr lang="en-US" altLang="zh-TW" dirty="0" smtClean="0"/>
-              <a:t>Time-weighted coauthor counts</a:t>
-            </a:r>
-            <a:endParaRPr lang="en-US" altLang="zh-TW" dirty="0"/>
-          </a:p>
-          <a:p>
-            <a:r>
-              <a:rPr lang="en-US" altLang="zh-TW" dirty="0" smtClean="0"/>
-              <a:t>Activeness</a:t>
-            </a:r>
-          </a:p>
-          <a:p>
-            <a:r>
-              <a:rPr lang="en-US" altLang="zh-TW" dirty="0" smtClean="0"/>
-              <a:t>Common neighbors</a:t>
-            </a:r>
-          </a:p>
-          <a:p>
-            <a:r>
-              <a:rPr lang="en-US" altLang="zh-TW" dirty="0" err="1" smtClean="0"/>
-              <a:t>Jaccard’s</a:t>
-            </a:r>
-            <a:r>
-              <a:rPr lang="en-US" altLang="zh-TW" dirty="0" smtClean="0"/>
-              <a:t> coefficient</a:t>
-            </a:r>
-          </a:p>
-          <a:p>
-            <a:r>
-              <a:rPr lang="en-US" altLang="zh-TW" dirty="0" err="1" smtClean="0"/>
-              <a:t>Adamic</a:t>
-            </a:r>
-            <a:r>
-              <a:rPr lang="en-US" altLang="zh-TW" dirty="0" smtClean="0"/>
-              <a:t> / Adar</a:t>
-            </a:r>
-          </a:p>
-          <a:p>
-            <a:r>
-              <a:rPr lang="en-US" altLang="zh-TW" dirty="0" smtClean="0"/>
-              <a:t>Conference preference</a:t>
-            </a:r>
-          </a:p>
-          <a:p>
-            <a:r>
-              <a:rPr lang="en-US" altLang="zh-TW" dirty="0" smtClean="0"/>
-              <a:t>Clustering index</a:t>
-            </a:r>
-          </a:p>
-          <a:p>
-            <a:r>
-              <a:rPr lang="en-US" altLang="zh-TW" dirty="0" smtClean="0"/>
-              <a:t>Log of second neighbors</a:t>
-            </a:r>
-          </a:p>
-          <a:p>
-            <a:endParaRPr lang="en-US" altLang="zh-TW" dirty="0" smtClean="0"/>
-          </a:p>
-          <a:p>
-            <a:endParaRPr lang="en-US" altLang="zh-TW" dirty="0" smtClean="0"/>
-          </a:p>
-          <a:p>
-            <a:endParaRPr lang="zh-TW" altLang="en-US" dirty="0"/>
-          </a:p>
-        </p:txBody>
-      </p:sp>
+      <mc:AlternateContent xmlns:mc="http://schemas.openxmlformats.org/markup-compatibility/2006">
+        <mc:Choice xmlns:a14="http://schemas.microsoft.com/office/drawing/2010/main" Requires="a14">
+          <p:sp>
+            <p:nvSpPr>
+              <p:cNvPr id="3" name="內容版面配置區 2"/>
+              <p:cNvSpPr>
+                <a:spLocks noGrp="1"/>
+              </p:cNvSpPr>
+              <p:nvPr>
+                <p:ph idx="1"/>
+              </p:nvPr>
+            </p:nvSpPr>
+            <p:spPr>
+              <a:xfrm>
+                <a:off x="395536" y="1628800"/>
+                <a:ext cx="8229600" cy="4525963"/>
+              </a:xfrm>
+            </p:spPr>
+            <p:txBody>
+              <a:bodyPr>
+                <a:normAutofit fontScale="85000" lnSpcReduction="10000"/>
+              </a:bodyPr>
+              <a:lstStyle/>
+              <a:p>
+                <a:r>
+                  <a:rPr lang="en-US" altLang="zh-TW" dirty="0" smtClean="0"/>
+                  <a:t>Time-weighted coauthor counts</a:t>
+                </a:r>
+              </a:p>
+              <a:p>
+                <a:pPr lvl="1"/>
+                <a14:m>
+                  <m:oMath xmlns:m="http://schemas.openxmlformats.org/officeDocument/2006/math">
+                    <m:nary>
+                      <m:naryPr>
+                        <m:chr m:val="∑"/>
+                        <m:subHide m:val="on"/>
+                        <m:supHide m:val="on"/>
+                        <m:ctrlPr>
+                          <a:rPr lang="en-US" altLang="zh-TW" i="1" smtClean="0">
+                            <a:latin typeface="Cambria Math"/>
+                          </a:rPr>
+                        </m:ctrlPr>
+                      </m:naryPr>
+                      <m:sub/>
+                      <m:sup/>
+                      <m:e>
+                        <m:r>
+                          <a:rPr lang="en-US" altLang="zh-TW" b="0" i="1" smtClean="0">
+                            <a:latin typeface="Cambria Math"/>
+                          </a:rPr>
+                          <m:t>𝑝𝑌𝑒𝑎</m:t>
+                        </m:r>
+                        <m:sSup>
+                          <m:sSupPr>
+                            <m:ctrlPr>
+                              <a:rPr lang="en-US" altLang="zh-TW" b="0" i="1" smtClean="0">
+                                <a:latin typeface="Cambria Math"/>
+                              </a:rPr>
+                            </m:ctrlPr>
+                          </m:sSupPr>
+                          <m:e>
+                            <m:r>
+                              <a:rPr lang="en-US" altLang="zh-TW" b="0" i="1" smtClean="0">
+                                <a:latin typeface="Cambria Math"/>
+                              </a:rPr>
+                              <m:t>𝑟</m:t>
+                            </m:r>
+                          </m:e>
+                          <m:sup>
+                            <m:r>
+                              <a:rPr lang="en-US" altLang="zh-TW" b="0" i="1" smtClean="0">
+                                <a:latin typeface="Cambria Math"/>
+                              </a:rPr>
+                              <m:t>𝑝𝑟𝑒𝑑𝑖𝑐𝑡𝑌𝑒𝑎𝑟</m:t>
+                            </m:r>
+                            <m:r>
+                              <a:rPr lang="en-US" altLang="zh-TW" b="0" i="1" smtClean="0">
+                                <a:latin typeface="Cambria Math"/>
+                              </a:rPr>
+                              <m:t>−</m:t>
+                            </m:r>
+                            <m:r>
+                              <a:rPr lang="en-US" altLang="zh-TW" b="0" i="1" smtClean="0">
+                                <a:latin typeface="Cambria Math"/>
+                              </a:rPr>
+                              <m:t>𝑐𝑜𝑎𝑢𝑡h𝑜𝑟𝑌𝑒𝑎𝑟</m:t>
+                            </m:r>
+                          </m:sup>
+                        </m:sSup>
+                      </m:e>
+                    </m:nary>
+                  </m:oMath>
+                </a14:m>
+                <a:endParaRPr lang="en-US" altLang="zh-TW" dirty="0"/>
+              </a:p>
+              <a:p>
+                <a:r>
+                  <a:rPr lang="en-US" altLang="zh-TW" dirty="0" smtClean="0"/>
+                  <a:t>Activeness</a:t>
+                </a:r>
+              </a:p>
+              <a:p>
+                <a:r>
+                  <a:rPr lang="en-US" altLang="zh-TW" dirty="0" smtClean="0"/>
+                  <a:t>Common </a:t>
+                </a:r>
+                <a:r>
+                  <a:rPr lang="en-US" altLang="zh-TW" dirty="0" smtClean="0"/>
+                  <a:t>neighbors</a:t>
+                </a:r>
+              </a:p>
+              <a:p>
+                <a:pPr lvl="1"/>
+                <a14:m>
+                  <m:oMath xmlns:m="http://schemas.openxmlformats.org/officeDocument/2006/math">
+                    <m:sSub>
+                      <m:sSubPr>
+                        <m:ctrlPr>
+                          <a:rPr lang="en-US" altLang="zh-TW" b="0" i="1" smtClean="0">
+                            <a:latin typeface="Cambria Math"/>
+                            <a:ea typeface="Cambria Math"/>
+                          </a:rPr>
+                        </m:ctrlPr>
+                      </m:sSubPr>
+                      <m:e>
+                        <m:r>
+                          <m:rPr>
+                            <m:sty m:val="p"/>
+                          </m:rPr>
+                          <a:rPr lang="el-GR" altLang="zh-TW" i="1" smtClean="0">
+                            <a:latin typeface="Cambria Math"/>
+                            <a:ea typeface="Cambria Math"/>
+                          </a:rPr>
+                          <m:t>Γ</m:t>
+                        </m:r>
+                      </m:e>
+                      <m:sub>
+                        <m:r>
+                          <a:rPr lang="en-US" altLang="zh-TW" b="0" i="1" smtClean="0">
+                            <a:latin typeface="Cambria Math"/>
+                            <a:ea typeface="Cambria Math"/>
+                          </a:rPr>
+                          <m:t>𝑢</m:t>
+                        </m:r>
+                      </m:sub>
+                    </m:sSub>
+                    <m:r>
+                      <a:rPr lang="en-US" altLang="zh-TW" b="0" i="1" smtClean="0">
+                        <a:latin typeface="Cambria Math"/>
+                        <a:ea typeface="Cambria Math"/>
+                      </a:rPr>
+                      <m:t>∩</m:t>
+                    </m:r>
+                    <m:sSub>
+                      <m:sSubPr>
+                        <m:ctrlPr>
+                          <a:rPr lang="en-US" altLang="zh-TW" i="1">
+                            <a:latin typeface="Cambria Math"/>
+                            <a:ea typeface="Cambria Math"/>
+                          </a:rPr>
+                        </m:ctrlPr>
+                      </m:sSubPr>
+                      <m:e>
+                        <m:r>
+                          <m:rPr>
+                            <m:sty m:val="p"/>
+                          </m:rPr>
+                          <a:rPr lang="el-GR" altLang="zh-TW" i="1">
+                            <a:latin typeface="Cambria Math"/>
+                            <a:ea typeface="Cambria Math"/>
+                          </a:rPr>
+                          <m:t>Γ</m:t>
+                        </m:r>
+                      </m:e>
+                      <m:sub>
+                        <m:r>
+                          <a:rPr lang="en-US" altLang="zh-TW" b="0" i="1" smtClean="0">
+                            <a:latin typeface="Cambria Math"/>
+                            <a:ea typeface="Cambria Math"/>
+                          </a:rPr>
+                          <m:t>𝑣</m:t>
+                        </m:r>
+                      </m:sub>
+                    </m:sSub>
+                  </m:oMath>
+                </a14:m>
+                <a:endParaRPr lang="en-US" altLang="zh-TW" dirty="0" smtClean="0"/>
+              </a:p>
+              <a:p>
+                <a:r>
+                  <a:rPr lang="en-US" altLang="zh-TW" dirty="0" err="1" smtClean="0"/>
+                  <a:t>Jaccard’s</a:t>
+                </a:r>
+                <a:r>
+                  <a:rPr lang="en-US" altLang="zh-TW" dirty="0" smtClean="0"/>
+                  <a:t> coefficient</a:t>
+                </a:r>
+              </a:p>
+              <a:p>
+                <a:r>
+                  <a:rPr lang="en-US" altLang="zh-TW" dirty="0" err="1" smtClean="0"/>
+                  <a:t>Adamic</a:t>
+                </a:r>
+                <a:r>
+                  <a:rPr lang="en-US" altLang="zh-TW" dirty="0" smtClean="0"/>
+                  <a:t> / Adar</a:t>
+                </a:r>
+              </a:p>
+              <a:p>
+                <a:r>
+                  <a:rPr lang="en-US" altLang="zh-TW" dirty="0" smtClean="0"/>
+                  <a:t>Conference preference</a:t>
+                </a:r>
+              </a:p>
+              <a:p>
+                <a:r>
+                  <a:rPr lang="en-US" altLang="zh-TW" dirty="0" smtClean="0"/>
+                  <a:t>Clustering index</a:t>
+                </a:r>
+              </a:p>
+              <a:p>
+                <a:r>
+                  <a:rPr lang="en-US" altLang="zh-TW" dirty="0" smtClean="0"/>
+                  <a:t>Log of second neighbors</a:t>
+                </a:r>
+              </a:p>
+              <a:p>
+                <a:endParaRPr lang="en-US" altLang="zh-TW" dirty="0" smtClean="0"/>
+              </a:p>
+              <a:p>
+                <a:endParaRPr lang="en-US" altLang="zh-TW" dirty="0" smtClean="0"/>
+              </a:p>
+              <a:p>
+                <a:endParaRPr lang="zh-TW" altLang="en-US" dirty="0"/>
+              </a:p>
+            </p:txBody>
+          </p:sp>
+        </mc:Choice>
+        <mc:Fallback>
+          <p:sp>
+            <p:nvSpPr>
+              <p:cNvPr id="3" name="內容版面配置區 2"/>
+              <p:cNvSpPr>
+                <a:spLocks noGrp="1" noRot="1" noChangeAspect="1" noMove="1" noResize="1" noEditPoints="1" noAdjustHandles="1" noChangeArrowheads="1" noChangeShapeType="1" noTextEdit="1"/>
+              </p:cNvSpPr>
+              <p:nvPr>
+                <p:ph idx="1"/>
+              </p:nvPr>
+            </p:nvSpPr>
+            <p:spPr>
+              <a:xfrm>
+                <a:off x="395536" y="1628800"/>
+                <a:ext cx="8229600" cy="4525963"/>
+              </a:xfrm>
+              <a:blipFill rotWithShape="1">
+                <a:blip r:embed="rId2"/>
+                <a:stretch>
+                  <a:fillRect l="-1259" t="-3230" b="-3365"/>
+                </a:stretch>
+              </a:blipFill>
+            </p:spPr>
+            <p:txBody>
+              <a:bodyPr/>
+              <a:lstStyle/>
+              <a:p>
+                <a:r>
+                  <a:rPr lang="zh-TW" altLang="en-US">
+                    <a:noFill/>
+                  </a:rPr>
+                  <a:t> </a:t>
+                </a:r>
+              </a:p>
+            </p:txBody>
+          </p:sp>
+        </mc:Fallback>
+      </mc:AlternateContent>
     </p:spTree>
     <p:extLst>
       <p:ext uri="{BB962C8B-B14F-4D97-AF65-F5344CB8AC3E}">

--- a/Project/Readme_v2.pptx
+++ b/Project/Readme_v2.pptx
@@ -10,19 +10,22 @@
     <p:sldId id="274" r:id="rId4"/>
     <p:sldId id="266" r:id="rId5"/>
     <p:sldId id="268" r:id="rId6"/>
-    <p:sldId id="267" r:id="rId7"/>
-    <p:sldId id="273" r:id="rId8"/>
-    <p:sldId id="269" r:id="rId9"/>
-    <p:sldId id="270" r:id="rId10"/>
-    <p:sldId id="271" r:id="rId11"/>
-    <p:sldId id="262" r:id="rId12"/>
-    <p:sldId id="263" r:id="rId13"/>
-    <p:sldId id="264" r:id="rId14"/>
-    <p:sldId id="257" r:id="rId15"/>
-    <p:sldId id="258" r:id="rId16"/>
-    <p:sldId id="259" r:id="rId17"/>
-    <p:sldId id="260" r:id="rId18"/>
-    <p:sldId id="261" r:id="rId19"/>
+    <p:sldId id="275" r:id="rId7"/>
+    <p:sldId id="276" r:id="rId8"/>
+    <p:sldId id="267" r:id="rId9"/>
+    <p:sldId id="273" r:id="rId10"/>
+    <p:sldId id="277" r:id="rId11"/>
+    <p:sldId id="278" r:id="rId12"/>
+    <p:sldId id="270" r:id="rId13"/>
+    <p:sldId id="271" r:id="rId14"/>
+    <p:sldId id="262" r:id="rId15"/>
+    <p:sldId id="263" r:id="rId16"/>
+    <p:sldId id="264" r:id="rId17"/>
+    <p:sldId id="257" r:id="rId18"/>
+    <p:sldId id="258" r:id="rId19"/>
+    <p:sldId id="259" r:id="rId20"/>
+    <p:sldId id="260" r:id="rId21"/>
+    <p:sldId id="261" r:id="rId22"/>
   </p:sldIdLst>
   <p:sldSz cx="9144000" cy="6858000" type="screen4x3"/>
   <p:notesSz cx="6858000" cy="9144000"/>
@@ -123,7 +126,7 @@
   </p:defaultTextStyle>
   <p:extLst>
     <p:ext uri="{EFAFB233-063F-42B5-8137-9DF3F51BA10A}">
-      <p15:sldGuideLst xmlns="" xmlns:p15="http://schemas.microsoft.com/office/powerpoint/2012/main">
+      <p15:sldGuideLst xmlns:p15="http://schemas.microsoft.com/office/powerpoint/2012/main" xmlns="">
         <p15:guide id="1" orient="horz" pos="2160">
           <p15:clr>
             <a:srgbClr val="A4A3A4"/>
@@ -138,6 +141,1436 @@
     </p:ext>
   </p:extLst>
 </p:presentation>
+</file>
+
+<file path=ppt/charts/chart1.xml><?xml version="1.0" encoding="utf-8"?>
+<c:chartSpace xmlns:c="http://schemas.openxmlformats.org/drawingml/2006/chart" xmlns:a="http://schemas.openxmlformats.org/drawingml/2006/main" xmlns:r="http://schemas.openxmlformats.org/officeDocument/2006/relationships">
+  <c:date1904 val="0"/>
+  <c:lang val="zh-TW"/>
+  <c:roundedCorners val="0"/>
+  <mc:AlternateContent xmlns:mc="http://schemas.openxmlformats.org/markup-compatibility/2006">
+    <mc:Choice xmlns:c14="http://schemas.microsoft.com/office/drawing/2007/8/2/chart" Requires="c14">
+      <c14:style val="102"/>
+    </mc:Choice>
+    <mc:Fallback>
+      <c:style val="2"/>
+    </mc:Fallback>
+  </mc:AlternateContent>
+  <c:chart>
+    <c:title>
+      <c:tx>
+        <c:rich>
+          <a:bodyPr rot="0" spcFirstLastPara="1" vertOverflow="ellipsis" vert="horz" wrap="square" anchor="ctr" anchorCtr="1"/>
+          <a:lstStyle/>
+          <a:p>
+            <a:pPr>
+              <a:defRPr sz="1400" b="0" i="0" u="none" strike="noStrike" kern="1200" spc="0" baseline="0">
+                <a:solidFill>
+                  <a:schemeClr val="tx1">
+                    <a:lumMod val="65000"/>
+                    <a:lumOff val="35000"/>
+                  </a:schemeClr>
+                </a:solidFill>
+                <a:latin typeface="+mn-lt"/>
+                <a:ea typeface="+mn-ea"/>
+                <a:cs typeface="+mn-cs"/>
+              </a:defRPr>
+            </a:pPr>
+            <a:r>
+              <a:rPr lang="en-US" altLang="zh-TW"/>
+              <a:t>F-Score of Features</a:t>
+            </a:r>
+            <a:endParaRPr lang="zh-TW" altLang="en-US"/>
+          </a:p>
+        </c:rich>
+      </c:tx>
+      <c:layout/>
+      <c:overlay val="0"/>
+      <c:spPr>
+        <a:noFill/>
+        <a:ln>
+          <a:noFill/>
+        </a:ln>
+        <a:effectLst/>
+      </c:spPr>
+    </c:title>
+    <c:autoTitleDeleted val="0"/>
+    <c:plotArea>
+      <c:layout/>
+      <c:barChart>
+        <c:barDir val="col"/>
+        <c:grouping val="clustered"/>
+        <c:varyColors val="0"/>
+        <c:ser>
+          <c:idx val="0"/>
+          <c:order val="0"/>
+          <c:spPr>
+            <a:solidFill>
+              <a:schemeClr val="accent1"/>
+            </a:solidFill>
+            <a:ln>
+              <a:noFill/>
+            </a:ln>
+            <a:effectLst/>
+          </c:spPr>
+          <c:invertIfNegative val="0"/>
+          <c:cat>
+            <c:strRef>
+              <c:f>工作表2!$D$4:$D$28</c:f>
+              <c:strCache>
+                <c:ptCount val="25"/>
+                <c:pt idx="0">
+                  <c:v>Sum of Papers </c:v>
+                </c:pt>
+                <c:pt idx="1">
+                  <c:v>Sum of Common Neighbors</c:v>
+                </c:pt>
+                <c:pt idx="2">
+                  <c:v>Weighted Sum of Common Neighbors</c:v>
+                </c:pt>
+                <c:pt idx="3">
+                  <c:v>Sum of Conferences</c:v>
+                </c:pt>
+                <c:pt idx="4">
+                  <c:v>Coauthor Counts</c:v>
+                </c:pt>
+                <c:pt idx="5">
+                  <c:v>Inner Product of Conferences</c:v>
+                </c:pt>
+                <c:pt idx="6">
+                  <c:v>Sum of log(Second Neighbors Count)</c:v>
+                </c:pt>
+                <c:pt idx="7">
+                  <c:v>Clustering Index</c:v>
+                </c:pt>
+                <c:pt idx="8">
+                  <c:v>Weighted Clustering Index</c:v>
+                </c:pt>
+                <c:pt idx="9">
+                  <c:v>Salton Index</c:v>
+                </c:pt>
+                <c:pt idx="10">
+                  <c:v>Jaccard Index</c:v>
+                </c:pt>
+                <c:pt idx="11">
+                  <c:v>Weighted Jaccard Index</c:v>
+                </c:pt>
+                <c:pt idx="12">
+                  <c:v>Hub Promoted Index</c:v>
+                </c:pt>
+                <c:pt idx="13">
+                  <c:v>Hub Depressed Index</c:v>
+                </c:pt>
+                <c:pt idx="14">
+                  <c:v>Leicht-Holme-Newman Index</c:v>
+                </c:pt>
+                <c:pt idx="15">
+                  <c:v>Preferential Attachment Index</c:v>
+                </c:pt>
+                <c:pt idx="16">
+                  <c:v>Weighted Preferential Attachment Index</c:v>
+                </c:pt>
+                <c:pt idx="17">
+                  <c:v>Adamic-Adar Index</c:v>
+                </c:pt>
+                <c:pt idx="18">
+                  <c:v>Weighted Adamic-Adar Index</c:v>
+                </c:pt>
+                <c:pt idx="19">
+                  <c:v>Resource Allocation Index</c:v>
+                </c:pt>
+                <c:pt idx="20">
+                  <c:v>Weighted Resource Allocation Index</c:v>
+                </c:pt>
+                <c:pt idx="21">
+                  <c:v>Maximal PageRank</c:v>
+                </c:pt>
+                <c:pt idx="22">
+                  <c:v>Minimal PageRank</c:v>
+                </c:pt>
+                <c:pt idx="23">
+                  <c:v>Maximal Weighted PageRank</c:v>
+                </c:pt>
+                <c:pt idx="24">
+                  <c:v>Minimal Weighted PageRank</c:v>
+                </c:pt>
+              </c:strCache>
+            </c:strRef>
+          </c:cat>
+          <c:val>
+            <c:numRef>
+              <c:f>工作表2!$E$4:$E$28</c:f>
+              <c:numCache>
+                <c:formatCode>General</c:formatCode>
+                <c:ptCount val="25"/>
+                <c:pt idx="0">
+                  <c:v>5.4850400000000001E-4</c:v>
+                </c:pt>
+                <c:pt idx="1">
+                  <c:v>1.2213899999999999E-3</c:v>
+                </c:pt>
+                <c:pt idx="2">
+                  <c:v>3.7442399999999999E-4</c:v>
+                </c:pt>
+                <c:pt idx="3">
+                  <c:v>4.9768E-2</c:v>
+                </c:pt>
+                <c:pt idx="4">
+                  <c:v>3.1378200000000003E-4</c:v>
+                </c:pt>
+                <c:pt idx="5">
+                  <c:v>1.47788E-2</c:v>
+                </c:pt>
+                <c:pt idx="6">
+                  <c:v>1.9635699999999999E-2</c:v>
+                </c:pt>
+                <c:pt idx="7">
+                  <c:v>6.3757599999999998E-2</c:v>
+                </c:pt>
+                <c:pt idx="8">
+                  <c:v>5.40531E-2</c:v>
+                </c:pt>
+                <c:pt idx="9">
+                  <c:v>1.8776999999999999E-2</c:v>
+                </c:pt>
+                <c:pt idx="10">
+                  <c:v>2.1238799999999999E-2</c:v>
+                </c:pt>
+                <c:pt idx="11">
+                  <c:v>1.9006100000000001E-2</c:v>
+                </c:pt>
+                <c:pt idx="12">
+                  <c:v>3.4472700000000001E-3</c:v>
+                </c:pt>
+                <c:pt idx="13">
+                  <c:v>2.7709999999999999E-2</c:v>
+                </c:pt>
+                <c:pt idx="14">
+                  <c:v>4.1310300000000001E-2</c:v>
+                </c:pt>
+                <c:pt idx="15">
+                  <c:v>3.57479E-3</c:v>
+                </c:pt>
+                <c:pt idx="16">
+                  <c:v>1.0421499999999999E-3</c:v>
+                </c:pt>
+                <c:pt idx="17">
+                  <c:v>6.9765199999999999E-3</c:v>
+                </c:pt>
+                <c:pt idx="18">
+                  <c:v>2.9182699999999998E-4</c:v>
+                </c:pt>
+                <c:pt idx="19">
+                  <c:v>1.678E-2</c:v>
+                </c:pt>
+                <c:pt idx="20">
+                  <c:v>2.3109899999999999E-2</c:v>
+                </c:pt>
+                <c:pt idx="21">
+                  <c:v>8.9770900000000001E-3</c:v>
+                </c:pt>
+                <c:pt idx="22">
+                  <c:v>3.2764700000000001E-3</c:v>
+                </c:pt>
+                <c:pt idx="23" formatCode="0.00E+00">
+                  <c:v>3.5292600000000002E-5</c:v>
+                </c:pt>
+                <c:pt idx="24">
+                  <c:v>6.78957E-3</c:v>
+                </c:pt>
+              </c:numCache>
+            </c:numRef>
+          </c:val>
+        </c:ser>
+        <c:dLbls>
+          <c:showLegendKey val="0"/>
+          <c:showVal val="0"/>
+          <c:showCatName val="0"/>
+          <c:showSerName val="0"/>
+          <c:showPercent val="0"/>
+          <c:showBubbleSize val="0"/>
+        </c:dLbls>
+        <c:gapWidth val="75"/>
+        <c:overlap val="-25"/>
+        <c:axId val="96443776"/>
+        <c:axId val="96449664"/>
+      </c:barChart>
+      <c:catAx>
+        <c:axId val="96443776"/>
+        <c:scaling>
+          <c:orientation val="minMax"/>
+        </c:scaling>
+        <c:delete val="0"/>
+        <c:axPos val="b"/>
+        <c:numFmt formatCode="General" sourceLinked="1"/>
+        <c:majorTickMark val="none"/>
+        <c:minorTickMark val="none"/>
+        <c:tickLblPos val="nextTo"/>
+        <c:spPr>
+          <a:noFill/>
+          <a:ln w="9525" cap="flat" cmpd="sng" algn="ctr">
+            <a:solidFill>
+              <a:schemeClr val="tx1">
+                <a:lumMod val="15000"/>
+                <a:lumOff val="85000"/>
+              </a:schemeClr>
+            </a:solidFill>
+            <a:round/>
+          </a:ln>
+          <a:effectLst/>
+        </c:spPr>
+        <c:txPr>
+          <a:bodyPr rot="-60000000" spcFirstLastPara="1" vertOverflow="ellipsis" vert="horz" wrap="square" anchor="ctr" anchorCtr="1"/>
+          <a:lstStyle/>
+          <a:p>
+            <a:pPr>
+              <a:defRPr sz="900" b="0" i="0" u="none" strike="noStrike" kern="1200" baseline="0">
+                <a:solidFill>
+                  <a:schemeClr val="tx1">
+                    <a:lumMod val="65000"/>
+                    <a:lumOff val="35000"/>
+                  </a:schemeClr>
+                </a:solidFill>
+                <a:latin typeface="+mn-lt"/>
+                <a:ea typeface="+mn-ea"/>
+                <a:cs typeface="+mn-cs"/>
+              </a:defRPr>
+            </a:pPr>
+            <a:endParaRPr lang="zh-TW"/>
+          </a:p>
+        </c:txPr>
+        <c:crossAx val="96449664"/>
+        <c:crosses val="autoZero"/>
+        <c:auto val="1"/>
+        <c:lblAlgn val="ctr"/>
+        <c:lblOffset val="100"/>
+        <c:noMultiLvlLbl val="0"/>
+      </c:catAx>
+      <c:valAx>
+        <c:axId val="96449664"/>
+        <c:scaling>
+          <c:orientation val="minMax"/>
+        </c:scaling>
+        <c:delete val="0"/>
+        <c:axPos val="l"/>
+        <c:majorGridlines>
+          <c:spPr>
+            <a:ln w="9525" cap="flat" cmpd="sng" algn="ctr">
+              <a:solidFill>
+                <a:schemeClr val="tx1">
+                  <a:lumMod val="15000"/>
+                  <a:lumOff val="85000"/>
+                </a:schemeClr>
+              </a:solidFill>
+              <a:round/>
+            </a:ln>
+            <a:effectLst/>
+          </c:spPr>
+        </c:majorGridlines>
+        <c:title>
+          <c:tx>
+            <c:rich>
+              <a:bodyPr rot="-5400000" spcFirstLastPara="1" vertOverflow="ellipsis" vert="horz" wrap="square" anchor="ctr" anchorCtr="1"/>
+              <a:lstStyle/>
+              <a:p>
+                <a:pPr>
+                  <a:defRPr sz="1000" b="0" i="0" u="none" strike="noStrike" kern="1200" baseline="0">
+                    <a:solidFill>
+                      <a:schemeClr val="tx1">
+                        <a:lumMod val="65000"/>
+                        <a:lumOff val="35000"/>
+                      </a:schemeClr>
+                    </a:solidFill>
+                    <a:latin typeface="+mn-lt"/>
+                    <a:ea typeface="+mn-ea"/>
+                    <a:cs typeface="+mn-cs"/>
+                  </a:defRPr>
+                </a:pPr>
+                <a:r>
+                  <a:rPr lang="en-US" altLang="zh-TW"/>
+                  <a:t>F-Score</a:t>
+                </a:r>
+                <a:endParaRPr lang="zh-TW" altLang="en-US"/>
+              </a:p>
+            </c:rich>
+          </c:tx>
+          <c:layout/>
+          <c:overlay val="0"/>
+          <c:spPr>
+            <a:noFill/>
+            <a:ln>
+              <a:noFill/>
+            </a:ln>
+            <a:effectLst/>
+          </c:spPr>
+        </c:title>
+        <c:numFmt formatCode="General" sourceLinked="1"/>
+        <c:majorTickMark val="none"/>
+        <c:minorTickMark val="none"/>
+        <c:tickLblPos val="nextTo"/>
+        <c:spPr>
+          <a:noFill/>
+          <a:ln>
+            <a:noFill/>
+          </a:ln>
+          <a:effectLst/>
+        </c:spPr>
+        <c:txPr>
+          <a:bodyPr rot="-60000000" spcFirstLastPara="1" vertOverflow="ellipsis" vert="horz" wrap="square" anchor="ctr" anchorCtr="1"/>
+          <a:lstStyle/>
+          <a:p>
+            <a:pPr>
+              <a:defRPr sz="900" b="0" i="0" u="none" strike="noStrike" kern="1200" baseline="0">
+                <a:solidFill>
+                  <a:schemeClr val="tx1">
+                    <a:lumMod val="65000"/>
+                    <a:lumOff val="35000"/>
+                  </a:schemeClr>
+                </a:solidFill>
+                <a:latin typeface="+mn-lt"/>
+                <a:ea typeface="+mn-ea"/>
+                <a:cs typeface="+mn-cs"/>
+              </a:defRPr>
+            </a:pPr>
+            <a:endParaRPr lang="zh-TW"/>
+          </a:p>
+        </c:txPr>
+        <c:crossAx val="96443776"/>
+        <c:crosses val="autoZero"/>
+        <c:crossBetween val="between"/>
+      </c:valAx>
+      <c:spPr>
+        <a:noFill/>
+        <a:ln>
+          <a:noFill/>
+        </a:ln>
+        <a:effectLst/>
+      </c:spPr>
+    </c:plotArea>
+    <c:plotVisOnly val="1"/>
+    <c:dispBlanksAs val="gap"/>
+    <c:showDLblsOverMax val="0"/>
+  </c:chart>
+  <c:spPr>
+    <a:solidFill>
+      <a:schemeClr val="bg1"/>
+    </a:solidFill>
+    <a:ln w="9525" cap="flat" cmpd="sng" algn="ctr">
+      <a:solidFill>
+        <a:schemeClr val="tx1">
+          <a:lumMod val="15000"/>
+          <a:lumOff val="85000"/>
+        </a:schemeClr>
+      </a:solidFill>
+      <a:round/>
+    </a:ln>
+    <a:effectLst/>
+  </c:spPr>
+  <c:txPr>
+    <a:bodyPr/>
+    <a:lstStyle/>
+    <a:p>
+      <a:pPr>
+        <a:defRPr/>
+      </a:pPr>
+      <a:endParaRPr lang="zh-TW"/>
+    </a:p>
+  </c:txPr>
+  <c:externalData r:id="rId1">
+    <c:autoUpdate val="0"/>
+  </c:externalData>
+</c:chartSpace>
+</file>
+
+<file path=ppt/charts/chart2.xml><?xml version="1.0" encoding="utf-8"?>
+<c:chartSpace xmlns:c="http://schemas.openxmlformats.org/drawingml/2006/chart" xmlns:a="http://schemas.openxmlformats.org/drawingml/2006/main" xmlns:r="http://schemas.openxmlformats.org/officeDocument/2006/relationships">
+  <c:date1904 val="0"/>
+  <c:lang val="zh-TW"/>
+  <c:roundedCorners val="0"/>
+  <mc:AlternateContent xmlns:mc="http://schemas.openxmlformats.org/markup-compatibility/2006">
+    <mc:Choice xmlns:c14="http://schemas.microsoft.com/office/drawing/2007/8/2/chart" Requires="c14">
+      <c14:style val="102"/>
+    </mc:Choice>
+    <mc:Fallback>
+      <c:style val="2"/>
+    </mc:Fallback>
+  </mc:AlternateContent>
+  <c:chart>
+    <c:title>
+      <c:tx>
+        <c:rich>
+          <a:bodyPr rot="0" spcFirstLastPara="1" vertOverflow="ellipsis" vert="horz" wrap="square" anchor="ctr" anchorCtr="1"/>
+          <a:lstStyle/>
+          <a:p>
+            <a:pPr>
+              <a:defRPr sz="1400" b="0" i="0" u="none" strike="noStrike" kern="1200" spc="0" baseline="0">
+                <a:solidFill>
+                  <a:schemeClr val="tx1">
+                    <a:lumMod val="65000"/>
+                    <a:lumOff val="35000"/>
+                  </a:schemeClr>
+                </a:solidFill>
+                <a:latin typeface="+mn-lt"/>
+                <a:ea typeface="+mn-ea"/>
+                <a:cs typeface="+mn-cs"/>
+              </a:defRPr>
+            </a:pPr>
+            <a:r>
+              <a:rPr lang="en-US" altLang="zh-TW"/>
+              <a:t>Accuracy</a:t>
+            </a:r>
+            <a:endParaRPr lang="zh-TW" altLang="en-US"/>
+          </a:p>
+        </c:rich>
+      </c:tx>
+      <c:layout/>
+      <c:overlay val="0"/>
+      <c:spPr>
+        <a:noFill/>
+        <a:ln>
+          <a:noFill/>
+        </a:ln>
+        <a:effectLst/>
+      </c:spPr>
+    </c:title>
+    <c:autoTitleDeleted val="0"/>
+    <c:plotArea>
+      <c:layout/>
+      <c:scatterChart>
+        <c:scatterStyle val="lineMarker"/>
+        <c:varyColors val="0"/>
+        <c:ser>
+          <c:idx val="0"/>
+          <c:order val="0"/>
+          <c:spPr>
+            <a:ln w="19050" cap="rnd">
+              <a:solidFill>
+                <a:schemeClr val="accent1"/>
+              </a:solidFill>
+              <a:round/>
+            </a:ln>
+            <a:effectLst/>
+          </c:spPr>
+          <c:marker>
+            <c:symbol val="circle"/>
+            <c:size val="5"/>
+            <c:spPr>
+              <a:solidFill>
+                <a:schemeClr val="accent1"/>
+              </a:solidFill>
+              <a:ln w="9525">
+                <a:solidFill>
+                  <a:schemeClr val="accent1"/>
+                </a:solidFill>
+              </a:ln>
+              <a:effectLst/>
+            </c:spPr>
+          </c:marker>
+          <c:xVal>
+            <c:numRef>
+              <c:f>工作表1!$V$4:$V$28</c:f>
+              <c:numCache>
+                <c:formatCode>@</c:formatCode>
+                <c:ptCount val="25"/>
+                <c:pt idx="0">
+                  <c:v>1</c:v>
+                </c:pt>
+                <c:pt idx="1">
+                  <c:v>2</c:v>
+                </c:pt>
+                <c:pt idx="2">
+                  <c:v>3</c:v>
+                </c:pt>
+                <c:pt idx="3">
+                  <c:v>4</c:v>
+                </c:pt>
+                <c:pt idx="4">
+                  <c:v>5</c:v>
+                </c:pt>
+                <c:pt idx="5">
+                  <c:v>6</c:v>
+                </c:pt>
+                <c:pt idx="6">
+                  <c:v>7</c:v>
+                </c:pt>
+                <c:pt idx="7">
+                  <c:v>8</c:v>
+                </c:pt>
+                <c:pt idx="8">
+                  <c:v>9</c:v>
+                </c:pt>
+                <c:pt idx="9">
+                  <c:v>10</c:v>
+                </c:pt>
+                <c:pt idx="10">
+                  <c:v>11</c:v>
+                </c:pt>
+                <c:pt idx="11">
+                  <c:v>12</c:v>
+                </c:pt>
+                <c:pt idx="12">
+                  <c:v>13</c:v>
+                </c:pt>
+                <c:pt idx="13">
+                  <c:v>14</c:v>
+                </c:pt>
+                <c:pt idx="14">
+                  <c:v>15</c:v>
+                </c:pt>
+                <c:pt idx="15">
+                  <c:v>16</c:v>
+                </c:pt>
+                <c:pt idx="16">
+                  <c:v>17</c:v>
+                </c:pt>
+                <c:pt idx="17">
+                  <c:v>18</c:v>
+                </c:pt>
+                <c:pt idx="18">
+                  <c:v>19</c:v>
+                </c:pt>
+                <c:pt idx="19">
+                  <c:v>20</c:v>
+                </c:pt>
+                <c:pt idx="20">
+                  <c:v>21</c:v>
+                </c:pt>
+                <c:pt idx="21">
+                  <c:v>22</c:v>
+                </c:pt>
+                <c:pt idx="22">
+                  <c:v>23</c:v>
+                </c:pt>
+                <c:pt idx="23">
+                  <c:v>24</c:v>
+                </c:pt>
+                <c:pt idx="24">
+                  <c:v>25</c:v>
+                </c:pt>
+              </c:numCache>
+            </c:numRef>
+          </c:xVal>
+          <c:yVal>
+            <c:numRef>
+              <c:f>工作表1!$W$4:$W$28</c:f>
+              <c:numCache>
+                <c:formatCode>General</c:formatCode>
+                <c:ptCount val="25"/>
+                <c:pt idx="0">
+                  <c:v>59.1875</c:v>
+                </c:pt>
+                <c:pt idx="1">
+                  <c:v>59.530500000000004</c:v>
+                </c:pt>
+                <c:pt idx="2">
+                  <c:v>61.380499999999998</c:v>
+                </c:pt>
+                <c:pt idx="3">
+                  <c:v>61.679499999999997</c:v>
+                </c:pt>
+                <c:pt idx="4">
+                  <c:v>62.106499999999997</c:v>
+                </c:pt>
+                <c:pt idx="5">
+                  <c:v>62.104500000000002</c:v>
+                </c:pt>
+                <c:pt idx="6">
+                  <c:v>61.703000000000003</c:v>
+                </c:pt>
+                <c:pt idx="7">
+                  <c:v>62.233499999999999</c:v>
+                </c:pt>
+                <c:pt idx="8">
+                  <c:v>62.442999999999998</c:v>
+                </c:pt>
+                <c:pt idx="9">
+                  <c:v>62.426499999999997</c:v>
+                </c:pt>
+                <c:pt idx="10">
+                  <c:v>62.384999999999998</c:v>
+                </c:pt>
+                <c:pt idx="11">
+                  <c:v>62.685000000000002</c:v>
+                </c:pt>
+                <c:pt idx="12">
+                  <c:v>62.878</c:v>
+                </c:pt>
+                <c:pt idx="13">
+                  <c:v>63.143999999999998</c:v>
+                </c:pt>
+                <c:pt idx="14">
+                  <c:v>62.975499999999997</c:v>
+                </c:pt>
+                <c:pt idx="15">
+                  <c:v>63.045000000000002</c:v>
+                </c:pt>
+                <c:pt idx="16">
+                  <c:v>63.023350000000001</c:v>
+                </c:pt>
+                <c:pt idx="17">
+                  <c:v>63.092300000000002</c:v>
+                </c:pt>
+                <c:pt idx="18">
+                  <c:v>63.254300000000001</c:v>
+                </c:pt>
+                <c:pt idx="19">
+                  <c:v>62.869450000000001</c:v>
+                </c:pt>
+                <c:pt idx="20">
+                  <c:v>62.523049999999998</c:v>
+                </c:pt>
+                <c:pt idx="21">
+                  <c:v>62.949950000000001</c:v>
+                </c:pt>
+                <c:pt idx="22">
+                  <c:v>62.5242</c:v>
+                </c:pt>
+                <c:pt idx="23">
+                  <c:v>63.585949999999997</c:v>
+                </c:pt>
+                <c:pt idx="24">
+                  <c:v>63.083199999999998</c:v>
+                </c:pt>
+              </c:numCache>
+            </c:numRef>
+          </c:yVal>
+          <c:smooth val="0"/>
+        </c:ser>
+        <c:dLbls>
+          <c:showLegendKey val="0"/>
+          <c:showVal val="0"/>
+          <c:showCatName val="0"/>
+          <c:showSerName val="0"/>
+          <c:showPercent val="0"/>
+          <c:showBubbleSize val="0"/>
+        </c:dLbls>
+        <c:axId val="38290944"/>
+        <c:axId val="39919616"/>
+      </c:scatterChart>
+      <c:valAx>
+        <c:axId val="38290944"/>
+        <c:scaling>
+          <c:orientation val="minMax"/>
+        </c:scaling>
+        <c:delete val="0"/>
+        <c:axPos val="b"/>
+        <c:majorGridlines>
+          <c:spPr>
+            <a:ln w="9525" cap="flat" cmpd="sng" algn="ctr">
+              <a:solidFill>
+                <a:schemeClr val="tx1">
+                  <a:lumMod val="15000"/>
+                  <a:lumOff val="85000"/>
+                </a:schemeClr>
+              </a:solidFill>
+              <a:round/>
+            </a:ln>
+            <a:effectLst/>
+          </c:spPr>
+        </c:majorGridlines>
+        <c:title>
+          <c:tx>
+            <c:rich>
+              <a:bodyPr rot="0" spcFirstLastPara="1" vertOverflow="ellipsis" vert="horz" wrap="square" anchor="ctr" anchorCtr="1"/>
+              <a:lstStyle/>
+              <a:p>
+                <a:pPr>
+                  <a:defRPr sz="1000" b="0" i="0" u="none" strike="noStrike" kern="1200" baseline="0">
+                    <a:solidFill>
+                      <a:schemeClr val="tx1">
+                        <a:lumMod val="65000"/>
+                        <a:lumOff val="35000"/>
+                      </a:schemeClr>
+                    </a:solidFill>
+                    <a:latin typeface="+mn-lt"/>
+                    <a:ea typeface="+mn-ea"/>
+                    <a:cs typeface="+mn-cs"/>
+                  </a:defRPr>
+                </a:pPr>
+                <a:r>
+                  <a:rPr lang="en-US" altLang="zh-TW" i="1"/>
+                  <a:t>n</a:t>
+                </a:r>
+                <a:r>
+                  <a:rPr lang="en-US" altLang="zh-TW" i="0"/>
+                  <a:t> : Feature Number</a:t>
+                </a:r>
+                <a:endParaRPr lang="zh-TW" altLang="en-US" i="1"/>
+              </a:p>
+            </c:rich>
+          </c:tx>
+          <c:layout/>
+          <c:overlay val="0"/>
+          <c:spPr>
+            <a:noFill/>
+            <a:ln>
+              <a:noFill/>
+            </a:ln>
+            <a:effectLst/>
+          </c:spPr>
+        </c:title>
+        <c:numFmt formatCode="@" sourceLinked="1"/>
+        <c:majorTickMark val="none"/>
+        <c:minorTickMark val="none"/>
+        <c:tickLblPos val="nextTo"/>
+        <c:spPr>
+          <a:noFill/>
+          <a:ln w="9525" cap="flat" cmpd="sng" algn="ctr">
+            <a:solidFill>
+              <a:schemeClr val="tx1">
+                <a:lumMod val="25000"/>
+                <a:lumOff val="75000"/>
+              </a:schemeClr>
+            </a:solidFill>
+            <a:round/>
+          </a:ln>
+          <a:effectLst/>
+        </c:spPr>
+        <c:txPr>
+          <a:bodyPr rot="-60000000" spcFirstLastPara="1" vertOverflow="ellipsis" vert="horz" wrap="square" anchor="ctr" anchorCtr="1"/>
+          <a:lstStyle/>
+          <a:p>
+            <a:pPr>
+              <a:defRPr sz="900" b="0" i="0" u="none" strike="noStrike" kern="1200" baseline="0">
+                <a:solidFill>
+                  <a:schemeClr val="tx1">
+                    <a:lumMod val="65000"/>
+                    <a:lumOff val="35000"/>
+                  </a:schemeClr>
+                </a:solidFill>
+                <a:latin typeface="+mn-lt"/>
+                <a:ea typeface="+mn-ea"/>
+                <a:cs typeface="+mn-cs"/>
+              </a:defRPr>
+            </a:pPr>
+            <a:endParaRPr lang="zh-TW"/>
+          </a:p>
+        </c:txPr>
+        <c:crossAx val="39919616"/>
+        <c:crosses val="autoZero"/>
+        <c:crossBetween val="midCat"/>
+      </c:valAx>
+      <c:valAx>
+        <c:axId val="39919616"/>
+        <c:scaling>
+          <c:orientation val="minMax"/>
+        </c:scaling>
+        <c:delete val="0"/>
+        <c:axPos val="l"/>
+        <c:majorGridlines>
+          <c:spPr>
+            <a:ln w="9525" cap="flat" cmpd="sng" algn="ctr">
+              <a:solidFill>
+                <a:schemeClr val="tx1">
+                  <a:lumMod val="15000"/>
+                  <a:lumOff val="85000"/>
+                </a:schemeClr>
+              </a:solidFill>
+              <a:round/>
+            </a:ln>
+            <a:effectLst/>
+          </c:spPr>
+        </c:majorGridlines>
+        <c:title>
+          <c:tx>
+            <c:rich>
+              <a:bodyPr rot="-5400000" spcFirstLastPara="1" vertOverflow="ellipsis" vert="horz" wrap="square" anchor="ctr" anchorCtr="1"/>
+              <a:lstStyle/>
+              <a:p>
+                <a:pPr>
+                  <a:defRPr sz="1000" b="0" i="0" u="none" strike="noStrike" kern="1200" baseline="0">
+                    <a:solidFill>
+                      <a:schemeClr val="tx1">
+                        <a:lumMod val="65000"/>
+                        <a:lumOff val="35000"/>
+                      </a:schemeClr>
+                    </a:solidFill>
+                    <a:latin typeface="+mn-lt"/>
+                    <a:ea typeface="+mn-ea"/>
+                    <a:cs typeface="+mn-cs"/>
+                  </a:defRPr>
+                </a:pPr>
+                <a:r>
+                  <a:rPr lang="en-US" altLang="zh-TW"/>
+                  <a:t>Accuracy (%)</a:t>
+                </a:r>
+              </a:p>
+            </c:rich>
+          </c:tx>
+          <c:layout/>
+          <c:overlay val="0"/>
+          <c:spPr>
+            <a:noFill/>
+            <a:ln>
+              <a:noFill/>
+            </a:ln>
+            <a:effectLst/>
+          </c:spPr>
+        </c:title>
+        <c:numFmt formatCode="General" sourceLinked="1"/>
+        <c:majorTickMark val="none"/>
+        <c:minorTickMark val="none"/>
+        <c:tickLblPos val="nextTo"/>
+        <c:spPr>
+          <a:noFill/>
+          <a:ln w="9525" cap="flat" cmpd="sng" algn="ctr">
+            <a:solidFill>
+              <a:schemeClr val="tx1">
+                <a:lumMod val="25000"/>
+                <a:lumOff val="75000"/>
+              </a:schemeClr>
+            </a:solidFill>
+            <a:round/>
+          </a:ln>
+          <a:effectLst/>
+        </c:spPr>
+        <c:txPr>
+          <a:bodyPr rot="-60000000" spcFirstLastPara="1" vertOverflow="ellipsis" vert="horz" wrap="square" anchor="ctr" anchorCtr="1"/>
+          <a:lstStyle/>
+          <a:p>
+            <a:pPr>
+              <a:defRPr sz="900" b="0" i="0" u="none" strike="noStrike" kern="1200" baseline="0">
+                <a:solidFill>
+                  <a:schemeClr val="tx1">
+                    <a:lumMod val="65000"/>
+                    <a:lumOff val="35000"/>
+                  </a:schemeClr>
+                </a:solidFill>
+                <a:latin typeface="+mn-lt"/>
+                <a:ea typeface="+mn-ea"/>
+                <a:cs typeface="+mn-cs"/>
+              </a:defRPr>
+            </a:pPr>
+            <a:endParaRPr lang="zh-TW"/>
+          </a:p>
+        </c:txPr>
+        <c:crossAx val="38290944"/>
+        <c:crosses val="autoZero"/>
+        <c:crossBetween val="midCat"/>
+      </c:valAx>
+      <c:spPr>
+        <a:noFill/>
+        <a:ln>
+          <a:noFill/>
+        </a:ln>
+        <a:effectLst/>
+      </c:spPr>
+    </c:plotArea>
+    <c:plotVisOnly val="1"/>
+    <c:dispBlanksAs val="gap"/>
+    <c:showDLblsOverMax val="0"/>
+  </c:chart>
+  <c:spPr>
+    <a:solidFill>
+      <a:schemeClr val="bg1"/>
+    </a:solidFill>
+    <a:ln w="9525" cap="flat" cmpd="sng" algn="ctr">
+      <a:solidFill>
+        <a:schemeClr val="tx1">
+          <a:lumMod val="15000"/>
+          <a:lumOff val="85000"/>
+        </a:schemeClr>
+      </a:solidFill>
+      <a:round/>
+    </a:ln>
+    <a:effectLst/>
+  </c:spPr>
+  <c:txPr>
+    <a:bodyPr/>
+    <a:lstStyle/>
+    <a:p>
+      <a:pPr>
+        <a:defRPr/>
+      </a:pPr>
+      <a:endParaRPr lang="zh-TW"/>
+    </a:p>
+  </c:txPr>
+  <c:externalData r:id="rId1">
+    <c:autoUpdate val="0"/>
+  </c:externalData>
+</c:chartSpace>
+</file>
+
+<file path=ppt/charts/chart3.xml><?xml version="1.0" encoding="utf-8"?>
+<c:chartSpace xmlns:c="http://schemas.openxmlformats.org/drawingml/2006/chart" xmlns:a="http://schemas.openxmlformats.org/drawingml/2006/main" xmlns:r="http://schemas.openxmlformats.org/officeDocument/2006/relationships">
+  <c:date1904 val="0"/>
+  <c:lang val="zh-TW"/>
+  <c:roundedCorners val="0"/>
+  <mc:AlternateContent xmlns:mc="http://schemas.openxmlformats.org/markup-compatibility/2006">
+    <mc:Choice xmlns:c14="http://schemas.microsoft.com/office/drawing/2007/8/2/chart" Requires="c14">
+      <c14:style val="102"/>
+    </mc:Choice>
+    <mc:Fallback>
+      <c:style val="2"/>
+    </mc:Fallback>
+  </mc:AlternateContent>
+  <c:chart>
+    <c:title>
+      <c:tx>
+        <c:rich>
+          <a:bodyPr rot="0" spcFirstLastPara="1" vertOverflow="ellipsis" vert="horz" wrap="square" anchor="ctr" anchorCtr="1"/>
+          <a:lstStyle/>
+          <a:p>
+            <a:pPr>
+              <a:defRPr sz="1400" b="0" i="0" u="none" strike="noStrike" kern="1200" spc="0" baseline="0">
+                <a:solidFill>
+                  <a:schemeClr val="tx1">
+                    <a:lumMod val="65000"/>
+                    <a:lumOff val="35000"/>
+                  </a:schemeClr>
+                </a:solidFill>
+                <a:latin typeface="+mn-lt"/>
+                <a:ea typeface="+mn-ea"/>
+                <a:cs typeface="+mn-cs"/>
+              </a:defRPr>
+            </a:pPr>
+            <a:r>
+              <a:rPr lang="en-US" altLang="zh-TW"/>
+              <a:t>Accuracy</a:t>
+            </a:r>
+            <a:endParaRPr lang="zh-TW" altLang="en-US"/>
+          </a:p>
+        </c:rich>
+      </c:tx>
+      <c:layout/>
+      <c:overlay val="0"/>
+      <c:spPr>
+        <a:noFill/>
+        <a:ln>
+          <a:noFill/>
+        </a:ln>
+        <a:effectLst/>
+      </c:spPr>
+    </c:title>
+    <c:autoTitleDeleted val="0"/>
+    <c:plotArea>
+      <c:layout/>
+      <c:scatterChart>
+        <c:scatterStyle val="lineMarker"/>
+        <c:varyColors val="0"/>
+        <c:ser>
+          <c:idx val="0"/>
+          <c:order val="0"/>
+          <c:spPr>
+            <a:ln w="19050" cap="rnd">
+              <a:solidFill>
+                <a:schemeClr val="accent1"/>
+              </a:solidFill>
+              <a:round/>
+            </a:ln>
+            <a:effectLst/>
+          </c:spPr>
+          <c:marker>
+            <c:symbol val="circle"/>
+            <c:size val="5"/>
+            <c:spPr>
+              <a:solidFill>
+                <a:schemeClr val="accent1"/>
+              </a:solidFill>
+              <a:ln w="9525">
+                <a:solidFill>
+                  <a:schemeClr val="accent1"/>
+                </a:solidFill>
+              </a:ln>
+              <a:effectLst/>
+            </c:spPr>
+          </c:marker>
+          <c:xVal>
+            <c:numRef>
+              <c:f>yearDecay!$G$3:$G$22</c:f>
+              <c:numCache>
+                <c:formatCode>General</c:formatCode>
+                <c:ptCount val="20"/>
+                <c:pt idx="0">
+                  <c:v>0.2</c:v>
+                </c:pt>
+                <c:pt idx="1">
+                  <c:v>0.4</c:v>
+                </c:pt>
+                <c:pt idx="2">
+                  <c:v>0.6</c:v>
+                </c:pt>
+                <c:pt idx="3">
+                  <c:v>0.8</c:v>
+                </c:pt>
+                <c:pt idx="4">
+                  <c:v>1</c:v>
+                </c:pt>
+                <c:pt idx="5">
+                  <c:v>1.2</c:v>
+                </c:pt>
+                <c:pt idx="6">
+                  <c:v>1.4</c:v>
+                </c:pt>
+                <c:pt idx="7">
+                  <c:v>1.6</c:v>
+                </c:pt>
+                <c:pt idx="8">
+                  <c:v>1.8</c:v>
+                </c:pt>
+                <c:pt idx="9">
+                  <c:v>2</c:v>
+                </c:pt>
+                <c:pt idx="10">
+                  <c:v>2.2000000000000002</c:v>
+                </c:pt>
+                <c:pt idx="11">
+                  <c:v>2.4</c:v>
+                </c:pt>
+                <c:pt idx="12">
+                  <c:v>2.6</c:v>
+                </c:pt>
+                <c:pt idx="13">
+                  <c:v>2.8</c:v>
+                </c:pt>
+                <c:pt idx="14">
+                  <c:v>3</c:v>
+                </c:pt>
+                <c:pt idx="15">
+                  <c:v>3.2</c:v>
+                </c:pt>
+                <c:pt idx="16">
+                  <c:v>3.4</c:v>
+                </c:pt>
+                <c:pt idx="17">
+                  <c:v>3.6</c:v>
+                </c:pt>
+                <c:pt idx="18">
+                  <c:v>3.8</c:v>
+                </c:pt>
+                <c:pt idx="19">
+                  <c:v>4</c:v>
+                </c:pt>
+              </c:numCache>
+            </c:numRef>
+          </c:xVal>
+          <c:yVal>
+            <c:numRef>
+              <c:f>yearDecay!$H$3:$H$22</c:f>
+              <c:numCache>
+                <c:formatCode>General</c:formatCode>
+                <c:ptCount val="20"/>
+                <c:pt idx="0">
+                  <c:v>63.572899999999997</c:v>
+                </c:pt>
+                <c:pt idx="1">
+                  <c:v>63.306199999999997</c:v>
+                </c:pt>
+                <c:pt idx="2">
+                  <c:v>63.252499999999998</c:v>
+                </c:pt>
+                <c:pt idx="3">
+                  <c:v>62.556199999999997</c:v>
+                </c:pt>
+                <c:pt idx="4">
+                  <c:v>62.643900000000002</c:v>
+                </c:pt>
+                <c:pt idx="5">
+                  <c:v>63.251600000000003</c:v>
+                </c:pt>
+                <c:pt idx="6">
+                  <c:v>63.428800000000003</c:v>
+                </c:pt>
+                <c:pt idx="7">
+                  <c:v>63.5854</c:v>
+                </c:pt>
+                <c:pt idx="8">
+                  <c:v>63.799349999999997</c:v>
+                </c:pt>
+                <c:pt idx="9">
+                  <c:v>63.78145</c:v>
+                </c:pt>
+                <c:pt idx="10">
+                  <c:v>63.75365</c:v>
+                </c:pt>
+                <c:pt idx="11">
+                  <c:v>63.710749999999997</c:v>
+                </c:pt>
+                <c:pt idx="12">
+                  <c:v>63.562150000000003</c:v>
+                </c:pt>
+                <c:pt idx="13">
+                  <c:v>63.694600000000001</c:v>
+                </c:pt>
+                <c:pt idx="14">
+                  <c:v>63.488799999999998</c:v>
+                </c:pt>
+                <c:pt idx="15">
+                  <c:v>63.1648</c:v>
+                </c:pt>
+                <c:pt idx="16">
+                  <c:v>63.014400000000002</c:v>
+                </c:pt>
+                <c:pt idx="17">
+                  <c:v>62.803150000000002</c:v>
+                </c:pt>
+                <c:pt idx="18">
+                  <c:v>62.638500000000001</c:v>
+                </c:pt>
+                <c:pt idx="19">
+                  <c:v>62.407600000000002</c:v>
+                </c:pt>
+              </c:numCache>
+            </c:numRef>
+          </c:yVal>
+          <c:smooth val="0"/>
+        </c:ser>
+        <c:dLbls>
+          <c:showLegendKey val="0"/>
+          <c:showVal val="0"/>
+          <c:showCatName val="0"/>
+          <c:showSerName val="0"/>
+          <c:showPercent val="0"/>
+          <c:showBubbleSize val="0"/>
+        </c:dLbls>
+        <c:axId val="39922688"/>
+        <c:axId val="75748480"/>
+      </c:scatterChart>
+      <c:valAx>
+        <c:axId val="39922688"/>
+        <c:scaling>
+          <c:orientation val="minMax"/>
+        </c:scaling>
+        <c:delete val="0"/>
+        <c:axPos val="b"/>
+        <c:majorGridlines>
+          <c:spPr>
+            <a:ln w="9525" cap="flat" cmpd="sng" algn="ctr">
+              <a:solidFill>
+                <a:schemeClr val="tx1">
+                  <a:lumMod val="15000"/>
+                  <a:lumOff val="85000"/>
+                </a:schemeClr>
+              </a:solidFill>
+              <a:round/>
+            </a:ln>
+            <a:effectLst/>
+          </c:spPr>
+        </c:majorGridlines>
+        <c:title>
+          <c:tx>
+            <c:rich>
+              <a:bodyPr rot="0" spcFirstLastPara="1" vertOverflow="ellipsis" vert="horz" wrap="square" anchor="ctr" anchorCtr="1"/>
+              <a:lstStyle/>
+              <a:p>
+                <a:pPr>
+                  <a:defRPr sz="1000" b="0" i="0" u="none" strike="noStrike" kern="1200" baseline="0">
+                    <a:solidFill>
+                      <a:schemeClr val="tx1">
+                        <a:lumMod val="65000"/>
+                        <a:lumOff val="35000"/>
+                      </a:schemeClr>
+                    </a:solidFill>
+                    <a:latin typeface="Times New Roman" panose="02020603050405020304" pitchFamily="18" charset="0"/>
+                    <a:ea typeface="+mn-ea"/>
+                    <a:cs typeface="Times New Roman" panose="02020603050405020304" pitchFamily="18" charset="0"/>
+                  </a:defRPr>
+                </a:pPr>
+                <a:r>
+                  <a:rPr lang="en-US" altLang="zh-TW" i="1">
+                    <a:latin typeface="Times New Roman" panose="02020603050405020304" pitchFamily="18" charset="0"/>
+                    <a:cs typeface="Times New Roman" panose="02020603050405020304" pitchFamily="18" charset="0"/>
+                  </a:rPr>
+                  <a:t>y</a:t>
+                </a:r>
+                <a:endParaRPr lang="zh-TW" altLang="en-US" i="1">
+                  <a:latin typeface="Times New Roman" panose="02020603050405020304" pitchFamily="18" charset="0"/>
+                  <a:cs typeface="Times New Roman" panose="02020603050405020304" pitchFamily="18" charset="0"/>
+                </a:endParaRPr>
+              </a:p>
+            </c:rich>
+          </c:tx>
+          <c:layout/>
+          <c:overlay val="0"/>
+          <c:spPr>
+            <a:noFill/>
+            <a:ln>
+              <a:noFill/>
+            </a:ln>
+            <a:effectLst/>
+          </c:spPr>
+        </c:title>
+        <c:numFmt formatCode="General" sourceLinked="1"/>
+        <c:majorTickMark val="none"/>
+        <c:minorTickMark val="none"/>
+        <c:tickLblPos val="nextTo"/>
+        <c:spPr>
+          <a:noFill/>
+          <a:ln w="9525" cap="flat" cmpd="sng" algn="ctr">
+            <a:solidFill>
+              <a:schemeClr val="tx1">
+                <a:lumMod val="25000"/>
+                <a:lumOff val="75000"/>
+              </a:schemeClr>
+            </a:solidFill>
+            <a:round/>
+          </a:ln>
+          <a:effectLst/>
+        </c:spPr>
+        <c:txPr>
+          <a:bodyPr rot="-60000000" spcFirstLastPara="1" vertOverflow="ellipsis" vert="horz" wrap="square" anchor="ctr" anchorCtr="1"/>
+          <a:lstStyle/>
+          <a:p>
+            <a:pPr>
+              <a:defRPr sz="900" b="0" i="0" u="none" strike="noStrike" kern="1200" baseline="0">
+                <a:solidFill>
+                  <a:schemeClr val="tx1">
+                    <a:lumMod val="65000"/>
+                    <a:lumOff val="35000"/>
+                  </a:schemeClr>
+                </a:solidFill>
+                <a:latin typeface="+mn-lt"/>
+                <a:ea typeface="+mn-ea"/>
+                <a:cs typeface="+mn-cs"/>
+              </a:defRPr>
+            </a:pPr>
+            <a:endParaRPr lang="zh-TW"/>
+          </a:p>
+        </c:txPr>
+        <c:crossAx val="75748480"/>
+        <c:crosses val="autoZero"/>
+        <c:crossBetween val="midCat"/>
+      </c:valAx>
+      <c:valAx>
+        <c:axId val="75748480"/>
+        <c:scaling>
+          <c:orientation val="minMax"/>
+        </c:scaling>
+        <c:delete val="0"/>
+        <c:axPos val="l"/>
+        <c:majorGridlines>
+          <c:spPr>
+            <a:ln w="9525" cap="flat" cmpd="sng" algn="ctr">
+              <a:solidFill>
+                <a:schemeClr val="tx1">
+                  <a:lumMod val="15000"/>
+                  <a:lumOff val="85000"/>
+                </a:schemeClr>
+              </a:solidFill>
+              <a:round/>
+            </a:ln>
+            <a:effectLst/>
+          </c:spPr>
+        </c:majorGridlines>
+        <c:title>
+          <c:tx>
+            <c:rich>
+              <a:bodyPr rot="-5400000" spcFirstLastPara="1" vertOverflow="ellipsis" vert="horz" wrap="square" anchor="ctr" anchorCtr="1"/>
+              <a:lstStyle/>
+              <a:p>
+                <a:pPr>
+                  <a:defRPr sz="1000" b="0" i="0" u="none" strike="noStrike" kern="1200" baseline="0">
+                    <a:solidFill>
+                      <a:schemeClr val="tx1">
+                        <a:lumMod val="65000"/>
+                        <a:lumOff val="35000"/>
+                      </a:schemeClr>
+                    </a:solidFill>
+                    <a:latin typeface="+mn-lt"/>
+                    <a:ea typeface="+mn-ea"/>
+                    <a:cs typeface="+mn-cs"/>
+                  </a:defRPr>
+                </a:pPr>
+                <a:r>
+                  <a:rPr lang="en-US" altLang="zh-TW"/>
+                  <a:t>Accuracy (%)</a:t>
+                </a:r>
+                <a:endParaRPr lang="zh-TW" altLang="en-US"/>
+              </a:p>
+            </c:rich>
+          </c:tx>
+          <c:layout/>
+          <c:overlay val="0"/>
+          <c:spPr>
+            <a:noFill/>
+            <a:ln>
+              <a:noFill/>
+            </a:ln>
+            <a:effectLst/>
+          </c:spPr>
+        </c:title>
+        <c:numFmt formatCode="General" sourceLinked="1"/>
+        <c:majorTickMark val="none"/>
+        <c:minorTickMark val="none"/>
+        <c:tickLblPos val="nextTo"/>
+        <c:spPr>
+          <a:noFill/>
+          <a:ln w="9525" cap="flat" cmpd="sng" algn="ctr">
+            <a:solidFill>
+              <a:schemeClr val="tx1">
+                <a:lumMod val="25000"/>
+                <a:lumOff val="75000"/>
+              </a:schemeClr>
+            </a:solidFill>
+            <a:round/>
+          </a:ln>
+          <a:effectLst/>
+        </c:spPr>
+        <c:txPr>
+          <a:bodyPr rot="-60000000" spcFirstLastPara="1" vertOverflow="ellipsis" vert="horz" wrap="square" anchor="ctr" anchorCtr="1"/>
+          <a:lstStyle/>
+          <a:p>
+            <a:pPr>
+              <a:defRPr sz="900" b="0" i="0" u="none" strike="noStrike" kern="1200" baseline="0">
+                <a:solidFill>
+                  <a:schemeClr val="tx1">
+                    <a:lumMod val="65000"/>
+                    <a:lumOff val="35000"/>
+                  </a:schemeClr>
+                </a:solidFill>
+                <a:latin typeface="+mn-lt"/>
+                <a:ea typeface="+mn-ea"/>
+                <a:cs typeface="+mn-cs"/>
+              </a:defRPr>
+            </a:pPr>
+            <a:endParaRPr lang="zh-TW"/>
+          </a:p>
+        </c:txPr>
+        <c:crossAx val="39922688"/>
+        <c:crosses val="autoZero"/>
+        <c:crossBetween val="midCat"/>
+      </c:valAx>
+      <c:spPr>
+        <a:noFill/>
+        <a:ln>
+          <a:noFill/>
+        </a:ln>
+        <a:effectLst/>
+      </c:spPr>
+    </c:plotArea>
+    <c:plotVisOnly val="1"/>
+    <c:dispBlanksAs val="gap"/>
+    <c:showDLblsOverMax val="0"/>
+  </c:chart>
+  <c:spPr>
+    <a:solidFill>
+      <a:schemeClr val="bg1"/>
+    </a:solidFill>
+    <a:ln w="9525" cap="flat" cmpd="sng" algn="ctr">
+      <a:solidFill>
+        <a:schemeClr val="tx1">
+          <a:lumMod val="15000"/>
+          <a:lumOff val="85000"/>
+        </a:schemeClr>
+      </a:solidFill>
+      <a:round/>
+    </a:ln>
+    <a:effectLst/>
+  </c:spPr>
+  <c:txPr>
+    <a:bodyPr/>
+    <a:lstStyle/>
+    <a:p>
+      <a:pPr>
+        <a:defRPr/>
+      </a:pPr>
+      <a:endParaRPr lang="zh-TW"/>
+    </a:p>
+  </c:txPr>
+  <c:externalData r:id="rId1">
+    <c:autoUpdate val="0"/>
+  </c:externalData>
+</c:chartSpace>
 </file>
 
 <file path=ppt/slideLayouts/slideLayout1.xml><?xml version="1.0" encoding="utf-8"?>
@@ -321,7 +1754,7 @@
           <a:p>
             <a:fld id="{5BBEAD13-0566-4C6C-97E7-55F17F24B09F}" type="datetimeFigureOut">
               <a:rPr lang="zh-TW" altLang="en-US" smtClean="0"/>
-              <a:t>2015/1/5</a:t>
+              <a:t>2015/1/26</a:t>
             </a:fld>
             <a:endParaRPr lang="zh-TW" altLang="en-US"/>
           </a:p>
@@ -486,7 +1919,7 @@
           <a:p>
             <a:fld id="{5BBEAD13-0566-4C6C-97E7-55F17F24B09F}" type="datetimeFigureOut">
               <a:rPr lang="zh-TW" altLang="en-US" smtClean="0"/>
-              <a:t>2015/1/5</a:t>
+              <a:t>2015/1/26</a:t>
             </a:fld>
             <a:endParaRPr lang="zh-TW" altLang="en-US"/>
           </a:p>
@@ -661,7 +2094,7 @@
           <a:p>
             <a:fld id="{5BBEAD13-0566-4C6C-97E7-55F17F24B09F}" type="datetimeFigureOut">
               <a:rPr lang="zh-TW" altLang="en-US" smtClean="0"/>
-              <a:t>2015/1/5</a:t>
+              <a:t>2015/1/26</a:t>
             </a:fld>
             <a:endParaRPr lang="zh-TW" altLang="en-US"/>
           </a:p>
@@ -826,7 +2259,7 @@
           <a:p>
             <a:fld id="{5BBEAD13-0566-4C6C-97E7-55F17F24B09F}" type="datetimeFigureOut">
               <a:rPr lang="zh-TW" altLang="en-US" smtClean="0"/>
-              <a:t>2015/1/5</a:t>
+              <a:t>2015/1/26</a:t>
             </a:fld>
             <a:endParaRPr lang="zh-TW" altLang="en-US"/>
           </a:p>
@@ -1067,7 +2500,7 @@
           <a:p>
             <a:fld id="{5BBEAD13-0566-4C6C-97E7-55F17F24B09F}" type="datetimeFigureOut">
               <a:rPr lang="zh-TW" altLang="en-US" smtClean="0"/>
-              <a:t>2015/1/5</a:t>
+              <a:t>2015/1/26</a:t>
             </a:fld>
             <a:endParaRPr lang="zh-TW" altLang="en-US"/>
           </a:p>
@@ -1350,7 +2783,7 @@
           <a:p>
             <a:fld id="{5BBEAD13-0566-4C6C-97E7-55F17F24B09F}" type="datetimeFigureOut">
               <a:rPr lang="zh-TW" altLang="en-US" smtClean="0"/>
-              <a:t>2015/1/5</a:t>
+              <a:t>2015/1/26</a:t>
             </a:fld>
             <a:endParaRPr lang="zh-TW" altLang="en-US"/>
           </a:p>
@@ -1767,7 +3200,7 @@
           <a:p>
             <a:fld id="{5BBEAD13-0566-4C6C-97E7-55F17F24B09F}" type="datetimeFigureOut">
               <a:rPr lang="zh-TW" altLang="en-US" smtClean="0"/>
-              <a:t>2015/1/5</a:t>
+              <a:t>2015/1/26</a:t>
             </a:fld>
             <a:endParaRPr lang="zh-TW" altLang="en-US"/>
           </a:p>
@@ -1880,7 +3313,7 @@
           <a:p>
             <a:fld id="{5BBEAD13-0566-4C6C-97E7-55F17F24B09F}" type="datetimeFigureOut">
               <a:rPr lang="zh-TW" altLang="en-US" smtClean="0"/>
-              <a:t>2015/1/5</a:t>
+              <a:t>2015/1/26</a:t>
             </a:fld>
             <a:endParaRPr lang="zh-TW" altLang="en-US"/>
           </a:p>
@@ -1970,7 +3403,7 @@
           <a:p>
             <a:fld id="{5BBEAD13-0566-4C6C-97E7-55F17F24B09F}" type="datetimeFigureOut">
               <a:rPr lang="zh-TW" altLang="en-US" smtClean="0"/>
-              <a:t>2015/1/5</a:t>
+              <a:t>2015/1/26</a:t>
             </a:fld>
             <a:endParaRPr lang="zh-TW" altLang="en-US"/>
           </a:p>
@@ -2242,7 +3675,7 @@
           <a:p>
             <a:fld id="{5BBEAD13-0566-4C6C-97E7-55F17F24B09F}" type="datetimeFigureOut">
               <a:rPr lang="zh-TW" altLang="en-US" smtClean="0"/>
-              <a:t>2015/1/5</a:t>
+              <a:t>2015/1/26</a:t>
             </a:fld>
             <a:endParaRPr lang="zh-TW" altLang="en-US"/>
           </a:p>
@@ -2490,7 +3923,7 @@
           <a:p>
             <a:fld id="{5BBEAD13-0566-4C6C-97E7-55F17F24B09F}" type="datetimeFigureOut">
               <a:rPr lang="zh-TW" altLang="en-US" smtClean="0"/>
-              <a:t>2015/1/5</a:t>
+              <a:t>2015/1/26</a:t>
             </a:fld>
             <a:endParaRPr lang="zh-TW" altLang="en-US"/>
           </a:p>
@@ -2698,7 +4131,7 @@
           <a:p>
             <a:fld id="{5BBEAD13-0566-4C6C-97E7-55F17F24B09F}" type="datetimeFigureOut">
               <a:rPr lang="zh-TW" altLang="en-US" smtClean="0"/>
-              <a:t>2015/1/5</a:t>
+              <a:t>2015/1/26</a:t>
             </a:fld>
             <a:endParaRPr lang="zh-TW" altLang="en-US"/>
           </a:p>
@@ -3223,35 +4656,36 @@
           <a:p>
             <a:r>
               <a:rPr lang="en-US" altLang="zh-TW" dirty="0" smtClean="0"/>
-              <a:t>Summary</a:t>
+              <a:t>Result</a:t>
             </a:r>
             <a:endParaRPr lang="zh-TW" altLang="en-US" dirty="0"/>
           </a:p>
         </p:txBody>
       </p:sp>
-      <p:sp>
-        <p:nvSpPr>
-          <p:cNvPr id="3" name="內容版面配置區 2"/>
-          <p:cNvSpPr>
-            <a:spLocks noGrp="1"/>
-          </p:cNvSpPr>
+      <p:graphicFrame>
+        <p:nvGraphicFramePr>
+          <p:cNvPr id="4" name="內容版面配置區 3"/>
+          <p:cNvGraphicFramePr>
+            <a:graphicFrameLocks noGrp="1"/>
+          </p:cNvGraphicFramePr>
           <p:nvPr>
             <p:ph idx="1"/>
           </p:nvPr>
-        </p:nvSpPr>
-        <p:spPr/>
-        <p:txBody>
-          <a:bodyPr/>
-          <a:lstStyle/>
-          <a:p>
-            <a:endParaRPr lang="zh-TW" altLang="en-US" dirty="0"/>
-          </a:p>
-        </p:txBody>
-      </p:sp>
+        </p:nvGraphicFramePr>
+        <p:xfrm>
+          <a:off x="457200" y="1600200"/>
+          <a:ext cx="8229600" cy="4525963"/>
+        </p:xfrm>
+        <a:graphic>
+          <a:graphicData uri="http://schemas.openxmlformats.org/drawingml/2006/chart">
+            <c:chart xmlns:c="http://schemas.openxmlformats.org/drawingml/2006/chart" xmlns:r="http://schemas.openxmlformats.org/officeDocument/2006/relationships" r:id="rId2"/>
+          </a:graphicData>
+        </a:graphic>
+      </p:graphicFrame>
     </p:spTree>
     <p:extLst>
       <p:ext uri="{BB962C8B-B14F-4D97-AF65-F5344CB8AC3E}">
-        <p14:creationId xmlns:p14="http://schemas.microsoft.com/office/powerpoint/2010/main" val="1901077309"/>
+        <p14:creationId xmlns:p14="http://schemas.microsoft.com/office/powerpoint/2010/main" val="2414779734"/>
       </p:ext>
     </p:extLst>
   </p:cSld>
@@ -3294,6 +4728,292 @@
           <a:lstStyle/>
           <a:p>
             <a:r>
+              <a:rPr lang="en-US" altLang="zh-TW" dirty="0" smtClean="0"/>
+              <a:t>Time Decay</a:t>
+            </a:r>
+            <a:endParaRPr lang="zh-TW" altLang="en-US" dirty="0"/>
+          </a:p>
+        </p:txBody>
+      </p:sp>
+      <p:sp>
+        <p:nvSpPr>
+          <p:cNvPr id="3" name="內容版面配置區 2"/>
+          <p:cNvSpPr>
+            <a:spLocks noGrp="1"/>
+          </p:cNvSpPr>
+          <p:nvPr>
+            <p:ph idx="1"/>
+          </p:nvPr>
+        </p:nvSpPr>
+        <p:spPr/>
+        <p:txBody>
+          <a:bodyPr/>
+          <a:lstStyle/>
+          <a:p>
+            <a:endParaRPr lang="zh-TW" altLang="en-US"/>
+          </a:p>
+        </p:txBody>
+      </p:sp>
+      <p:graphicFrame>
+        <p:nvGraphicFramePr>
+          <p:cNvPr id="4" name="圖表 3"/>
+          <p:cNvGraphicFramePr/>
+          <p:nvPr>
+            <p:extLst>
+              <p:ext uri="{D42A27DB-BD31-4B8C-83A1-F6EECF244321}">
+                <p14:modId xmlns:p14="http://schemas.microsoft.com/office/powerpoint/2010/main" val="1072881095"/>
+              </p:ext>
+            </p:extLst>
+          </p:nvPr>
+        </p:nvGraphicFramePr>
+        <p:xfrm>
+          <a:off x="323528" y="1556792"/>
+          <a:ext cx="8051197" cy="5301208"/>
+        </p:xfrm>
+        <a:graphic>
+          <a:graphicData uri="http://schemas.openxmlformats.org/drawingml/2006/chart">
+            <c:chart xmlns:c="http://schemas.openxmlformats.org/drawingml/2006/chart" xmlns:r="http://schemas.openxmlformats.org/officeDocument/2006/relationships" r:id="rId2"/>
+          </a:graphicData>
+        </a:graphic>
+      </p:graphicFrame>
+    </p:spTree>
+    <p:extLst>
+      <p:ext uri="{BB962C8B-B14F-4D97-AF65-F5344CB8AC3E}">
+        <p14:creationId xmlns:p14="http://schemas.microsoft.com/office/powerpoint/2010/main" val="742850283"/>
+      </p:ext>
+    </p:extLst>
+  </p:cSld>
+  <p:clrMapOvr>
+    <a:masterClrMapping/>
+  </p:clrMapOvr>
+</p:sld>
+</file>
+
+<file path=ppt/slides/slide12.xml><?xml version="1.0" encoding="utf-8"?>
+<p:sld xmlns:a="http://schemas.openxmlformats.org/drawingml/2006/main" xmlns:r="http://schemas.openxmlformats.org/officeDocument/2006/relationships" xmlns:p="http://schemas.openxmlformats.org/presentationml/2006/main">
+  <p:cSld>
+    <p:spTree>
+      <p:nvGrpSpPr>
+        <p:cNvPr id="1" name=""/>
+        <p:cNvGrpSpPr/>
+        <p:nvPr/>
+      </p:nvGrpSpPr>
+      <p:grpSpPr>
+        <a:xfrm>
+          <a:off x="0" y="0"/>
+          <a:ext cx="0" cy="0"/>
+          <a:chOff x="0" y="0"/>
+          <a:chExt cx="0" cy="0"/>
+        </a:xfrm>
+      </p:grpSpPr>
+      <p:sp>
+        <p:nvSpPr>
+          <p:cNvPr id="2" name="標題 1"/>
+          <p:cNvSpPr>
+            <a:spLocks noGrp="1"/>
+          </p:cNvSpPr>
+          <p:nvPr>
+            <p:ph type="title"/>
+          </p:nvPr>
+        </p:nvSpPr>
+        <p:spPr/>
+        <p:txBody>
+          <a:bodyPr/>
+          <a:lstStyle/>
+          <a:p>
+            <a:r>
+              <a:rPr lang="en-US" altLang="zh-TW" dirty="0"/>
+              <a:t>Difficulties Encountered</a:t>
+            </a:r>
+            <a:endParaRPr lang="zh-TW" altLang="en-US" dirty="0"/>
+          </a:p>
+        </p:txBody>
+      </p:sp>
+      <p:sp>
+        <p:nvSpPr>
+          <p:cNvPr id="3" name="內容版面配置區 2"/>
+          <p:cNvSpPr>
+            <a:spLocks noGrp="1"/>
+          </p:cNvSpPr>
+          <p:nvPr>
+            <p:ph idx="1"/>
+          </p:nvPr>
+        </p:nvSpPr>
+        <p:spPr/>
+        <p:txBody>
+          <a:bodyPr/>
+          <a:lstStyle/>
+          <a:p>
+            <a:r>
+              <a:rPr lang="en-US" altLang="zh-TW" dirty="0" smtClean="0"/>
+              <a:t>Memory issues</a:t>
+            </a:r>
+          </a:p>
+          <a:p>
+            <a:pPr lvl="1"/>
+            <a:r>
+              <a:rPr lang="en-US" altLang="zh-TW" dirty="0" smtClean="0"/>
+              <a:t>Adjacency list instead of adjacency matrix</a:t>
+            </a:r>
+          </a:p>
+          <a:p>
+            <a:r>
+              <a:rPr lang="en-US" altLang="zh-TW" dirty="0" smtClean="0"/>
+              <a:t>Problem characteristic</a:t>
+            </a:r>
+          </a:p>
+          <a:p>
+            <a:pPr lvl="1"/>
+            <a:r>
+              <a:rPr lang="en-US" altLang="zh-TW" dirty="0" smtClean="0"/>
+              <a:t>All testing pairs were linked before</a:t>
+            </a:r>
+          </a:p>
+          <a:p>
+            <a:pPr lvl="1"/>
+            <a:r>
+              <a:rPr lang="en-US" altLang="zh-TW" dirty="0" smtClean="0"/>
+              <a:t>Many features do not work (e.g. shortest path)</a:t>
+            </a:r>
+          </a:p>
+          <a:p>
+            <a:endParaRPr lang="en-US" altLang="zh-TW" dirty="0" smtClean="0"/>
+          </a:p>
+          <a:p>
+            <a:endParaRPr lang="en-US" altLang="zh-TW" dirty="0" smtClean="0"/>
+          </a:p>
+          <a:p>
+            <a:endParaRPr lang="zh-TW" altLang="en-US" dirty="0"/>
+          </a:p>
+        </p:txBody>
+      </p:sp>
+    </p:spTree>
+    <p:extLst>
+      <p:ext uri="{BB962C8B-B14F-4D97-AF65-F5344CB8AC3E}">
+        <p14:creationId xmlns:p14="http://schemas.microsoft.com/office/powerpoint/2010/main" val="4177398306"/>
+      </p:ext>
+    </p:extLst>
+  </p:cSld>
+  <p:clrMapOvr>
+    <a:masterClrMapping/>
+  </p:clrMapOvr>
+</p:sld>
+</file>
+
+<file path=ppt/slides/slide13.xml><?xml version="1.0" encoding="utf-8"?>
+<p:sld xmlns:a="http://schemas.openxmlformats.org/drawingml/2006/main" xmlns:r="http://schemas.openxmlformats.org/officeDocument/2006/relationships" xmlns:p="http://schemas.openxmlformats.org/presentationml/2006/main">
+  <p:cSld>
+    <p:spTree>
+      <p:nvGrpSpPr>
+        <p:cNvPr id="1" name=""/>
+        <p:cNvGrpSpPr/>
+        <p:nvPr/>
+      </p:nvGrpSpPr>
+      <p:grpSpPr>
+        <a:xfrm>
+          <a:off x="0" y="0"/>
+          <a:ext cx="0" cy="0"/>
+          <a:chOff x="0" y="0"/>
+          <a:chExt cx="0" cy="0"/>
+        </a:xfrm>
+      </p:grpSpPr>
+      <p:sp>
+        <p:nvSpPr>
+          <p:cNvPr id="2" name="標題 1"/>
+          <p:cNvSpPr>
+            <a:spLocks noGrp="1"/>
+          </p:cNvSpPr>
+          <p:nvPr>
+            <p:ph type="title"/>
+          </p:nvPr>
+        </p:nvSpPr>
+        <p:spPr/>
+        <p:txBody>
+          <a:bodyPr/>
+          <a:lstStyle/>
+          <a:p>
+            <a:r>
+              <a:rPr lang="en-US" altLang="zh-TW" dirty="0" smtClean="0"/>
+              <a:t>Summary</a:t>
+            </a:r>
+            <a:endParaRPr lang="zh-TW" altLang="en-US" dirty="0"/>
+          </a:p>
+        </p:txBody>
+      </p:sp>
+      <p:sp>
+        <p:nvSpPr>
+          <p:cNvPr id="3" name="內容版面配置區 2"/>
+          <p:cNvSpPr>
+            <a:spLocks noGrp="1"/>
+          </p:cNvSpPr>
+          <p:nvPr>
+            <p:ph idx="1"/>
+          </p:nvPr>
+        </p:nvSpPr>
+        <p:spPr/>
+        <p:txBody>
+          <a:bodyPr/>
+          <a:lstStyle/>
+          <a:p>
+            <a:r>
+              <a:rPr lang="en-US" altLang="zh-TW" dirty="0" smtClean="0"/>
+              <a:t>Most important feature</a:t>
+            </a:r>
+          </a:p>
+          <a:p>
+            <a:endParaRPr lang="en-US" altLang="zh-TW" dirty="0"/>
+          </a:p>
+          <a:p>
+            <a:endParaRPr lang="zh-TW" altLang="en-US" dirty="0"/>
+          </a:p>
+        </p:txBody>
+      </p:sp>
+    </p:spTree>
+    <p:extLst>
+      <p:ext uri="{BB962C8B-B14F-4D97-AF65-F5344CB8AC3E}">
+        <p14:creationId xmlns:p14="http://schemas.microsoft.com/office/powerpoint/2010/main" val="1901077309"/>
+      </p:ext>
+    </p:extLst>
+  </p:cSld>
+  <p:clrMapOvr>
+    <a:masterClrMapping/>
+  </p:clrMapOvr>
+</p:sld>
+</file>
+
+<file path=ppt/slides/slide14.xml><?xml version="1.0" encoding="utf-8"?>
+<p:sld xmlns:a="http://schemas.openxmlformats.org/drawingml/2006/main" xmlns:r="http://schemas.openxmlformats.org/officeDocument/2006/relationships" xmlns:p="http://schemas.openxmlformats.org/presentationml/2006/main">
+  <p:cSld>
+    <p:spTree>
+      <p:nvGrpSpPr>
+        <p:cNvPr id="1" name=""/>
+        <p:cNvGrpSpPr/>
+        <p:nvPr/>
+      </p:nvGrpSpPr>
+      <p:grpSpPr>
+        <a:xfrm>
+          <a:off x="0" y="0"/>
+          <a:ext cx="0" cy="0"/>
+          <a:chOff x="0" y="0"/>
+          <a:chExt cx="0" cy="0"/>
+        </a:xfrm>
+      </p:grpSpPr>
+      <p:sp>
+        <p:nvSpPr>
+          <p:cNvPr id="2" name="標題 1"/>
+          <p:cNvSpPr>
+            <a:spLocks noGrp="1"/>
+          </p:cNvSpPr>
+          <p:nvPr>
+            <p:ph type="title"/>
+          </p:nvPr>
+        </p:nvSpPr>
+        <p:spPr/>
+        <p:txBody>
+          <a:bodyPr/>
+          <a:lstStyle/>
+          <a:p>
+            <a:r>
               <a:rPr lang="en-US" altLang="zh-TW" dirty="0"/>
               <a:t>Hypothesis</a:t>
             </a:r>
@@ -3569,7 +5289,7 @@
 </p:sld>
 </file>
 
-<file path=ppt/slides/slide12.xml><?xml version="1.0" encoding="utf-8"?>
+<file path=ppt/slides/slide15.xml><?xml version="1.0" encoding="utf-8"?>
 <p:sld xmlns:a="http://schemas.openxmlformats.org/drawingml/2006/main" xmlns:r="http://schemas.openxmlformats.org/officeDocument/2006/relationships" xmlns:p="http://schemas.openxmlformats.org/presentationml/2006/main">
   <p:cSld>
     <p:spTree>
@@ -4035,7 +5755,7 @@
 </p:sld>
 </file>
 
-<file path=ppt/slides/slide13.xml><?xml version="1.0" encoding="utf-8"?>
+<file path=ppt/slides/slide16.xml><?xml version="1.0" encoding="utf-8"?>
 <p:sld xmlns:a="http://schemas.openxmlformats.org/drawingml/2006/main" xmlns:r="http://schemas.openxmlformats.org/officeDocument/2006/relationships" xmlns:p="http://schemas.openxmlformats.org/presentationml/2006/main">
   <p:cSld>
     <p:spTree>
@@ -4290,7 +6010,7 @@
 </p:sld>
 </file>
 
-<file path=ppt/slides/slide14.xml><?xml version="1.0" encoding="utf-8"?>
+<file path=ppt/slides/slide17.xml><?xml version="1.0" encoding="utf-8"?>
 <p:sld xmlns:a="http://schemas.openxmlformats.org/drawingml/2006/main" xmlns:r="http://schemas.openxmlformats.org/officeDocument/2006/relationships" xmlns:p="http://schemas.openxmlformats.org/presentationml/2006/main">
   <p:cSld>
     <p:spTree>
@@ -4824,7 +6544,7 @@
 </p:sld>
 </file>
 
-<file path=ppt/slides/slide15.xml><?xml version="1.0" encoding="utf-8"?>
+<file path=ppt/slides/slide18.xml><?xml version="1.0" encoding="utf-8"?>
 <p:sld xmlns:a="http://schemas.openxmlformats.org/drawingml/2006/main" xmlns:r="http://schemas.openxmlformats.org/officeDocument/2006/relationships" xmlns:p="http://schemas.openxmlformats.org/presentationml/2006/main">
   <p:cSld>
     <p:spTree>
@@ -5967,7 +7687,7 @@
 </p:sld>
 </file>
 
-<file path=ppt/slides/slide16.xml><?xml version="1.0" encoding="utf-8"?>
+<file path=ppt/slides/slide19.xml><?xml version="1.0" encoding="utf-8"?>
 <p:sld xmlns:a="http://schemas.openxmlformats.org/drawingml/2006/main" xmlns:r="http://schemas.openxmlformats.org/officeDocument/2006/relationships" xmlns:p="http://schemas.openxmlformats.org/presentationml/2006/main">
   <p:cSld>
     <p:spTree>
@@ -6068,315 +7788,6 @@
 </p:sld>
 </file>
 
-<file path=ppt/slides/slide17.xml><?xml version="1.0" encoding="utf-8"?>
-<p:sld xmlns:a="http://schemas.openxmlformats.org/drawingml/2006/main" xmlns:r="http://schemas.openxmlformats.org/officeDocument/2006/relationships" xmlns:p="http://schemas.openxmlformats.org/presentationml/2006/main">
-  <p:cSld>
-    <p:spTree>
-      <p:nvGrpSpPr>
-        <p:cNvPr id="1" name=""/>
-        <p:cNvGrpSpPr/>
-        <p:nvPr/>
-      </p:nvGrpSpPr>
-      <p:grpSpPr>
-        <a:xfrm>
-          <a:off x="0" y="0"/>
-          <a:ext cx="0" cy="0"/>
-          <a:chOff x="0" y="0"/>
-          <a:chExt cx="0" cy="0"/>
-        </a:xfrm>
-      </p:grpSpPr>
-      <p:sp>
-        <p:nvSpPr>
-          <p:cNvPr id="2" name="標題 1"/>
-          <p:cNvSpPr>
-            <a:spLocks noGrp="1"/>
-          </p:cNvSpPr>
-          <p:nvPr>
-            <p:ph type="title"/>
-          </p:nvPr>
-        </p:nvSpPr>
-        <p:spPr/>
-        <p:txBody>
-          <a:bodyPr/>
-          <a:lstStyle/>
-          <a:p>
-            <a:r>
-              <a:rPr lang="en-US" altLang="zh-TW" dirty="0" smtClean="0"/>
-              <a:t>Parameter</a:t>
-            </a:r>
-            <a:endParaRPr lang="zh-TW" altLang="en-US" dirty="0"/>
-          </a:p>
-        </p:txBody>
-      </p:sp>
-      <p:sp>
-        <p:nvSpPr>
-          <p:cNvPr id="3" name="內容版面配置區 2"/>
-          <p:cNvSpPr>
-            <a:spLocks noGrp="1"/>
-          </p:cNvSpPr>
-          <p:nvPr>
-            <p:ph idx="1"/>
-          </p:nvPr>
-        </p:nvSpPr>
-        <p:spPr/>
-        <p:txBody>
-          <a:bodyPr>
-            <a:normAutofit lnSpcReduction="10000"/>
-          </a:bodyPr>
-          <a:lstStyle/>
-          <a:p>
-            <a:r>
-              <a:rPr lang="en-US" altLang="zh-TW" dirty="0" err="1" smtClean="0"/>
-              <a:t>pYear</a:t>
-            </a:r>
-            <a:endParaRPr lang="en-US" altLang="zh-TW" dirty="0" smtClean="0"/>
-          </a:p>
-          <a:p>
-            <a:r>
-              <a:rPr lang="en-US" altLang="zh-TW" dirty="0" err="1" smtClean="0"/>
-              <a:t>pConf</a:t>
-            </a:r>
-            <a:endParaRPr lang="en-US" altLang="zh-TW" dirty="0" smtClean="0"/>
-          </a:p>
-          <a:p>
-            <a:r>
-              <a:rPr lang="en-US" altLang="zh-TW" dirty="0" err="1" smtClean="0"/>
-              <a:t>pPaper</a:t>
-            </a:r>
-            <a:endParaRPr lang="en-US" altLang="zh-TW" dirty="0" smtClean="0"/>
-          </a:p>
-          <a:p>
-            <a:r>
-              <a:rPr lang="en-US" altLang="zh-TW" dirty="0" err="1" smtClean="0"/>
-              <a:t>pPredictYear</a:t>
-            </a:r>
-            <a:endParaRPr lang="en-US" altLang="zh-TW" dirty="0" smtClean="0"/>
-          </a:p>
-          <a:p>
-            <a:r>
-              <a:rPr lang="en-US" altLang="zh-TW" dirty="0" err="1" smtClean="0"/>
-              <a:t>pPageRank</a:t>
-            </a:r>
-            <a:endParaRPr lang="en-US" altLang="zh-TW" dirty="0" smtClean="0"/>
-          </a:p>
-          <a:p>
-            <a:r>
-              <a:rPr lang="en-US" altLang="zh-TW" dirty="0" err="1" smtClean="0"/>
-              <a:t>pNumofAuthor</a:t>
-            </a:r>
-            <a:endParaRPr lang="en-US" altLang="zh-TW" dirty="0" smtClean="0"/>
-          </a:p>
-          <a:p>
-            <a:r>
-              <a:rPr lang="en-US" altLang="zh-TW" dirty="0" err="1" smtClean="0"/>
-              <a:t>pBFSlimit</a:t>
-            </a:r>
-            <a:endParaRPr lang="en-US" altLang="zh-TW" dirty="0" smtClean="0"/>
-          </a:p>
-          <a:p>
-            <a:r>
-              <a:rPr lang="en-US" altLang="zh-TW" dirty="0" err="1" smtClean="0"/>
-              <a:t>pThreshold</a:t>
-            </a:r>
-            <a:endParaRPr lang="zh-TW" altLang="en-US" dirty="0"/>
-          </a:p>
-        </p:txBody>
-      </p:sp>
-    </p:spTree>
-    <p:extLst>
-      <p:ext uri="{BB962C8B-B14F-4D97-AF65-F5344CB8AC3E}">
-        <p14:creationId xmlns:p14="http://schemas.microsoft.com/office/powerpoint/2010/main" val="1676197269"/>
-      </p:ext>
-    </p:extLst>
-  </p:cSld>
-  <p:clrMapOvr>
-    <a:masterClrMapping/>
-  </p:clrMapOvr>
-</p:sld>
-</file>
-
-<file path=ppt/slides/slide18.xml><?xml version="1.0" encoding="utf-8"?>
-<p:sld xmlns:a="http://schemas.openxmlformats.org/drawingml/2006/main" xmlns:r="http://schemas.openxmlformats.org/officeDocument/2006/relationships" xmlns:p="http://schemas.openxmlformats.org/presentationml/2006/main">
-  <p:cSld>
-    <p:spTree>
-      <p:nvGrpSpPr>
-        <p:cNvPr id="1" name=""/>
-        <p:cNvGrpSpPr/>
-        <p:nvPr/>
-      </p:nvGrpSpPr>
-      <p:grpSpPr>
-        <a:xfrm>
-          <a:off x="0" y="0"/>
-          <a:ext cx="0" cy="0"/>
-          <a:chOff x="0" y="0"/>
-          <a:chExt cx="0" cy="0"/>
-        </a:xfrm>
-      </p:grpSpPr>
-      <p:sp>
-        <p:nvSpPr>
-          <p:cNvPr id="2" name="標題 1"/>
-          <p:cNvSpPr>
-            <a:spLocks noGrp="1"/>
-          </p:cNvSpPr>
-          <p:nvPr>
-            <p:ph type="title"/>
-          </p:nvPr>
-        </p:nvSpPr>
-        <p:spPr/>
-        <p:txBody>
-          <a:bodyPr/>
-          <a:lstStyle/>
-          <a:p>
-            <a:r>
-              <a:rPr lang="zh-TW" altLang="en-US" dirty="0" smtClean="0"/>
-              <a:t>原本想的作法</a:t>
-            </a:r>
-            <a:endParaRPr lang="zh-TW" altLang="en-US" dirty="0"/>
-          </a:p>
-        </p:txBody>
-      </p:sp>
-      <p:sp>
-        <p:nvSpPr>
-          <p:cNvPr id="3" name="內容版面配置區 2"/>
-          <p:cNvSpPr>
-            <a:spLocks noGrp="1"/>
-          </p:cNvSpPr>
-          <p:nvPr>
-            <p:ph idx="1"/>
-          </p:nvPr>
-        </p:nvSpPr>
-        <p:spPr/>
-        <p:txBody>
-          <a:bodyPr/>
-          <a:lstStyle/>
-          <a:p>
-            <a:r>
-              <a:rPr lang="zh-TW" altLang="en-US" dirty="0" smtClean="0"/>
-              <a:t>其實我原本是希望</a:t>
-            </a:r>
-            <a:r>
-              <a:rPr lang="en-US" altLang="zh-TW" dirty="0" smtClean="0"/>
-              <a:t>edge(</a:t>
-            </a:r>
-            <a:r>
-              <a:rPr lang="en-US" altLang="zh-TW" dirty="0" err="1" smtClean="0"/>
-              <a:t>i,j</a:t>
-            </a:r>
-            <a:r>
-              <a:rPr lang="en-US" altLang="zh-TW" dirty="0" smtClean="0"/>
-              <a:t>)</a:t>
-            </a:r>
-            <a:r>
-              <a:rPr lang="zh-TW" altLang="en-US" dirty="0" smtClean="0"/>
-              <a:t>的</a:t>
-            </a:r>
-            <a:r>
-              <a:rPr lang="en-US" altLang="zh-TW" dirty="0" smtClean="0"/>
-              <a:t>Weight</a:t>
-            </a:r>
-            <a:r>
-              <a:rPr lang="zh-TW" altLang="en-US" dirty="0" smtClean="0"/>
-              <a:t>代表的是</a:t>
-            </a:r>
-            <a:r>
-              <a:rPr lang="en-US" altLang="zh-TW" dirty="0" err="1" smtClean="0"/>
-              <a:t>i,j</a:t>
-            </a:r>
-            <a:r>
-              <a:rPr lang="zh-TW" altLang="en-US" dirty="0" smtClean="0"/>
-              <a:t>直接合作的機率</a:t>
-            </a:r>
-            <a:endParaRPr lang="en-US" altLang="zh-TW" dirty="0" smtClean="0"/>
-          </a:p>
-          <a:p>
-            <a:r>
-              <a:rPr lang="zh-TW" altLang="en-US" dirty="0" smtClean="0"/>
-              <a:t>然後</a:t>
-            </a:r>
-            <a:r>
-              <a:rPr lang="en-US" altLang="zh-TW" dirty="0" err="1" smtClean="0"/>
-              <a:t>PathWeight</a:t>
-            </a:r>
-            <a:r>
-              <a:rPr lang="zh-TW" altLang="en-US" dirty="0" smtClean="0"/>
-              <a:t>就直接連乘</a:t>
-            </a:r>
-            <a:r>
-              <a:rPr lang="en-US" altLang="zh-TW" dirty="0" smtClean="0"/>
-              <a:t>edge weight</a:t>
-            </a:r>
-          </a:p>
-          <a:p>
-            <a:r>
-              <a:rPr lang="zh-TW" altLang="en-US" dirty="0" smtClean="0"/>
-              <a:t>決定</a:t>
-            </a:r>
-            <a:r>
-              <a:rPr lang="en-US" altLang="zh-TW" dirty="0" smtClean="0"/>
-              <a:t>(</a:t>
-            </a:r>
-            <a:r>
-              <a:rPr lang="en-US" altLang="zh-TW" dirty="0" err="1" smtClean="0"/>
-              <a:t>i,j</a:t>
-            </a:r>
-            <a:r>
-              <a:rPr lang="en-US" altLang="zh-TW" dirty="0" smtClean="0"/>
-              <a:t>)</a:t>
-            </a:r>
-            <a:r>
-              <a:rPr lang="zh-TW" altLang="en-US" dirty="0" smtClean="0"/>
-              <a:t>有沒有合作則是把</a:t>
-            </a:r>
-            <a:r>
-              <a:rPr lang="en-US" altLang="zh-TW" dirty="0" err="1" smtClean="0"/>
-              <a:t>PathWeight</a:t>
-            </a:r>
-            <a:r>
-              <a:rPr lang="zh-TW" altLang="en-US" dirty="0" smtClean="0"/>
-              <a:t>取聯集</a:t>
-            </a:r>
-            <a:r>
-              <a:rPr lang="zh-TW" altLang="en-US" dirty="0"/>
-              <a:t>看有沒有大於</a:t>
-            </a:r>
-            <a:r>
-              <a:rPr lang="en-US" altLang="zh-TW" dirty="0" smtClean="0"/>
-              <a:t>Threshold</a:t>
-            </a:r>
-          </a:p>
-          <a:p>
-            <a:endParaRPr lang="en-US" altLang="zh-TW" dirty="0"/>
-          </a:p>
-          <a:p>
-            <a:r>
-              <a:rPr lang="zh-TW" altLang="en-US" dirty="0" smtClean="0"/>
-              <a:t>不過這想法再決定</a:t>
-            </a:r>
-            <a:r>
-              <a:rPr lang="en-US" altLang="zh-TW" dirty="0" smtClean="0"/>
-              <a:t>edge weight</a:t>
-            </a:r>
-            <a:r>
-              <a:rPr lang="zh-TW" altLang="en-US" dirty="0" smtClean="0"/>
-              <a:t>的時候我有點卡住，就先寫成別的做法</a:t>
-            </a:r>
-            <a:endParaRPr lang="en-US" altLang="zh-TW" dirty="0"/>
-          </a:p>
-        </p:txBody>
-      </p:sp>
-    </p:spTree>
-    <p:extLst>
-      <p:ext uri="{BB962C8B-B14F-4D97-AF65-F5344CB8AC3E}">
-        <p14:creationId xmlns:p14="http://schemas.microsoft.com/office/powerpoint/2010/main" val="298382098"/>
-      </p:ext>
-    </p:extLst>
-  </p:cSld>
-  <p:clrMapOvr>
-    <a:masterClrMapping/>
-  </p:clrMapOvr>
-</p:sld>
-</file>
-
 <file path=ppt/slides/slide2.xml><?xml version="1.0" encoding="utf-8"?>
 <p:sld xmlns:a="http://schemas.openxmlformats.org/drawingml/2006/main" xmlns:r="http://schemas.openxmlformats.org/officeDocument/2006/relationships" xmlns:p="http://schemas.openxmlformats.org/presentationml/2006/main">
   <p:cSld>
@@ -6482,6 +7893,315 @@
     <p:extLst>
       <p:ext uri="{BB962C8B-B14F-4D97-AF65-F5344CB8AC3E}">
         <p14:creationId xmlns:p14="http://schemas.microsoft.com/office/powerpoint/2010/main" val="4154441751"/>
+      </p:ext>
+    </p:extLst>
+  </p:cSld>
+  <p:clrMapOvr>
+    <a:masterClrMapping/>
+  </p:clrMapOvr>
+</p:sld>
+</file>
+
+<file path=ppt/slides/slide20.xml><?xml version="1.0" encoding="utf-8"?>
+<p:sld xmlns:a="http://schemas.openxmlformats.org/drawingml/2006/main" xmlns:r="http://schemas.openxmlformats.org/officeDocument/2006/relationships" xmlns:p="http://schemas.openxmlformats.org/presentationml/2006/main">
+  <p:cSld>
+    <p:spTree>
+      <p:nvGrpSpPr>
+        <p:cNvPr id="1" name=""/>
+        <p:cNvGrpSpPr/>
+        <p:nvPr/>
+      </p:nvGrpSpPr>
+      <p:grpSpPr>
+        <a:xfrm>
+          <a:off x="0" y="0"/>
+          <a:ext cx="0" cy="0"/>
+          <a:chOff x="0" y="0"/>
+          <a:chExt cx="0" cy="0"/>
+        </a:xfrm>
+      </p:grpSpPr>
+      <p:sp>
+        <p:nvSpPr>
+          <p:cNvPr id="2" name="標題 1"/>
+          <p:cNvSpPr>
+            <a:spLocks noGrp="1"/>
+          </p:cNvSpPr>
+          <p:nvPr>
+            <p:ph type="title"/>
+          </p:nvPr>
+        </p:nvSpPr>
+        <p:spPr/>
+        <p:txBody>
+          <a:bodyPr/>
+          <a:lstStyle/>
+          <a:p>
+            <a:r>
+              <a:rPr lang="en-US" altLang="zh-TW" dirty="0" smtClean="0"/>
+              <a:t>Parameter</a:t>
+            </a:r>
+            <a:endParaRPr lang="zh-TW" altLang="en-US" dirty="0"/>
+          </a:p>
+        </p:txBody>
+      </p:sp>
+      <p:sp>
+        <p:nvSpPr>
+          <p:cNvPr id="3" name="內容版面配置區 2"/>
+          <p:cNvSpPr>
+            <a:spLocks noGrp="1"/>
+          </p:cNvSpPr>
+          <p:nvPr>
+            <p:ph idx="1"/>
+          </p:nvPr>
+        </p:nvSpPr>
+        <p:spPr/>
+        <p:txBody>
+          <a:bodyPr>
+            <a:normAutofit lnSpcReduction="10000"/>
+          </a:bodyPr>
+          <a:lstStyle/>
+          <a:p>
+            <a:r>
+              <a:rPr lang="en-US" altLang="zh-TW" dirty="0" err="1" smtClean="0"/>
+              <a:t>pYear</a:t>
+            </a:r>
+            <a:endParaRPr lang="en-US" altLang="zh-TW" dirty="0" smtClean="0"/>
+          </a:p>
+          <a:p>
+            <a:r>
+              <a:rPr lang="en-US" altLang="zh-TW" dirty="0" err="1" smtClean="0"/>
+              <a:t>pConf</a:t>
+            </a:r>
+            <a:endParaRPr lang="en-US" altLang="zh-TW" dirty="0" smtClean="0"/>
+          </a:p>
+          <a:p>
+            <a:r>
+              <a:rPr lang="en-US" altLang="zh-TW" dirty="0" err="1" smtClean="0"/>
+              <a:t>pPaper</a:t>
+            </a:r>
+            <a:endParaRPr lang="en-US" altLang="zh-TW" dirty="0" smtClean="0"/>
+          </a:p>
+          <a:p>
+            <a:r>
+              <a:rPr lang="en-US" altLang="zh-TW" dirty="0" err="1" smtClean="0"/>
+              <a:t>pPredictYear</a:t>
+            </a:r>
+            <a:endParaRPr lang="en-US" altLang="zh-TW" dirty="0" smtClean="0"/>
+          </a:p>
+          <a:p>
+            <a:r>
+              <a:rPr lang="en-US" altLang="zh-TW" dirty="0" err="1" smtClean="0"/>
+              <a:t>pPageRank</a:t>
+            </a:r>
+            <a:endParaRPr lang="en-US" altLang="zh-TW" dirty="0" smtClean="0"/>
+          </a:p>
+          <a:p>
+            <a:r>
+              <a:rPr lang="en-US" altLang="zh-TW" dirty="0" err="1" smtClean="0"/>
+              <a:t>pNumofAuthor</a:t>
+            </a:r>
+            <a:endParaRPr lang="en-US" altLang="zh-TW" dirty="0" smtClean="0"/>
+          </a:p>
+          <a:p>
+            <a:r>
+              <a:rPr lang="en-US" altLang="zh-TW" dirty="0" err="1" smtClean="0"/>
+              <a:t>pBFSlimit</a:t>
+            </a:r>
+            <a:endParaRPr lang="en-US" altLang="zh-TW" dirty="0" smtClean="0"/>
+          </a:p>
+          <a:p>
+            <a:r>
+              <a:rPr lang="en-US" altLang="zh-TW" dirty="0" err="1" smtClean="0"/>
+              <a:t>pThreshold</a:t>
+            </a:r>
+            <a:endParaRPr lang="zh-TW" altLang="en-US" dirty="0"/>
+          </a:p>
+        </p:txBody>
+      </p:sp>
+    </p:spTree>
+    <p:extLst>
+      <p:ext uri="{BB962C8B-B14F-4D97-AF65-F5344CB8AC3E}">
+        <p14:creationId xmlns:p14="http://schemas.microsoft.com/office/powerpoint/2010/main" val="1676197269"/>
+      </p:ext>
+    </p:extLst>
+  </p:cSld>
+  <p:clrMapOvr>
+    <a:masterClrMapping/>
+  </p:clrMapOvr>
+</p:sld>
+</file>
+
+<file path=ppt/slides/slide21.xml><?xml version="1.0" encoding="utf-8"?>
+<p:sld xmlns:a="http://schemas.openxmlformats.org/drawingml/2006/main" xmlns:r="http://schemas.openxmlformats.org/officeDocument/2006/relationships" xmlns:p="http://schemas.openxmlformats.org/presentationml/2006/main">
+  <p:cSld>
+    <p:spTree>
+      <p:nvGrpSpPr>
+        <p:cNvPr id="1" name=""/>
+        <p:cNvGrpSpPr/>
+        <p:nvPr/>
+      </p:nvGrpSpPr>
+      <p:grpSpPr>
+        <a:xfrm>
+          <a:off x="0" y="0"/>
+          <a:ext cx="0" cy="0"/>
+          <a:chOff x="0" y="0"/>
+          <a:chExt cx="0" cy="0"/>
+        </a:xfrm>
+      </p:grpSpPr>
+      <p:sp>
+        <p:nvSpPr>
+          <p:cNvPr id="2" name="標題 1"/>
+          <p:cNvSpPr>
+            <a:spLocks noGrp="1"/>
+          </p:cNvSpPr>
+          <p:nvPr>
+            <p:ph type="title"/>
+          </p:nvPr>
+        </p:nvSpPr>
+        <p:spPr/>
+        <p:txBody>
+          <a:bodyPr/>
+          <a:lstStyle/>
+          <a:p>
+            <a:r>
+              <a:rPr lang="zh-TW" altLang="en-US" dirty="0" smtClean="0"/>
+              <a:t>原本想的作法</a:t>
+            </a:r>
+            <a:endParaRPr lang="zh-TW" altLang="en-US" dirty="0"/>
+          </a:p>
+        </p:txBody>
+      </p:sp>
+      <p:sp>
+        <p:nvSpPr>
+          <p:cNvPr id="3" name="內容版面配置區 2"/>
+          <p:cNvSpPr>
+            <a:spLocks noGrp="1"/>
+          </p:cNvSpPr>
+          <p:nvPr>
+            <p:ph idx="1"/>
+          </p:nvPr>
+        </p:nvSpPr>
+        <p:spPr/>
+        <p:txBody>
+          <a:bodyPr/>
+          <a:lstStyle/>
+          <a:p>
+            <a:r>
+              <a:rPr lang="zh-TW" altLang="en-US" dirty="0" smtClean="0"/>
+              <a:t>其實我原本是希望</a:t>
+            </a:r>
+            <a:r>
+              <a:rPr lang="en-US" altLang="zh-TW" dirty="0" smtClean="0"/>
+              <a:t>edge(</a:t>
+            </a:r>
+            <a:r>
+              <a:rPr lang="en-US" altLang="zh-TW" dirty="0" err="1" smtClean="0"/>
+              <a:t>i,j</a:t>
+            </a:r>
+            <a:r>
+              <a:rPr lang="en-US" altLang="zh-TW" dirty="0" smtClean="0"/>
+              <a:t>)</a:t>
+            </a:r>
+            <a:r>
+              <a:rPr lang="zh-TW" altLang="en-US" dirty="0" smtClean="0"/>
+              <a:t>的</a:t>
+            </a:r>
+            <a:r>
+              <a:rPr lang="en-US" altLang="zh-TW" dirty="0" smtClean="0"/>
+              <a:t>Weight</a:t>
+            </a:r>
+            <a:r>
+              <a:rPr lang="zh-TW" altLang="en-US" dirty="0" smtClean="0"/>
+              <a:t>代表的是</a:t>
+            </a:r>
+            <a:r>
+              <a:rPr lang="en-US" altLang="zh-TW" dirty="0" err="1" smtClean="0"/>
+              <a:t>i,j</a:t>
+            </a:r>
+            <a:r>
+              <a:rPr lang="zh-TW" altLang="en-US" dirty="0" smtClean="0"/>
+              <a:t>直接合作的機率</a:t>
+            </a:r>
+            <a:endParaRPr lang="en-US" altLang="zh-TW" dirty="0" smtClean="0"/>
+          </a:p>
+          <a:p>
+            <a:r>
+              <a:rPr lang="zh-TW" altLang="en-US" dirty="0" smtClean="0"/>
+              <a:t>然後</a:t>
+            </a:r>
+            <a:r>
+              <a:rPr lang="en-US" altLang="zh-TW" dirty="0" err="1" smtClean="0"/>
+              <a:t>PathWeight</a:t>
+            </a:r>
+            <a:r>
+              <a:rPr lang="zh-TW" altLang="en-US" dirty="0" smtClean="0"/>
+              <a:t>就直接連乘</a:t>
+            </a:r>
+            <a:r>
+              <a:rPr lang="en-US" altLang="zh-TW" dirty="0" smtClean="0"/>
+              <a:t>edge weight</a:t>
+            </a:r>
+          </a:p>
+          <a:p>
+            <a:r>
+              <a:rPr lang="zh-TW" altLang="en-US" dirty="0" smtClean="0"/>
+              <a:t>決定</a:t>
+            </a:r>
+            <a:r>
+              <a:rPr lang="en-US" altLang="zh-TW" dirty="0" smtClean="0"/>
+              <a:t>(</a:t>
+            </a:r>
+            <a:r>
+              <a:rPr lang="en-US" altLang="zh-TW" dirty="0" err="1" smtClean="0"/>
+              <a:t>i,j</a:t>
+            </a:r>
+            <a:r>
+              <a:rPr lang="en-US" altLang="zh-TW" dirty="0" smtClean="0"/>
+              <a:t>)</a:t>
+            </a:r>
+            <a:r>
+              <a:rPr lang="zh-TW" altLang="en-US" dirty="0" smtClean="0"/>
+              <a:t>有沒有合作則是把</a:t>
+            </a:r>
+            <a:r>
+              <a:rPr lang="en-US" altLang="zh-TW" dirty="0" err="1" smtClean="0"/>
+              <a:t>PathWeight</a:t>
+            </a:r>
+            <a:r>
+              <a:rPr lang="zh-TW" altLang="en-US" dirty="0" smtClean="0"/>
+              <a:t>取聯集</a:t>
+            </a:r>
+            <a:r>
+              <a:rPr lang="zh-TW" altLang="en-US" dirty="0"/>
+              <a:t>看有沒有大於</a:t>
+            </a:r>
+            <a:r>
+              <a:rPr lang="en-US" altLang="zh-TW" dirty="0" smtClean="0"/>
+              <a:t>Threshold</a:t>
+            </a:r>
+          </a:p>
+          <a:p>
+            <a:endParaRPr lang="en-US" altLang="zh-TW" dirty="0"/>
+          </a:p>
+          <a:p>
+            <a:r>
+              <a:rPr lang="zh-TW" altLang="en-US" dirty="0" smtClean="0"/>
+              <a:t>不過這想法再決定</a:t>
+            </a:r>
+            <a:r>
+              <a:rPr lang="en-US" altLang="zh-TW" dirty="0" smtClean="0"/>
+              <a:t>edge weight</a:t>
+            </a:r>
+            <a:r>
+              <a:rPr lang="zh-TW" altLang="en-US" dirty="0" smtClean="0"/>
+              <a:t>的時候我有點卡住，就先寫成別的做法</a:t>
+            </a:r>
+            <a:endParaRPr lang="en-US" altLang="zh-TW" dirty="0"/>
+          </a:p>
+        </p:txBody>
+      </p:sp>
+    </p:spTree>
+    <p:extLst>
+      <p:ext uri="{BB962C8B-B14F-4D97-AF65-F5344CB8AC3E}">
+        <p14:creationId xmlns:p14="http://schemas.microsoft.com/office/powerpoint/2010/main" val="298382098"/>
       </p:ext>
     </p:extLst>
   </p:cSld>
@@ -6556,7 +8276,6 @@
               <a:rPr lang="en-US" altLang="zh-TW" dirty="0" smtClean="0"/>
               <a:t>Two types of prediction: </a:t>
             </a:r>
-            <a:endParaRPr lang="en-US" altLang="zh-TW" dirty="0" smtClean="0"/>
           </a:p>
           <a:p>
             <a:pPr lvl="1"/>
@@ -6571,7 +8290,6 @@
               <a:rPr lang="en-US" altLang="zh-TW" dirty="0" smtClean="0"/>
               <a:t>Heterogeneous</a:t>
             </a:r>
-            <a:endParaRPr lang="en-US" altLang="zh-TW" dirty="0" smtClean="0"/>
           </a:p>
           <a:p>
             <a:endParaRPr lang="zh-TW" altLang="en-US" dirty="0"/>
@@ -6719,289 +8437,158 @@
           <a:p>
             <a:r>
               <a:rPr lang="en-US" altLang="zh-TW" dirty="0" smtClean="0"/>
-              <a:t>Features (TODO)</a:t>
+              <a:t>Features</a:t>
             </a:r>
             <a:endParaRPr lang="zh-TW" altLang="en-US" dirty="0"/>
           </a:p>
         </p:txBody>
       </p:sp>
-      <mc:AlternateContent xmlns:mc="http://schemas.openxmlformats.org/markup-compatibility/2006">
-        <mc:Choice xmlns:a14="http://schemas.microsoft.com/office/drawing/2010/main" Requires="a14">
-          <p:sp>
-            <p:nvSpPr>
-              <p:cNvPr id="3" name="內容版面配置區 2"/>
-              <p:cNvSpPr>
-                <a:spLocks noGrp="1"/>
-              </p:cNvSpPr>
-              <p:nvPr>
-                <p:ph idx="1"/>
-              </p:nvPr>
-            </p:nvSpPr>
-            <p:spPr>
-              <a:xfrm>
-                <a:off x="395536" y="1628800"/>
-                <a:ext cx="8229600" cy="4525963"/>
-              </a:xfrm>
-            </p:spPr>
-            <p:txBody>
-              <a:bodyPr>
-                <a:normAutofit fontScale="85000" lnSpcReduction="10000"/>
-              </a:bodyPr>
-              <a:lstStyle/>
-              <a:p>
-                <a:r>
-                  <a:rPr lang="en-US" altLang="zh-TW" dirty="0" smtClean="0"/>
-                  <a:t>Time-weighted coauthor counts</a:t>
-                </a:r>
-              </a:p>
-              <a:p>
-                <a:pPr lvl="1"/>
-                <a14:m>
-                  <m:oMath xmlns:m="http://schemas.openxmlformats.org/officeDocument/2006/math">
-                    <m:nary>
-                      <m:naryPr>
-                        <m:chr m:val="∑"/>
-                        <m:subHide m:val="on"/>
-                        <m:supHide m:val="on"/>
-                        <m:ctrlPr>
-                          <a:rPr lang="en-US" altLang="zh-TW" i="1" smtClean="0">
-                            <a:latin typeface="Cambria Math"/>
-                          </a:rPr>
-                        </m:ctrlPr>
-                      </m:naryPr>
-                      <m:sub/>
-                      <m:sup/>
-                      <m:e>
-                        <m:r>
-                          <a:rPr lang="en-US" altLang="zh-TW" b="0" i="1" smtClean="0">
-                            <a:latin typeface="Cambria Math"/>
-                          </a:rPr>
-                          <m:t>𝑝𝑌𝑒𝑎</m:t>
-                        </m:r>
-                        <m:sSup>
-                          <m:sSupPr>
-                            <m:ctrlPr>
-                              <a:rPr lang="en-US" altLang="zh-TW" b="0" i="1" smtClean="0">
-                                <a:latin typeface="Cambria Math"/>
-                              </a:rPr>
-                            </m:ctrlPr>
-                          </m:sSupPr>
-                          <m:e>
-                            <m:r>
-                              <a:rPr lang="en-US" altLang="zh-TW" b="0" i="1" smtClean="0">
-                                <a:latin typeface="Cambria Math"/>
-                              </a:rPr>
-                              <m:t>𝑟</m:t>
-                            </m:r>
-                          </m:e>
-                          <m:sup>
-                            <m:r>
-                              <a:rPr lang="en-US" altLang="zh-TW" b="0" i="1" smtClean="0">
-                                <a:latin typeface="Cambria Math"/>
-                              </a:rPr>
-                              <m:t>𝑝𝑟𝑒𝑑𝑖𝑐𝑡𝑌𝑒𝑎𝑟</m:t>
-                            </m:r>
-                            <m:r>
-                              <a:rPr lang="en-US" altLang="zh-TW" b="0" i="1" smtClean="0">
-                                <a:latin typeface="Cambria Math"/>
-                              </a:rPr>
-                              <m:t>−</m:t>
-                            </m:r>
-                            <m:r>
-                              <a:rPr lang="en-US" altLang="zh-TW" b="0" i="1" smtClean="0">
-                                <a:latin typeface="Cambria Math"/>
-                              </a:rPr>
-                              <m:t>𝑐𝑜𝑎𝑢𝑡h𝑜𝑟𝑌𝑒𝑎𝑟</m:t>
-                            </m:r>
-                          </m:sup>
-                        </m:sSup>
-                      </m:e>
-                    </m:nary>
-                  </m:oMath>
-                </a14:m>
-                <a:endParaRPr lang="en-US" altLang="zh-TW" dirty="0"/>
-              </a:p>
-              <a:p>
-                <a:r>
-                  <a:rPr lang="en-US" altLang="zh-TW" dirty="0" smtClean="0"/>
-                  <a:t>Activeness</a:t>
-                </a:r>
-              </a:p>
-              <a:p>
-                <a:r>
-                  <a:rPr lang="en-US" altLang="zh-TW" dirty="0" smtClean="0"/>
-                  <a:t>Common </a:t>
-                </a:r>
-                <a:r>
-                  <a:rPr lang="en-US" altLang="zh-TW" dirty="0" smtClean="0"/>
-                  <a:t>neighbors</a:t>
-                </a:r>
-              </a:p>
-              <a:p>
-                <a:pPr lvl="1"/>
-                <a14:m>
-                  <m:oMath xmlns:m="http://schemas.openxmlformats.org/officeDocument/2006/math">
-                    <m:sSub>
-                      <m:sSubPr>
-                        <m:ctrlPr>
-                          <a:rPr lang="en-US" altLang="zh-TW" b="0" i="1" smtClean="0">
-                            <a:latin typeface="Cambria Math"/>
-                            <a:ea typeface="Cambria Math"/>
-                          </a:rPr>
-                        </m:ctrlPr>
-                      </m:sSubPr>
-                      <m:e>
-                        <m:r>
-                          <m:rPr>
-                            <m:sty m:val="p"/>
-                          </m:rPr>
-                          <a:rPr lang="el-GR" altLang="zh-TW" i="1" smtClean="0">
-                            <a:latin typeface="Cambria Math"/>
-                            <a:ea typeface="Cambria Math"/>
-                          </a:rPr>
-                          <m:t>Γ</m:t>
-                        </m:r>
-                      </m:e>
-                      <m:sub>
-                        <m:r>
-                          <a:rPr lang="en-US" altLang="zh-TW" b="0" i="1" smtClean="0">
-                            <a:latin typeface="Cambria Math"/>
-                            <a:ea typeface="Cambria Math"/>
-                          </a:rPr>
-                          <m:t>𝑢</m:t>
-                        </m:r>
-                      </m:sub>
-                    </m:sSub>
-                    <m:r>
-                      <a:rPr lang="en-US" altLang="zh-TW" b="0" i="1" smtClean="0">
-                        <a:latin typeface="Cambria Math"/>
-                        <a:ea typeface="Cambria Math"/>
-                      </a:rPr>
-                      <m:t>∩</m:t>
-                    </m:r>
-                    <m:sSub>
-                      <m:sSubPr>
-                        <m:ctrlPr>
-                          <a:rPr lang="en-US" altLang="zh-TW" i="1">
-                            <a:latin typeface="Cambria Math"/>
-                            <a:ea typeface="Cambria Math"/>
-                          </a:rPr>
-                        </m:ctrlPr>
-                      </m:sSubPr>
-                      <m:e>
-                        <m:r>
-                          <m:rPr>
-                            <m:sty m:val="p"/>
-                          </m:rPr>
-                          <a:rPr lang="el-GR" altLang="zh-TW" i="1">
-                            <a:latin typeface="Cambria Math"/>
-                            <a:ea typeface="Cambria Math"/>
-                          </a:rPr>
-                          <m:t>Γ</m:t>
-                        </m:r>
-                      </m:e>
-                      <m:sub>
-                        <m:r>
-                          <a:rPr lang="en-US" altLang="zh-TW" b="0" i="1" smtClean="0">
-                            <a:latin typeface="Cambria Math"/>
-                            <a:ea typeface="Cambria Math"/>
-                          </a:rPr>
-                          <m:t>𝑣</m:t>
-                        </m:r>
-                      </m:sub>
-                    </m:sSub>
-                  </m:oMath>
-                </a14:m>
-                <a:endParaRPr lang="en-US" altLang="zh-TW" dirty="0" smtClean="0"/>
-              </a:p>
-              <a:p>
-                <a:r>
-                  <a:rPr lang="en-US" altLang="zh-TW" dirty="0" err="1" smtClean="0"/>
-                  <a:t>Jaccard’s</a:t>
-                </a:r>
-                <a:r>
-                  <a:rPr lang="en-US" altLang="zh-TW" dirty="0" smtClean="0"/>
-                  <a:t> coefficient</a:t>
-                </a:r>
-              </a:p>
-              <a:p>
-                <a:r>
-                  <a:rPr lang="en-US" altLang="zh-TW" dirty="0" err="1" smtClean="0"/>
-                  <a:t>Adamic</a:t>
-                </a:r>
-                <a:r>
-                  <a:rPr lang="en-US" altLang="zh-TW" dirty="0" smtClean="0"/>
-                  <a:t> / Adar</a:t>
-                </a:r>
-              </a:p>
-              <a:p>
-                <a:r>
-                  <a:rPr lang="en-US" altLang="zh-TW" dirty="0" smtClean="0"/>
-                  <a:t>Conference preference</a:t>
-                </a:r>
-              </a:p>
-              <a:p>
-                <a:r>
-                  <a:rPr lang="en-US" altLang="zh-TW" dirty="0" smtClean="0"/>
-                  <a:t>Clustering index</a:t>
-                </a:r>
-              </a:p>
-              <a:p>
-                <a:r>
-                  <a:rPr lang="en-US" altLang="zh-TW" dirty="0" smtClean="0"/>
-                  <a:t>Log of second neighbors</a:t>
-                </a:r>
-              </a:p>
-              <a:p>
-                <a:endParaRPr lang="en-US" altLang="zh-TW" dirty="0" smtClean="0"/>
-              </a:p>
-              <a:p>
-                <a:endParaRPr lang="en-US" altLang="zh-TW" dirty="0" smtClean="0"/>
-              </a:p>
-              <a:p>
-                <a:endParaRPr lang="zh-TW" altLang="en-US" dirty="0"/>
-              </a:p>
-            </p:txBody>
-          </p:sp>
-        </mc:Choice>
-        <mc:Fallback>
-          <p:sp>
-            <p:nvSpPr>
-              <p:cNvPr id="3" name="內容版面配置區 2"/>
-              <p:cNvSpPr>
-                <a:spLocks noGrp="1" noRot="1" noChangeAspect="1" noMove="1" noResize="1" noEditPoints="1" noAdjustHandles="1" noChangeArrowheads="1" noChangeShapeType="1" noTextEdit="1"/>
-              </p:cNvSpPr>
-              <p:nvPr>
-                <p:ph idx="1"/>
-              </p:nvPr>
-            </p:nvSpPr>
-            <p:spPr>
-              <a:xfrm>
-                <a:off x="395536" y="1628800"/>
-                <a:ext cx="8229600" cy="4525963"/>
-              </a:xfrm>
-              <a:blipFill rotWithShape="1">
-                <a:blip r:embed="rId2"/>
-                <a:stretch>
-                  <a:fillRect l="-1259" t="-3230" b="-3365"/>
-                </a:stretch>
-              </a:blipFill>
-            </p:spPr>
-            <p:txBody>
-              <a:bodyPr/>
-              <a:lstStyle/>
-              <a:p>
-                <a:r>
-                  <a:rPr lang="zh-TW" altLang="en-US">
-                    <a:noFill/>
-                  </a:rPr>
-                  <a:t> </a:t>
-                </a:r>
-              </a:p>
-            </p:txBody>
-          </p:sp>
-        </mc:Fallback>
-      </mc:AlternateContent>
+      <p:sp>
+        <p:nvSpPr>
+          <p:cNvPr id="3" name="內容版面配置區 2"/>
+          <p:cNvSpPr>
+            <a:spLocks noGrp="1"/>
+          </p:cNvSpPr>
+          <p:nvPr>
+            <p:ph idx="1"/>
+          </p:nvPr>
+        </p:nvSpPr>
+        <p:spPr>
+          <a:xfrm>
+            <a:off x="395536" y="1628800"/>
+            <a:ext cx="8229600" cy="4525963"/>
+          </a:xfrm>
+        </p:spPr>
+        <p:txBody>
+          <a:bodyPr>
+            <a:normAutofit fontScale="70000" lnSpcReduction="20000"/>
+          </a:bodyPr>
+          <a:lstStyle/>
+          <a:p>
+            <a:pPr lvl="0"/>
+            <a:r>
+              <a:rPr lang="en-US" altLang="zh-TW" dirty="0"/>
+              <a:t>Sum of Papers (2006Hasan)</a:t>
+            </a:r>
+            <a:endParaRPr lang="zh-TW" altLang="zh-TW" dirty="0"/>
+          </a:p>
+          <a:p>
+            <a:pPr lvl="0"/>
+            <a:r>
+              <a:rPr lang="en-US" altLang="zh-TW" dirty="0"/>
+              <a:t>Sum of Common Neighbors (2006Hasan)</a:t>
+            </a:r>
+            <a:endParaRPr lang="zh-TW" altLang="zh-TW" dirty="0"/>
+          </a:p>
+          <a:p>
+            <a:pPr lvl="0"/>
+            <a:r>
+              <a:rPr lang="en-US" altLang="zh-TW" dirty="0"/>
+              <a:t>Weighted Sum of Common Neighbors (2011Sa)</a:t>
+            </a:r>
+            <a:endParaRPr lang="zh-TW" altLang="zh-TW" dirty="0"/>
+          </a:p>
+          <a:p>
+            <a:pPr lvl="0"/>
+            <a:r>
+              <a:rPr lang="en-US" altLang="zh-TW" dirty="0"/>
+              <a:t>Sum of </a:t>
+            </a:r>
+            <a:r>
+              <a:rPr lang="en-US" altLang="zh-TW" dirty="0" smtClean="0"/>
+              <a:t>Conferences</a:t>
+            </a:r>
+            <a:endParaRPr lang="zh-TW" altLang="zh-TW" dirty="0"/>
+          </a:p>
+          <a:p>
+            <a:pPr lvl="0"/>
+            <a:r>
+              <a:rPr lang="en-US" altLang="zh-TW" dirty="0"/>
+              <a:t>Coauthor Counts</a:t>
+            </a:r>
+            <a:endParaRPr lang="zh-TW" altLang="zh-TW" dirty="0"/>
+          </a:p>
+          <a:p>
+            <a:pPr lvl="0"/>
+            <a:r>
+              <a:rPr lang="en-US" altLang="zh-TW" dirty="0" smtClean="0"/>
+              <a:t>Inner </a:t>
+            </a:r>
+            <a:r>
+              <a:rPr lang="en-US" altLang="zh-TW" dirty="0"/>
+              <a:t>Product of Conferences</a:t>
+            </a:r>
+            <a:endParaRPr lang="zh-TW" altLang="zh-TW" dirty="0"/>
+          </a:p>
+          <a:p>
+            <a:pPr lvl="0"/>
+            <a:r>
+              <a:rPr lang="en-US" altLang="zh-TW" dirty="0" smtClean="0"/>
+              <a:t>Sum </a:t>
+            </a:r>
+            <a:r>
+              <a:rPr lang="en-US" altLang="zh-TW" dirty="0"/>
+              <a:t>of log(Second Neighbors Count) (2006Hasan)</a:t>
+            </a:r>
+            <a:endParaRPr lang="zh-TW" altLang="zh-TW" dirty="0"/>
+          </a:p>
+          <a:p>
+            <a:pPr lvl="0"/>
+            <a:r>
+              <a:rPr lang="en-US" altLang="zh-TW" dirty="0"/>
+              <a:t>Clustering Index (2006Hasan)</a:t>
+            </a:r>
+            <a:endParaRPr lang="zh-TW" altLang="zh-TW" dirty="0"/>
+          </a:p>
+          <a:p>
+            <a:pPr lvl="0"/>
+            <a:r>
+              <a:rPr lang="en-US" altLang="zh-TW" dirty="0"/>
+              <a:t>Weighted Clustering Index (2011Sa</a:t>
+            </a:r>
+            <a:r>
+              <a:rPr lang="en-US" altLang="zh-TW" dirty="0" smtClean="0"/>
+              <a:t>)</a:t>
+            </a:r>
+          </a:p>
+          <a:p>
+            <a:pPr lvl="0"/>
+            <a:r>
+              <a:rPr lang="en-US" altLang="zh-TW" dirty="0"/>
+              <a:t>Salton Index (2010Lu)</a:t>
+            </a:r>
+            <a:endParaRPr lang="zh-TW" altLang="zh-TW" dirty="0"/>
+          </a:p>
+          <a:p>
+            <a:pPr lvl="0"/>
+            <a:r>
+              <a:rPr lang="en-US" altLang="zh-TW" dirty="0" err="1"/>
+              <a:t>Jaccard</a:t>
+            </a:r>
+            <a:r>
+              <a:rPr lang="en-US" altLang="zh-TW" dirty="0"/>
+              <a:t> Index (2010Lu)</a:t>
+            </a:r>
+            <a:endParaRPr lang="zh-TW" altLang="zh-TW" dirty="0"/>
+          </a:p>
+          <a:p>
+            <a:pPr lvl="0"/>
+            <a:r>
+              <a:rPr lang="en-US" altLang="zh-TW" dirty="0"/>
+              <a:t>Weighted </a:t>
+            </a:r>
+            <a:r>
+              <a:rPr lang="en-US" altLang="zh-TW" dirty="0" err="1"/>
+              <a:t>Jaccard</a:t>
+            </a:r>
+            <a:r>
+              <a:rPr lang="en-US" altLang="zh-TW" dirty="0"/>
+              <a:t> Index (2011Sa)</a:t>
+            </a:r>
+            <a:endParaRPr lang="zh-TW" altLang="zh-TW" dirty="0"/>
+          </a:p>
+        </p:txBody>
+      </p:sp>
     </p:spTree>
     <p:extLst>
       <p:ext uri="{BB962C8B-B14F-4D97-AF65-F5344CB8AC3E}">
@@ -7016,6 +8603,293 @@
 </file>
 
 <file path=ppt/slides/slide6.xml><?xml version="1.0" encoding="utf-8"?>
+<p:sld xmlns:a="http://schemas.openxmlformats.org/drawingml/2006/main" xmlns:r="http://schemas.openxmlformats.org/officeDocument/2006/relationships" xmlns:p="http://schemas.openxmlformats.org/presentationml/2006/main">
+  <p:cSld>
+    <p:spTree>
+      <p:nvGrpSpPr>
+        <p:cNvPr id="1" name=""/>
+        <p:cNvGrpSpPr/>
+        <p:nvPr/>
+      </p:nvGrpSpPr>
+      <p:grpSpPr>
+        <a:xfrm>
+          <a:off x="0" y="0"/>
+          <a:ext cx="0" cy="0"/>
+          <a:chOff x="0" y="0"/>
+          <a:chExt cx="0" cy="0"/>
+        </a:xfrm>
+      </p:grpSpPr>
+      <p:sp>
+        <p:nvSpPr>
+          <p:cNvPr id="2" name="標題 1"/>
+          <p:cNvSpPr>
+            <a:spLocks noGrp="1"/>
+          </p:cNvSpPr>
+          <p:nvPr>
+            <p:ph type="title"/>
+          </p:nvPr>
+        </p:nvSpPr>
+        <p:spPr/>
+        <p:txBody>
+          <a:bodyPr/>
+          <a:lstStyle/>
+          <a:p>
+            <a:r>
+              <a:rPr lang="en-US" altLang="zh-TW" dirty="0"/>
+              <a:t>Features</a:t>
+            </a:r>
+            <a:endParaRPr lang="zh-TW" altLang="en-US" dirty="0"/>
+          </a:p>
+        </p:txBody>
+      </p:sp>
+      <p:sp>
+        <p:nvSpPr>
+          <p:cNvPr id="3" name="內容版面配置區 2"/>
+          <p:cNvSpPr>
+            <a:spLocks noGrp="1"/>
+          </p:cNvSpPr>
+          <p:nvPr>
+            <p:ph idx="1"/>
+          </p:nvPr>
+        </p:nvSpPr>
+        <p:spPr/>
+        <p:txBody>
+          <a:bodyPr>
+            <a:normAutofit fontScale="77500" lnSpcReduction="20000"/>
+          </a:bodyPr>
+          <a:lstStyle/>
+          <a:p>
+            <a:r>
+              <a:rPr lang="en-US" altLang="zh-TW" dirty="0" smtClean="0"/>
+              <a:t>Hub </a:t>
+            </a:r>
+            <a:r>
+              <a:rPr lang="en-US" altLang="zh-TW" dirty="0"/>
+              <a:t>Promoted Index (2010Lu)</a:t>
+            </a:r>
+            <a:endParaRPr lang="zh-TW" altLang="zh-TW" dirty="0"/>
+          </a:p>
+          <a:p>
+            <a:pPr lvl="0"/>
+            <a:r>
+              <a:rPr lang="en-US" altLang="zh-TW" dirty="0"/>
+              <a:t>Hub Depressed Index (2010Lu)</a:t>
+            </a:r>
+            <a:endParaRPr lang="zh-TW" altLang="zh-TW" dirty="0"/>
+          </a:p>
+          <a:p>
+            <a:pPr lvl="0"/>
+            <a:r>
+              <a:rPr lang="en-US" altLang="zh-TW" dirty="0" err="1"/>
+              <a:t>Leicht</a:t>
+            </a:r>
+            <a:r>
+              <a:rPr lang="en-US" altLang="zh-TW" dirty="0"/>
+              <a:t>-</a:t>
+            </a:r>
+            <a:r>
+              <a:rPr lang="en-US" altLang="zh-TW" dirty="0" err="1"/>
+              <a:t>Holme</a:t>
+            </a:r>
+            <a:r>
+              <a:rPr lang="en-US" altLang="zh-TW" dirty="0"/>
+              <a:t>-Newman Index (2010Lu)</a:t>
+            </a:r>
+            <a:endParaRPr lang="zh-TW" altLang="zh-TW" dirty="0"/>
+          </a:p>
+          <a:p>
+            <a:pPr lvl="0"/>
+            <a:r>
+              <a:rPr lang="en-US" altLang="zh-TW" dirty="0"/>
+              <a:t>Preferential Attachment Index (2010Lu)</a:t>
+            </a:r>
+            <a:endParaRPr lang="zh-TW" altLang="zh-TW" dirty="0"/>
+          </a:p>
+          <a:p>
+            <a:pPr lvl="0"/>
+            <a:r>
+              <a:rPr lang="en-US" altLang="zh-TW" dirty="0"/>
+              <a:t>Weighted Preferential Attachment Index (2011Sa)</a:t>
+            </a:r>
+            <a:endParaRPr lang="zh-TW" altLang="zh-TW" dirty="0"/>
+          </a:p>
+          <a:p>
+            <a:pPr lvl="0"/>
+            <a:r>
+              <a:rPr lang="en-US" altLang="zh-TW" dirty="0" err="1"/>
+              <a:t>Adamic</a:t>
+            </a:r>
+            <a:r>
+              <a:rPr lang="en-US" altLang="zh-TW" dirty="0"/>
+              <a:t>-Adar Index (2010Lu)</a:t>
+            </a:r>
+            <a:endParaRPr lang="zh-TW" altLang="zh-TW" dirty="0"/>
+          </a:p>
+          <a:p>
+            <a:pPr lvl="0"/>
+            <a:r>
+              <a:rPr lang="en-US" altLang="zh-TW" dirty="0"/>
+              <a:t>Weighted </a:t>
+            </a:r>
+            <a:r>
+              <a:rPr lang="en-US" altLang="zh-TW" dirty="0" err="1"/>
+              <a:t>Adamic</a:t>
+            </a:r>
+            <a:r>
+              <a:rPr lang="en-US" altLang="zh-TW" dirty="0"/>
+              <a:t>-Adar Index (2011Sa)</a:t>
+            </a:r>
+            <a:endParaRPr lang="zh-TW" altLang="zh-TW" dirty="0"/>
+          </a:p>
+          <a:p>
+            <a:pPr lvl="0"/>
+            <a:r>
+              <a:rPr lang="en-US" altLang="zh-TW" dirty="0"/>
+              <a:t>Resource Allocation Index (2010Lu)</a:t>
+            </a:r>
+            <a:endParaRPr lang="zh-TW" altLang="zh-TW" dirty="0"/>
+          </a:p>
+          <a:p>
+            <a:pPr lvl="0"/>
+            <a:r>
+              <a:rPr lang="en-US" altLang="zh-TW" dirty="0"/>
+              <a:t>Weighted Resource Allocation Index (2011Sa)</a:t>
+            </a:r>
+            <a:endParaRPr lang="zh-TW" altLang="zh-TW" dirty="0"/>
+          </a:p>
+          <a:p>
+            <a:pPr lvl="0"/>
+            <a:r>
+              <a:rPr lang="en-US" altLang="zh-TW" dirty="0"/>
+              <a:t>Maximal/Minimal PageRank</a:t>
+            </a:r>
+            <a:endParaRPr lang="zh-TW" altLang="zh-TW" dirty="0"/>
+          </a:p>
+          <a:p>
+            <a:pPr lvl="0"/>
+            <a:r>
+              <a:rPr lang="en-US" altLang="zh-TW" dirty="0" smtClean="0"/>
+              <a:t>Maximal/Minimal </a:t>
+            </a:r>
+            <a:r>
+              <a:rPr lang="en-US" altLang="zh-TW" dirty="0"/>
+              <a:t>Weighted PageRank</a:t>
+            </a:r>
+            <a:endParaRPr lang="zh-TW" altLang="zh-TW" dirty="0"/>
+          </a:p>
+          <a:p>
+            <a:endParaRPr lang="zh-TW" altLang="en-US" dirty="0"/>
+          </a:p>
+        </p:txBody>
+      </p:sp>
+    </p:spTree>
+    <p:extLst>
+      <p:ext uri="{BB962C8B-B14F-4D97-AF65-F5344CB8AC3E}">
+        <p14:creationId xmlns:p14="http://schemas.microsoft.com/office/powerpoint/2010/main" val="259781561"/>
+      </p:ext>
+    </p:extLst>
+  </p:cSld>
+  <p:clrMapOvr>
+    <a:masterClrMapping/>
+  </p:clrMapOvr>
+</p:sld>
+</file>
+
+<file path=ppt/slides/slide7.xml><?xml version="1.0" encoding="utf-8"?>
+<p:sld xmlns:a="http://schemas.openxmlformats.org/drawingml/2006/main" xmlns:r="http://schemas.openxmlformats.org/officeDocument/2006/relationships" xmlns:p="http://schemas.openxmlformats.org/presentationml/2006/main">
+  <p:cSld>
+    <p:spTree>
+      <p:nvGrpSpPr>
+        <p:cNvPr id="1" name=""/>
+        <p:cNvGrpSpPr/>
+        <p:nvPr/>
+      </p:nvGrpSpPr>
+      <p:grpSpPr>
+        <a:xfrm>
+          <a:off x="0" y="0"/>
+          <a:ext cx="0" cy="0"/>
+          <a:chOff x="0" y="0"/>
+          <a:chExt cx="0" cy="0"/>
+        </a:xfrm>
+      </p:grpSpPr>
+      <p:sp>
+        <p:nvSpPr>
+          <p:cNvPr id="2" name="標題 1"/>
+          <p:cNvSpPr>
+            <a:spLocks noGrp="1"/>
+          </p:cNvSpPr>
+          <p:nvPr>
+            <p:ph type="title"/>
+          </p:nvPr>
+        </p:nvSpPr>
+        <p:spPr/>
+        <p:txBody>
+          <a:bodyPr/>
+          <a:lstStyle/>
+          <a:p>
+            <a:r>
+              <a:rPr lang="en-US" altLang="zh-TW" dirty="0" smtClean="0"/>
+              <a:t>Feature Selection</a:t>
+            </a:r>
+            <a:endParaRPr lang="zh-TW" altLang="en-US" dirty="0"/>
+          </a:p>
+        </p:txBody>
+      </p:sp>
+      <p:sp>
+        <p:nvSpPr>
+          <p:cNvPr id="3" name="內容版面配置區 2"/>
+          <p:cNvSpPr>
+            <a:spLocks noGrp="1"/>
+          </p:cNvSpPr>
+          <p:nvPr>
+            <p:ph idx="1"/>
+          </p:nvPr>
+        </p:nvSpPr>
+        <p:spPr/>
+        <p:txBody>
+          <a:bodyPr/>
+          <a:lstStyle/>
+          <a:p>
+            <a:endParaRPr lang="zh-TW" altLang="en-US"/>
+          </a:p>
+        </p:txBody>
+      </p:sp>
+      <p:graphicFrame>
+        <p:nvGraphicFramePr>
+          <p:cNvPr id="4" name="圖表 3"/>
+          <p:cNvGraphicFramePr/>
+          <p:nvPr>
+            <p:extLst>
+              <p:ext uri="{D42A27DB-BD31-4B8C-83A1-F6EECF244321}">
+                <p14:modId xmlns:p14="http://schemas.microsoft.com/office/powerpoint/2010/main" val="1448809287"/>
+              </p:ext>
+            </p:extLst>
+          </p:nvPr>
+        </p:nvGraphicFramePr>
+        <p:xfrm>
+          <a:off x="1115616" y="1460827"/>
+          <a:ext cx="6385845" cy="5410208"/>
+        </p:xfrm>
+        <a:graphic>
+          <a:graphicData uri="http://schemas.openxmlformats.org/drawingml/2006/chart">
+            <c:chart xmlns:c="http://schemas.openxmlformats.org/drawingml/2006/chart" xmlns:r="http://schemas.openxmlformats.org/officeDocument/2006/relationships" r:id="rId2"/>
+          </a:graphicData>
+        </a:graphic>
+      </p:graphicFrame>
+    </p:spTree>
+    <p:extLst>
+      <p:ext uri="{BB962C8B-B14F-4D97-AF65-F5344CB8AC3E}">
+        <p14:creationId xmlns:p14="http://schemas.microsoft.com/office/powerpoint/2010/main" val="2411599335"/>
+      </p:ext>
+    </p:extLst>
+  </p:cSld>
+  <p:clrMapOvr>
+    <a:masterClrMapping/>
+  </p:clrMapOvr>
+</p:sld>
+</file>
+
+<file path=ppt/slides/slide8.xml><?xml version="1.0" encoding="utf-8"?>
 <p:sld xmlns:a="http://schemas.openxmlformats.org/drawingml/2006/main" xmlns:r="http://schemas.openxmlformats.org/officeDocument/2006/relationships" xmlns:p="http://schemas.openxmlformats.org/presentationml/2006/main">
   <p:cSld>
     <p:spTree>
@@ -7819,7 +9693,7 @@
 </p:sld>
 </file>
 
-<file path=ppt/slides/slide7.xml><?xml version="1.0" encoding="utf-8"?>
+<file path=ppt/slides/slide9.xml><?xml version="1.0" encoding="utf-8"?>
 <p:sld xmlns:a="http://schemas.openxmlformats.org/drawingml/2006/main" xmlns:r="http://schemas.openxmlformats.org/officeDocument/2006/relationships" xmlns:p="http://schemas.openxmlformats.org/presentationml/2006/main">
   <p:cSld>
     <p:spTree>
@@ -8057,189 +9931,6 @@
 </p:sld>
 </file>
 
-<file path=ppt/slides/slide8.xml><?xml version="1.0" encoding="utf-8"?>
-<p:sld xmlns:a="http://schemas.openxmlformats.org/drawingml/2006/main" xmlns:r="http://schemas.openxmlformats.org/officeDocument/2006/relationships" xmlns:p="http://schemas.openxmlformats.org/presentationml/2006/main">
-  <p:cSld>
-    <p:spTree>
-      <p:nvGrpSpPr>
-        <p:cNvPr id="1" name=""/>
-        <p:cNvGrpSpPr/>
-        <p:nvPr/>
-      </p:nvGrpSpPr>
-      <p:grpSpPr>
-        <a:xfrm>
-          <a:off x="0" y="0"/>
-          <a:ext cx="0" cy="0"/>
-          <a:chOff x="0" y="0"/>
-          <a:chExt cx="0" cy="0"/>
-        </a:xfrm>
-      </p:grpSpPr>
-      <p:sp>
-        <p:nvSpPr>
-          <p:cNvPr id="2" name="標題 1"/>
-          <p:cNvSpPr>
-            <a:spLocks noGrp="1"/>
-          </p:cNvSpPr>
-          <p:nvPr>
-            <p:ph type="title"/>
-          </p:nvPr>
-        </p:nvSpPr>
-        <p:spPr/>
-        <p:txBody>
-          <a:bodyPr/>
-          <a:lstStyle/>
-          <a:p>
-            <a:r>
-              <a:rPr lang="en-US" altLang="zh-TW" dirty="0" smtClean="0"/>
-              <a:t>Cross-validation Result</a:t>
-            </a:r>
-            <a:endParaRPr lang="zh-TW" altLang="en-US" dirty="0"/>
-          </a:p>
-        </p:txBody>
-      </p:sp>
-      <p:sp>
-        <p:nvSpPr>
-          <p:cNvPr id="3" name="內容版面配置區 2"/>
-          <p:cNvSpPr>
-            <a:spLocks noGrp="1"/>
-          </p:cNvSpPr>
-          <p:nvPr>
-            <p:ph idx="1"/>
-          </p:nvPr>
-        </p:nvSpPr>
-        <p:spPr/>
-        <p:txBody>
-          <a:bodyPr/>
-          <a:lstStyle/>
-          <a:p>
-            <a:endParaRPr lang="zh-TW" altLang="en-US"/>
-          </a:p>
-        </p:txBody>
-      </p:sp>
-    </p:spTree>
-    <p:extLst>
-      <p:ext uri="{BB962C8B-B14F-4D97-AF65-F5344CB8AC3E}">
-        <p14:creationId xmlns:p14="http://schemas.microsoft.com/office/powerpoint/2010/main" val="2334914531"/>
-      </p:ext>
-    </p:extLst>
-  </p:cSld>
-  <p:clrMapOvr>
-    <a:masterClrMapping/>
-  </p:clrMapOvr>
-</p:sld>
-</file>
-
-<file path=ppt/slides/slide9.xml><?xml version="1.0" encoding="utf-8"?>
-<p:sld xmlns:a="http://schemas.openxmlformats.org/drawingml/2006/main" xmlns:r="http://schemas.openxmlformats.org/officeDocument/2006/relationships" xmlns:p="http://schemas.openxmlformats.org/presentationml/2006/main">
-  <p:cSld>
-    <p:spTree>
-      <p:nvGrpSpPr>
-        <p:cNvPr id="1" name=""/>
-        <p:cNvGrpSpPr/>
-        <p:nvPr/>
-      </p:nvGrpSpPr>
-      <p:grpSpPr>
-        <a:xfrm>
-          <a:off x="0" y="0"/>
-          <a:ext cx="0" cy="0"/>
-          <a:chOff x="0" y="0"/>
-          <a:chExt cx="0" cy="0"/>
-        </a:xfrm>
-      </p:grpSpPr>
-      <p:sp>
-        <p:nvSpPr>
-          <p:cNvPr id="2" name="標題 1"/>
-          <p:cNvSpPr>
-            <a:spLocks noGrp="1"/>
-          </p:cNvSpPr>
-          <p:nvPr>
-            <p:ph type="title"/>
-          </p:nvPr>
-        </p:nvSpPr>
-        <p:spPr/>
-        <p:txBody>
-          <a:bodyPr/>
-          <a:lstStyle/>
-          <a:p>
-            <a:r>
-              <a:rPr lang="en-US" altLang="zh-TW" dirty="0"/>
-              <a:t>Difficulties Encountered</a:t>
-            </a:r>
-            <a:endParaRPr lang="zh-TW" altLang="en-US" dirty="0"/>
-          </a:p>
-        </p:txBody>
-      </p:sp>
-      <p:sp>
-        <p:nvSpPr>
-          <p:cNvPr id="3" name="內容版面配置區 2"/>
-          <p:cNvSpPr>
-            <a:spLocks noGrp="1"/>
-          </p:cNvSpPr>
-          <p:nvPr>
-            <p:ph idx="1"/>
-          </p:nvPr>
-        </p:nvSpPr>
-        <p:spPr/>
-        <p:txBody>
-          <a:bodyPr/>
-          <a:lstStyle/>
-          <a:p>
-            <a:r>
-              <a:rPr lang="en-US" altLang="zh-TW" dirty="0" smtClean="0"/>
-              <a:t>Memory issues</a:t>
-            </a:r>
-          </a:p>
-          <a:p>
-            <a:pPr lvl="1"/>
-            <a:r>
-              <a:rPr lang="en-US" altLang="zh-TW" dirty="0" smtClean="0"/>
-              <a:t>Adjacency list instead of adjacency matrix</a:t>
-            </a:r>
-          </a:p>
-          <a:p>
-            <a:r>
-              <a:rPr lang="en-US" altLang="zh-TW" dirty="0" smtClean="0"/>
-              <a:t>Problem characteristic</a:t>
-            </a:r>
-          </a:p>
-          <a:p>
-            <a:pPr lvl="1"/>
-            <a:r>
-              <a:rPr lang="en-US" altLang="zh-TW" dirty="0" smtClean="0"/>
-              <a:t>All testing pairs were linked before</a:t>
-            </a:r>
-          </a:p>
-          <a:p>
-            <a:pPr lvl="1"/>
-            <a:r>
-              <a:rPr lang="en-US" altLang="zh-TW" dirty="0" smtClean="0"/>
-              <a:t>Many features do not work (e.g. shortest path)</a:t>
-            </a:r>
-          </a:p>
-          <a:p>
-            <a:endParaRPr lang="en-US" altLang="zh-TW" dirty="0" smtClean="0"/>
-          </a:p>
-          <a:p>
-            <a:endParaRPr lang="en-US" altLang="zh-TW" dirty="0" smtClean="0"/>
-          </a:p>
-          <a:p>
-            <a:endParaRPr lang="zh-TW" altLang="en-US" dirty="0"/>
-          </a:p>
-        </p:txBody>
-      </p:sp>
-    </p:spTree>
-    <p:extLst>
-      <p:ext uri="{BB962C8B-B14F-4D97-AF65-F5344CB8AC3E}">
-        <p14:creationId xmlns:p14="http://schemas.microsoft.com/office/powerpoint/2010/main" val="4177398306"/>
-      </p:ext>
-    </p:extLst>
-  </p:cSld>
-  <p:clrMapOvr>
-    <a:masterClrMapping/>
-  </p:clrMapOvr>
-</p:sld>
-</file>
-
 <file path=ppt/theme/theme1.xml><?xml version="1.0" encoding="utf-8"?>
 <a:theme xmlns:a="http://schemas.openxmlformats.org/drawingml/2006/main" name="Office 佈景主題">
   <a:themeElements>
@@ -8248,7 +9939,7 @@
         <a:sysClr val="windowText" lastClr="000000"/>
       </a:dk1>
       <a:lt1>
-        <a:sysClr val="window" lastClr="FFFFFF"/>
+        <a:sysClr val="window" lastClr="C7EDCC"/>
       </a:lt1>
       <a:dk2>
         <a:srgbClr val="1F497D"/>

--- a/Project/Readme_v2.pptx
+++ b/Project/Readme_v2.pptx
@@ -18,14 +18,6 @@
     <p:sldId id="278" r:id="rId12"/>
     <p:sldId id="270" r:id="rId13"/>
     <p:sldId id="271" r:id="rId14"/>
-    <p:sldId id="262" r:id="rId15"/>
-    <p:sldId id="263" r:id="rId16"/>
-    <p:sldId id="264" r:id="rId17"/>
-    <p:sldId id="257" r:id="rId18"/>
-    <p:sldId id="258" r:id="rId19"/>
-    <p:sldId id="259" r:id="rId20"/>
-    <p:sldId id="260" r:id="rId21"/>
-    <p:sldId id="261" r:id="rId22"/>
   </p:sldIdLst>
   <p:sldSz cx="9144000" cy="6858000" type="screen4x3"/>
   <p:notesSz cx="6858000" cy="9144000"/>
@@ -126,7 +118,7 @@
   </p:defaultTextStyle>
   <p:extLst>
     <p:ext uri="{EFAFB233-063F-42B5-8137-9DF3F51BA10A}">
-      <p15:sldGuideLst xmlns:p15="http://schemas.microsoft.com/office/powerpoint/2012/main" xmlns="">
+      <p15:sldGuideLst xmlns="" xmlns:p15="http://schemas.microsoft.com/office/powerpoint/2012/main">
         <p15:guide id="1" orient="horz" pos="2160">
           <p15:clr>
             <a:srgbClr val="A4A3A4"/>
@@ -392,11 +384,11 @@
         </c:dLbls>
         <c:gapWidth val="75"/>
         <c:overlap val="-25"/>
-        <c:axId val="96443776"/>
-        <c:axId val="96449664"/>
+        <c:axId val="75487872"/>
+        <c:axId val="81640064"/>
       </c:barChart>
       <c:catAx>
-        <c:axId val="96443776"/>
+        <c:axId val="75487872"/>
         <c:scaling>
           <c:orientation val="minMax"/>
         </c:scaling>
@@ -439,7 +431,7 @@
             <a:endParaRPr lang="zh-TW"/>
           </a:p>
         </c:txPr>
-        <c:crossAx val="96449664"/>
+        <c:crossAx val="81640064"/>
         <c:crosses val="autoZero"/>
         <c:auto val="1"/>
         <c:lblAlgn val="ctr"/>
@@ -447,7 +439,7 @@
         <c:noMultiLvlLbl val="0"/>
       </c:catAx>
       <c:valAx>
-        <c:axId val="96449664"/>
+        <c:axId val="81640064"/>
         <c:scaling>
           <c:orientation val="minMax"/>
         </c:scaling>
@@ -535,7 +527,7 @@
             <a:endParaRPr lang="zh-TW"/>
           </a:p>
         </c:txPr>
-        <c:crossAx val="96443776"/>
+        <c:crossAx val="75487872"/>
         <c:crosses val="autoZero"/>
         <c:crossBetween val="between"/>
       </c:valAx>
@@ -844,11 +836,11 @@
           <c:showPercent val="0"/>
           <c:showBubbleSize val="0"/>
         </c:dLbls>
-        <c:axId val="38290944"/>
-        <c:axId val="39919616"/>
+        <c:axId val="77558144"/>
+        <c:axId val="77560448"/>
       </c:scatterChart>
       <c:valAx>
-        <c:axId val="38290944"/>
+        <c:axId val="77558144"/>
         <c:scaling>
           <c:orientation val="minMax"/>
         </c:scaling>
@@ -946,12 +938,12 @@
             <a:endParaRPr lang="zh-TW"/>
           </a:p>
         </c:txPr>
-        <c:crossAx val="39919616"/>
+        <c:crossAx val="77560448"/>
         <c:crosses val="autoZero"/>
         <c:crossBetween val="midCat"/>
       </c:valAx>
       <c:valAx>
-        <c:axId val="39919616"/>
+        <c:axId val="77560448"/>
         <c:scaling>
           <c:orientation val="minMax"/>
         </c:scaling>
@@ -1044,7 +1036,7 @@
             <a:endParaRPr lang="zh-TW"/>
           </a:p>
         </c:txPr>
-        <c:crossAx val="38290944"/>
+        <c:crossAx val="77558144"/>
         <c:crosses val="autoZero"/>
         <c:crossBetween val="midCat"/>
       </c:valAx>
@@ -1323,11 +1315,11 @@
           <c:showPercent val="0"/>
           <c:showBubbleSize val="0"/>
         </c:dLbls>
-        <c:axId val="39922688"/>
-        <c:axId val="75748480"/>
+        <c:axId val="77585408"/>
+        <c:axId val="81659392"/>
       </c:scatterChart>
       <c:valAx>
-        <c:axId val="39922688"/>
+        <c:axId val="77585408"/>
         <c:scaling>
           <c:orientation val="minMax"/>
         </c:scaling>
@@ -1427,12 +1419,12 @@
             <a:endParaRPr lang="zh-TW"/>
           </a:p>
         </c:txPr>
-        <c:crossAx val="75748480"/>
+        <c:crossAx val="81659392"/>
         <c:crosses val="autoZero"/>
         <c:crossBetween val="midCat"/>
       </c:valAx>
       <c:valAx>
-        <c:axId val="75748480"/>
+        <c:axId val="81659392"/>
         <c:scaling>
           <c:orientation val="minMax"/>
         </c:scaling>
@@ -1526,7 +1518,7 @@
             <a:endParaRPr lang="zh-TW"/>
           </a:p>
         </c:txPr>
-        <c:crossAx val="39922688"/>
+        <c:crossAx val="77585408"/>
         <c:crosses val="autoZero"/>
         <c:crossBetween val="midCat"/>
       </c:valAx>
@@ -4981,2813 +4973,6 @@
 </p:sld>
 </file>
 
-<file path=ppt/slides/slide14.xml><?xml version="1.0" encoding="utf-8"?>
-<p:sld xmlns:a="http://schemas.openxmlformats.org/drawingml/2006/main" xmlns:r="http://schemas.openxmlformats.org/officeDocument/2006/relationships" xmlns:p="http://schemas.openxmlformats.org/presentationml/2006/main">
-  <p:cSld>
-    <p:spTree>
-      <p:nvGrpSpPr>
-        <p:cNvPr id="1" name=""/>
-        <p:cNvGrpSpPr/>
-        <p:nvPr/>
-      </p:nvGrpSpPr>
-      <p:grpSpPr>
-        <a:xfrm>
-          <a:off x="0" y="0"/>
-          <a:ext cx="0" cy="0"/>
-          <a:chOff x="0" y="0"/>
-          <a:chExt cx="0" cy="0"/>
-        </a:xfrm>
-      </p:grpSpPr>
-      <p:sp>
-        <p:nvSpPr>
-          <p:cNvPr id="2" name="標題 1"/>
-          <p:cNvSpPr>
-            <a:spLocks noGrp="1"/>
-          </p:cNvSpPr>
-          <p:nvPr>
-            <p:ph type="title"/>
-          </p:nvPr>
-        </p:nvSpPr>
-        <p:spPr/>
-        <p:txBody>
-          <a:bodyPr/>
-          <a:lstStyle/>
-          <a:p>
-            <a:r>
-              <a:rPr lang="en-US" altLang="zh-TW" dirty="0"/>
-              <a:t>Hypothesis</a:t>
-            </a:r>
-            <a:endParaRPr lang="zh-TW" altLang="en-US" dirty="0"/>
-          </a:p>
-        </p:txBody>
-      </p:sp>
-      <p:sp>
-        <p:nvSpPr>
-          <p:cNvPr id="3" name="內容版面配置區 2"/>
-          <p:cNvSpPr>
-            <a:spLocks noGrp="1"/>
-          </p:cNvSpPr>
-          <p:nvPr>
-            <p:ph idx="1"/>
-          </p:nvPr>
-        </p:nvSpPr>
-        <p:spPr/>
-        <p:txBody>
-          <a:bodyPr/>
-          <a:lstStyle/>
-          <a:p>
-            <a:r>
-              <a:rPr lang="en-US" altLang="zh-TW" dirty="0" smtClean="0"/>
-              <a:t>u</a:t>
-            </a:r>
-            <a:r>
-              <a:rPr lang="zh-TW" altLang="en-US" dirty="0" smtClean="0"/>
-              <a:t>與</a:t>
-            </a:r>
-            <a:r>
-              <a:rPr lang="en-US" altLang="zh-TW" dirty="0" smtClean="0"/>
-              <a:t>v</a:t>
-            </a:r>
-            <a:r>
-              <a:rPr lang="zh-TW" altLang="en-US" dirty="0" smtClean="0"/>
-              <a:t>合作過，</a:t>
-            </a:r>
-            <a:r>
-              <a:rPr lang="en-US" altLang="zh-TW" dirty="0" smtClean="0"/>
-              <a:t>u</a:t>
-            </a:r>
-            <a:r>
-              <a:rPr lang="zh-TW" altLang="en-US" dirty="0" smtClean="0"/>
-              <a:t>與</a:t>
-            </a:r>
-            <a:r>
-              <a:rPr lang="en-US" altLang="zh-TW" dirty="0" smtClean="0"/>
-              <a:t>v</a:t>
-            </a:r>
-            <a:r>
-              <a:rPr lang="zh-TW" altLang="en-US" dirty="0" smtClean="0"/>
-              <a:t>可能繼續合作</a:t>
-            </a:r>
-            <a:endParaRPr lang="en-US" altLang="zh-TW" dirty="0" smtClean="0"/>
-          </a:p>
-          <a:p>
-            <a:r>
-              <a:rPr lang="en-US" altLang="zh-TW" dirty="0" smtClean="0"/>
-              <a:t>u</a:t>
-            </a:r>
-            <a:r>
-              <a:rPr lang="zh-TW" altLang="en-US" dirty="0" smtClean="0"/>
-              <a:t>與</a:t>
-            </a:r>
-            <a:r>
-              <a:rPr lang="en-US" altLang="zh-TW" dirty="0" smtClean="0"/>
-              <a:t>v</a:t>
-            </a:r>
-            <a:r>
-              <a:rPr lang="zh-TW" altLang="en-US" dirty="0" smtClean="0"/>
-              <a:t>近幾年合作過，</a:t>
-            </a:r>
-            <a:r>
-              <a:rPr lang="en-US" altLang="zh-TW" dirty="0" smtClean="0"/>
-              <a:t>u</a:t>
-            </a:r>
-            <a:r>
-              <a:rPr lang="zh-TW" altLang="en-US" dirty="0"/>
-              <a:t>與</a:t>
-            </a:r>
-            <a:r>
-              <a:rPr lang="en-US" altLang="zh-TW" dirty="0"/>
-              <a:t>v</a:t>
-            </a:r>
-            <a:r>
-              <a:rPr lang="zh-TW" altLang="en-US" dirty="0"/>
-              <a:t>可能繼續</a:t>
-            </a:r>
-            <a:r>
-              <a:rPr lang="zh-TW" altLang="en-US" dirty="0" smtClean="0"/>
-              <a:t>合作</a:t>
-            </a:r>
-            <a:endParaRPr lang="en-US" altLang="zh-TW" dirty="0" smtClean="0"/>
-          </a:p>
-          <a:p>
-            <a:r>
-              <a:rPr lang="en-US" altLang="zh-TW" dirty="0"/>
-              <a:t>u</a:t>
-            </a:r>
-            <a:r>
-              <a:rPr lang="zh-TW" altLang="en-US" dirty="0" smtClean="0"/>
-              <a:t>與</a:t>
-            </a:r>
-            <a:r>
-              <a:rPr lang="en-US" altLang="zh-TW" dirty="0" err="1" smtClean="0"/>
-              <a:t>i</a:t>
-            </a:r>
-            <a:r>
-              <a:rPr lang="zh-TW" altLang="en-US" dirty="0" smtClean="0"/>
-              <a:t>合作過，</a:t>
-            </a:r>
-            <a:r>
-              <a:rPr lang="en-US" altLang="zh-TW" dirty="0" err="1" smtClean="0"/>
-              <a:t>i</a:t>
-            </a:r>
-            <a:r>
-              <a:rPr lang="zh-TW" altLang="en-US" dirty="0" smtClean="0"/>
-              <a:t>與</a:t>
-            </a:r>
-            <a:r>
-              <a:rPr lang="en-US" altLang="zh-TW" dirty="0" smtClean="0"/>
-              <a:t>v</a:t>
-            </a:r>
-            <a:r>
-              <a:rPr lang="zh-TW" altLang="en-US" dirty="0" smtClean="0"/>
-              <a:t>合作過，</a:t>
-            </a:r>
-            <a:r>
-              <a:rPr lang="en-US" altLang="zh-TW" dirty="0"/>
-              <a:t> u</a:t>
-            </a:r>
-            <a:r>
-              <a:rPr lang="zh-TW" altLang="en-US" dirty="0"/>
-              <a:t>與</a:t>
-            </a:r>
-            <a:r>
-              <a:rPr lang="en-US" altLang="zh-TW" dirty="0"/>
-              <a:t>v</a:t>
-            </a:r>
-            <a:r>
-              <a:rPr lang="zh-TW" altLang="en-US" dirty="0" smtClean="0"/>
-              <a:t>可能合作</a:t>
-            </a:r>
-            <a:endParaRPr lang="en-US" altLang="zh-TW" dirty="0" smtClean="0"/>
-          </a:p>
-          <a:p>
-            <a:r>
-              <a:rPr lang="en-US" altLang="zh-TW" dirty="0" smtClean="0"/>
-              <a:t>u</a:t>
-            </a:r>
-            <a:r>
-              <a:rPr lang="zh-TW" altLang="en-US" dirty="0" smtClean="0"/>
-              <a:t>跟很多人合作過，</a:t>
-            </a:r>
-            <a:r>
-              <a:rPr lang="en-US" altLang="zh-TW" dirty="0" smtClean="0"/>
-              <a:t>v</a:t>
-            </a:r>
-            <a:r>
-              <a:rPr lang="zh-TW" altLang="en-US" dirty="0" smtClean="0"/>
-              <a:t>跟很多人合作過，</a:t>
-            </a:r>
-            <a:r>
-              <a:rPr lang="en-US" altLang="zh-TW" dirty="0" smtClean="0"/>
-              <a:t>u</a:t>
-            </a:r>
-            <a:r>
-              <a:rPr lang="zh-TW" altLang="en-US" dirty="0" smtClean="0"/>
-              <a:t>與</a:t>
-            </a:r>
-            <a:r>
-              <a:rPr lang="en-US" altLang="zh-TW" dirty="0" smtClean="0"/>
-              <a:t>v</a:t>
-            </a:r>
-            <a:r>
-              <a:rPr lang="zh-TW" altLang="en-US" dirty="0" smtClean="0"/>
-              <a:t>可能合作</a:t>
-            </a:r>
-            <a:endParaRPr lang="en-US" altLang="zh-TW" dirty="0" smtClean="0"/>
-          </a:p>
-          <a:p>
-            <a:r>
-              <a:rPr lang="en-US" altLang="zh-TW" dirty="0" smtClean="0"/>
-              <a:t>u</a:t>
-            </a:r>
-            <a:r>
-              <a:rPr lang="zh-TW" altLang="en-US" dirty="0" smtClean="0"/>
-              <a:t>有發表</a:t>
-            </a:r>
-            <a:r>
-              <a:rPr lang="en-US" altLang="zh-TW" dirty="0" smtClean="0"/>
-              <a:t>paper</a:t>
-            </a:r>
-            <a:r>
-              <a:rPr lang="zh-TW" altLang="en-US" dirty="0" smtClean="0"/>
-              <a:t>在</a:t>
-            </a:r>
-            <a:r>
-              <a:rPr lang="en-US" altLang="zh-TW" dirty="0" smtClean="0"/>
-              <a:t>conference A</a:t>
-            </a:r>
-            <a:r>
-              <a:rPr lang="zh-TW" altLang="en-US" dirty="0" smtClean="0"/>
-              <a:t>，</a:t>
-            </a:r>
-            <a:r>
-              <a:rPr lang="en-US" altLang="zh-TW" dirty="0" smtClean="0"/>
-              <a:t>v</a:t>
-            </a:r>
-            <a:r>
-              <a:rPr lang="en-US" altLang="zh-TW" dirty="0"/>
-              <a:t> </a:t>
-            </a:r>
-            <a:r>
-              <a:rPr lang="zh-TW" altLang="en-US" dirty="0" smtClean="0"/>
-              <a:t>有</a:t>
-            </a:r>
-            <a:r>
-              <a:rPr lang="zh-TW" altLang="en-US" dirty="0"/>
-              <a:t>發表</a:t>
-            </a:r>
-            <a:r>
-              <a:rPr lang="en-US" altLang="zh-TW" dirty="0"/>
-              <a:t>paper</a:t>
-            </a:r>
-            <a:r>
-              <a:rPr lang="zh-TW" altLang="en-US" dirty="0"/>
-              <a:t>在</a:t>
-            </a:r>
-            <a:r>
-              <a:rPr lang="en-US" altLang="zh-TW" dirty="0"/>
-              <a:t>conference </a:t>
-            </a:r>
-            <a:r>
-              <a:rPr lang="en-US" altLang="zh-TW" dirty="0" smtClean="0"/>
-              <a:t>A</a:t>
-            </a:r>
-            <a:r>
-              <a:rPr lang="zh-TW" altLang="en-US" dirty="0" smtClean="0"/>
-              <a:t>，</a:t>
-            </a:r>
-            <a:r>
-              <a:rPr lang="en-US" altLang="zh-TW" dirty="0" smtClean="0"/>
-              <a:t>u</a:t>
-            </a:r>
-            <a:r>
-              <a:rPr lang="zh-TW" altLang="en-US" dirty="0" smtClean="0"/>
-              <a:t>跟</a:t>
-            </a:r>
-            <a:r>
-              <a:rPr lang="en-US" altLang="zh-TW" dirty="0" smtClean="0"/>
-              <a:t>v</a:t>
-            </a:r>
-            <a:r>
-              <a:rPr lang="zh-TW" altLang="en-US" dirty="0" smtClean="0"/>
-              <a:t>可能合作</a:t>
-            </a:r>
-            <a:endParaRPr lang="zh-TW" altLang="en-US" dirty="0"/>
-          </a:p>
-        </p:txBody>
-      </p:sp>
-    </p:spTree>
-    <p:extLst>
-      <p:ext uri="{BB962C8B-B14F-4D97-AF65-F5344CB8AC3E}">
-        <p14:creationId xmlns:p14="http://schemas.microsoft.com/office/powerpoint/2010/main" val="3759339203"/>
-      </p:ext>
-    </p:extLst>
-  </p:cSld>
-  <p:clrMapOvr>
-    <a:masterClrMapping/>
-  </p:clrMapOvr>
-</p:sld>
-</file>
-
-<file path=ppt/slides/slide15.xml><?xml version="1.0" encoding="utf-8"?>
-<p:sld xmlns:a="http://schemas.openxmlformats.org/drawingml/2006/main" xmlns:r="http://schemas.openxmlformats.org/officeDocument/2006/relationships" xmlns:p="http://schemas.openxmlformats.org/presentationml/2006/main">
-  <p:cSld>
-    <p:spTree>
-      <p:nvGrpSpPr>
-        <p:cNvPr id="1" name=""/>
-        <p:cNvGrpSpPr/>
-        <p:nvPr/>
-      </p:nvGrpSpPr>
-      <p:grpSpPr>
-        <a:xfrm>
-          <a:off x="0" y="0"/>
-          <a:ext cx="0" cy="0"/>
-          <a:chOff x="0" y="0"/>
-          <a:chExt cx="0" cy="0"/>
-        </a:xfrm>
-      </p:grpSpPr>
-      <p:sp>
-        <p:nvSpPr>
-          <p:cNvPr id="2" name="標題 1"/>
-          <p:cNvSpPr>
-            <a:spLocks noGrp="1"/>
-          </p:cNvSpPr>
-          <p:nvPr>
-            <p:ph type="title"/>
-          </p:nvPr>
-        </p:nvSpPr>
-        <p:spPr/>
-        <p:txBody>
-          <a:bodyPr/>
-          <a:lstStyle/>
-          <a:p>
-            <a:r>
-              <a:rPr lang="en-US" altLang="zh-TW" dirty="0" smtClean="0"/>
-              <a:t>Node Information</a:t>
-            </a:r>
-            <a:endParaRPr lang="zh-TW" altLang="en-US" dirty="0"/>
-          </a:p>
-        </p:txBody>
-      </p:sp>
-      <mc:AlternateContent xmlns:mc="http://schemas.openxmlformats.org/markup-compatibility/2006" xmlns:a14="http://schemas.microsoft.com/office/drawing/2010/main">
-        <mc:Choice Requires="a14">
-          <p:sp>
-            <p:nvSpPr>
-              <p:cNvPr id="3" name="內容版面配置區 2"/>
-              <p:cNvSpPr>
-                <a:spLocks noGrp="1"/>
-              </p:cNvSpPr>
-              <p:nvPr>
-                <p:ph idx="1"/>
-              </p:nvPr>
-            </p:nvSpPr>
-            <p:spPr/>
-            <p:txBody>
-              <a:bodyPr>
-                <a:normAutofit fontScale="92500"/>
-              </a:bodyPr>
-              <a:lstStyle/>
-              <a:p>
-                <a:r>
-                  <a:rPr lang="en-US" altLang="zh-TW" dirty="0" smtClean="0"/>
-                  <a:t>PageRank(v):</a:t>
-                </a:r>
-                <a:r>
-                  <a:rPr lang="zh-TW" altLang="en-US" dirty="0" smtClean="0"/>
-                  <a:t>作家</a:t>
-                </a:r>
-                <a:r>
-                  <a:rPr lang="en-US" altLang="zh-TW" dirty="0" smtClean="0"/>
-                  <a:t>v</a:t>
-                </a:r>
-                <a:r>
-                  <a:rPr lang="zh-TW" altLang="en-US" dirty="0" smtClean="0"/>
-                  <a:t>與人合作的權重</a:t>
-                </a:r>
-                <a:endParaRPr lang="en-US" altLang="zh-TW" dirty="0" smtClean="0"/>
-              </a:p>
-              <a:p>
-                <a:r>
-                  <a:rPr lang="en-US" altLang="zh-TW" dirty="0" err="1" smtClean="0"/>
-                  <a:t>PageRankWeight</a:t>
-                </a:r>
-                <a:r>
-                  <a:rPr lang="en-US" altLang="zh-TW" dirty="0" smtClean="0"/>
-                  <a:t>(</a:t>
-                </a:r>
-                <a:r>
-                  <a:rPr lang="en-US" altLang="zh-TW" dirty="0" err="1" smtClean="0"/>
-                  <a:t>u,v</a:t>
-                </a:r>
-                <a:r>
-                  <a:rPr lang="en-US" altLang="zh-TW" dirty="0" smtClean="0"/>
-                  <a:t>):</a:t>
-                </a:r>
-                <a:r>
-                  <a:rPr lang="en-US" altLang="zh-TW" dirty="0"/>
-                  <a:t> </a:t>
-                </a:r>
-                <a14:m>
-                  <m:oMath xmlns:m="http://schemas.openxmlformats.org/officeDocument/2006/math">
-                    <m:sSub>
-                      <m:sSubPr>
-                        <m:ctrlPr>
-                          <a:rPr lang="en-US" altLang="zh-TW" b="0" i="1" dirty="0" smtClean="0">
-                            <a:latin typeface="Cambria Math"/>
-                          </a:rPr>
-                        </m:ctrlPr>
-                      </m:sSubPr>
-                      <m:e>
-                        <m:r>
-                          <m:rPr>
-                            <m:sty m:val="p"/>
-                          </m:rPr>
-                          <a:rPr lang="en-US" altLang="zh-TW" b="0" i="0" dirty="0" smtClean="0">
-                            <a:latin typeface="Cambria Math"/>
-                          </a:rPr>
-                          <m:t>c</m:t>
-                        </m:r>
-                      </m:e>
-                      <m:sub>
-                        <m:r>
-                          <a:rPr lang="en-US" altLang="zh-TW" b="0" i="0" dirty="0" smtClean="0">
-                            <a:latin typeface="Cambria Math"/>
-                          </a:rPr>
-                          <m:t>1</m:t>
-                        </m:r>
-                      </m:sub>
-                    </m:sSub>
-                    <m:r>
-                      <a:rPr lang="en-US" altLang="zh-TW" i="1" dirty="0" smtClean="0">
-                        <a:latin typeface="Cambria Math"/>
-                      </a:rPr>
-                      <m:t>𝑃𝑎𝑔𝑒𝑅𝑎𝑛𝑘</m:t>
-                    </m:r>
-                    <m:r>
-                      <a:rPr lang="en-US" altLang="zh-TW" i="1" dirty="0" smtClean="0">
-                        <a:latin typeface="Cambria Math"/>
-                      </a:rPr>
-                      <m:t>(</m:t>
-                    </m:r>
-                    <m:r>
-                      <a:rPr lang="en-US" altLang="zh-TW" i="1" dirty="0" smtClean="0">
-                        <a:latin typeface="Cambria Math"/>
-                      </a:rPr>
-                      <m:t>𝑣</m:t>
-                    </m:r>
-                    <m:r>
-                      <a:rPr lang="en-US" altLang="zh-TW" i="1" dirty="0" smtClean="0">
-                        <a:latin typeface="Cambria Math"/>
-                      </a:rPr>
-                      <m:t>)+</m:t>
-                    </m:r>
-                    <m:sSub>
-                      <m:sSubPr>
-                        <m:ctrlPr>
-                          <a:rPr lang="en-US" altLang="zh-TW" b="0" i="1" dirty="0" smtClean="0">
-                            <a:latin typeface="Cambria Math"/>
-                          </a:rPr>
-                        </m:ctrlPr>
-                      </m:sSubPr>
-                      <m:e>
-                        <m:r>
-                          <a:rPr lang="en-US" altLang="zh-TW" b="0" i="1" dirty="0" smtClean="0">
-                            <a:latin typeface="Cambria Math"/>
-                          </a:rPr>
-                          <m:t>𝑐</m:t>
-                        </m:r>
-                      </m:e>
-                      <m:sub>
-                        <m:r>
-                          <a:rPr lang="en-US" altLang="zh-TW" b="0" i="1" dirty="0" smtClean="0">
-                            <a:latin typeface="Cambria Math"/>
-                          </a:rPr>
-                          <m:t>2</m:t>
-                        </m:r>
-                      </m:sub>
-                    </m:sSub>
-                    <m:r>
-                      <a:rPr lang="en-US" altLang="zh-TW" i="1" dirty="0" smtClean="0">
-                        <a:latin typeface="Cambria Math"/>
-                      </a:rPr>
-                      <m:t>𝑃𝑎𝑔𝑒𝑅𝑎𝑛𝑘</m:t>
-                    </m:r>
-                    <m:r>
-                      <a:rPr lang="en-US" altLang="zh-TW" i="1" dirty="0" smtClean="0">
-                        <a:latin typeface="Cambria Math"/>
-                      </a:rPr>
-                      <m:t>(</m:t>
-                    </m:r>
-                    <m:r>
-                      <a:rPr lang="en-US" altLang="zh-TW" i="1" dirty="0" smtClean="0">
-                        <a:latin typeface="Cambria Math"/>
-                      </a:rPr>
-                      <m:t>𝑢</m:t>
-                    </m:r>
-                    <m:r>
-                      <a:rPr lang="en-US" altLang="zh-TW" i="1" dirty="0" smtClean="0">
-                        <a:latin typeface="Cambria Math"/>
-                      </a:rPr>
-                      <m:t>):</m:t>
-                    </m:r>
-                  </m:oMath>
-                </a14:m>
-                <a:endParaRPr lang="en-US" altLang="zh-TW" dirty="0" smtClean="0"/>
-              </a:p>
-              <a:p>
-                <a:endParaRPr lang="en-US" altLang="zh-TW" dirty="0" smtClean="0"/>
-              </a:p>
-              <a:p>
-                <a:r>
-                  <a:rPr lang="en-US" altLang="zh-TW" dirty="0" err="1" smtClean="0"/>
-                  <a:t>ConferenceCount</a:t>
-                </a:r>
-                <a:r>
-                  <a:rPr lang="en-US" altLang="zh-TW" dirty="0" smtClean="0"/>
-                  <a:t>(</a:t>
-                </a:r>
-                <a:r>
-                  <a:rPr lang="en-US" altLang="zh-TW" dirty="0" err="1" smtClean="0"/>
-                  <a:t>v,i</a:t>
-                </a:r>
-                <a:r>
-                  <a:rPr lang="en-US" altLang="zh-TW" dirty="0" smtClean="0"/>
-                  <a:t>):</a:t>
-                </a:r>
-                <a:r>
-                  <a:rPr lang="zh-TW" altLang="en-US" dirty="0" smtClean="0"/>
-                  <a:t>作家</a:t>
-                </a:r>
-                <a:r>
-                  <a:rPr lang="en-US" altLang="zh-TW" dirty="0" smtClean="0"/>
-                  <a:t>v</a:t>
-                </a:r>
-                <a:r>
-                  <a:rPr lang="zh-TW" altLang="en-US" dirty="0" smtClean="0"/>
-                  <a:t>發表</a:t>
-                </a:r>
-                <a:r>
-                  <a:rPr lang="en-US" altLang="zh-TW" dirty="0" smtClean="0"/>
-                  <a:t>paper</a:t>
-                </a:r>
-                <a:r>
-                  <a:rPr lang="zh-TW" altLang="en-US" dirty="0" smtClean="0"/>
-                  <a:t>在</a:t>
-                </a:r>
-                <a:r>
-                  <a:rPr lang="en-US" altLang="zh-TW" dirty="0" smtClean="0"/>
-                  <a:t>conference </a:t>
-                </a:r>
-                <a:r>
-                  <a:rPr lang="en-US" altLang="zh-TW" dirty="0" err="1" smtClean="0"/>
-                  <a:t>i</a:t>
-                </a:r>
-                <a:r>
-                  <a:rPr lang="zh-TW" altLang="en-US" dirty="0" smtClean="0"/>
-                  <a:t>的次數</a:t>
-                </a:r>
-                <a:endParaRPr lang="en-US" altLang="zh-TW" dirty="0" smtClean="0"/>
-              </a:p>
-              <a:p>
-                <a:r>
-                  <a:rPr lang="en-US" altLang="zh-TW" dirty="0" err="1" smtClean="0"/>
-                  <a:t>ConferenceWeight</a:t>
-                </a:r>
-                <a:r>
-                  <a:rPr lang="en-US" altLang="zh-TW" dirty="0" smtClean="0"/>
-                  <a:t>(</a:t>
-                </a:r>
-                <a:r>
-                  <a:rPr lang="en-US" altLang="zh-TW" dirty="0" err="1" smtClean="0"/>
-                  <a:t>u,v</a:t>
-                </a:r>
-                <a:r>
-                  <a:rPr lang="en-US" altLang="zh-TW" dirty="0" smtClean="0"/>
-                  <a:t>):</a:t>
-                </a:r>
-                <a14:m>
-                  <m:oMath xmlns:m="http://schemas.openxmlformats.org/officeDocument/2006/math">
-                    <m:nary>
-                      <m:naryPr>
-                        <m:chr m:val="∑"/>
-                        <m:supHide m:val="on"/>
-                        <m:ctrlPr>
-                          <a:rPr lang="en-US" altLang="zh-TW" i="1" smtClean="0">
-                            <a:latin typeface="Cambria Math"/>
-                          </a:rPr>
-                        </m:ctrlPr>
-                      </m:naryPr>
-                      <m:sub>
-                        <m:r>
-                          <m:rPr>
-                            <m:brk m:alnAt="7"/>
-                          </m:rPr>
-                          <a:rPr lang="en-US" altLang="zh-TW" b="0" i="1" smtClean="0">
-                            <a:latin typeface="Cambria Math"/>
-                          </a:rPr>
-                          <m:t>𝑎</m:t>
-                        </m:r>
-                        <m:r>
-                          <a:rPr lang="en-US" altLang="zh-TW" b="0" i="1" smtClean="0">
-                            <a:latin typeface="Cambria Math"/>
-                          </a:rPr>
-                          <m:t>𝑙𝑙</m:t>
-                        </m:r>
-                        <m:r>
-                          <a:rPr lang="en-US" altLang="zh-TW" b="0" i="1" smtClean="0">
-                            <a:latin typeface="Cambria Math"/>
-                          </a:rPr>
-                          <m:t> </m:t>
-                        </m:r>
-                        <m:r>
-                          <a:rPr lang="en-US" altLang="zh-TW" b="0" i="1" smtClean="0">
-                            <a:latin typeface="Cambria Math"/>
-                          </a:rPr>
-                          <m:t>𝑖</m:t>
-                        </m:r>
-                      </m:sub>
-                      <m:sup/>
-                      <m:e>
-                        <m:r>
-                          <m:rPr>
-                            <m:nor/>
-                          </m:rPr>
-                          <a:rPr lang="en-US" altLang="zh-TW" dirty="0"/>
-                          <m:t>ConferenceCount</m:t>
-                        </m:r>
-                        <m:r>
-                          <m:rPr>
-                            <m:nor/>
-                          </m:rPr>
-                          <a:rPr lang="en-US" altLang="zh-TW" dirty="0"/>
-                          <m:t>(</m:t>
-                        </m:r>
-                        <m:r>
-                          <m:rPr>
-                            <m:nor/>
-                          </m:rPr>
-                          <a:rPr lang="en-US" altLang="zh-TW" dirty="0"/>
-                          <m:t>v</m:t>
-                        </m:r>
-                        <m:r>
-                          <m:rPr>
-                            <m:nor/>
-                          </m:rPr>
-                          <a:rPr lang="en-US" altLang="zh-TW" dirty="0"/>
-                          <m:t>,</m:t>
-                        </m:r>
-                        <m:r>
-                          <m:rPr>
-                            <m:nor/>
-                          </m:rPr>
-                          <a:rPr lang="en-US" altLang="zh-TW" dirty="0"/>
-                          <m:t>i</m:t>
-                        </m:r>
-                        <m:r>
-                          <m:rPr>
-                            <m:nor/>
-                          </m:rPr>
-                          <a:rPr lang="en-US" altLang="zh-TW" dirty="0"/>
-                          <m:t>)+</m:t>
-                        </m:r>
-                        <m:r>
-                          <m:rPr>
-                            <m:nor/>
-                          </m:rPr>
-                          <a:rPr lang="en-US" altLang="zh-TW" dirty="0"/>
-                          <m:t>ConferenceCount</m:t>
-                        </m:r>
-                        <m:r>
-                          <m:rPr>
-                            <m:nor/>
-                          </m:rPr>
-                          <a:rPr lang="en-US" altLang="zh-TW" dirty="0"/>
-                          <m:t>(</m:t>
-                        </m:r>
-                        <m:r>
-                          <m:rPr>
-                            <m:nor/>
-                          </m:rPr>
-                          <a:rPr lang="en-US" altLang="zh-TW" dirty="0"/>
-                          <m:t>v</m:t>
-                        </m:r>
-                        <m:r>
-                          <m:rPr>
-                            <m:nor/>
-                          </m:rPr>
-                          <a:rPr lang="en-US" altLang="zh-TW" dirty="0"/>
-                          <m:t>,</m:t>
-                        </m:r>
-                        <m:r>
-                          <m:rPr>
-                            <m:nor/>
-                          </m:rPr>
-                          <a:rPr lang="en-US" altLang="zh-TW" dirty="0"/>
-                          <m:t>i</m:t>
-                        </m:r>
-                        <m:r>
-                          <m:rPr>
-                            <m:nor/>
-                          </m:rPr>
-                          <a:rPr lang="en-US" altLang="zh-TW" dirty="0"/>
-                          <m:t>)</m:t>
-                        </m:r>
-                        <m:r>
-                          <m:rPr>
-                            <m:nor/>
-                          </m:rPr>
-                          <a:rPr lang="zh-TW" altLang="en-US" dirty="0"/>
-                          <m:t> </m:t>
-                        </m:r>
-                      </m:e>
-                    </m:nary>
-                  </m:oMath>
-                </a14:m>
-                <a:endParaRPr lang="zh-TW" altLang="en-US" dirty="0"/>
-              </a:p>
-            </p:txBody>
-          </p:sp>
-        </mc:Choice>
-        <mc:Fallback xmlns="">
-          <p:sp>
-            <p:nvSpPr>
-              <p:cNvPr id="3" name="內容版面配置區 2"/>
-              <p:cNvSpPr>
-                <a:spLocks noGrp="1" noRot="1" noChangeAspect="1" noMove="1" noResize="1" noEditPoints="1" noAdjustHandles="1" noChangeArrowheads="1" noChangeShapeType="1" noTextEdit="1"/>
-              </p:cNvSpPr>
-              <p:nvPr>
-                <p:ph idx="1"/>
-              </p:nvPr>
-            </p:nvSpPr>
-            <p:spPr>
-              <a:blipFill rotWithShape="1">
-                <a:blip r:embed="rId2"/>
-                <a:stretch>
-                  <a:fillRect l="-1481" t="-1752"/>
-                </a:stretch>
-              </a:blipFill>
-            </p:spPr>
-            <p:txBody>
-              <a:bodyPr/>
-              <a:lstStyle/>
-              <a:p>
-                <a:r>
-                  <a:rPr lang="zh-TW" altLang="en-US">
-                    <a:noFill/>
-                  </a:rPr>
-                  <a:t> </a:t>
-                </a:r>
-              </a:p>
-            </p:txBody>
-          </p:sp>
-        </mc:Fallback>
-      </mc:AlternateContent>
-    </p:spTree>
-    <p:extLst>
-      <p:ext uri="{BB962C8B-B14F-4D97-AF65-F5344CB8AC3E}">
-        <p14:creationId xmlns:p14="http://schemas.microsoft.com/office/powerpoint/2010/main" val="854679138"/>
-      </p:ext>
-    </p:extLst>
-  </p:cSld>
-  <p:clrMapOvr>
-    <a:masterClrMapping/>
-  </p:clrMapOvr>
-</p:sld>
-</file>
-
-<file path=ppt/slides/slide16.xml><?xml version="1.0" encoding="utf-8"?>
-<p:sld xmlns:a="http://schemas.openxmlformats.org/drawingml/2006/main" xmlns:r="http://schemas.openxmlformats.org/officeDocument/2006/relationships" xmlns:p="http://schemas.openxmlformats.org/presentationml/2006/main">
-  <p:cSld>
-    <p:spTree>
-      <p:nvGrpSpPr>
-        <p:cNvPr id="1" name=""/>
-        <p:cNvGrpSpPr/>
-        <p:nvPr/>
-      </p:nvGrpSpPr>
-      <p:grpSpPr>
-        <a:xfrm>
-          <a:off x="0" y="0"/>
-          <a:ext cx="0" cy="0"/>
-          <a:chOff x="0" y="0"/>
-          <a:chExt cx="0" cy="0"/>
-        </a:xfrm>
-      </p:grpSpPr>
-      <p:sp>
-        <p:nvSpPr>
-          <p:cNvPr id="2" name="標題 1"/>
-          <p:cNvSpPr>
-            <a:spLocks noGrp="1"/>
-          </p:cNvSpPr>
-          <p:nvPr>
-            <p:ph type="title"/>
-          </p:nvPr>
-        </p:nvSpPr>
-        <p:spPr/>
-        <p:txBody>
-          <a:bodyPr/>
-          <a:lstStyle/>
-          <a:p>
-            <a:r>
-              <a:rPr lang="en-US" altLang="zh-TW" dirty="0" smtClean="0"/>
-              <a:t>Node Weight</a:t>
-            </a:r>
-            <a:endParaRPr lang="zh-TW" altLang="en-US" dirty="0"/>
-          </a:p>
-        </p:txBody>
-      </p:sp>
-      <mc:AlternateContent xmlns:mc="http://schemas.openxmlformats.org/markup-compatibility/2006" xmlns:a14="http://schemas.microsoft.com/office/drawing/2010/main">
-        <mc:Choice Requires="a14">
-          <p:sp>
-            <p:nvSpPr>
-              <p:cNvPr id="3" name="內容版面配置區 2"/>
-              <p:cNvSpPr>
-                <a:spLocks noGrp="1"/>
-              </p:cNvSpPr>
-              <p:nvPr>
-                <p:ph idx="1"/>
-              </p:nvPr>
-            </p:nvSpPr>
-            <p:spPr/>
-            <p:txBody>
-              <a:bodyPr/>
-              <a:lstStyle/>
-              <a:p>
-                <a14:m>
-                  <m:oMath xmlns:m="http://schemas.openxmlformats.org/officeDocument/2006/math">
-                    <m:r>
-                      <a:rPr lang="en-US" altLang="zh-TW" b="0" i="1" smtClean="0">
-                        <a:latin typeface="Cambria Math"/>
-                      </a:rPr>
-                      <m:t>𝑁𝑜𝑑𝑒𝑊𝑒𝑖𝑔h𝑡</m:t>
-                    </m:r>
-                    <m:d>
-                      <m:dPr>
-                        <m:ctrlPr>
-                          <a:rPr lang="en-US" altLang="zh-TW" b="0" i="1" smtClean="0">
-                            <a:latin typeface="Cambria Math"/>
-                          </a:rPr>
-                        </m:ctrlPr>
-                      </m:dPr>
-                      <m:e>
-                        <m:r>
-                          <a:rPr lang="en-US" altLang="zh-TW" b="0" i="1" smtClean="0">
-                            <a:latin typeface="Cambria Math"/>
-                          </a:rPr>
-                          <m:t>𝑢</m:t>
-                        </m:r>
-                        <m:r>
-                          <a:rPr lang="en-US" altLang="zh-TW" b="0" i="1" smtClean="0">
-                            <a:latin typeface="Cambria Math"/>
-                          </a:rPr>
-                          <m:t>,</m:t>
-                        </m:r>
-                        <m:r>
-                          <a:rPr lang="en-US" altLang="zh-TW" b="0" i="1" smtClean="0">
-                            <a:latin typeface="Cambria Math"/>
-                          </a:rPr>
-                          <m:t>𝑣</m:t>
-                        </m:r>
-                      </m:e>
-                    </m:d>
-                    <m:r>
-                      <a:rPr lang="en-US" altLang="zh-TW" b="0" i="1" smtClean="0">
-                        <a:latin typeface="Cambria Math"/>
-                      </a:rPr>
-                      <m:t>=</m:t>
-                    </m:r>
-                    <m:r>
-                      <a:rPr lang="en-US" altLang="zh-TW" b="0" i="1" smtClean="0">
-                        <a:latin typeface="Cambria Math"/>
-                      </a:rPr>
-                      <m:t>𝑝𝑃𝑎𝑔𝑒𝑅𝑎𝑛𝑘</m:t>
-                    </m:r>
-                    <m:r>
-                      <a:rPr lang="en-US" altLang="zh-TW" b="0" i="1" smtClean="0">
-                        <a:latin typeface="Cambria Math"/>
-                      </a:rPr>
-                      <m:t>∗</m:t>
-                    </m:r>
-                    <m:r>
-                      <a:rPr lang="en-US" altLang="zh-TW" b="0" i="1" smtClean="0">
-                        <a:latin typeface="Cambria Math"/>
-                      </a:rPr>
-                      <m:t>𝑃𝑎𝑔𝑒𝑅𝑎𝑛𝑘𝑊𝑒𝑖𝑔h𝑡</m:t>
-                    </m:r>
-                    <m:d>
-                      <m:dPr>
-                        <m:ctrlPr>
-                          <a:rPr lang="en-US" altLang="zh-TW" b="0" i="1" smtClean="0">
-                            <a:latin typeface="Cambria Math"/>
-                          </a:rPr>
-                        </m:ctrlPr>
-                      </m:dPr>
-                      <m:e>
-                        <m:r>
-                          <a:rPr lang="en-US" altLang="zh-TW" b="0" i="1" smtClean="0">
-                            <a:latin typeface="Cambria Math"/>
-                          </a:rPr>
-                          <m:t>𝑢</m:t>
-                        </m:r>
-                        <m:r>
-                          <a:rPr lang="en-US" altLang="zh-TW" b="0" i="1" smtClean="0">
-                            <a:latin typeface="Cambria Math"/>
-                          </a:rPr>
-                          <m:t>,</m:t>
-                        </m:r>
-                        <m:r>
-                          <a:rPr lang="en-US" altLang="zh-TW" b="0" i="1" smtClean="0">
-                            <a:latin typeface="Cambria Math"/>
-                          </a:rPr>
-                          <m:t>𝑣</m:t>
-                        </m:r>
-                      </m:e>
-                    </m:d>
-                    <m:r>
-                      <a:rPr lang="en-US" altLang="zh-TW" b="0" i="1" smtClean="0">
-                        <a:latin typeface="Cambria Math"/>
-                      </a:rPr>
-                      <m:t>+</m:t>
-                    </m:r>
-                    <m:r>
-                      <a:rPr lang="en-US" altLang="zh-TW" b="0" i="1" smtClean="0">
-                        <a:latin typeface="Cambria Math"/>
-                      </a:rPr>
-                      <m:t>𝑝𝐶𝑜𝑛𝑓𝑒𝑟𝑒𝑛𝑐𝑒</m:t>
-                    </m:r>
-                    <m:r>
-                      <a:rPr lang="en-US" altLang="zh-TW" b="0" i="1" smtClean="0">
-                        <a:latin typeface="Cambria Math"/>
-                      </a:rPr>
-                      <m:t>∗</m:t>
-                    </m:r>
-                    <m:r>
-                      <a:rPr lang="en-US" altLang="zh-TW" b="0" i="1" smtClean="0">
-                        <a:latin typeface="Cambria Math"/>
-                      </a:rPr>
-                      <m:t>𝐶𝑜𝑛𝑓𝑒𝑟𝑒𝑛𝑐𝑒𝑊𝑒𝑖𝑔h𝑡</m:t>
-                    </m:r>
-                    <m:r>
-                      <a:rPr lang="en-US" altLang="zh-TW" b="0" i="1" smtClean="0">
-                        <a:latin typeface="Cambria Math"/>
-                      </a:rPr>
-                      <m:t>(</m:t>
-                    </m:r>
-                    <m:r>
-                      <a:rPr lang="en-US" altLang="zh-TW" b="0" i="1" smtClean="0">
-                        <a:latin typeface="Cambria Math"/>
-                      </a:rPr>
-                      <m:t>𝑢</m:t>
-                    </m:r>
-                    <m:r>
-                      <a:rPr lang="en-US" altLang="zh-TW" b="0" i="1" smtClean="0">
-                        <a:latin typeface="Cambria Math"/>
-                      </a:rPr>
-                      <m:t>,</m:t>
-                    </m:r>
-                    <m:r>
-                      <a:rPr lang="en-US" altLang="zh-TW" b="0" i="1" smtClean="0">
-                        <a:latin typeface="Cambria Math"/>
-                      </a:rPr>
-                      <m:t>𝑣</m:t>
-                    </m:r>
-                    <m:r>
-                      <a:rPr lang="en-US" altLang="zh-TW" b="0" i="1" smtClean="0">
-                        <a:latin typeface="Cambria Math"/>
-                      </a:rPr>
-                      <m:t>)</m:t>
-                    </m:r>
-                  </m:oMath>
-                </a14:m>
-                <a:endParaRPr lang="zh-TW" altLang="en-US" dirty="0"/>
-              </a:p>
-            </p:txBody>
-          </p:sp>
-        </mc:Choice>
-        <mc:Fallback xmlns="">
-          <p:sp>
-            <p:nvSpPr>
-              <p:cNvPr id="3" name="內容版面配置區 2"/>
-              <p:cNvSpPr>
-                <a:spLocks noGrp="1" noRot="1" noChangeAspect="1" noMove="1" noResize="1" noEditPoints="1" noAdjustHandles="1" noChangeArrowheads="1" noChangeShapeType="1" noTextEdit="1"/>
-              </p:cNvSpPr>
-              <p:nvPr>
-                <p:ph idx="1"/>
-              </p:nvPr>
-            </p:nvSpPr>
-            <p:spPr>
-              <a:blipFill rotWithShape="1">
-                <a:blip r:embed="rId2"/>
-                <a:stretch>
-                  <a:fillRect/>
-                </a:stretch>
-              </a:blipFill>
-            </p:spPr>
-            <p:txBody>
-              <a:bodyPr/>
-              <a:lstStyle/>
-              <a:p>
-                <a:r>
-                  <a:rPr lang="zh-TW" altLang="en-US">
-                    <a:noFill/>
-                  </a:rPr>
-                  <a:t> </a:t>
-                </a:r>
-              </a:p>
-            </p:txBody>
-          </p:sp>
-        </mc:Fallback>
-      </mc:AlternateContent>
-    </p:spTree>
-    <p:extLst>
-      <p:ext uri="{BB962C8B-B14F-4D97-AF65-F5344CB8AC3E}">
-        <p14:creationId xmlns:p14="http://schemas.microsoft.com/office/powerpoint/2010/main" val="2491152719"/>
-      </p:ext>
-    </p:extLst>
-  </p:cSld>
-  <p:clrMapOvr>
-    <a:masterClrMapping/>
-  </p:clrMapOvr>
-</p:sld>
-</file>
-
-<file path=ppt/slides/slide17.xml><?xml version="1.0" encoding="utf-8"?>
-<p:sld xmlns:a="http://schemas.openxmlformats.org/drawingml/2006/main" xmlns:r="http://schemas.openxmlformats.org/officeDocument/2006/relationships" xmlns:p="http://schemas.openxmlformats.org/presentationml/2006/main">
-  <p:cSld>
-    <p:spTree>
-      <p:nvGrpSpPr>
-        <p:cNvPr id="1" name=""/>
-        <p:cNvGrpSpPr/>
-        <p:nvPr/>
-      </p:nvGrpSpPr>
-      <p:grpSpPr>
-        <a:xfrm>
-          <a:off x="0" y="0"/>
-          <a:ext cx="0" cy="0"/>
-          <a:chOff x="0" y="0"/>
-          <a:chExt cx="0" cy="0"/>
-        </a:xfrm>
-      </p:grpSpPr>
-      <p:sp>
-        <p:nvSpPr>
-          <p:cNvPr id="2" name="標題 1"/>
-          <p:cNvSpPr>
-            <a:spLocks noGrp="1"/>
-          </p:cNvSpPr>
-          <p:nvPr>
-            <p:ph type="title"/>
-          </p:nvPr>
-        </p:nvSpPr>
-        <p:spPr/>
-        <p:txBody>
-          <a:bodyPr/>
-          <a:lstStyle/>
-          <a:p>
-            <a:r>
-              <a:rPr lang="en-US" altLang="zh-TW" dirty="0" smtClean="0"/>
-              <a:t>Edge Weight</a:t>
-            </a:r>
-            <a:endParaRPr lang="zh-TW" altLang="en-US" dirty="0"/>
-          </a:p>
-        </p:txBody>
-      </p:sp>
-      <p:sp>
-        <p:nvSpPr>
-          <p:cNvPr id="3" name="內容版面配置區 2"/>
-          <p:cNvSpPr>
-            <a:spLocks noGrp="1"/>
-          </p:cNvSpPr>
-          <p:nvPr>
-            <p:ph idx="1"/>
-          </p:nvPr>
-        </p:nvSpPr>
-        <p:spPr/>
-        <p:txBody>
-          <a:bodyPr/>
-          <a:lstStyle/>
-          <a:p>
-            <a:r>
-              <a:rPr lang="en-US" altLang="zh-TW" dirty="0"/>
-              <a:t>predict whether author1 will collaborate with </a:t>
-            </a:r>
-            <a:r>
-              <a:rPr lang="en-US" altLang="zh-TW" dirty="0" smtClean="0"/>
-              <a:t>author2 in 2010</a:t>
-            </a:r>
-            <a:endParaRPr lang="zh-TW" altLang="en-US" dirty="0"/>
-          </a:p>
-        </p:txBody>
-      </p:sp>
-      <p:pic>
-        <p:nvPicPr>
-          <p:cNvPr id="1026" name="Picture 2"/>
-          <p:cNvPicPr>
-            <a:picLocks noChangeAspect="1" noChangeArrowheads="1"/>
-          </p:cNvPicPr>
-          <p:nvPr/>
-        </p:nvPicPr>
-        <p:blipFill>
-          <a:blip r:embed="rId2">
-            <a:extLst>
-              <a:ext uri="{28A0092B-C50C-407E-A947-70E740481C1C}">
-                <a14:useLocalDpi xmlns:a14="http://schemas.microsoft.com/office/drawing/2010/main" val="0"/>
-              </a:ext>
-            </a:extLst>
-          </a:blip>
-          <a:srcRect/>
-          <a:stretch>
-            <a:fillRect/>
-          </a:stretch>
-        </p:blipFill>
-        <p:spPr bwMode="auto">
-          <a:xfrm>
-            <a:off x="6588224" y="1772816"/>
-            <a:ext cx="2105025" cy="1438275"/>
-          </a:xfrm>
-          <a:prstGeom prst="rect">
-            <a:avLst/>
-          </a:prstGeom>
-          <a:noFill/>
-          <a:ln>
-            <a:noFill/>
-          </a:ln>
-          <a:effectLst/>
-          <a:extLst>
-            <a:ext uri="{909E8E84-426E-40DD-AFC4-6F175D3DCCD1}">
-              <a14:hiddenFill xmlns:a14="http://schemas.microsoft.com/office/drawing/2010/main">
-                <a:solidFill>
-                  <a:schemeClr val="accent1"/>
-                </a:solidFill>
-              </a14:hiddenFill>
-            </a:ext>
-            <a:ext uri="{91240B29-F687-4F45-9708-019B960494DF}">
-              <a14:hiddenLine xmlns:a14="http://schemas.microsoft.com/office/drawing/2010/main" w="9525">
-                <a:solidFill>
-                  <a:schemeClr val="tx1"/>
-                </a:solidFill>
-                <a:miter lim="800000"/>
-                <a:headEnd/>
-                <a:tailEnd/>
-              </a14:hiddenLine>
-            </a:ext>
-            <a:ext uri="{AF507438-7753-43E0-B8FC-AC1667EBCBE1}">
-              <a14:hiddenEffects xmlns:a14="http://schemas.microsoft.com/office/drawing/2010/main">
-                <a:effectLst>
-                  <a:outerShdw dist="35921" dir="2700000" algn="ctr" rotWithShape="0">
-                    <a:schemeClr val="bg2"/>
-                  </a:outerShdw>
-                </a:effectLst>
-              </a14:hiddenEffects>
-            </a:ext>
-          </a:extLst>
-        </p:spPr>
-      </p:pic>
-      <p:sp>
-        <p:nvSpPr>
-          <p:cNvPr id="4" name="橢圓 3"/>
-          <p:cNvSpPr/>
-          <p:nvPr/>
-        </p:nvSpPr>
-        <p:spPr>
-          <a:xfrm>
-            <a:off x="2267744" y="2535578"/>
-            <a:ext cx="432991" cy="432991"/>
-          </a:xfrm>
-          <a:prstGeom prst="ellipse">
-            <a:avLst/>
-          </a:prstGeom>
-        </p:spPr>
-        <p:style>
-          <a:lnRef idx="2">
-            <a:schemeClr val="accent1">
-              <a:shade val="50000"/>
-            </a:schemeClr>
-          </a:lnRef>
-          <a:fillRef idx="1">
-            <a:schemeClr val="accent1"/>
-          </a:fillRef>
-          <a:effectRef idx="0">
-            <a:schemeClr val="accent1"/>
-          </a:effectRef>
-          <a:fontRef idx="minor">
-            <a:schemeClr val="lt1"/>
-          </a:fontRef>
-        </p:style>
-        <p:txBody>
-          <a:bodyPr rtlCol="0" anchor="ctr"/>
-          <a:lstStyle/>
-          <a:p>
-            <a:pPr algn="ctr"/>
-            <a:r>
-              <a:rPr lang="en-US" altLang="zh-TW" dirty="0" smtClean="0"/>
-              <a:t>2</a:t>
-            </a:r>
-            <a:endParaRPr lang="zh-TW" altLang="en-US" dirty="0"/>
-          </a:p>
-        </p:txBody>
-      </p:sp>
-      <p:sp>
-        <p:nvSpPr>
-          <p:cNvPr id="6" name="橢圓 5"/>
-          <p:cNvSpPr/>
-          <p:nvPr/>
-        </p:nvSpPr>
-        <p:spPr>
-          <a:xfrm>
-            <a:off x="1547664" y="3789040"/>
-            <a:ext cx="432991" cy="432991"/>
-          </a:xfrm>
-          <a:prstGeom prst="ellipse">
-            <a:avLst/>
-          </a:prstGeom>
-        </p:spPr>
-        <p:style>
-          <a:lnRef idx="2">
-            <a:schemeClr val="accent1">
-              <a:shade val="50000"/>
-            </a:schemeClr>
-          </a:lnRef>
-          <a:fillRef idx="1">
-            <a:schemeClr val="accent1"/>
-          </a:fillRef>
-          <a:effectRef idx="0">
-            <a:schemeClr val="accent1"/>
-          </a:effectRef>
-          <a:fontRef idx="minor">
-            <a:schemeClr val="lt1"/>
-          </a:fontRef>
-        </p:style>
-        <p:txBody>
-          <a:bodyPr rtlCol="0" anchor="ctr"/>
-          <a:lstStyle/>
-          <a:p>
-            <a:pPr algn="ctr"/>
-            <a:r>
-              <a:rPr lang="en-US" altLang="zh-TW" dirty="0" smtClean="0"/>
-              <a:t>3</a:t>
-            </a:r>
-            <a:endParaRPr lang="zh-TW" altLang="en-US" dirty="0"/>
-          </a:p>
-        </p:txBody>
-      </p:sp>
-      <p:sp>
-        <p:nvSpPr>
-          <p:cNvPr id="7" name="橢圓 6"/>
-          <p:cNvSpPr/>
-          <p:nvPr/>
-        </p:nvSpPr>
-        <p:spPr>
-          <a:xfrm>
-            <a:off x="2987824" y="3789040"/>
-            <a:ext cx="432991" cy="432991"/>
-          </a:xfrm>
-          <a:prstGeom prst="ellipse">
-            <a:avLst/>
-          </a:prstGeom>
-        </p:spPr>
-        <p:style>
-          <a:lnRef idx="2">
-            <a:schemeClr val="accent1">
-              <a:shade val="50000"/>
-            </a:schemeClr>
-          </a:lnRef>
-          <a:fillRef idx="1">
-            <a:schemeClr val="accent1"/>
-          </a:fillRef>
-          <a:effectRef idx="0">
-            <a:schemeClr val="accent1"/>
-          </a:effectRef>
-          <a:fontRef idx="minor">
-            <a:schemeClr val="lt1"/>
-          </a:fontRef>
-        </p:style>
-        <p:txBody>
-          <a:bodyPr rtlCol="0" anchor="ctr"/>
-          <a:lstStyle/>
-          <a:p>
-            <a:pPr algn="ctr"/>
-            <a:r>
-              <a:rPr lang="en-US" altLang="zh-TW" dirty="0" smtClean="0"/>
-              <a:t>4</a:t>
-            </a:r>
-            <a:endParaRPr lang="zh-TW" altLang="en-US" dirty="0"/>
-          </a:p>
-        </p:txBody>
-      </p:sp>
-      <p:cxnSp>
-        <p:nvCxnSpPr>
-          <p:cNvPr id="8" name="直線接點 7"/>
-          <p:cNvCxnSpPr>
-            <a:endCxn id="6" idx="7"/>
-          </p:cNvCxnSpPr>
-          <p:nvPr/>
-        </p:nvCxnSpPr>
-        <p:spPr>
-          <a:xfrm flipH="1">
-            <a:off x="1917245" y="2852936"/>
-            <a:ext cx="566994" cy="999514"/>
-          </a:xfrm>
-          <a:prstGeom prst="line">
-            <a:avLst/>
-          </a:prstGeom>
-        </p:spPr>
-        <p:style>
-          <a:lnRef idx="1">
-            <a:schemeClr val="accent1"/>
-          </a:lnRef>
-          <a:fillRef idx="0">
-            <a:schemeClr val="accent1"/>
-          </a:fillRef>
-          <a:effectRef idx="0">
-            <a:schemeClr val="accent1"/>
-          </a:effectRef>
-          <a:fontRef idx="minor">
-            <a:schemeClr val="tx1"/>
-          </a:fontRef>
-        </p:style>
-      </p:cxnSp>
-      <p:cxnSp>
-        <p:nvCxnSpPr>
-          <p:cNvPr id="10" name="直線接點 9"/>
-          <p:cNvCxnSpPr>
-            <a:stCxn id="6" idx="6"/>
-          </p:cNvCxnSpPr>
-          <p:nvPr/>
-        </p:nvCxnSpPr>
-        <p:spPr>
-          <a:xfrm flipV="1">
-            <a:off x="1980655" y="4005535"/>
-            <a:ext cx="1151185" cy="1"/>
-          </a:xfrm>
-          <a:prstGeom prst="line">
-            <a:avLst/>
-          </a:prstGeom>
-        </p:spPr>
-        <p:style>
-          <a:lnRef idx="1">
-            <a:schemeClr val="accent1"/>
-          </a:lnRef>
-          <a:fillRef idx="0">
-            <a:schemeClr val="accent1"/>
-          </a:fillRef>
-          <a:effectRef idx="0">
-            <a:schemeClr val="accent1"/>
-          </a:effectRef>
-          <a:fontRef idx="minor">
-            <a:schemeClr val="tx1"/>
-          </a:fontRef>
-        </p:style>
-      </p:cxnSp>
-      <p:sp>
-        <p:nvSpPr>
-          <p:cNvPr id="11" name="文字方塊 10"/>
-          <p:cNvSpPr txBox="1"/>
-          <p:nvPr/>
-        </p:nvSpPr>
-        <p:spPr>
-          <a:xfrm>
-            <a:off x="467544" y="5075892"/>
-            <a:ext cx="5688161" cy="369332"/>
-          </a:xfrm>
-          <a:prstGeom prst="rect">
-            <a:avLst/>
-          </a:prstGeom>
-          <a:noFill/>
-        </p:spPr>
-        <p:txBody>
-          <a:bodyPr wrap="square" rtlCol="0">
-            <a:spAutoFit/>
-          </a:bodyPr>
-          <a:lstStyle/>
-          <a:p>
-            <a:r>
-              <a:rPr lang="en-US" altLang="zh-TW" dirty="0" smtClean="0"/>
-              <a:t>Weight(3,4)=</a:t>
-            </a:r>
-            <a:r>
-              <a:rPr lang="en-US" altLang="zh-TW" dirty="0" err="1" smtClean="0"/>
-              <a:t>pYear</a:t>
-            </a:r>
-            <a:r>
-              <a:rPr lang="en-US" altLang="zh-TW" dirty="0" smtClean="0"/>
-              <a:t>^(2010-2008)</a:t>
-            </a:r>
-            <a:endParaRPr lang="zh-TW" altLang="en-US" dirty="0"/>
-          </a:p>
-        </p:txBody>
-      </p:sp>
-      <p:cxnSp>
-        <p:nvCxnSpPr>
-          <p:cNvPr id="16" name="直線單箭頭接點 15"/>
-          <p:cNvCxnSpPr/>
-          <p:nvPr/>
-        </p:nvCxnSpPr>
-        <p:spPr>
-          <a:xfrm flipH="1" flipV="1">
-            <a:off x="2484239" y="4005536"/>
-            <a:ext cx="287561" cy="1070356"/>
-          </a:xfrm>
-          <a:prstGeom prst="straightConnector1">
-            <a:avLst/>
-          </a:prstGeom>
-          <a:ln>
-            <a:tailEnd type="arrow"/>
-          </a:ln>
-        </p:spPr>
-        <p:style>
-          <a:lnRef idx="1">
-            <a:schemeClr val="accent2"/>
-          </a:lnRef>
-          <a:fillRef idx="0">
-            <a:schemeClr val="accent2"/>
-          </a:fillRef>
-          <a:effectRef idx="0">
-            <a:schemeClr val="accent2"/>
-          </a:effectRef>
-          <a:fontRef idx="minor">
-            <a:schemeClr val="tx1"/>
-          </a:fontRef>
-        </p:style>
-      </p:cxnSp>
-      <p:sp>
-        <p:nvSpPr>
-          <p:cNvPr id="18" name="文字方塊 17"/>
-          <p:cNvSpPr txBox="1"/>
-          <p:nvPr/>
-        </p:nvSpPr>
-        <p:spPr>
-          <a:xfrm>
-            <a:off x="3347107" y="3249074"/>
-            <a:ext cx="5688161" cy="276999"/>
-          </a:xfrm>
-          <a:prstGeom prst="rect">
-            <a:avLst/>
-          </a:prstGeom>
-          <a:noFill/>
-        </p:spPr>
-        <p:txBody>
-          <a:bodyPr wrap="square" rtlCol="0">
-            <a:spAutoFit/>
-          </a:bodyPr>
-          <a:lstStyle/>
-          <a:p>
-            <a:r>
-              <a:rPr lang="en-US" altLang="zh-TW" sz="1200" dirty="0" smtClean="0"/>
-              <a:t>Weight(2,3)=Weight(3,2)=</a:t>
-            </a:r>
-            <a:r>
-              <a:rPr lang="en-US" altLang="zh-TW" sz="1200" dirty="0" err="1" smtClean="0"/>
-              <a:t>pYear</a:t>
-            </a:r>
-            <a:r>
-              <a:rPr lang="en-US" altLang="zh-TW" sz="1200" dirty="0" smtClean="0"/>
-              <a:t>^(2010-2008)+   </a:t>
-            </a:r>
-            <a:r>
-              <a:rPr lang="en-US" altLang="zh-TW" sz="1200" dirty="0" err="1" smtClean="0"/>
-              <a:t>pYear</a:t>
-            </a:r>
-            <a:r>
-              <a:rPr lang="en-US" altLang="zh-TW" sz="1200" dirty="0"/>
-              <a:t>^(2010-2008</a:t>
-            </a:r>
-            <a:r>
-              <a:rPr lang="en-US" altLang="zh-TW" sz="1200" dirty="0" smtClean="0"/>
-              <a:t>)</a:t>
-            </a:r>
-            <a:endParaRPr lang="zh-TW" altLang="en-US" sz="1200" dirty="0"/>
-          </a:p>
-        </p:txBody>
-      </p:sp>
-      <p:cxnSp>
-        <p:nvCxnSpPr>
-          <p:cNvPr id="19" name="直線單箭頭接點 18"/>
-          <p:cNvCxnSpPr/>
-          <p:nvPr/>
-        </p:nvCxnSpPr>
-        <p:spPr>
-          <a:xfrm flipH="1">
-            <a:off x="6084168" y="2535578"/>
-            <a:ext cx="720080" cy="675513"/>
-          </a:xfrm>
-          <a:prstGeom prst="straightConnector1">
-            <a:avLst/>
-          </a:prstGeom>
-          <a:ln>
-            <a:tailEnd type="arrow"/>
-          </a:ln>
-        </p:spPr>
-        <p:style>
-          <a:lnRef idx="1">
-            <a:schemeClr val="accent1"/>
-          </a:lnRef>
-          <a:fillRef idx="0">
-            <a:schemeClr val="accent1"/>
-          </a:fillRef>
-          <a:effectRef idx="0">
-            <a:schemeClr val="accent1"/>
-          </a:effectRef>
-          <a:fontRef idx="minor">
-            <a:schemeClr val="tx1"/>
-          </a:fontRef>
-        </p:style>
-      </p:cxnSp>
-      <p:cxnSp>
-        <p:nvCxnSpPr>
-          <p:cNvPr id="21" name="直線單箭頭接點 20"/>
-          <p:cNvCxnSpPr/>
-          <p:nvPr/>
-        </p:nvCxnSpPr>
-        <p:spPr>
-          <a:xfrm flipH="1" flipV="1">
-            <a:off x="2267744" y="3352693"/>
-            <a:ext cx="1224136" cy="127213"/>
-          </a:xfrm>
-          <a:prstGeom prst="straightConnector1">
-            <a:avLst/>
-          </a:prstGeom>
-          <a:ln>
-            <a:tailEnd type="arrow"/>
-          </a:ln>
-        </p:spPr>
-        <p:style>
-          <a:lnRef idx="1">
-            <a:schemeClr val="accent2"/>
-          </a:lnRef>
-          <a:fillRef idx="0">
-            <a:schemeClr val="accent2"/>
-          </a:fillRef>
-          <a:effectRef idx="0">
-            <a:schemeClr val="accent2"/>
-          </a:effectRef>
-          <a:fontRef idx="minor">
-            <a:schemeClr val="tx1"/>
-          </a:fontRef>
-        </p:style>
-      </p:cxnSp>
-    </p:spTree>
-    <p:extLst>
-      <p:ext uri="{BB962C8B-B14F-4D97-AF65-F5344CB8AC3E}">
-        <p14:creationId xmlns:p14="http://schemas.microsoft.com/office/powerpoint/2010/main" val="4144480693"/>
-      </p:ext>
-    </p:extLst>
-  </p:cSld>
-  <p:clrMapOvr>
-    <a:masterClrMapping/>
-  </p:clrMapOvr>
-  <p:timing>
-    <p:tnLst>
-      <p:par>
-        <p:cTn id="1" dur="indefinite" restart="never" nodeType="tmRoot"/>
-      </p:par>
-    </p:tnLst>
-  </p:timing>
-</p:sld>
-</file>
-
-<file path=ppt/slides/slide18.xml><?xml version="1.0" encoding="utf-8"?>
-<p:sld xmlns:a="http://schemas.openxmlformats.org/drawingml/2006/main" xmlns:r="http://schemas.openxmlformats.org/officeDocument/2006/relationships" xmlns:p="http://schemas.openxmlformats.org/presentationml/2006/main">
-  <p:cSld>
-    <p:spTree>
-      <p:nvGrpSpPr>
-        <p:cNvPr id="1" name=""/>
-        <p:cNvGrpSpPr/>
-        <p:nvPr/>
-      </p:nvGrpSpPr>
-      <p:grpSpPr>
-        <a:xfrm>
-          <a:off x="0" y="0"/>
-          <a:ext cx="0" cy="0"/>
-          <a:chOff x="0" y="0"/>
-          <a:chExt cx="0" cy="0"/>
-        </a:xfrm>
-      </p:grpSpPr>
-      <p:sp>
-        <p:nvSpPr>
-          <p:cNvPr id="2" name="標題 1"/>
-          <p:cNvSpPr>
-            <a:spLocks noGrp="1"/>
-          </p:cNvSpPr>
-          <p:nvPr>
-            <p:ph type="title"/>
-          </p:nvPr>
-        </p:nvSpPr>
-        <p:spPr/>
-        <p:txBody>
-          <a:bodyPr/>
-          <a:lstStyle/>
-          <a:p>
-            <a:endParaRPr lang="zh-TW" altLang="en-US"/>
-          </a:p>
-        </p:txBody>
-      </p:sp>
-      <p:sp>
-        <p:nvSpPr>
-          <p:cNvPr id="3" name="內容版面配置區 2"/>
-          <p:cNvSpPr>
-            <a:spLocks noGrp="1"/>
-          </p:cNvSpPr>
-          <p:nvPr>
-            <p:ph idx="1"/>
-          </p:nvPr>
-        </p:nvSpPr>
-        <p:spPr/>
-        <p:txBody>
-          <a:bodyPr/>
-          <a:lstStyle/>
-          <a:p>
-            <a:endParaRPr lang="en-US" altLang="zh-TW" dirty="0"/>
-          </a:p>
-          <a:p>
-            <a:endParaRPr lang="en-US" altLang="zh-TW" dirty="0" smtClean="0"/>
-          </a:p>
-          <a:p>
-            <a:endParaRPr lang="en-US" altLang="zh-TW" dirty="0"/>
-          </a:p>
-          <a:p>
-            <a:endParaRPr lang="en-US" altLang="zh-TW" dirty="0" smtClean="0"/>
-          </a:p>
-          <a:p>
-            <a:endParaRPr lang="en-US" altLang="zh-TW" dirty="0"/>
-          </a:p>
-          <a:p>
-            <a:r>
-              <a:rPr lang="en-US" altLang="zh-TW" dirty="0" smtClean="0"/>
-              <a:t>Find all path length &lt; </a:t>
-            </a:r>
-            <a:r>
-              <a:rPr lang="en-US" altLang="zh-TW" dirty="0" err="1" smtClean="0"/>
-              <a:t>BFSlimit</a:t>
-            </a:r>
-            <a:endParaRPr lang="en-US" altLang="zh-TW" dirty="0" smtClean="0"/>
-          </a:p>
-          <a:p>
-            <a:pPr lvl="1"/>
-            <a:endParaRPr lang="zh-TW" altLang="en-US" dirty="0"/>
-          </a:p>
-        </p:txBody>
-      </p:sp>
-      <p:sp>
-        <p:nvSpPr>
-          <p:cNvPr id="4" name="橢圓 3"/>
-          <p:cNvSpPr/>
-          <p:nvPr/>
-        </p:nvSpPr>
-        <p:spPr>
-          <a:xfrm>
-            <a:off x="3563888" y="1747637"/>
-            <a:ext cx="288032" cy="288032"/>
-          </a:xfrm>
-          <a:prstGeom prst="ellipse">
-            <a:avLst/>
-          </a:prstGeom>
-        </p:spPr>
-        <p:style>
-          <a:lnRef idx="2">
-            <a:schemeClr val="accent1">
-              <a:shade val="50000"/>
-            </a:schemeClr>
-          </a:lnRef>
-          <a:fillRef idx="1">
-            <a:schemeClr val="accent1"/>
-          </a:fillRef>
-          <a:effectRef idx="0">
-            <a:schemeClr val="accent1"/>
-          </a:effectRef>
-          <a:fontRef idx="minor">
-            <a:schemeClr val="lt1"/>
-          </a:fontRef>
-        </p:style>
-        <p:txBody>
-          <a:bodyPr rtlCol="0" anchor="ctr"/>
-          <a:lstStyle/>
-          <a:p>
-            <a:pPr algn="ctr"/>
-            <a:r>
-              <a:rPr lang="en-US" altLang="zh-TW" dirty="0" smtClean="0"/>
-              <a:t>S</a:t>
-            </a:r>
-            <a:endParaRPr lang="zh-TW" altLang="en-US" dirty="0"/>
-          </a:p>
-        </p:txBody>
-      </p:sp>
-      <p:sp>
-        <p:nvSpPr>
-          <p:cNvPr id="5" name="橢圓 4"/>
-          <p:cNvSpPr/>
-          <p:nvPr/>
-        </p:nvSpPr>
-        <p:spPr>
-          <a:xfrm>
-            <a:off x="2230963" y="2708920"/>
-            <a:ext cx="288032" cy="288032"/>
-          </a:xfrm>
-          <a:prstGeom prst="ellipse">
-            <a:avLst/>
-          </a:prstGeom>
-        </p:spPr>
-        <p:style>
-          <a:lnRef idx="2">
-            <a:schemeClr val="accent1">
-              <a:shade val="50000"/>
-            </a:schemeClr>
-          </a:lnRef>
-          <a:fillRef idx="1">
-            <a:schemeClr val="accent1"/>
-          </a:fillRef>
-          <a:effectRef idx="0">
-            <a:schemeClr val="accent1"/>
-          </a:effectRef>
-          <a:fontRef idx="minor">
-            <a:schemeClr val="lt1"/>
-          </a:fontRef>
-        </p:style>
-        <p:txBody>
-          <a:bodyPr rtlCol="0" anchor="ctr"/>
-          <a:lstStyle/>
-          <a:p>
-            <a:pPr algn="ctr"/>
-            <a:endParaRPr lang="zh-TW" altLang="en-US"/>
-          </a:p>
-        </p:txBody>
-      </p:sp>
-      <p:sp>
-        <p:nvSpPr>
-          <p:cNvPr id="6" name="橢圓 5"/>
-          <p:cNvSpPr/>
-          <p:nvPr/>
-        </p:nvSpPr>
-        <p:spPr>
-          <a:xfrm>
-            <a:off x="3563888" y="2731534"/>
-            <a:ext cx="288032" cy="288032"/>
-          </a:xfrm>
-          <a:prstGeom prst="ellipse">
-            <a:avLst/>
-          </a:prstGeom>
-        </p:spPr>
-        <p:style>
-          <a:lnRef idx="2">
-            <a:schemeClr val="accent1">
-              <a:shade val="50000"/>
-            </a:schemeClr>
-          </a:lnRef>
-          <a:fillRef idx="1">
-            <a:schemeClr val="accent1"/>
-          </a:fillRef>
-          <a:effectRef idx="0">
-            <a:schemeClr val="accent1"/>
-          </a:effectRef>
-          <a:fontRef idx="minor">
-            <a:schemeClr val="lt1"/>
-          </a:fontRef>
-        </p:style>
-        <p:txBody>
-          <a:bodyPr rtlCol="0" anchor="ctr"/>
-          <a:lstStyle/>
-          <a:p>
-            <a:pPr algn="ctr"/>
-            <a:r>
-              <a:rPr lang="en-US" altLang="zh-TW" dirty="0" smtClean="0"/>
-              <a:t>M</a:t>
-            </a:r>
-            <a:endParaRPr lang="zh-TW" altLang="en-US" dirty="0"/>
-          </a:p>
-        </p:txBody>
-      </p:sp>
-      <p:sp>
-        <p:nvSpPr>
-          <p:cNvPr id="7" name="橢圓 6"/>
-          <p:cNvSpPr/>
-          <p:nvPr/>
-        </p:nvSpPr>
-        <p:spPr>
-          <a:xfrm>
-            <a:off x="5004048" y="2689353"/>
-            <a:ext cx="288032" cy="288032"/>
-          </a:xfrm>
-          <a:prstGeom prst="ellipse">
-            <a:avLst/>
-          </a:prstGeom>
-        </p:spPr>
-        <p:style>
-          <a:lnRef idx="2">
-            <a:schemeClr val="accent1">
-              <a:shade val="50000"/>
-            </a:schemeClr>
-          </a:lnRef>
-          <a:fillRef idx="1">
-            <a:schemeClr val="accent1"/>
-          </a:fillRef>
-          <a:effectRef idx="0">
-            <a:schemeClr val="accent1"/>
-          </a:effectRef>
-          <a:fontRef idx="minor">
-            <a:schemeClr val="lt1"/>
-          </a:fontRef>
-        </p:style>
-        <p:txBody>
-          <a:bodyPr rtlCol="0" anchor="ctr"/>
-          <a:lstStyle/>
-          <a:p>
-            <a:pPr algn="ctr"/>
-            <a:r>
-              <a:rPr lang="en-US" altLang="zh-TW" dirty="0" smtClean="0"/>
-              <a:t>T</a:t>
-            </a:r>
-            <a:endParaRPr lang="zh-TW" altLang="en-US" dirty="0"/>
-          </a:p>
-        </p:txBody>
-      </p:sp>
-      <p:cxnSp>
-        <p:nvCxnSpPr>
-          <p:cNvPr id="9" name="直線單箭頭接點 8"/>
-          <p:cNvCxnSpPr>
-            <a:stCxn id="4" idx="4"/>
-            <a:endCxn id="5" idx="0"/>
-          </p:cNvCxnSpPr>
-          <p:nvPr/>
-        </p:nvCxnSpPr>
-        <p:spPr>
-          <a:xfrm flipH="1">
-            <a:off x="2374979" y="2035669"/>
-            <a:ext cx="1332925" cy="673251"/>
-          </a:xfrm>
-          <a:prstGeom prst="straightConnector1">
-            <a:avLst/>
-          </a:prstGeom>
-          <a:ln>
-            <a:tailEnd type="arrow"/>
-          </a:ln>
-        </p:spPr>
-        <p:style>
-          <a:lnRef idx="1">
-            <a:schemeClr val="accent2"/>
-          </a:lnRef>
-          <a:fillRef idx="0">
-            <a:schemeClr val="accent2"/>
-          </a:fillRef>
-          <a:effectRef idx="0">
-            <a:schemeClr val="accent2"/>
-          </a:effectRef>
-          <a:fontRef idx="minor">
-            <a:schemeClr val="tx1"/>
-          </a:fontRef>
-        </p:style>
-      </p:cxnSp>
-      <p:cxnSp>
-        <p:nvCxnSpPr>
-          <p:cNvPr id="10" name="直線單箭頭接點 9"/>
-          <p:cNvCxnSpPr>
-            <a:stCxn id="4" idx="4"/>
-            <a:endCxn id="6" idx="0"/>
-          </p:cNvCxnSpPr>
-          <p:nvPr/>
-        </p:nvCxnSpPr>
-        <p:spPr>
-          <a:xfrm>
-            <a:off x="3707904" y="2035669"/>
-            <a:ext cx="0" cy="695865"/>
-          </a:xfrm>
-          <a:prstGeom prst="straightConnector1">
-            <a:avLst/>
-          </a:prstGeom>
-          <a:ln w="28575">
-            <a:tailEnd type="arrow"/>
-          </a:ln>
-        </p:spPr>
-        <p:style>
-          <a:lnRef idx="1">
-            <a:schemeClr val="accent2"/>
-          </a:lnRef>
-          <a:fillRef idx="0">
-            <a:schemeClr val="accent2"/>
-          </a:fillRef>
-          <a:effectRef idx="0">
-            <a:schemeClr val="accent2"/>
-          </a:effectRef>
-          <a:fontRef idx="minor">
-            <a:schemeClr val="tx1"/>
-          </a:fontRef>
-        </p:style>
-      </p:cxnSp>
-      <p:cxnSp>
-        <p:nvCxnSpPr>
-          <p:cNvPr id="13" name="直線單箭頭接點 12"/>
-          <p:cNvCxnSpPr>
-            <a:stCxn id="4" idx="4"/>
-            <a:endCxn id="7" idx="1"/>
-          </p:cNvCxnSpPr>
-          <p:nvPr/>
-        </p:nvCxnSpPr>
-        <p:spPr>
-          <a:xfrm>
-            <a:off x="3707904" y="2035669"/>
-            <a:ext cx="1338325" cy="695865"/>
-          </a:xfrm>
-          <a:prstGeom prst="straightConnector1">
-            <a:avLst/>
-          </a:prstGeom>
-          <a:ln>
-            <a:tailEnd type="arrow"/>
-          </a:ln>
-        </p:spPr>
-        <p:style>
-          <a:lnRef idx="1">
-            <a:schemeClr val="accent2"/>
-          </a:lnRef>
-          <a:fillRef idx="0">
-            <a:schemeClr val="accent2"/>
-          </a:fillRef>
-          <a:effectRef idx="0">
-            <a:schemeClr val="accent2"/>
-          </a:effectRef>
-          <a:fontRef idx="minor">
-            <a:schemeClr val="tx1"/>
-          </a:fontRef>
-        </p:style>
-      </p:cxnSp>
-      <p:sp>
-        <p:nvSpPr>
-          <p:cNvPr id="40" name="橢圓 39"/>
-          <p:cNvSpPr/>
-          <p:nvPr/>
-        </p:nvSpPr>
-        <p:spPr>
-          <a:xfrm>
-            <a:off x="1458615" y="3480971"/>
-            <a:ext cx="288032" cy="288032"/>
-          </a:xfrm>
-          <a:prstGeom prst="ellipse">
-            <a:avLst/>
-          </a:prstGeom>
-        </p:spPr>
-        <p:style>
-          <a:lnRef idx="2">
-            <a:schemeClr val="accent1">
-              <a:shade val="50000"/>
-            </a:schemeClr>
-          </a:lnRef>
-          <a:fillRef idx="1">
-            <a:schemeClr val="accent1"/>
-          </a:fillRef>
-          <a:effectRef idx="0">
-            <a:schemeClr val="accent1"/>
-          </a:effectRef>
-          <a:fontRef idx="minor">
-            <a:schemeClr val="lt1"/>
-          </a:fontRef>
-        </p:style>
-        <p:txBody>
-          <a:bodyPr rtlCol="0" anchor="ctr"/>
-          <a:lstStyle/>
-          <a:p>
-            <a:pPr algn="ctr"/>
-            <a:endParaRPr lang="zh-TW" altLang="en-US"/>
-          </a:p>
-        </p:txBody>
-      </p:sp>
-      <p:sp>
-        <p:nvSpPr>
-          <p:cNvPr id="41" name="橢圓 40"/>
-          <p:cNvSpPr/>
-          <p:nvPr/>
-        </p:nvSpPr>
-        <p:spPr>
-          <a:xfrm>
-            <a:off x="2016404" y="3501632"/>
-            <a:ext cx="288032" cy="288032"/>
-          </a:xfrm>
-          <a:prstGeom prst="ellipse">
-            <a:avLst/>
-          </a:prstGeom>
-        </p:spPr>
-        <p:style>
-          <a:lnRef idx="2">
-            <a:schemeClr val="accent1">
-              <a:shade val="50000"/>
-            </a:schemeClr>
-          </a:lnRef>
-          <a:fillRef idx="1">
-            <a:schemeClr val="accent1"/>
-          </a:fillRef>
-          <a:effectRef idx="0">
-            <a:schemeClr val="accent1"/>
-          </a:effectRef>
-          <a:fontRef idx="minor">
-            <a:schemeClr val="lt1"/>
-          </a:fontRef>
-        </p:style>
-        <p:txBody>
-          <a:bodyPr rtlCol="0" anchor="ctr"/>
-          <a:lstStyle/>
-          <a:p>
-            <a:pPr algn="ctr"/>
-            <a:r>
-              <a:rPr lang="en-US" altLang="zh-TW" dirty="0" smtClean="0"/>
-              <a:t>T</a:t>
-            </a:r>
-            <a:endParaRPr lang="zh-TW" altLang="en-US" dirty="0"/>
-          </a:p>
-        </p:txBody>
-      </p:sp>
-      <p:sp>
-        <p:nvSpPr>
-          <p:cNvPr id="42" name="橢圓 41"/>
-          <p:cNvSpPr/>
-          <p:nvPr/>
-        </p:nvSpPr>
-        <p:spPr>
-          <a:xfrm>
-            <a:off x="2595830" y="3480971"/>
-            <a:ext cx="288032" cy="288032"/>
-          </a:xfrm>
-          <a:prstGeom prst="ellipse">
-            <a:avLst/>
-          </a:prstGeom>
-        </p:spPr>
-        <p:style>
-          <a:lnRef idx="2">
-            <a:schemeClr val="accent1">
-              <a:shade val="50000"/>
-            </a:schemeClr>
-          </a:lnRef>
-          <a:fillRef idx="1">
-            <a:schemeClr val="accent1"/>
-          </a:fillRef>
-          <a:effectRef idx="0">
-            <a:schemeClr val="accent1"/>
-          </a:effectRef>
-          <a:fontRef idx="minor">
-            <a:schemeClr val="lt1"/>
-          </a:fontRef>
-        </p:style>
-        <p:txBody>
-          <a:bodyPr rtlCol="0" anchor="ctr"/>
-          <a:lstStyle/>
-          <a:p>
-            <a:pPr algn="ctr"/>
-            <a:endParaRPr lang="zh-TW" altLang="en-US"/>
-          </a:p>
-        </p:txBody>
-      </p:sp>
-      <p:cxnSp>
-        <p:nvCxnSpPr>
-          <p:cNvPr id="43" name="直線單箭頭接點 42"/>
-          <p:cNvCxnSpPr>
-            <a:stCxn id="5" idx="5"/>
-            <a:endCxn id="40" idx="0"/>
-          </p:cNvCxnSpPr>
-          <p:nvPr/>
-        </p:nvCxnSpPr>
-        <p:spPr>
-          <a:xfrm flipH="1">
-            <a:off x="1602631" y="2954771"/>
-            <a:ext cx="874183" cy="526200"/>
-          </a:xfrm>
-          <a:prstGeom prst="straightConnector1">
-            <a:avLst/>
-          </a:prstGeom>
-          <a:ln>
-            <a:tailEnd type="arrow"/>
-          </a:ln>
-        </p:spPr>
-        <p:style>
-          <a:lnRef idx="1">
-            <a:schemeClr val="accent1"/>
-          </a:lnRef>
-          <a:fillRef idx="0">
-            <a:schemeClr val="accent1"/>
-          </a:fillRef>
-          <a:effectRef idx="0">
-            <a:schemeClr val="accent1"/>
-          </a:effectRef>
-          <a:fontRef idx="minor">
-            <a:schemeClr val="tx1"/>
-          </a:fontRef>
-        </p:style>
-      </p:cxnSp>
-      <p:cxnSp>
-        <p:nvCxnSpPr>
-          <p:cNvPr id="44" name="直線單箭頭接點 43"/>
-          <p:cNvCxnSpPr>
-            <a:stCxn id="5" idx="4"/>
-            <a:endCxn id="41" idx="0"/>
-          </p:cNvCxnSpPr>
-          <p:nvPr/>
-        </p:nvCxnSpPr>
-        <p:spPr>
-          <a:xfrm flipH="1">
-            <a:off x="2160420" y="2996952"/>
-            <a:ext cx="214559" cy="504680"/>
-          </a:xfrm>
-          <a:prstGeom prst="straightConnector1">
-            <a:avLst/>
-          </a:prstGeom>
-          <a:ln>
-            <a:tailEnd type="arrow"/>
-          </a:ln>
-        </p:spPr>
-        <p:style>
-          <a:lnRef idx="1">
-            <a:schemeClr val="accent2"/>
-          </a:lnRef>
-          <a:fillRef idx="0">
-            <a:schemeClr val="accent2"/>
-          </a:fillRef>
-          <a:effectRef idx="0">
-            <a:schemeClr val="accent2"/>
-          </a:effectRef>
-          <a:fontRef idx="minor">
-            <a:schemeClr val="tx1"/>
-          </a:fontRef>
-        </p:style>
-      </p:cxnSp>
-      <p:cxnSp>
-        <p:nvCxnSpPr>
-          <p:cNvPr id="45" name="直線單箭頭接點 44"/>
-          <p:cNvCxnSpPr>
-            <a:stCxn id="5" idx="4"/>
-            <a:endCxn id="42" idx="1"/>
-          </p:cNvCxnSpPr>
-          <p:nvPr/>
-        </p:nvCxnSpPr>
-        <p:spPr>
-          <a:xfrm>
-            <a:off x="2374979" y="2996952"/>
-            <a:ext cx="263032" cy="526200"/>
-          </a:xfrm>
-          <a:prstGeom prst="straightConnector1">
-            <a:avLst/>
-          </a:prstGeom>
-          <a:ln>
-            <a:tailEnd type="arrow"/>
-          </a:ln>
-        </p:spPr>
-        <p:style>
-          <a:lnRef idx="1">
-            <a:schemeClr val="accent1"/>
-          </a:lnRef>
-          <a:fillRef idx="0">
-            <a:schemeClr val="accent1"/>
-          </a:fillRef>
-          <a:effectRef idx="0">
-            <a:schemeClr val="accent1"/>
-          </a:effectRef>
-          <a:fontRef idx="minor">
-            <a:schemeClr val="tx1"/>
-          </a:fontRef>
-        </p:style>
-      </p:cxnSp>
-      <p:sp>
-        <p:nvSpPr>
-          <p:cNvPr id="55" name="橢圓 54"/>
-          <p:cNvSpPr/>
-          <p:nvPr/>
-        </p:nvSpPr>
-        <p:spPr>
-          <a:xfrm>
-            <a:off x="3077128" y="3490790"/>
-            <a:ext cx="288032" cy="288032"/>
-          </a:xfrm>
-          <a:prstGeom prst="ellipse">
-            <a:avLst/>
-          </a:prstGeom>
-        </p:spPr>
-        <p:style>
-          <a:lnRef idx="2">
-            <a:schemeClr val="accent1">
-              <a:shade val="50000"/>
-            </a:schemeClr>
-          </a:lnRef>
-          <a:fillRef idx="1">
-            <a:schemeClr val="accent1"/>
-          </a:fillRef>
-          <a:effectRef idx="0">
-            <a:schemeClr val="accent1"/>
-          </a:effectRef>
-          <a:fontRef idx="minor">
-            <a:schemeClr val="lt1"/>
-          </a:fontRef>
-        </p:style>
-        <p:txBody>
-          <a:bodyPr rtlCol="0" anchor="ctr"/>
-          <a:lstStyle/>
-          <a:p>
-            <a:pPr algn="ctr"/>
-            <a:endParaRPr lang="zh-TW" altLang="en-US"/>
-          </a:p>
-        </p:txBody>
-      </p:sp>
-      <p:sp>
-        <p:nvSpPr>
-          <p:cNvPr id="56" name="橢圓 55"/>
-          <p:cNvSpPr/>
-          <p:nvPr/>
-        </p:nvSpPr>
-        <p:spPr>
-          <a:xfrm>
-            <a:off x="3563888" y="3501632"/>
-            <a:ext cx="288032" cy="288032"/>
-          </a:xfrm>
-          <a:prstGeom prst="ellipse">
-            <a:avLst/>
-          </a:prstGeom>
-        </p:spPr>
-        <p:style>
-          <a:lnRef idx="2">
-            <a:schemeClr val="accent1">
-              <a:shade val="50000"/>
-            </a:schemeClr>
-          </a:lnRef>
-          <a:fillRef idx="1">
-            <a:schemeClr val="accent1"/>
-          </a:fillRef>
-          <a:effectRef idx="0">
-            <a:schemeClr val="accent1"/>
-          </a:effectRef>
-          <a:fontRef idx="minor">
-            <a:schemeClr val="lt1"/>
-          </a:fontRef>
-        </p:style>
-        <p:txBody>
-          <a:bodyPr rtlCol="0" anchor="ctr"/>
-          <a:lstStyle/>
-          <a:p>
-            <a:pPr algn="ctr"/>
-            <a:r>
-              <a:rPr lang="en-US" altLang="zh-TW" dirty="0" smtClean="0"/>
-              <a:t>T</a:t>
-            </a:r>
-            <a:endParaRPr lang="zh-TW" altLang="en-US" dirty="0"/>
-          </a:p>
-        </p:txBody>
-      </p:sp>
-      <p:sp>
-        <p:nvSpPr>
-          <p:cNvPr id="57" name="橢圓 56"/>
-          <p:cNvSpPr/>
-          <p:nvPr/>
-        </p:nvSpPr>
-        <p:spPr>
-          <a:xfrm>
-            <a:off x="4081326" y="3490790"/>
-            <a:ext cx="288032" cy="288032"/>
-          </a:xfrm>
-          <a:prstGeom prst="ellipse">
-            <a:avLst/>
-          </a:prstGeom>
-        </p:spPr>
-        <p:style>
-          <a:lnRef idx="2">
-            <a:schemeClr val="accent1">
-              <a:shade val="50000"/>
-            </a:schemeClr>
-          </a:lnRef>
-          <a:fillRef idx="1">
-            <a:schemeClr val="accent1"/>
-          </a:fillRef>
-          <a:effectRef idx="0">
-            <a:schemeClr val="accent1"/>
-          </a:effectRef>
-          <a:fontRef idx="minor">
-            <a:schemeClr val="lt1"/>
-          </a:fontRef>
-        </p:style>
-        <p:txBody>
-          <a:bodyPr rtlCol="0" anchor="ctr"/>
-          <a:lstStyle/>
-          <a:p>
-            <a:pPr algn="ctr"/>
-            <a:endParaRPr lang="zh-TW" altLang="en-US"/>
-          </a:p>
-        </p:txBody>
-      </p:sp>
-      <p:cxnSp>
-        <p:nvCxnSpPr>
-          <p:cNvPr id="58" name="直線單箭頭接點 57"/>
-          <p:cNvCxnSpPr>
-            <a:stCxn id="6" idx="4"/>
-          </p:cNvCxnSpPr>
-          <p:nvPr/>
-        </p:nvCxnSpPr>
-        <p:spPr>
-          <a:xfrm flipH="1">
-            <a:off x="3221145" y="3019566"/>
-            <a:ext cx="486759" cy="471224"/>
-          </a:xfrm>
-          <a:prstGeom prst="straightConnector1">
-            <a:avLst/>
-          </a:prstGeom>
-          <a:ln>
-            <a:tailEnd type="arrow"/>
-          </a:ln>
-        </p:spPr>
-        <p:style>
-          <a:lnRef idx="1">
-            <a:schemeClr val="accent1"/>
-          </a:lnRef>
-          <a:fillRef idx="0">
-            <a:schemeClr val="accent1"/>
-          </a:fillRef>
-          <a:effectRef idx="0">
-            <a:schemeClr val="accent1"/>
-          </a:effectRef>
-          <a:fontRef idx="minor">
-            <a:schemeClr val="tx1"/>
-          </a:fontRef>
-        </p:style>
-      </p:cxnSp>
-      <p:cxnSp>
-        <p:nvCxnSpPr>
-          <p:cNvPr id="59" name="直線單箭頭接點 58"/>
-          <p:cNvCxnSpPr>
-            <a:stCxn id="6" idx="4"/>
-            <a:endCxn id="56" idx="0"/>
-          </p:cNvCxnSpPr>
-          <p:nvPr/>
-        </p:nvCxnSpPr>
-        <p:spPr>
-          <a:xfrm>
-            <a:off x="3707904" y="3019566"/>
-            <a:ext cx="0" cy="482066"/>
-          </a:xfrm>
-          <a:prstGeom prst="straightConnector1">
-            <a:avLst/>
-          </a:prstGeom>
-          <a:ln w="28575">
-            <a:tailEnd type="arrow"/>
-          </a:ln>
-        </p:spPr>
-        <p:style>
-          <a:lnRef idx="1">
-            <a:schemeClr val="accent2"/>
-          </a:lnRef>
-          <a:fillRef idx="0">
-            <a:schemeClr val="accent2"/>
-          </a:fillRef>
-          <a:effectRef idx="0">
-            <a:schemeClr val="accent2"/>
-          </a:effectRef>
-          <a:fontRef idx="minor">
-            <a:schemeClr val="tx1"/>
-          </a:fontRef>
-        </p:style>
-      </p:cxnSp>
-      <p:cxnSp>
-        <p:nvCxnSpPr>
-          <p:cNvPr id="60" name="直線單箭頭接點 59"/>
-          <p:cNvCxnSpPr>
-            <a:stCxn id="6" idx="5"/>
-            <a:endCxn id="57" idx="1"/>
-          </p:cNvCxnSpPr>
-          <p:nvPr/>
-        </p:nvCxnSpPr>
-        <p:spPr>
-          <a:xfrm>
-            <a:off x="3809739" y="2977385"/>
-            <a:ext cx="313768" cy="555586"/>
-          </a:xfrm>
-          <a:prstGeom prst="straightConnector1">
-            <a:avLst/>
-          </a:prstGeom>
-          <a:ln>
-            <a:tailEnd type="arrow"/>
-          </a:ln>
-        </p:spPr>
-        <p:style>
-          <a:lnRef idx="1">
-            <a:schemeClr val="accent1"/>
-          </a:lnRef>
-          <a:fillRef idx="0">
-            <a:schemeClr val="accent1"/>
-          </a:fillRef>
-          <a:effectRef idx="0">
-            <a:schemeClr val="accent1"/>
-          </a:effectRef>
-          <a:fontRef idx="minor">
-            <a:schemeClr val="tx1"/>
-          </a:fontRef>
-        </p:style>
-      </p:cxnSp>
-      <mc:AlternateContent xmlns:mc="http://schemas.openxmlformats.org/markup-compatibility/2006" xmlns:a14="http://schemas.microsoft.com/office/drawing/2010/main">
-        <mc:Choice Requires="a14">
-          <p:sp>
-            <p:nvSpPr>
-              <p:cNvPr id="76" name="文字方塊 75"/>
-              <p:cNvSpPr txBox="1"/>
-              <p:nvPr/>
-            </p:nvSpPr>
-            <p:spPr>
-              <a:xfrm>
-                <a:off x="2143922" y="5246320"/>
-                <a:ext cx="7007752" cy="678455"/>
-              </a:xfrm>
-              <a:prstGeom prst="rect">
-                <a:avLst/>
-              </a:prstGeom>
-              <a:noFill/>
-            </p:spPr>
-            <p:txBody>
-              <a:bodyPr wrap="none" rtlCol="0">
-                <a:spAutoFit/>
-              </a:bodyPr>
-              <a:lstStyle/>
-              <a:p>
-                <a:pPr/>
-                <a14:m>
-                  <m:oMathPara xmlns:m="http://schemas.openxmlformats.org/officeDocument/2006/math">
-                    <m:oMathParaPr>
-                      <m:jc m:val="centerGroup"/>
-                    </m:oMathParaPr>
-                    <m:oMath xmlns:m="http://schemas.openxmlformats.org/officeDocument/2006/math">
-                      <m:r>
-                        <a:rPr lang="en-US" altLang="zh-TW" i="1" dirty="0" smtClean="0">
-                          <a:latin typeface="Cambria Math"/>
-                        </a:rPr>
-                        <m:t>𝑃𝑎𝑡h𝑊𝑒𝑖𝑔h𝑡</m:t>
-                      </m:r>
-                      <m:r>
-                        <a:rPr lang="en-US" altLang="zh-TW" i="1" dirty="0" smtClean="0">
-                          <a:latin typeface="Cambria Math"/>
-                        </a:rPr>
-                        <m:t> =</m:t>
-                      </m:r>
-                      <m:f>
-                        <m:fPr>
-                          <m:ctrlPr>
-                            <a:rPr lang="en-US" altLang="zh-TW" i="1" dirty="0" smtClean="0">
-                              <a:latin typeface="Cambria Math"/>
-                            </a:rPr>
-                          </m:ctrlPr>
-                        </m:fPr>
-                        <m:num>
-                          <m:r>
-                            <a:rPr lang="en-US" altLang="zh-TW" i="1" dirty="0" smtClean="0">
-                              <a:latin typeface="Cambria Math"/>
-                            </a:rPr>
-                            <m:t>𝑊𝑒𝑖𝑔h𝑡</m:t>
-                          </m:r>
-                          <m:d>
-                            <m:dPr>
-                              <m:ctrlPr>
-                                <a:rPr lang="en-US" altLang="zh-TW" i="1" dirty="0" smtClean="0">
-                                  <a:latin typeface="Cambria Math"/>
-                                </a:rPr>
-                              </m:ctrlPr>
-                            </m:dPr>
-                            <m:e>
-                              <m:r>
-                                <a:rPr lang="en-US" altLang="zh-TW" i="1" dirty="0" smtClean="0">
-                                  <a:latin typeface="Cambria Math"/>
-                                </a:rPr>
-                                <m:t>𝑆</m:t>
-                              </m:r>
-                              <m:r>
-                                <a:rPr lang="en-US" altLang="zh-TW" i="1" dirty="0" smtClean="0">
-                                  <a:latin typeface="Cambria Math"/>
-                                </a:rPr>
-                                <m:t>,</m:t>
-                              </m:r>
-                              <m:r>
-                                <a:rPr lang="en-US" altLang="zh-TW" i="1" dirty="0" smtClean="0">
-                                  <a:latin typeface="Cambria Math"/>
-                                </a:rPr>
-                                <m:t>𝑀</m:t>
-                              </m:r>
-                            </m:e>
-                          </m:d>
-                          <m:r>
-                            <a:rPr lang="en-US" altLang="zh-TW" i="1" dirty="0" smtClean="0">
-                              <a:latin typeface="Cambria Math"/>
-                            </a:rPr>
-                            <m:t>+</m:t>
-                          </m:r>
-                          <m:r>
-                            <a:rPr lang="en-US" altLang="zh-TW" i="1" dirty="0" smtClean="0">
-                              <a:latin typeface="Cambria Math"/>
-                            </a:rPr>
-                            <m:t>𝑊𝑒𝑖𝑔h𝑡</m:t>
-                          </m:r>
-                          <m:d>
-                            <m:dPr>
-                              <m:ctrlPr>
-                                <a:rPr lang="en-US" altLang="zh-TW" i="1" dirty="0" smtClean="0">
-                                  <a:latin typeface="Cambria Math"/>
-                                </a:rPr>
-                              </m:ctrlPr>
-                            </m:dPr>
-                            <m:e>
-                              <m:r>
-                                <a:rPr lang="en-US" altLang="zh-TW" i="1" dirty="0" smtClean="0">
-                                  <a:latin typeface="Cambria Math"/>
-                                </a:rPr>
-                                <m:t>𝑀</m:t>
-                              </m:r>
-                              <m:r>
-                                <a:rPr lang="en-US" altLang="zh-TW" i="1" dirty="0" smtClean="0">
-                                  <a:latin typeface="Cambria Math"/>
-                                </a:rPr>
-                                <m:t>,</m:t>
-                              </m:r>
-                              <m:r>
-                                <a:rPr lang="en-US" altLang="zh-TW" i="1" dirty="0" smtClean="0">
-                                  <a:latin typeface="Cambria Math"/>
-                                </a:rPr>
-                                <m:t>𝑇</m:t>
-                              </m:r>
-                            </m:e>
-                          </m:d>
-                          <m:r>
-                            <a:rPr lang="en-US" altLang="zh-TW" b="0" i="1" dirty="0" smtClean="0">
-                              <a:latin typeface="Cambria Math"/>
-                            </a:rPr>
-                            <m:t>+</m:t>
-                          </m:r>
-                          <m:r>
-                            <a:rPr lang="en-US" altLang="zh-TW" b="0" i="1" dirty="0" smtClean="0">
-                              <a:latin typeface="Cambria Math"/>
-                            </a:rPr>
-                            <m:t>𝑁𝑜𝑑𝑒𝑊𝑒𝑖𝑔h𝑡</m:t>
-                          </m:r>
-                          <m:r>
-                            <a:rPr lang="en-US" altLang="zh-TW" b="0" i="1" dirty="0" smtClean="0">
-                              <a:latin typeface="Cambria Math"/>
-                            </a:rPr>
-                            <m:t>(</m:t>
-                          </m:r>
-                          <m:r>
-                            <a:rPr lang="en-US" altLang="zh-TW" b="0" i="1" dirty="0" smtClean="0">
-                              <a:latin typeface="Cambria Math"/>
-                            </a:rPr>
-                            <m:t>𝑆</m:t>
-                          </m:r>
-                          <m:r>
-                            <a:rPr lang="en-US" altLang="zh-TW" b="0" i="1" dirty="0" smtClean="0">
-                              <a:latin typeface="Cambria Math"/>
-                            </a:rPr>
-                            <m:t>,</m:t>
-                          </m:r>
-                          <m:r>
-                            <a:rPr lang="en-US" altLang="zh-TW" b="0" i="1" dirty="0" smtClean="0">
-                              <a:latin typeface="Cambria Math"/>
-                            </a:rPr>
-                            <m:t>𝑇</m:t>
-                          </m:r>
-                          <m:r>
-                            <a:rPr lang="en-US" altLang="zh-TW" b="0" i="1" dirty="0" smtClean="0">
-                              <a:latin typeface="Cambria Math"/>
-                            </a:rPr>
-                            <m:t>)</m:t>
-                          </m:r>
-                        </m:num>
-                        <m:den>
-                          <m:r>
-                            <a:rPr lang="en-US" altLang="zh-TW" i="1" dirty="0">
-                              <a:latin typeface="Cambria Math"/>
-                              <a:ea typeface="Cambria Math"/>
-                            </a:rPr>
-                            <m:t>𝛼</m:t>
-                          </m:r>
-                          <m:r>
-                            <a:rPr lang="en-US" altLang="zh-TW" i="1" dirty="0" err="1" smtClean="0">
-                              <a:latin typeface="Cambria Math"/>
-                            </a:rPr>
-                            <m:t>𝑃𝑎𝑡h𝐿𝑒𝑛𝑔𝑡h</m:t>
-                          </m:r>
-                          <m:r>
-                            <a:rPr lang="en-US" altLang="zh-TW" b="0" i="1" dirty="0" smtClean="0">
-                              <a:latin typeface="Cambria Math"/>
-                            </a:rPr>
-                            <m:t>+</m:t>
-                          </m:r>
-                          <m:sSup>
-                            <m:sSupPr>
-                              <m:ctrlPr>
-                                <a:rPr lang="en-US" altLang="zh-TW" b="0" i="1" dirty="0" smtClean="0">
-                                  <a:latin typeface="Cambria Math"/>
-                                </a:rPr>
-                              </m:ctrlPr>
-                            </m:sSupPr>
-                            <m:e>
-                              <m:r>
-                                <a:rPr lang="zh-TW" altLang="en-US" b="0" i="1" dirty="0" smtClean="0">
-                                  <a:latin typeface="Cambria Math"/>
-                                </a:rPr>
-                                <m:t>𝛽</m:t>
-                              </m:r>
-                            </m:e>
-                            <m:sup>
-                              <m:r>
-                                <a:rPr lang="en-US" altLang="zh-TW" b="0" i="1" dirty="0" smtClean="0">
-                                  <a:latin typeface="Cambria Math"/>
-                                </a:rPr>
-                                <m:t>𝑃𝑎𝑡h𝐿𝑒𝑛𝑔𝑡h</m:t>
-                              </m:r>
-                            </m:sup>
-                          </m:sSup>
-                        </m:den>
-                      </m:f>
-                    </m:oMath>
-                  </m:oMathPara>
-                </a14:m>
-                <a:endParaRPr lang="zh-TW" altLang="en-US" dirty="0"/>
-              </a:p>
-            </p:txBody>
-          </p:sp>
-        </mc:Choice>
-        <mc:Fallback xmlns="">
-          <p:sp>
-            <p:nvSpPr>
-              <p:cNvPr id="76" name="文字方塊 75"/>
-              <p:cNvSpPr txBox="1">
-                <a:spLocks noRot="1" noChangeAspect="1" noMove="1" noResize="1" noEditPoints="1" noAdjustHandles="1" noChangeArrowheads="1" noChangeShapeType="1" noTextEdit="1"/>
-              </p:cNvSpPr>
-              <p:nvPr/>
-            </p:nvSpPr>
-            <p:spPr>
-              <a:xfrm>
-                <a:off x="2143922" y="5246320"/>
-                <a:ext cx="7007752" cy="678455"/>
-              </a:xfrm>
-              <a:prstGeom prst="rect">
-                <a:avLst/>
-              </a:prstGeom>
-              <a:blipFill rotWithShape="1">
-                <a:blip r:embed="rId2"/>
-                <a:stretch>
-                  <a:fillRect/>
-                </a:stretch>
-              </a:blipFill>
-            </p:spPr>
-            <p:txBody>
-              <a:bodyPr/>
-              <a:lstStyle/>
-              <a:p>
-                <a:r>
-                  <a:rPr lang="zh-TW" altLang="en-US">
-                    <a:noFill/>
-                  </a:rPr>
-                  <a:t> </a:t>
-                </a:r>
-              </a:p>
-            </p:txBody>
-          </p:sp>
-        </mc:Fallback>
-      </mc:AlternateContent>
-      <p:cxnSp>
-        <p:nvCxnSpPr>
-          <p:cNvPr id="78" name="直線單箭頭接點 77"/>
-          <p:cNvCxnSpPr/>
-          <p:nvPr/>
-        </p:nvCxnSpPr>
-        <p:spPr>
-          <a:xfrm flipH="1" flipV="1">
-            <a:off x="4081326" y="2833369"/>
-            <a:ext cx="2794930" cy="2412951"/>
-          </a:xfrm>
-          <a:prstGeom prst="straightConnector1">
-            <a:avLst/>
-          </a:prstGeom>
-          <a:ln w="19050">
-            <a:tailEnd type="arrow"/>
-          </a:ln>
-        </p:spPr>
-        <p:style>
-          <a:lnRef idx="1">
-            <a:schemeClr val="accent3"/>
-          </a:lnRef>
-          <a:fillRef idx="0">
-            <a:schemeClr val="accent3"/>
-          </a:fillRef>
-          <a:effectRef idx="0">
-            <a:schemeClr val="accent3"/>
-          </a:effectRef>
-          <a:fontRef idx="minor">
-            <a:schemeClr val="tx1"/>
-          </a:fontRef>
-        </p:style>
-      </p:cxnSp>
-    </p:spTree>
-    <p:extLst>
-      <p:ext uri="{BB962C8B-B14F-4D97-AF65-F5344CB8AC3E}">
-        <p14:creationId xmlns:p14="http://schemas.microsoft.com/office/powerpoint/2010/main" val="1003949004"/>
-      </p:ext>
-    </p:extLst>
-  </p:cSld>
-  <p:clrMapOvr>
-    <a:masterClrMapping/>
-  </p:clrMapOvr>
-  <p:timing>
-    <p:tnLst>
-      <p:par>
-        <p:cTn id="1" dur="indefinite" restart="never" nodeType="tmRoot"/>
-      </p:par>
-    </p:tnLst>
-  </p:timing>
-</p:sld>
-</file>
-
-<file path=ppt/slides/slide19.xml><?xml version="1.0" encoding="utf-8"?>
-<p:sld xmlns:a="http://schemas.openxmlformats.org/drawingml/2006/main" xmlns:r="http://schemas.openxmlformats.org/officeDocument/2006/relationships" xmlns:p="http://schemas.openxmlformats.org/presentationml/2006/main">
-  <p:cSld>
-    <p:spTree>
-      <p:nvGrpSpPr>
-        <p:cNvPr id="1" name=""/>
-        <p:cNvGrpSpPr/>
-        <p:nvPr/>
-      </p:nvGrpSpPr>
-      <p:grpSpPr>
-        <a:xfrm>
-          <a:off x="0" y="0"/>
-          <a:ext cx="0" cy="0"/>
-          <a:chOff x="0" y="0"/>
-          <a:chExt cx="0" cy="0"/>
-        </a:xfrm>
-      </p:grpSpPr>
-      <p:sp>
-        <p:nvSpPr>
-          <p:cNvPr id="2" name="標題 1"/>
-          <p:cNvSpPr>
-            <a:spLocks noGrp="1"/>
-          </p:cNvSpPr>
-          <p:nvPr>
-            <p:ph type="title"/>
-          </p:nvPr>
-        </p:nvSpPr>
-        <p:spPr/>
-        <p:txBody>
-          <a:bodyPr/>
-          <a:lstStyle/>
-          <a:p>
-            <a:endParaRPr lang="zh-TW" altLang="en-US"/>
-          </a:p>
-        </p:txBody>
-      </p:sp>
-      <p:sp>
-        <p:nvSpPr>
-          <p:cNvPr id="3" name="內容版面配置區 2"/>
-          <p:cNvSpPr>
-            <a:spLocks noGrp="1"/>
-          </p:cNvSpPr>
-          <p:nvPr>
-            <p:ph idx="1"/>
-          </p:nvPr>
-        </p:nvSpPr>
-        <p:spPr/>
-        <p:txBody>
-          <a:bodyPr/>
-          <a:lstStyle/>
-          <a:p>
-            <a:r>
-              <a:rPr lang="en-US" altLang="zh-TW" dirty="0" smtClean="0"/>
-              <a:t>Query(S,T)</a:t>
-            </a:r>
-          </a:p>
-          <a:p>
-            <a:r>
-              <a:rPr lang="en-US" altLang="zh-TW" dirty="0" err="1" smtClean="0"/>
-              <a:t>SumOfPathWeight</a:t>
-            </a:r>
-            <a:r>
-              <a:rPr lang="en-US" altLang="zh-TW" dirty="0" smtClean="0"/>
-              <a:t>&gt;</a:t>
-            </a:r>
-            <a:r>
-              <a:rPr lang="en-US" altLang="zh-TW" dirty="0" err="1" smtClean="0"/>
-              <a:t>pThreshold</a:t>
-            </a:r>
-            <a:r>
-              <a:rPr lang="en-US" altLang="zh-TW" dirty="0" smtClean="0"/>
-              <a:t> ?</a:t>
-            </a:r>
-            <a:r>
-              <a:rPr lang="en-US" altLang="zh-TW" dirty="0" err="1" smtClean="0"/>
-              <a:t>Yes:No</a:t>
-            </a:r>
-            <a:endParaRPr lang="zh-TW" altLang="en-US" dirty="0"/>
-          </a:p>
-        </p:txBody>
-      </p:sp>
-    </p:spTree>
-    <p:extLst>
-      <p:ext uri="{BB962C8B-B14F-4D97-AF65-F5344CB8AC3E}">
-        <p14:creationId xmlns:p14="http://schemas.microsoft.com/office/powerpoint/2010/main" val="193730728"/>
-      </p:ext>
-    </p:extLst>
-  </p:cSld>
-  <p:clrMapOvr>
-    <a:masterClrMapping/>
-  </p:clrMapOvr>
-  <p:timing>
-    <p:tnLst>
-      <p:par>
-        <p:cTn id="1" dur="indefinite" restart="never" nodeType="tmRoot"/>
-      </p:par>
-    </p:tnLst>
-  </p:timing>
-</p:sld>
-</file>
-
 <file path=ppt/slides/slide2.xml><?xml version="1.0" encoding="utf-8"?>
 <p:sld xmlns:a="http://schemas.openxmlformats.org/drawingml/2006/main" xmlns:r="http://schemas.openxmlformats.org/officeDocument/2006/relationships" xmlns:p="http://schemas.openxmlformats.org/presentationml/2006/main">
   <p:cSld>
@@ -7893,315 +5078,6 @@
     <p:extLst>
       <p:ext uri="{BB962C8B-B14F-4D97-AF65-F5344CB8AC3E}">
         <p14:creationId xmlns:p14="http://schemas.microsoft.com/office/powerpoint/2010/main" val="4154441751"/>
-      </p:ext>
-    </p:extLst>
-  </p:cSld>
-  <p:clrMapOvr>
-    <a:masterClrMapping/>
-  </p:clrMapOvr>
-</p:sld>
-</file>
-
-<file path=ppt/slides/slide20.xml><?xml version="1.0" encoding="utf-8"?>
-<p:sld xmlns:a="http://schemas.openxmlformats.org/drawingml/2006/main" xmlns:r="http://schemas.openxmlformats.org/officeDocument/2006/relationships" xmlns:p="http://schemas.openxmlformats.org/presentationml/2006/main">
-  <p:cSld>
-    <p:spTree>
-      <p:nvGrpSpPr>
-        <p:cNvPr id="1" name=""/>
-        <p:cNvGrpSpPr/>
-        <p:nvPr/>
-      </p:nvGrpSpPr>
-      <p:grpSpPr>
-        <a:xfrm>
-          <a:off x="0" y="0"/>
-          <a:ext cx="0" cy="0"/>
-          <a:chOff x="0" y="0"/>
-          <a:chExt cx="0" cy="0"/>
-        </a:xfrm>
-      </p:grpSpPr>
-      <p:sp>
-        <p:nvSpPr>
-          <p:cNvPr id="2" name="標題 1"/>
-          <p:cNvSpPr>
-            <a:spLocks noGrp="1"/>
-          </p:cNvSpPr>
-          <p:nvPr>
-            <p:ph type="title"/>
-          </p:nvPr>
-        </p:nvSpPr>
-        <p:spPr/>
-        <p:txBody>
-          <a:bodyPr/>
-          <a:lstStyle/>
-          <a:p>
-            <a:r>
-              <a:rPr lang="en-US" altLang="zh-TW" dirty="0" smtClean="0"/>
-              <a:t>Parameter</a:t>
-            </a:r>
-            <a:endParaRPr lang="zh-TW" altLang="en-US" dirty="0"/>
-          </a:p>
-        </p:txBody>
-      </p:sp>
-      <p:sp>
-        <p:nvSpPr>
-          <p:cNvPr id="3" name="內容版面配置區 2"/>
-          <p:cNvSpPr>
-            <a:spLocks noGrp="1"/>
-          </p:cNvSpPr>
-          <p:nvPr>
-            <p:ph idx="1"/>
-          </p:nvPr>
-        </p:nvSpPr>
-        <p:spPr/>
-        <p:txBody>
-          <a:bodyPr>
-            <a:normAutofit lnSpcReduction="10000"/>
-          </a:bodyPr>
-          <a:lstStyle/>
-          <a:p>
-            <a:r>
-              <a:rPr lang="en-US" altLang="zh-TW" dirty="0" err="1" smtClean="0"/>
-              <a:t>pYear</a:t>
-            </a:r>
-            <a:endParaRPr lang="en-US" altLang="zh-TW" dirty="0" smtClean="0"/>
-          </a:p>
-          <a:p>
-            <a:r>
-              <a:rPr lang="en-US" altLang="zh-TW" dirty="0" err="1" smtClean="0"/>
-              <a:t>pConf</a:t>
-            </a:r>
-            <a:endParaRPr lang="en-US" altLang="zh-TW" dirty="0" smtClean="0"/>
-          </a:p>
-          <a:p>
-            <a:r>
-              <a:rPr lang="en-US" altLang="zh-TW" dirty="0" err="1" smtClean="0"/>
-              <a:t>pPaper</a:t>
-            </a:r>
-            <a:endParaRPr lang="en-US" altLang="zh-TW" dirty="0" smtClean="0"/>
-          </a:p>
-          <a:p>
-            <a:r>
-              <a:rPr lang="en-US" altLang="zh-TW" dirty="0" err="1" smtClean="0"/>
-              <a:t>pPredictYear</a:t>
-            </a:r>
-            <a:endParaRPr lang="en-US" altLang="zh-TW" dirty="0" smtClean="0"/>
-          </a:p>
-          <a:p>
-            <a:r>
-              <a:rPr lang="en-US" altLang="zh-TW" dirty="0" err="1" smtClean="0"/>
-              <a:t>pPageRank</a:t>
-            </a:r>
-            <a:endParaRPr lang="en-US" altLang="zh-TW" dirty="0" smtClean="0"/>
-          </a:p>
-          <a:p>
-            <a:r>
-              <a:rPr lang="en-US" altLang="zh-TW" dirty="0" err="1" smtClean="0"/>
-              <a:t>pNumofAuthor</a:t>
-            </a:r>
-            <a:endParaRPr lang="en-US" altLang="zh-TW" dirty="0" smtClean="0"/>
-          </a:p>
-          <a:p>
-            <a:r>
-              <a:rPr lang="en-US" altLang="zh-TW" dirty="0" err="1" smtClean="0"/>
-              <a:t>pBFSlimit</a:t>
-            </a:r>
-            <a:endParaRPr lang="en-US" altLang="zh-TW" dirty="0" smtClean="0"/>
-          </a:p>
-          <a:p>
-            <a:r>
-              <a:rPr lang="en-US" altLang="zh-TW" dirty="0" err="1" smtClean="0"/>
-              <a:t>pThreshold</a:t>
-            </a:r>
-            <a:endParaRPr lang="zh-TW" altLang="en-US" dirty="0"/>
-          </a:p>
-        </p:txBody>
-      </p:sp>
-    </p:spTree>
-    <p:extLst>
-      <p:ext uri="{BB962C8B-B14F-4D97-AF65-F5344CB8AC3E}">
-        <p14:creationId xmlns:p14="http://schemas.microsoft.com/office/powerpoint/2010/main" val="1676197269"/>
-      </p:ext>
-    </p:extLst>
-  </p:cSld>
-  <p:clrMapOvr>
-    <a:masterClrMapping/>
-  </p:clrMapOvr>
-</p:sld>
-</file>
-
-<file path=ppt/slides/slide21.xml><?xml version="1.0" encoding="utf-8"?>
-<p:sld xmlns:a="http://schemas.openxmlformats.org/drawingml/2006/main" xmlns:r="http://schemas.openxmlformats.org/officeDocument/2006/relationships" xmlns:p="http://schemas.openxmlformats.org/presentationml/2006/main">
-  <p:cSld>
-    <p:spTree>
-      <p:nvGrpSpPr>
-        <p:cNvPr id="1" name=""/>
-        <p:cNvGrpSpPr/>
-        <p:nvPr/>
-      </p:nvGrpSpPr>
-      <p:grpSpPr>
-        <a:xfrm>
-          <a:off x="0" y="0"/>
-          <a:ext cx="0" cy="0"/>
-          <a:chOff x="0" y="0"/>
-          <a:chExt cx="0" cy="0"/>
-        </a:xfrm>
-      </p:grpSpPr>
-      <p:sp>
-        <p:nvSpPr>
-          <p:cNvPr id="2" name="標題 1"/>
-          <p:cNvSpPr>
-            <a:spLocks noGrp="1"/>
-          </p:cNvSpPr>
-          <p:nvPr>
-            <p:ph type="title"/>
-          </p:nvPr>
-        </p:nvSpPr>
-        <p:spPr/>
-        <p:txBody>
-          <a:bodyPr/>
-          <a:lstStyle/>
-          <a:p>
-            <a:r>
-              <a:rPr lang="zh-TW" altLang="en-US" dirty="0" smtClean="0"/>
-              <a:t>原本想的作法</a:t>
-            </a:r>
-            <a:endParaRPr lang="zh-TW" altLang="en-US" dirty="0"/>
-          </a:p>
-        </p:txBody>
-      </p:sp>
-      <p:sp>
-        <p:nvSpPr>
-          <p:cNvPr id="3" name="內容版面配置區 2"/>
-          <p:cNvSpPr>
-            <a:spLocks noGrp="1"/>
-          </p:cNvSpPr>
-          <p:nvPr>
-            <p:ph idx="1"/>
-          </p:nvPr>
-        </p:nvSpPr>
-        <p:spPr/>
-        <p:txBody>
-          <a:bodyPr/>
-          <a:lstStyle/>
-          <a:p>
-            <a:r>
-              <a:rPr lang="zh-TW" altLang="en-US" dirty="0" smtClean="0"/>
-              <a:t>其實我原本是希望</a:t>
-            </a:r>
-            <a:r>
-              <a:rPr lang="en-US" altLang="zh-TW" dirty="0" smtClean="0"/>
-              <a:t>edge(</a:t>
-            </a:r>
-            <a:r>
-              <a:rPr lang="en-US" altLang="zh-TW" dirty="0" err="1" smtClean="0"/>
-              <a:t>i,j</a:t>
-            </a:r>
-            <a:r>
-              <a:rPr lang="en-US" altLang="zh-TW" dirty="0" smtClean="0"/>
-              <a:t>)</a:t>
-            </a:r>
-            <a:r>
-              <a:rPr lang="zh-TW" altLang="en-US" dirty="0" smtClean="0"/>
-              <a:t>的</a:t>
-            </a:r>
-            <a:r>
-              <a:rPr lang="en-US" altLang="zh-TW" dirty="0" smtClean="0"/>
-              <a:t>Weight</a:t>
-            </a:r>
-            <a:r>
-              <a:rPr lang="zh-TW" altLang="en-US" dirty="0" smtClean="0"/>
-              <a:t>代表的是</a:t>
-            </a:r>
-            <a:r>
-              <a:rPr lang="en-US" altLang="zh-TW" dirty="0" err="1" smtClean="0"/>
-              <a:t>i,j</a:t>
-            </a:r>
-            <a:r>
-              <a:rPr lang="zh-TW" altLang="en-US" dirty="0" smtClean="0"/>
-              <a:t>直接合作的機率</a:t>
-            </a:r>
-            <a:endParaRPr lang="en-US" altLang="zh-TW" dirty="0" smtClean="0"/>
-          </a:p>
-          <a:p>
-            <a:r>
-              <a:rPr lang="zh-TW" altLang="en-US" dirty="0" smtClean="0"/>
-              <a:t>然後</a:t>
-            </a:r>
-            <a:r>
-              <a:rPr lang="en-US" altLang="zh-TW" dirty="0" err="1" smtClean="0"/>
-              <a:t>PathWeight</a:t>
-            </a:r>
-            <a:r>
-              <a:rPr lang="zh-TW" altLang="en-US" dirty="0" smtClean="0"/>
-              <a:t>就直接連乘</a:t>
-            </a:r>
-            <a:r>
-              <a:rPr lang="en-US" altLang="zh-TW" dirty="0" smtClean="0"/>
-              <a:t>edge weight</a:t>
-            </a:r>
-          </a:p>
-          <a:p>
-            <a:r>
-              <a:rPr lang="zh-TW" altLang="en-US" dirty="0" smtClean="0"/>
-              <a:t>決定</a:t>
-            </a:r>
-            <a:r>
-              <a:rPr lang="en-US" altLang="zh-TW" dirty="0" smtClean="0"/>
-              <a:t>(</a:t>
-            </a:r>
-            <a:r>
-              <a:rPr lang="en-US" altLang="zh-TW" dirty="0" err="1" smtClean="0"/>
-              <a:t>i,j</a:t>
-            </a:r>
-            <a:r>
-              <a:rPr lang="en-US" altLang="zh-TW" dirty="0" smtClean="0"/>
-              <a:t>)</a:t>
-            </a:r>
-            <a:r>
-              <a:rPr lang="zh-TW" altLang="en-US" dirty="0" smtClean="0"/>
-              <a:t>有沒有合作則是把</a:t>
-            </a:r>
-            <a:r>
-              <a:rPr lang="en-US" altLang="zh-TW" dirty="0" err="1" smtClean="0"/>
-              <a:t>PathWeight</a:t>
-            </a:r>
-            <a:r>
-              <a:rPr lang="zh-TW" altLang="en-US" dirty="0" smtClean="0"/>
-              <a:t>取聯集</a:t>
-            </a:r>
-            <a:r>
-              <a:rPr lang="zh-TW" altLang="en-US" dirty="0"/>
-              <a:t>看有沒有大於</a:t>
-            </a:r>
-            <a:r>
-              <a:rPr lang="en-US" altLang="zh-TW" dirty="0" smtClean="0"/>
-              <a:t>Threshold</a:t>
-            </a:r>
-          </a:p>
-          <a:p>
-            <a:endParaRPr lang="en-US" altLang="zh-TW" dirty="0"/>
-          </a:p>
-          <a:p>
-            <a:r>
-              <a:rPr lang="zh-TW" altLang="en-US" dirty="0" smtClean="0"/>
-              <a:t>不過這想法再決定</a:t>
-            </a:r>
-            <a:r>
-              <a:rPr lang="en-US" altLang="zh-TW" dirty="0" smtClean="0"/>
-              <a:t>edge weight</a:t>
-            </a:r>
-            <a:r>
-              <a:rPr lang="zh-TW" altLang="en-US" dirty="0" smtClean="0"/>
-              <a:t>的時候我有點卡住，就先寫成別的做法</a:t>
-            </a:r>
-            <a:endParaRPr lang="en-US" altLang="zh-TW" dirty="0"/>
-          </a:p>
-        </p:txBody>
-      </p:sp>
-    </p:spTree>
-    <p:extLst>
-      <p:ext uri="{BB962C8B-B14F-4D97-AF65-F5344CB8AC3E}">
-        <p14:creationId xmlns:p14="http://schemas.microsoft.com/office/powerpoint/2010/main" val="298382098"/>
       </p:ext>
     </p:extLst>
   </p:cSld>

--- a/Project/Readme_v2.pptx
+++ b/Project/Readme_v2.pptx
@@ -118,7 +118,7 @@
   </p:defaultTextStyle>
   <p:extLst>
     <p:ext uri="{EFAFB233-063F-42B5-8137-9DF3F51BA10A}">
-      <p15:sldGuideLst xmlns="" xmlns:p15="http://schemas.microsoft.com/office/powerpoint/2012/main">
+      <p15:sldGuideLst xmlns:p15="http://schemas.microsoft.com/office/powerpoint/2012/main">
         <p15:guide id="1" orient="horz" pos="2160">
           <p15:clr>
             <a:srgbClr val="A4A3A4"/>
@@ -384,11 +384,11 @@
         </c:dLbls>
         <c:gapWidth val="75"/>
         <c:overlap val="-25"/>
-        <c:axId val="75487872"/>
-        <c:axId val="81640064"/>
+        <c:axId val="216578816"/>
+        <c:axId val="216579376"/>
       </c:barChart>
       <c:catAx>
-        <c:axId val="75487872"/>
+        <c:axId val="216578816"/>
         <c:scaling>
           <c:orientation val="minMax"/>
         </c:scaling>
@@ -431,7 +431,7 @@
             <a:endParaRPr lang="zh-TW"/>
           </a:p>
         </c:txPr>
-        <c:crossAx val="81640064"/>
+        <c:crossAx val="216579376"/>
         <c:crosses val="autoZero"/>
         <c:auto val="1"/>
         <c:lblAlgn val="ctr"/>
@@ -439,7 +439,7 @@
         <c:noMultiLvlLbl val="0"/>
       </c:catAx>
       <c:valAx>
-        <c:axId val="81640064"/>
+        <c:axId val="216579376"/>
         <c:scaling>
           <c:orientation val="minMax"/>
         </c:scaling>
@@ -527,7 +527,7 @@
             <a:endParaRPr lang="zh-TW"/>
           </a:p>
         </c:txPr>
-        <c:crossAx val="75487872"/>
+        <c:crossAx val="216578816"/>
         <c:crosses val="autoZero"/>
         <c:crossBetween val="between"/>
       </c:valAx>
@@ -836,11 +836,11 @@
           <c:showPercent val="0"/>
           <c:showBubbleSize val="0"/>
         </c:dLbls>
-        <c:axId val="77558144"/>
-        <c:axId val="77560448"/>
+        <c:axId val="216581616"/>
+        <c:axId val="216582176"/>
       </c:scatterChart>
       <c:valAx>
-        <c:axId val="77558144"/>
+        <c:axId val="216581616"/>
         <c:scaling>
           <c:orientation val="minMax"/>
         </c:scaling>
@@ -938,12 +938,12 @@
             <a:endParaRPr lang="zh-TW"/>
           </a:p>
         </c:txPr>
-        <c:crossAx val="77560448"/>
+        <c:crossAx val="216582176"/>
         <c:crosses val="autoZero"/>
         <c:crossBetween val="midCat"/>
       </c:valAx>
       <c:valAx>
-        <c:axId val="77560448"/>
+        <c:axId val="216582176"/>
         <c:scaling>
           <c:orientation val="minMax"/>
         </c:scaling>
@@ -1036,7 +1036,7 @@
             <a:endParaRPr lang="zh-TW"/>
           </a:p>
         </c:txPr>
-        <c:crossAx val="77558144"/>
+        <c:crossAx val="216581616"/>
         <c:crosses val="autoZero"/>
         <c:crossBetween val="midCat"/>
       </c:valAx>
@@ -1315,11 +1315,11 @@
           <c:showPercent val="0"/>
           <c:showBubbleSize val="0"/>
         </c:dLbls>
-        <c:axId val="77585408"/>
-        <c:axId val="81659392"/>
+        <c:axId val="216584416"/>
+        <c:axId val="216584976"/>
       </c:scatterChart>
       <c:valAx>
-        <c:axId val="77585408"/>
+        <c:axId val="216584416"/>
         <c:scaling>
           <c:orientation val="minMax"/>
         </c:scaling>
@@ -1419,12 +1419,12 @@
             <a:endParaRPr lang="zh-TW"/>
           </a:p>
         </c:txPr>
-        <c:crossAx val="81659392"/>
+        <c:crossAx val="216584976"/>
         <c:crosses val="autoZero"/>
         <c:crossBetween val="midCat"/>
       </c:valAx>
       <c:valAx>
-        <c:axId val="81659392"/>
+        <c:axId val="216584976"/>
         <c:scaling>
           <c:orientation val="minMax"/>
         </c:scaling>
@@ -1518,7 +1518,7 @@
             <a:endParaRPr lang="zh-TW"/>
           </a:p>
         </c:txPr>
-        <c:crossAx val="77585408"/>
+        <c:crossAx val="216584416"/>
         <c:crosses val="autoZero"/>
         <c:crossBetween val="midCat"/>
       </c:valAx>
@@ -5360,7 +5360,11 @@
             <a:pPr lvl="0"/>
             <a:r>
               <a:rPr lang="en-US" altLang="zh-TW" dirty="0"/>
-              <a:t>Weighted Sum of Common Neighbors (2011Sa)</a:t>
+              <a:t>Weighted Sum of Common Neighbors </a:t>
+            </a:r>
+            <a:r>
+              <a:rPr lang="en-US" altLang="zh-TW" dirty="0" smtClean="0"/>
+              <a:t>(2011Sá)</a:t>
             </a:r>
             <a:endParaRPr lang="zh-TW" altLang="zh-TW" dirty="0"/>
           </a:p>
@@ -5420,18 +5424,23 @@
             <a:pPr lvl="0"/>
             <a:r>
               <a:rPr lang="en-US" altLang="zh-TW" dirty="0"/>
-              <a:t>Weighted Clustering Index (2011Sa</a:t>
+              <a:t>Weighted Clustering Index </a:t>
             </a:r>
             <a:r>
               <a:rPr lang="en-US" altLang="zh-TW" dirty="0" smtClean="0"/>
-              <a:t>)</a:t>
-            </a:r>
+              <a:t>(2011Sá)</a:t>
+            </a:r>
+            <a:endParaRPr lang="en-US" altLang="zh-TW" dirty="0" smtClean="0"/>
           </a:p>
           <a:p>
             <a:pPr lvl="0"/>
             <a:r>
               <a:rPr lang="en-US" altLang="zh-TW" dirty="0"/>
-              <a:t>Salton Index (2010Lu)</a:t>
+              <a:t>Salton Index </a:t>
+            </a:r>
+            <a:r>
+              <a:rPr lang="en-US" altLang="zh-TW" dirty="0" smtClean="0"/>
+              <a:t>(2010Lü)</a:t>
             </a:r>
             <a:endParaRPr lang="zh-TW" altLang="zh-TW" dirty="0"/>
           </a:p>
@@ -5443,7 +5452,11 @@
             </a:r>
             <a:r>
               <a:rPr lang="en-US" altLang="zh-TW" dirty="0"/>
-              <a:t> Index (2010Lu)</a:t>
+              <a:t> Index </a:t>
+            </a:r>
+            <a:r>
+              <a:rPr lang="en-US" altLang="zh-TW" dirty="0" smtClean="0"/>
+              <a:t>(2010Lü)</a:t>
             </a:r>
             <a:endParaRPr lang="zh-TW" altLang="zh-TW" dirty="0"/>
           </a:p>
@@ -5459,7 +5472,11 @@
             </a:r>
             <a:r>
               <a:rPr lang="en-US" altLang="zh-TW" dirty="0"/>
-              <a:t> Index (2011Sa)</a:t>
+              <a:t> Index </a:t>
+            </a:r>
+            <a:r>
+              <a:rPr lang="en-US" altLang="zh-TW" dirty="0" smtClean="0"/>
+              <a:t>(2011Sá)</a:t>
             </a:r>
             <a:endParaRPr lang="zh-TW" altLang="zh-TW" dirty="0"/>
           </a:p>
@@ -5541,7 +5558,11 @@
             </a:r>
             <a:r>
               <a:rPr lang="en-US" altLang="zh-TW" dirty="0"/>
-              <a:t>Promoted Index (2010Lu)</a:t>
+              <a:t>Promoted Index </a:t>
+            </a:r>
+            <a:r>
+              <a:rPr lang="en-US" altLang="zh-TW" dirty="0" smtClean="0"/>
+              <a:t>(2010Lü)</a:t>
             </a:r>
             <a:endParaRPr lang="zh-TW" altLang="zh-TW" dirty="0"/>
           </a:p>
@@ -5549,7 +5570,11 @@
             <a:pPr lvl="0"/>
             <a:r>
               <a:rPr lang="en-US" altLang="zh-TW" dirty="0"/>
-              <a:t>Hub Depressed Index (2010Lu)</a:t>
+              <a:t>Hub Depressed Index </a:t>
+            </a:r>
+            <a:r>
+              <a:rPr lang="en-US" altLang="zh-TW" dirty="0" smtClean="0"/>
+              <a:t>(2010Lü)</a:t>
             </a:r>
             <a:endParaRPr lang="zh-TW" altLang="zh-TW" dirty="0"/>
           </a:p>
@@ -5569,7 +5594,11 @@
             </a:r>
             <a:r>
               <a:rPr lang="en-US" altLang="zh-TW" dirty="0"/>
-              <a:t>-Newman Index (2010Lu)</a:t>
+              <a:t>-Newman Index </a:t>
+            </a:r>
+            <a:r>
+              <a:rPr lang="en-US" altLang="zh-TW" dirty="0" smtClean="0"/>
+              <a:t>(2010Lü)</a:t>
             </a:r>
             <a:endParaRPr lang="zh-TW" altLang="zh-TW" dirty="0"/>
           </a:p>
@@ -5577,7 +5606,11 @@
             <a:pPr lvl="0"/>
             <a:r>
               <a:rPr lang="en-US" altLang="zh-TW" dirty="0"/>
-              <a:t>Preferential Attachment Index (2010Lu)</a:t>
+              <a:t>Preferential Attachment Index </a:t>
+            </a:r>
+            <a:r>
+              <a:rPr lang="en-US" altLang="zh-TW" dirty="0" smtClean="0"/>
+              <a:t>(2010Lü)</a:t>
             </a:r>
             <a:endParaRPr lang="zh-TW" altLang="zh-TW" dirty="0"/>
           </a:p>
@@ -5585,7 +5618,11 @@
             <a:pPr lvl="0"/>
             <a:r>
               <a:rPr lang="en-US" altLang="zh-TW" dirty="0"/>
-              <a:t>Weighted Preferential Attachment Index (2011Sa)</a:t>
+              <a:t>Weighted Preferential Attachment Index </a:t>
+            </a:r>
+            <a:r>
+              <a:rPr lang="en-US" altLang="zh-TW" dirty="0" smtClean="0"/>
+              <a:t>(2011Sá)</a:t>
             </a:r>
             <a:endParaRPr lang="zh-TW" altLang="zh-TW" dirty="0"/>
           </a:p>
@@ -5597,7 +5634,11 @@
             </a:r>
             <a:r>
               <a:rPr lang="en-US" altLang="zh-TW" dirty="0"/>
-              <a:t>-Adar Index (2010Lu)</a:t>
+              <a:t>-Adar Index </a:t>
+            </a:r>
+            <a:r>
+              <a:rPr lang="en-US" altLang="zh-TW" dirty="0" smtClean="0"/>
+              <a:t>(2010Lü)</a:t>
             </a:r>
             <a:endParaRPr lang="zh-TW" altLang="zh-TW" dirty="0"/>
           </a:p>
@@ -5613,7 +5654,11 @@
             </a:r>
             <a:r>
               <a:rPr lang="en-US" altLang="zh-TW" dirty="0"/>
-              <a:t>-Adar Index (2011Sa)</a:t>
+              <a:t>-Adar Index </a:t>
+            </a:r>
+            <a:r>
+              <a:rPr lang="en-US" altLang="zh-TW" dirty="0" smtClean="0"/>
+              <a:t>(2011Sá)</a:t>
             </a:r>
             <a:endParaRPr lang="zh-TW" altLang="zh-TW" dirty="0"/>
           </a:p>
@@ -5621,7 +5666,11 @@
             <a:pPr lvl="0"/>
             <a:r>
               <a:rPr lang="en-US" altLang="zh-TW" dirty="0"/>
-              <a:t>Resource Allocation Index (2010Lu)</a:t>
+              <a:t>Resource Allocation Index </a:t>
+            </a:r>
+            <a:r>
+              <a:rPr lang="en-US" altLang="zh-TW" dirty="0" smtClean="0"/>
+              <a:t>(2010Lü)</a:t>
             </a:r>
             <a:endParaRPr lang="zh-TW" altLang="zh-TW" dirty="0"/>
           </a:p>
@@ -5629,7 +5678,11 @@
             <a:pPr lvl="0"/>
             <a:r>
               <a:rPr lang="en-US" altLang="zh-TW" dirty="0"/>
-              <a:t>Weighted Resource Allocation Index (2011Sa)</a:t>
+              <a:t>Weighted Resource Allocation Index </a:t>
+            </a:r>
+            <a:r>
+              <a:rPr lang="en-US" altLang="zh-TW" dirty="0" smtClean="0"/>
+              <a:t>(2011Sá)</a:t>
             </a:r>
             <a:endParaRPr lang="zh-TW" altLang="zh-TW" dirty="0"/>
           </a:p>
@@ -5822,7 +5875,15 @@
           <a:p>
             <a:r>
               <a:rPr lang="en-US" altLang="zh-TW" dirty="0" smtClean="0"/>
-              <a:t>Input: CN3.txt (2008?~2012)</a:t>
+              <a:t>Input: CN3.txt (</a:t>
+            </a:r>
+            <a:r>
+              <a:rPr lang="en-US" altLang="zh-TW" dirty="0" smtClean="0"/>
+              <a:t>2008~2012</a:t>
+            </a:r>
+            <a:r>
+              <a:rPr lang="en-US" altLang="zh-TW" dirty="0" smtClean="0"/>
+              <a:t>)</a:t>
             </a:r>
           </a:p>
           <a:p>
@@ -6664,7 +6725,7 @@
                       <m:fPr>
                         <m:ctrlPr>
                           <a:rPr lang="en-US" altLang="zh-TW" i="1" smtClean="0">
-                            <a:latin typeface="Cambria Math"/>
+                            <a:latin typeface="Cambria Math" panose="02040503050406030204" pitchFamily="18" charset="0"/>
                           </a:rPr>
                         </m:ctrlPr>
                       </m:fPr>
@@ -6720,7 +6781,7 @@
                       <m:fPr>
                         <m:ctrlPr>
                           <a:rPr lang="en-US" altLang="zh-TW" i="1">
-                            <a:latin typeface="Cambria Math"/>
+                            <a:latin typeface="Cambria Math" panose="02040503050406030204" pitchFamily="18" charset="0"/>
                           </a:rPr>
                         </m:ctrlPr>
                       </m:fPr>
@@ -6815,7 +6876,7 @@
         <a:sysClr val="windowText" lastClr="000000"/>
       </a:dk1>
       <a:lt1>
-        <a:sysClr val="window" lastClr="C7EDCC"/>
+        <a:sysClr val="window" lastClr="FFFFFF"/>
       </a:lt1>
       <a:dk2>
         <a:srgbClr val="1F497D"/>

--- a/Project/Readme_v2.pptx
+++ b/Project/Readme_v2.pptx
@@ -2,7 +2,7 @@
 <file path=ppt/presentation.xml><?xml version="1.0" encoding="utf-8"?>
 <p:presentation xmlns:a="http://schemas.openxmlformats.org/drawingml/2006/main" xmlns:r="http://schemas.openxmlformats.org/officeDocument/2006/relationships" xmlns:p="http://schemas.openxmlformats.org/presentationml/2006/main" saveSubsetFonts="1">
   <p:sldMasterIdLst>
-    <p:sldMasterId id="2147483648" r:id="rId1"/>
+    <p:sldMasterId id="2147483660" r:id="rId1"/>
   </p:sldMasterIdLst>
   <p:sldIdLst>
     <p:sldId id="256" r:id="rId2"/>
@@ -118,7 +118,7 @@
   </p:defaultTextStyle>
   <p:extLst>
     <p:ext uri="{EFAFB233-063F-42B5-8137-9DF3F51BA10A}">
-      <p15:sldGuideLst xmlns:p15="http://schemas.microsoft.com/office/powerpoint/2012/main">
+      <p15:sldGuideLst xmlns:p15="http://schemas.microsoft.com/office/powerpoint/2012/main" xmlns="">
         <p15:guide id="1" orient="horz" pos="2160">
           <p15:clr>
             <a:srgbClr val="A4A3A4"/>
@@ -384,11 +384,11 @@
         </c:dLbls>
         <c:gapWidth val="75"/>
         <c:overlap val="-25"/>
-        <c:axId val="216578816"/>
-        <c:axId val="216579376"/>
+        <c:axId val="38380288"/>
+        <c:axId val="100703232"/>
       </c:barChart>
       <c:catAx>
-        <c:axId val="216578816"/>
+        <c:axId val="38380288"/>
         <c:scaling>
           <c:orientation val="minMax"/>
         </c:scaling>
@@ -431,7 +431,7 @@
             <a:endParaRPr lang="zh-TW"/>
           </a:p>
         </c:txPr>
-        <c:crossAx val="216579376"/>
+        <c:crossAx val="100703232"/>
         <c:crosses val="autoZero"/>
         <c:auto val="1"/>
         <c:lblAlgn val="ctr"/>
@@ -439,7 +439,7 @@
         <c:noMultiLvlLbl val="0"/>
       </c:catAx>
       <c:valAx>
-        <c:axId val="216579376"/>
+        <c:axId val="100703232"/>
         <c:scaling>
           <c:orientation val="minMax"/>
         </c:scaling>
@@ -527,7 +527,7 @@
             <a:endParaRPr lang="zh-TW"/>
           </a:p>
         </c:txPr>
-        <c:crossAx val="216578816"/>
+        <c:crossAx val="38380288"/>
         <c:crosses val="autoZero"/>
         <c:crossBetween val="between"/>
       </c:valAx>
@@ -836,11 +836,11 @@
           <c:showPercent val="0"/>
           <c:showBubbleSize val="0"/>
         </c:dLbls>
-        <c:axId val="216581616"/>
-        <c:axId val="216582176"/>
+        <c:axId val="38740736"/>
+        <c:axId val="38743040"/>
       </c:scatterChart>
       <c:valAx>
-        <c:axId val="216581616"/>
+        <c:axId val="38740736"/>
         <c:scaling>
           <c:orientation val="minMax"/>
         </c:scaling>
@@ -938,12 +938,12 @@
             <a:endParaRPr lang="zh-TW"/>
           </a:p>
         </c:txPr>
-        <c:crossAx val="216582176"/>
+        <c:crossAx val="38743040"/>
         <c:crosses val="autoZero"/>
         <c:crossBetween val="midCat"/>
       </c:valAx>
       <c:valAx>
-        <c:axId val="216582176"/>
+        <c:axId val="38743040"/>
         <c:scaling>
           <c:orientation val="minMax"/>
         </c:scaling>
@@ -1036,7 +1036,7 @@
             <a:endParaRPr lang="zh-TW"/>
           </a:p>
         </c:txPr>
-        <c:crossAx val="216581616"/>
+        <c:crossAx val="38740736"/>
         <c:crosses val="autoZero"/>
         <c:crossBetween val="midCat"/>
       </c:valAx>
@@ -1315,11 +1315,11 @@
           <c:showPercent val="0"/>
           <c:showBubbleSize val="0"/>
         </c:dLbls>
-        <c:axId val="216584416"/>
-        <c:axId val="216584976"/>
+        <c:axId val="38772096"/>
+        <c:axId val="38795136"/>
       </c:scatterChart>
       <c:valAx>
-        <c:axId val="216584416"/>
+        <c:axId val="38772096"/>
         <c:scaling>
           <c:orientation val="minMax"/>
         </c:scaling>
@@ -1419,12 +1419,12 @@
             <a:endParaRPr lang="zh-TW"/>
           </a:p>
         </c:txPr>
-        <c:crossAx val="216584976"/>
+        <c:crossAx val="38795136"/>
         <c:crosses val="autoZero"/>
         <c:crossBetween val="midCat"/>
       </c:valAx>
       <c:valAx>
-        <c:axId val="216584976"/>
+        <c:axId val="38795136"/>
         <c:scaling>
           <c:orientation val="minMax"/>
         </c:scaling>
@@ -1518,7 +1518,7 @@
             <a:endParaRPr lang="zh-TW"/>
           </a:p>
         </c:txPr>
-        <c:crossAx val="216584416"/>
+        <c:crossAx val="38772096"/>
         <c:crosses val="autoZero"/>
         <c:crossBetween val="midCat"/>
       </c:valAx>
@@ -1566,8 +1566,13 @@
 </file>
 
 <file path=ppt/slideLayouts/slideLayout1.xml><?xml version="1.0" encoding="utf-8"?>
-<p:sldLayout xmlns:a="http://schemas.openxmlformats.org/drawingml/2006/main" xmlns:r="http://schemas.openxmlformats.org/officeDocument/2006/relationships" xmlns:p="http://schemas.openxmlformats.org/presentationml/2006/main" type="title" preserve="1">
+<p:sldLayout xmlns:a="http://schemas.openxmlformats.org/drawingml/2006/main" xmlns:r="http://schemas.openxmlformats.org/officeDocument/2006/relationships" xmlns:p="http://schemas.openxmlformats.org/presentationml/2006/main" showMasterSp="0" type="title" preserve="1">
   <p:cSld name="標題投影片">
+    <p:bg>
+      <p:bgRef idx="1001">
+        <a:schemeClr val="bg2"/>
+      </p:bgRef>
+    </p:bg>
     <p:spTree>
       <p:nvGrpSpPr>
         <p:cNvPr id="1" name=""/>
@@ -1584,35 +1589,181 @@
       </p:grpSpPr>
       <p:sp>
         <p:nvSpPr>
-          <p:cNvPr id="2" name="標題 1"/>
-          <p:cNvSpPr>
-            <a:spLocks noGrp="1"/>
-          </p:cNvSpPr>
-          <p:nvPr>
-            <p:ph type="ctrTitle"/>
-          </p:nvPr>
+          <p:cNvPr id="7" name="矩形 6"/>
+          <p:cNvSpPr/>
+          <p:nvPr/>
+        </p:nvSpPr>
+        <p:spPr bwMode="white">
+          <a:xfrm>
+            <a:off x="0" y="5971032"/>
+            <a:ext cx="9144000" cy="886968"/>
+          </a:xfrm>
+          <a:prstGeom prst="rect">
+            <a:avLst/>
+          </a:prstGeom>
+          <a:solidFill>
+            <a:srgbClr val="FFFFFF"/>
+          </a:solidFill>
+          <a:ln w="50800" cap="rnd" cmpd="dbl" algn="ctr">
+            <a:noFill/>
+            <a:prstDash val="solid"/>
+          </a:ln>
+          <a:effectLst/>
+        </p:spPr>
+        <p:style>
+          <a:lnRef idx="3">
+            <a:schemeClr val="lt1"/>
+          </a:lnRef>
+          <a:fillRef idx="1">
+            <a:schemeClr val="accent1"/>
+          </a:fillRef>
+          <a:effectRef idx="1">
+            <a:schemeClr val="accent1"/>
+          </a:effectRef>
+          <a:fontRef idx="minor">
+            <a:schemeClr val="lt1"/>
+          </a:fontRef>
+        </p:style>
+        <p:txBody>
+          <a:bodyPr anchor="ctr"/>
+          <a:lstStyle/>
+          <a:p>
+            <a:pPr algn="ctr" eaLnBrk="1" latinLnBrk="0" hangingPunct="1"/>
+            <a:endParaRPr kumimoji="0" lang="en-US"/>
+          </a:p>
+        </p:txBody>
+      </p:sp>
+      <p:sp>
+        <p:nvSpPr>
+          <p:cNvPr id="10" name="矩形 9"/>
+          <p:cNvSpPr/>
+          <p:nvPr/>
         </p:nvSpPr>
         <p:spPr>
           <a:xfrm>
-            <a:off x="685800" y="2130425"/>
-            <a:ext cx="7772400" cy="1470025"/>
+            <a:off x="-9144" y="6053328"/>
+            <a:ext cx="2249424" cy="713232"/>
+          </a:xfrm>
+          <a:prstGeom prst="rect">
+            <a:avLst/>
+          </a:prstGeom>
+          <a:solidFill>
+            <a:schemeClr val="accent2">
+              <a:alpha val="100000"/>
+            </a:schemeClr>
+          </a:solidFill>
+          <a:ln w="50800" cap="rnd" cmpd="dbl" algn="ctr">
+            <a:noFill/>
+            <a:prstDash val="solid"/>
+          </a:ln>
+          <a:effectLst/>
+        </p:spPr>
+        <p:style>
+          <a:lnRef idx="3">
+            <a:schemeClr val="lt1"/>
+          </a:lnRef>
+          <a:fillRef idx="1">
+            <a:schemeClr val="accent1"/>
+          </a:fillRef>
+          <a:effectRef idx="1">
+            <a:schemeClr val="accent1"/>
+          </a:effectRef>
+          <a:fontRef idx="minor">
+            <a:schemeClr val="lt1"/>
+          </a:fontRef>
+        </p:style>
+        <p:txBody>
+          <a:bodyPr anchor="ctr"/>
+          <a:lstStyle/>
+          <a:p>
+            <a:pPr algn="ctr" eaLnBrk="1" latinLnBrk="0" hangingPunct="1"/>
+            <a:endParaRPr kumimoji="0" lang="en-US"/>
+          </a:p>
+        </p:txBody>
+      </p:sp>
+      <p:sp>
+        <p:nvSpPr>
+          <p:cNvPr id="11" name="矩形 10"/>
+          <p:cNvSpPr/>
+          <p:nvPr/>
+        </p:nvSpPr>
+        <p:spPr>
+          <a:xfrm>
+            <a:off x="2359152" y="6044184"/>
+            <a:ext cx="6784848" cy="713232"/>
+          </a:xfrm>
+          <a:prstGeom prst="rect">
+            <a:avLst/>
+          </a:prstGeom>
+          <a:solidFill>
+            <a:schemeClr val="accent1">
+              <a:alpha val="100000"/>
+            </a:schemeClr>
+          </a:solidFill>
+          <a:ln w="50800" cap="rnd" cmpd="dbl" algn="ctr">
+            <a:noFill/>
+            <a:prstDash val="solid"/>
+          </a:ln>
+          <a:effectLst/>
+        </p:spPr>
+        <p:style>
+          <a:lnRef idx="3">
+            <a:schemeClr val="lt1"/>
+          </a:lnRef>
+          <a:fillRef idx="1">
+            <a:schemeClr val="accent1"/>
+          </a:fillRef>
+          <a:effectRef idx="1">
+            <a:schemeClr val="accent1"/>
+          </a:effectRef>
+          <a:fontRef idx="minor">
+            <a:schemeClr val="lt1"/>
+          </a:fontRef>
+        </p:style>
+        <p:txBody>
+          <a:bodyPr anchor="ctr"/>
+          <a:lstStyle/>
+          <a:p>
+            <a:pPr algn="ctr" eaLnBrk="1" latinLnBrk="0" hangingPunct="1"/>
+            <a:endParaRPr kumimoji="0" lang="en-US"/>
+          </a:p>
+        </p:txBody>
+      </p:sp>
+      <p:sp>
+        <p:nvSpPr>
+          <p:cNvPr id="8" name="標題 7"/>
+          <p:cNvSpPr>
+            <a:spLocks noGrp="1"/>
+          </p:cNvSpPr>
+          <p:nvPr>
+            <p:ph type="ctrTitle"/>
+          </p:nvPr>
+        </p:nvSpPr>
+        <p:spPr>
+          <a:xfrm>
+            <a:off x="2362200" y="4038600"/>
+            <a:ext cx="6477000" cy="1828800"/>
           </a:xfrm>
         </p:spPr>
         <p:txBody>
-          <a:bodyPr/>
-          <a:lstStyle/>
-          <a:p>
-            <a:r>
-              <a:rPr lang="zh-TW" altLang="en-US" smtClean="0"/>
+          <a:bodyPr anchor="b"/>
+          <a:lstStyle>
+            <a:lvl1pPr>
+              <a:defRPr cap="all" baseline="0"/>
+            </a:lvl1pPr>
+          </a:lstStyle>
+          <a:p>
+            <a:r>
+              <a:rPr kumimoji="0" lang="zh-TW" altLang="en-US" smtClean="0"/>
               <a:t>按一下以編輯母片標題樣式</a:t>
             </a:r>
-            <a:endParaRPr lang="zh-TW" altLang="en-US"/>
-          </a:p>
-        </p:txBody>
-      </p:sp>
-      <p:sp>
-        <p:nvSpPr>
-          <p:cNvPr id="3" name="副標題 2"/>
+            <a:endParaRPr kumimoji="0" lang="en-US"/>
+          </a:p>
+        </p:txBody>
+      </p:sp>
+      <p:sp>
+        <p:nvSpPr>
+          <p:cNvPr id="9" name="副標題 8"/>
           <p:cNvSpPr>
             <a:spLocks noGrp="1"/>
           </p:cNvSpPr>
@@ -1622,127 +1773,86 @@
         </p:nvSpPr>
         <p:spPr>
           <a:xfrm>
-            <a:off x="1371600" y="3886200"/>
-            <a:ext cx="6400800" cy="1752600"/>
+            <a:off x="2362200" y="6050037"/>
+            <a:ext cx="6705600" cy="685800"/>
           </a:xfrm>
         </p:spPr>
         <p:txBody>
-          <a:bodyPr/>
+          <a:bodyPr anchor="ctr">
+            <a:normAutofit/>
+          </a:bodyPr>
           <a:lstStyle>
-            <a:lvl1pPr marL="0" indent="0" algn="ctr">
+            <a:lvl1pPr marL="0" indent="0" algn="l">
               <a:buNone/>
-              <a:defRPr>
+              <a:defRPr sz="2600">
                 <a:solidFill>
-                  <a:schemeClr val="tx1">
-                    <a:tint val="75000"/>
-                  </a:schemeClr>
+                  <a:srgbClr val="FFFFFF"/>
                 </a:solidFill>
               </a:defRPr>
             </a:lvl1pPr>
             <a:lvl2pPr marL="457200" indent="0" algn="ctr">
               <a:buNone/>
-              <a:defRPr>
-                <a:solidFill>
-                  <a:schemeClr val="tx1">
-                    <a:tint val="75000"/>
-                  </a:schemeClr>
-                </a:solidFill>
-              </a:defRPr>
             </a:lvl2pPr>
             <a:lvl3pPr marL="914400" indent="0" algn="ctr">
               <a:buNone/>
-              <a:defRPr>
-                <a:solidFill>
-                  <a:schemeClr val="tx1">
-                    <a:tint val="75000"/>
-                  </a:schemeClr>
-                </a:solidFill>
-              </a:defRPr>
             </a:lvl3pPr>
             <a:lvl4pPr marL="1371600" indent="0" algn="ctr">
               <a:buNone/>
-              <a:defRPr>
-                <a:solidFill>
-                  <a:schemeClr val="tx1">
-                    <a:tint val="75000"/>
-                  </a:schemeClr>
-                </a:solidFill>
-              </a:defRPr>
             </a:lvl4pPr>
             <a:lvl5pPr marL="1828800" indent="0" algn="ctr">
               <a:buNone/>
-              <a:defRPr>
-                <a:solidFill>
-                  <a:schemeClr val="tx1">
-                    <a:tint val="75000"/>
-                  </a:schemeClr>
-                </a:solidFill>
-              </a:defRPr>
             </a:lvl5pPr>
             <a:lvl6pPr marL="2286000" indent="0" algn="ctr">
               <a:buNone/>
-              <a:defRPr>
-                <a:solidFill>
-                  <a:schemeClr val="tx1">
-                    <a:tint val="75000"/>
-                  </a:schemeClr>
-                </a:solidFill>
-              </a:defRPr>
             </a:lvl6pPr>
             <a:lvl7pPr marL="2743200" indent="0" algn="ctr">
               <a:buNone/>
-              <a:defRPr>
-                <a:solidFill>
-                  <a:schemeClr val="tx1">
-                    <a:tint val="75000"/>
-                  </a:schemeClr>
-                </a:solidFill>
-              </a:defRPr>
             </a:lvl7pPr>
             <a:lvl8pPr marL="3200400" indent="0" algn="ctr">
               <a:buNone/>
-              <a:defRPr>
-                <a:solidFill>
-                  <a:schemeClr val="tx1">
-                    <a:tint val="75000"/>
-                  </a:schemeClr>
-                </a:solidFill>
-              </a:defRPr>
             </a:lvl8pPr>
             <a:lvl9pPr marL="3657600" indent="0" algn="ctr">
               <a:buNone/>
-              <a:defRPr>
+            </a:lvl9pPr>
+          </a:lstStyle>
+          <a:p>
+            <a:r>
+              <a:rPr kumimoji="0" lang="zh-TW" altLang="en-US" smtClean="0"/>
+              <a:t>按一下以編輯母片副標題樣式</a:t>
+            </a:r>
+            <a:endParaRPr kumimoji="0" lang="en-US"/>
+          </a:p>
+        </p:txBody>
+      </p:sp>
+      <p:sp>
+        <p:nvSpPr>
+          <p:cNvPr id="28" name="日期版面配置區 27"/>
+          <p:cNvSpPr>
+            <a:spLocks noGrp="1"/>
+          </p:cNvSpPr>
+          <p:nvPr>
+            <p:ph type="dt" sz="half" idx="10"/>
+          </p:nvPr>
+        </p:nvSpPr>
+        <p:spPr>
+          <a:xfrm>
+            <a:off x="76200" y="6068699"/>
+            <a:ext cx="2057400" cy="685800"/>
+          </a:xfrm>
+        </p:spPr>
+        <p:txBody>
+          <a:bodyPr>
+            <a:noAutofit/>
+          </a:bodyPr>
+          <a:lstStyle>
+            <a:lvl1pPr algn="ctr">
+              <a:defRPr sz="2000">
                 <a:solidFill>
-                  <a:schemeClr val="tx1">
-                    <a:tint val="75000"/>
-                  </a:schemeClr>
+                  <a:srgbClr val="FFFFFF"/>
                 </a:solidFill>
               </a:defRPr>
-            </a:lvl9pPr>
+            </a:lvl1pPr>
           </a:lstStyle>
-          <a:p>
-            <a:r>
-              <a:rPr lang="zh-TW" altLang="en-US" smtClean="0"/>
-              <a:t>按一下以編輯母片副標題樣式</a:t>
-            </a:r>
-            <a:endParaRPr lang="zh-TW" altLang="en-US"/>
-          </a:p>
-        </p:txBody>
-      </p:sp>
-      <p:sp>
-        <p:nvSpPr>
-          <p:cNvPr id="4" name="日期版面配置區 3"/>
-          <p:cNvSpPr>
-            <a:spLocks noGrp="1"/>
-          </p:cNvSpPr>
-          <p:nvPr>
-            <p:ph type="dt" sz="half" idx="10"/>
-          </p:nvPr>
-        </p:nvSpPr>
-        <p:spPr/>
-        <p:txBody>
-          <a:bodyPr/>
-          <a:lstStyle/>
           <a:p>
             <a:fld id="{5BBEAD13-0566-4C6C-97E7-55F17F24B09F}" type="datetimeFigureOut">
               <a:rPr lang="zh-TW" altLang="en-US" smtClean="0"/>
@@ -1754,7 +1864,7 @@
       </p:sp>
       <p:sp>
         <p:nvSpPr>
-          <p:cNvPr id="5" name="頁尾版面配置區 4"/>
+          <p:cNvPr id="17" name="頁尾版面配置區 16"/>
           <p:cNvSpPr>
             <a:spLocks noGrp="1"/>
           </p:cNvSpPr>
@@ -1762,10 +1872,23 @@
             <p:ph type="ftr" sz="quarter" idx="11"/>
           </p:nvPr>
         </p:nvSpPr>
-        <p:spPr/>
+        <p:spPr>
+          <a:xfrm>
+            <a:off x="2085393" y="236538"/>
+            <a:ext cx="5867400" cy="365125"/>
+          </a:xfrm>
+        </p:spPr>
         <p:txBody>
           <a:bodyPr/>
-          <a:lstStyle/>
+          <a:lstStyle>
+            <a:lvl1pPr algn="r">
+              <a:defRPr>
+                <a:solidFill>
+                  <a:schemeClr val="tx2"/>
+                </a:solidFill>
+              </a:defRPr>
+            </a:lvl1pPr>
+          </a:lstStyle>
           <a:p>
             <a:endParaRPr lang="zh-TW" altLang="en-US"/>
           </a:p>
@@ -1773,7 +1896,7 @@
       </p:sp>
       <p:sp>
         <p:nvSpPr>
-          <p:cNvPr id="6" name="投影片編號版面配置區 5"/>
+          <p:cNvPr id="29" name="投影片編號版面配置區 28"/>
           <p:cNvSpPr>
             <a:spLocks noGrp="1"/>
           </p:cNvSpPr>
@@ -1781,10 +1904,23 @@
             <p:ph type="sldNum" sz="quarter" idx="12"/>
           </p:nvPr>
         </p:nvSpPr>
-        <p:spPr/>
+        <p:spPr>
+          <a:xfrm>
+            <a:off x="8001000" y="228600"/>
+            <a:ext cx="838200" cy="381000"/>
+          </a:xfrm>
+        </p:spPr>
         <p:txBody>
           <a:bodyPr/>
-          <a:lstStyle/>
+          <a:lstStyle>
+            <a:lvl1pPr>
+              <a:defRPr>
+                <a:solidFill>
+                  <a:schemeClr val="tx2"/>
+                </a:solidFill>
+              </a:defRPr>
+            </a:lvl1pPr>
+          </a:lstStyle>
           <a:p>
             <a:fld id="{73DA0BB7-265A-403C-9275-D587AB510EDC}" type="slidenum">
               <a:rPr lang="zh-TW" altLang="en-US" smtClean="0"/>
@@ -1797,7 +1933,7 @@
     </p:spTree>
   </p:cSld>
   <p:clrMapOvr>
-    <a:masterClrMapping/>
+    <a:overrideClrMapping bg1="dk1" tx1="lt1" bg2="dk2" tx2="lt2" accent1="accent1" accent2="accent2" accent3="accent3" accent4="accent4" accent5="accent5" accent6="accent6" hlink="hlink" folHlink="folHlink"/>
   </p:clrMapOvr>
 </p:sldLayout>
 </file>
@@ -1835,10 +1971,10 @@
           <a:lstStyle/>
           <a:p>
             <a:r>
-              <a:rPr lang="zh-TW" altLang="en-US" smtClean="0"/>
+              <a:rPr kumimoji="0" lang="zh-TW" altLang="en-US" smtClean="0"/>
               <a:t>按一下以編輯母片標題樣式</a:t>
             </a:r>
-            <a:endParaRPr lang="zh-TW" altLang="en-US"/>
+            <a:endParaRPr kumimoji="0" lang="en-US"/>
           </a:p>
         </p:txBody>
       </p:sp>
@@ -1857,40 +1993,40 @@
           <a:bodyPr vert="eaVert"/>
           <a:lstStyle/>
           <a:p>
-            <a:pPr lvl="0"/>
+            <a:pPr lvl="0" eaLnBrk="1" latinLnBrk="0" hangingPunct="1"/>
             <a:r>
               <a:rPr lang="zh-TW" altLang="en-US" smtClean="0"/>
               <a:t>按一下以編輯母片文字樣式</a:t>
             </a:r>
           </a:p>
           <a:p>
-            <a:pPr lvl="1"/>
+            <a:pPr lvl="1" eaLnBrk="1" latinLnBrk="0" hangingPunct="1"/>
             <a:r>
               <a:rPr lang="zh-TW" altLang="en-US" smtClean="0"/>
               <a:t>第二層</a:t>
             </a:r>
           </a:p>
           <a:p>
-            <a:pPr lvl="2"/>
+            <a:pPr lvl="2" eaLnBrk="1" latinLnBrk="0" hangingPunct="1"/>
             <a:r>
               <a:rPr lang="zh-TW" altLang="en-US" smtClean="0"/>
               <a:t>第三層</a:t>
             </a:r>
           </a:p>
           <a:p>
-            <a:pPr lvl="3"/>
+            <a:pPr lvl="3" eaLnBrk="1" latinLnBrk="0" hangingPunct="1"/>
             <a:r>
               <a:rPr lang="zh-TW" altLang="en-US" smtClean="0"/>
               <a:t>第四層</a:t>
             </a:r>
           </a:p>
           <a:p>
-            <a:pPr lvl="4"/>
+            <a:pPr lvl="4" eaLnBrk="1" latinLnBrk="0" hangingPunct="1"/>
             <a:r>
               <a:rPr lang="zh-TW" altLang="en-US" smtClean="0"/>
               <a:t>第五層</a:t>
             </a:r>
-            <a:endParaRPr lang="zh-TW" altLang="en-US"/>
+            <a:endParaRPr kumimoji="0" lang="en-US"/>
           </a:p>
         </p:txBody>
       </p:sp>
@@ -1968,8 +2104,13 @@
 </file>
 
 <file path=ppt/slideLayouts/slideLayout11.xml><?xml version="1.0" encoding="utf-8"?>
-<p:sldLayout xmlns:a="http://schemas.openxmlformats.org/drawingml/2006/main" xmlns:r="http://schemas.openxmlformats.org/officeDocument/2006/relationships" xmlns:p="http://schemas.openxmlformats.org/presentationml/2006/main" type="vertTitleAndTx" preserve="1">
+<p:sldLayout xmlns:a="http://schemas.openxmlformats.org/drawingml/2006/main" xmlns:r="http://schemas.openxmlformats.org/officeDocument/2006/relationships" xmlns:p="http://schemas.openxmlformats.org/presentationml/2006/main" showMasterSp="0" type="vertTitleAndTx" preserve="1">
   <p:cSld name="直排標題及文字">
+    <p:bg>
+      <p:bgRef idx="1001">
+        <a:schemeClr val="bg1"/>
+      </p:bgRef>
+    </p:bg>
     <p:spTree>
       <p:nvGrpSpPr>
         <p:cNvPr id="1" name=""/>
@@ -1996,8 +2137,8 @@
         </p:nvSpPr>
         <p:spPr>
           <a:xfrm>
-            <a:off x="6629400" y="274638"/>
-            <a:ext cx="2057400" cy="5851525"/>
+            <a:off x="6553200" y="609600"/>
+            <a:ext cx="2057400" cy="5516563"/>
           </a:xfrm>
         </p:spPr>
         <p:txBody>
@@ -2005,10 +2146,10 @@
           <a:lstStyle/>
           <a:p>
             <a:r>
-              <a:rPr lang="zh-TW" altLang="en-US" smtClean="0"/>
+              <a:rPr kumimoji="0" lang="zh-TW" altLang="en-US" smtClean="0"/>
               <a:t>按一下以編輯母片標題樣式</a:t>
             </a:r>
-            <a:endParaRPr lang="zh-TW" altLang="en-US"/>
+            <a:endParaRPr kumimoji="0" lang="en-US"/>
           </a:p>
         </p:txBody>
       </p:sp>
@@ -2024,48 +2165,48 @@
         </p:nvSpPr>
         <p:spPr>
           <a:xfrm>
-            <a:off x="457200" y="274638"/>
-            <a:ext cx="6019800" cy="5851525"/>
+            <a:off x="457200" y="609600"/>
+            <a:ext cx="5562600" cy="5516564"/>
           </a:xfrm>
         </p:spPr>
         <p:txBody>
           <a:bodyPr vert="eaVert"/>
           <a:lstStyle/>
           <a:p>
-            <a:pPr lvl="0"/>
+            <a:pPr lvl="0" eaLnBrk="1" latinLnBrk="0" hangingPunct="1"/>
             <a:r>
               <a:rPr lang="zh-TW" altLang="en-US" smtClean="0"/>
               <a:t>按一下以編輯母片文字樣式</a:t>
             </a:r>
           </a:p>
           <a:p>
-            <a:pPr lvl="1"/>
+            <a:pPr lvl="1" eaLnBrk="1" latinLnBrk="0" hangingPunct="1"/>
             <a:r>
               <a:rPr lang="zh-TW" altLang="en-US" smtClean="0"/>
               <a:t>第二層</a:t>
             </a:r>
           </a:p>
           <a:p>
-            <a:pPr lvl="2"/>
+            <a:pPr lvl="2" eaLnBrk="1" latinLnBrk="0" hangingPunct="1"/>
             <a:r>
               <a:rPr lang="zh-TW" altLang="en-US" smtClean="0"/>
               <a:t>第三層</a:t>
             </a:r>
           </a:p>
           <a:p>
-            <a:pPr lvl="3"/>
+            <a:pPr lvl="3" eaLnBrk="1" latinLnBrk="0" hangingPunct="1"/>
             <a:r>
               <a:rPr lang="zh-TW" altLang="en-US" smtClean="0"/>
               <a:t>第四層</a:t>
             </a:r>
           </a:p>
           <a:p>
-            <a:pPr lvl="4"/>
+            <a:pPr lvl="4" eaLnBrk="1" latinLnBrk="0" hangingPunct="1"/>
             <a:r>
               <a:rPr lang="zh-TW" altLang="en-US" smtClean="0"/>
               <a:t>第五層</a:t>
             </a:r>
-            <a:endParaRPr lang="zh-TW" altLang="en-US"/>
+            <a:endParaRPr kumimoji="0" lang="en-US"/>
           </a:p>
         </p:txBody>
       </p:sp>
@@ -2079,7 +2220,12 @@
             <p:ph type="dt" sz="half" idx="10"/>
           </p:nvPr>
         </p:nvSpPr>
-        <p:spPr/>
+        <p:spPr>
+          <a:xfrm>
+            <a:off x="6553200" y="6248402"/>
+            <a:ext cx="2209800" cy="365125"/>
+          </a:xfrm>
+        </p:spPr>
         <p:txBody>
           <a:bodyPr/>
           <a:lstStyle/>
@@ -2102,7 +2248,12 @@
             <p:ph type="ftr" sz="quarter" idx="11"/>
           </p:nvPr>
         </p:nvSpPr>
-        <p:spPr/>
+        <p:spPr>
+          <a:xfrm>
+            <a:off x="457201" y="6248207"/>
+            <a:ext cx="5573483" cy="365125"/>
+          </a:xfrm>
+        </p:spPr>
         <p:txBody>
           <a:bodyPr/>
           <a:lstStyle/>
@@ -2113,6 +2264,141 @@
       </p:sp>
       <p:sp>
         <p:nvSpPr>
+          <p:cNvPr id="7" name="矩形 6"/>
+          <p:cNvSpPr/>
+          <p:nvPr/>
+        </p:nvSpPr>
+        <p:spPr bwMode="white">
+          <a:xfrm>
+            <a:off x="6096318" y="0"/>
+            <a:ext cx="320040" cy="6858000"/>
+          </a:xfrm>
+          <a:prstGeom prst="rect">
+            <a:avLst/>
+          </a:prstGeom>
+          <a:solidFill>
+            <a:srgbClr val="FFFFFF"/>
+          </a:solidFill>
+          <a:ln w="19050" cap="flat" cmpd="sng" algn="ctr">
+            <a:noFill/>
+            <a:prstDash val="solid"/>
+          </a:ln>
+        </p:spPr>
+        <p:style>
+          <a:lnRef idx="2">
+            <a:schemeClr val="accent1"/>
+          </a:lnRef>
+          <a:fillRef idx="1">
+            <a:schemeClr val="accent1"/>
+          </a:fillRef>
+          <a:effectRef idx="0">
+            <a:schemeClr val="accent1"/>
+          </a:effectRef>
+          <a:fontRef idx="minor">
+            <a:schemeClr val="lt1"/>
+          </a:fontRef>
+        </p:style>
+        <p:txBody>
+          <a:bodyPr rtlCol="0" anchor="ctr"/>
+          <a:lstStyle/>
+          <a:p>
+            <a:pPr algn="ctr" eaLnBrk="1" latinLnBrk="0" hangingPunct="1"/>
+            <a:endParaRPr kumimoji="0" lang="en-US"/>
+          </a:p>
+        </p:txBody>
+      </p:sp>
+      <p:sp>
+        <p:nvSpPr>
+          <p:cNvPr id="8" name="矩形 7"/>
+          <p:cNvSpPr/>
+          <p:nvPr/>
+        </p:nvSpPr>
+        <p:spPr>
+          <a:xfrm>
+            <a:off x="6142038" y="609600"/>
+            <a:ext cx="228600" cy="6248400"/>
+          </a:xfrm>
+          <a:prstGeom prst="rect">
+            <a:avLst/>
+          </a:prstGeom>
+          <a:solidFill>
+            <a:schemeClr val="accent1"/>
+          </a:solidFill>
+          <a:ln w="19050" cap="flat" cmpd="sng" algn="ctr">
+            <a:noFill/>
+            <a:prstDash val="solid"/>
+          </a:ln>
+        </p:spPr>
+        <p:style>
+          <a:lnRef idx="2">
+            <a:schemeClr val="accent1"/>
+          </a:lnRef>
+          <a:fillRef idx="1">
+            <a:schemeClr val="accent1"/>
+          </a:fillRef>
+          <a:effectRef idx="0">
+            <a:schemeClr val="accent1"/>
+          </a:effectRef>
+          <a:fontRef idx="minor">
+            <a:schemeClr val="lt1"/>
+          </a:fontRef>
+        </p:style>
+        <p:txBody>
+          <a:bodyPr rtlCol="0" anchor="ctr"/>
+          <a:lstStyle/>
+          <a:p>
+            <a:pPr algn="ctr" eaLnBrk="1" latinLnBrk="0" hangingPunct="1"/>
+            <a:endParaRPr kumimoji="0" lang="en-US"/>
+          </a:p>
+        </p:txBody>
+      </p:sp>
+      <p:sp>
+        <p:nvSpPr>
+          <p:cNvPr id="9" name="矩形 8"/>
+          <p:cNvSpPr/>
+          <p:nvPr/>
+        </p:nvSpPr>
+        <p:spPr>
+          <a:xfrm>
+            <a:off x="6142038" y="0"/>
+            <a:ext cx="228600" cy="533400"/>
+          </a:xfrm>
+          <a:prstGeom prst="rect">
+            <a:avLst/>
+          </a:prstGeom>
+          <a:solidFill>
+            <a:schemeClr val="accent2"/>
+          </a:solidFill>
+          <a:ln w="19050" cap="flat" cmpd="sng" algn="ctr">
+            <a:noFill/>
+            <a:prstDash val="solid"/>
+          </a:ln>
+        </p:spPr>
+        <p:style>
+          <a:lnRef idx="2">
+            <a:schemeClr val="accent1"/>
+          </a:lnRef>
+          <a:fillRef idx="1">
+            <a:schemeClr val="accent1"/>
+          </a:fillRef>
+          <a:effectRef idx="0">
+            <a:schemeClr val="accent1"/>
+          </a:effectRef>
+          <a:fontRef idx="minor">
+            <a:schemeClr val="lt1"/>
+          </a:fontRef>
+        </p:style>
+        <p:txBody>
+          <a:bodyPr rtlCol="0" anchor="ctr"/>
+          <a:lstStyle/>
+          <a:p>
+            <a:pPr algn="ctr" eaLnBrk="1" latinLnBrk="0" hangingPunct="1"/>
+            <a:endParaRPr kumimoji="0" lang="en-US"/>
+          </a:p>
+        </p:txBody>
+      </p:sp>
+      <p:sp>
+        <p:nvSpPr>
           <p:cNvPr id="6" name="投影片編號版面配置區 5"/>
           <p:cNvSpPr>
             <a:spLocks noGrp="1"/>
@@ -2121,7 +2407,12 @@
             <p:ph type="sldNum" sz="quarter" idx="12"/>
           </p:nvPr>
         </p:nvSpPr>
-        <p:spPr/>
+        <p:spPr>
+          <a:xfrm rot="5400000">
+            <a:off x="5989638" y="144462"/>
+            <a:ext cx="533400" cy="244476"/>
+          </a:xfrm>
+        </p:spPr>
         <p:txBody>
           <a:bodyPr/>
           <a:lstStyle/>
@@ -2137,7 +2428,7 @@
     </p:spTree>
   </p:cSld>
   <p:clrMapOvr>
-    <a:masterClrMapping/>
+    <a:overrideClrMapping bg1="lt1" tx1="dk1" bg2="lt2" tx2="dk2" accent1="accent1" accent2="accent2" accent3="accent3" accent4="accent4" accent5="accent5" accent6="accent6" hlink="hlink" folHlink="folHlink"/>
   </p:clrMapOvr>
 </p:sldLayout>
 </file>
@@ -2169,68 +2460,21 @@
             <p:ph type="title"/>
           </p:nvPr>
         </p:nvSpPr>
-        <p:spPr/>
+        <p:spPr>
+          <a:xfrm>
+            <a:off x="612648" y="228600"/>
+            <a:ext cx="8153400" cy="990600"/>
+          </a:xfrm>
+        </p:spPr>
         <p:txBody>
           <a:bodyPr/>
           <a:lstStyle/>
           <a:p>
             <a:r>
-              <a:rPr lang="zh-TW" altLang="en-US" smtClean="0"/>
+              <a:rPr kumimoji="0" lang="zh-TW" altLang="en-US" smtClean="0"/>
               <a:t>按一下以編輯母片標題樣式</a:t>
             </a:r>
-            <a:endParaRPr lang="zh-TW" altLang="en-US"/>
-          </a:p>
-        </p:txBody>
-      </p:sp>
-      <p:sp>
-        <p:nvSpPr>
-          <p:cNvPr id="3" name="內容版面配置區 2"/>
-          <p:cNvSpPr>
-            <a:spLocks noGrp="1"/>
-          </p:cNvSpPr>
-          <p:nvPr>
-            <p:ph idx="1"/>
-          </p:nvPr>
-        </p:nvSpPr>
-        <p:spPr/>
-        <p:txBody>
-          <a:bodyPr/>
-          <a:lstStyle/>
-          <a:p>
-            <a:pPr lvl="0"/>
-            <a:r>
-              <a:rPr lang="zh-TW" altLang="en-US" smtClean="0"/>
-              <a:t>按一下以編輯母片文字樣式</a:t>
-            </a:r>
-          </a:p>
-          <a:p>
-            <a:pPr lvl="1"/>
-            <a:r>
-              <a:rPr lang="zh-TW" altLang="en-US" smtClean="0"/>
-              <a:t>第二層</a:t>
-            </a:r>
-          </a:p>
-          <a:p>
-            <a:pPr lvl="2"/>
-            <a:r>
-              <a:rPr lang="zh-TW" altLang="en-US" smtClean="0"/>
-              <a:t>第三層</a:t>
-            </a:r>
-          </a:p>
-          <a:p>
-            <a:pPr lvl="3"/>
-            <a:r>
-              <a:rPr lang="zh-TW" altLang="en-US" smtClean="0"/>
-              <a:t>第四層</a:t>
-            </a:r>
-          </a:p>
-          <a:p>
-            <a:pPr lvl="4"/>
-            <a:r>
-              <a:rPr lang="zh-TW" altLang="en-US" smtClean="0"/>
-              <a:t>第五層</a:t>
-            </a:r>
-            <a:endParaRPr lang="zh-TW" altLang="en-US"/>
+            <a:endParaRPr kumimoji="0" lang="en-US"/>
           </a:p>
         </p:txBody>
       </p:sp>
@@ -2289,13 +2533,78 @@
         <p:spPr/>
         <p:txBody>
           <a:bodyPr/>
-          <a:lstStyle/>
+          <a:lstStyle>
+            <a:lvl1pPr>
+              <a:defRPr>
+                <a:solidFill>
+                  <a:srgbClr val="FFFFFF"/>
+                </a:solidFill>
+              </a:defRPr>
+            </a:lvl1pPr>
+          </a:lstStyle>
           <a:p>
             <a:fld id="{73DA0BB7-265A-403C-9275-D587AB510EDC}" type="slidenum">
               <a:rPr lang="zh-TW" altLang="en-US" smtClean="0"/>
               <a:t>‹#›</a:t>
             </a:fld>
             <a:endParaRPr lang="zh-TW" altLang="en-US"/>
+          </a:p>
+        </p:txBody>
+      </p:sp>
+      <p:sp>
+        <p:nvSpPr>
+          <p:cNvPr id="8" name="內容版面配置區 7"/>
+          <p:cNvSpPr>
+            <a:spLocks noGrp="1"/>
+          </p:cNvSpPr>
+          <p:nvPr>
+            <p:ph sz="quarter" idx="1"/>
+          </p:nvPr>
+        </p:nvSpPr>
+        <p:spPr>
+          <a:xfrm>
+            <a:off x="612648" y="1600200"/>
+            <a:ext cx="8153400" cy="4495800"/>
+          </a:xfrm>
+        </p:spPr>
+        <p:txBody>
+          <a:bodyPr/>
+          <a:lstStyle/>
+          <a:p>
+            <a:pPr lvl="0" eaLnBrk="1" latinLnBrk="0" hangingPunct="1"/>
+            <a:r>
+              <a:rPr lang="zh-TW" altLang="en-US" smtClean="0"/>
+              <a:t>按一下以編輯母片文字樣式</a:t>
+            </a:r>
+          </a:p>
+          <a:p>
+            <a:pPr lvl="1" eaLnBrk="1" latinLnBrk="0" hangingPunct="1"/>
+            <a:r>
+              <a:rPr lang="zh-TW" altLang="en-US" smtClean="0"/>
+              <a:t>第二層</a:t>
+            </a:r>
+          </a:p>
+          <a:p>
+            <a:pPr lvl="2" eaLnBrk="1" latinLnBrk="0" hangingPunct="1"/>
+            <a:r>
+              <a:rPr lang="zh-TW" altLang="en-US" smtClean="0"/>
+              <a:t>第三層</a:t>
+            </a:r>
+          </a:p>
+          <a:p>
+            <a:pPr lvl="3" eaLnBrk="1" latinLnBrk="0" hangingPunct="1"/>
+            <a:r>
+              <a:rPr lang="zh-TW" altLang="en-US" smtClean="0"/>
+              <a:t>第四層</a:t>
+            </a:r>
+          </a:p>
+          <a:p>
+            <a:pPr lvl="4" eaLnBrk="1" latinLnBrk="0" hangingPunct="1"/>
+            <a:r>
+              <a:rPr lang="zh-TW" altLang="en-US" smtClean="0"/>
+              <a:t>第五層</a:t>
+            </a:r>
+            <a:endParaRPr kumimoji="0" lang="en-US"/>
           </a:p>
         </p:txBody>
       </p:sp>
@@ -2308,8 +2617,13 @@
 </file>
 
 <file path=ppt/slideLayouts/slideLayout3.xml><?xml version="1.0" encoding="utf-8"?>
-<p:sldLayout xmlns:a="http://schemas.openxmlformats.org/drawingml/2006/main" xmlns:r="http://schemas.openxmlformats.org/officeDocument/2006/relationships" xmlns:p="http://schemas.openxmlformats.org/presentationml/2006/main" type="secHead" preserve="1">
-  <p:cSld name="區段標題">
+<p:sldLayout xmlns:a="http://schemas.openxmlformats.org/drawingml/2006/main" xmlns:r="http://schemas.openxmlformats.org/officeDocument/2006/relationships" xmlns:p="http://schemas.openxmlformats.org/presentationml/2006/main" showMasterSp="0" type="secHead" preserve="1">
+  <p:cSld name="章節標題">
+    <p:bg>
+      <p:bgRef idx="1003">
+        <a:schemeClr val="bg1"/>
+      </p:bgRef>
+    </p:bg>
     <p:spTree>
       <p:nvGrpSpPr>
         <p:cNvPr id="1" name=""/>
@@ -2326,66 +2640,32 @@
       </p:grpSpPr>
       <p:sp>
         <p:nvSpPr>
-          <p:cNvPr id="2" name="標題 1"/>
-          <p:cNvSpPr>
-            <a:spLocks noGrp="1"/>
-          </p:cNvSpPr>
-          <p:nvPr>
-            <p:ph type="title"/>
+          <p:cNvPr id="3" name="文字版面配置區 2"/>
+          <p:cNvSpPr>
+            <a:spLocks noGrp="1"/>
+          </p:cNvSpPr>
+          <p:nvPr>
+            <p:ph type="body" idx="1"/>
           </p:nvPr>
         </p:nvSpPr>
         <p:spPr>
           <a:xfrm>
-            <a:off x="722313" y="4406900"/>
-            <a:ext cx="7772400" cy="1362075"/>
+            <a:off x="1371600" y="2743200"/>
+            <a:ext cx="7123113" cy="1673225"/>
           </a:xfrm>
         </p:spPr>
         <p:txBody>
           <a:bodyPr anchor="t"/>
-          <a:lstStyle>
-            <a:lvl1pPr algn="l">
-              <a:defRPr sz="4000" b="1" cap="all"/>
-            </a:lvl1pPr>
-          </a:lstStyle>
-          <a:p>
-            <a:r>
-              <a:rPr lang="zh-TW" altLang="en-US" smtClean="0"/>
-              <a:t>按一下以編輯母片標題樣式</a:t>
-            </a:r>
-            <a:endParaRPr lang="zh-TW" altLang="en-US"/>
-          </a:p>
-        </p:txBody>
-      </p:sp>
-      <p:sp>
-        <p:nvSpPr>
-          <p:cNvPr id="3" name="文字版面配置區 2"/>
-          <p:cNvSpPr>
-            <a:spLocks noGrp="1"/>
-          </p:cNvSpPr>
-          <p:nvPr>
-            <p:ph type="body" idx="1"/>
-          </p:nvPr>
-        </p:nvSpPr>
-        <p:spPr>
-          <a:xfrm>
-            <a:off x="722313" y="2906713"/>
-            <a:ext cx="7772400" cy="1500187"/>
-          </a:xfrm>
-        </p:spPr>
-        <p:txBody>
-          <a:bodyPr anchor="b"/>
           <a:lstStyle>
             <a:lvl1pPr marL="0" indent="0">
               <a:buNone/>
-              <a:defRPr sz="2000">
+              <a:defRPr sz="2800">
                 <a:solidFill>
-                  <a:schemeClr val="tx1">
-                    <a:tint val="75000"/>
-                  </a:schemeClr>
+                  <a:schemeClr val="tx2"/>
                 </a:solidFill>
               </a:defRPr>
             </a:lvl1pPr>
-            <a:lvl2pPr marL="457200" indent="0">
+            <a:lvl2pPr>
               <a:buNone/>
               <a:defRPr sz="1800">
                 <a:solidFill>
@@ -2395,7 +2675,7 @@
                 </a:solidFill>
               </a:defRPr>
             </a:lvl2pPr>
-            <a:lvl3pPr marL="914400" indent="0">
+            <a:lvl3pPr>
               <a:buNone/>
               <a:defRPr sz="1600">
                 <a:solidFill>
@@ -2405,7 +2685,7 @@
                 </a:solidFill>
               </a:defRPr>
             </a:lvl3pPr>
-            <a:lvl4pPr marL="1371600" indent="0">
+            <a:lvl4pPr>
               <a:buNone/>
               <a:defRPr sz="1400">
                 <a:solidFill>
@@ -2415,7 +2695,7 @@
                 </a:solidFill>
               </a:defRPr>
             </a:lvl4pPr>
-            <a:lvl5pPr marL="1828800" indent="0">
+            <a:lvl5pPr>
               <a:buNone/>
               <a:defRPr sz="1400">
                 <a:solidFill>
@@ -2425,59 +2705,198 @@
                 </a:solidFill>
               </a:defRPr>
             </a:lvl5pPr>
-            <a:lvl6pPr marL="2286000" indent="0">
+          </a:lstStyle>
+          <a:p>
+            <a:pPr lvl="0" eaLnBrk="1" latinLnBrk="0" hangingPunct="1"/>
+            <a:r>
+              <a:rPr kumimoji="0" lang="zh-TW" altLang="en-US" smtClean="0"/>
+              <a:t>按一下以編輯母片文字樣式</a:t>
+            </a:r>
+          </a:p>
+        </p:txBody>
+      </p:sp>
+      <p:sp>
+        <p:nvSpPr>
+          <p:cNvPr id="7" name="矩形 6"/>
+          <p:cNvSpPr/>
+          <p:nvPr/>
+        </p:nvSpPr>
+        <p:spPr bwMode="white">
+          <a:xfrm>
+            <a:off x="0" y="1524000"/>
+            <a:ext cx="9144000" cy="1143000"/>
+          </a:xfrm>
+          <a:prstGeom prst="rect">
+            <a:avLst/>
+          </a:prstGeom>
+          <a:solidFill>
+            <a:srgbClr val="FFFFFF"/>
+          </a:solidFill>
+          <a:ln w="50800" cap="rnd" cmpd="dbl" algn="ctr">
+            <a:noFill/>
+            <a:prstDash val="solid"/>
+          </a:ln>
+          <a:effectLst/>
+        </p:spPr>
+        <p:style>
+          <a:lnRef idx="3">
+            <a:schemeClr val="lt1"/>
+          </a:lnRef>
+          <a:fillRef idx="1">
+            <a:schemeClr val="accent1"/>
+          </a:fillRef>
+          <a:effectRef idx="1">
+            <a:schemeClr val="accent1"/>
+          </a:effectRef>
+          <a:fontRef idx="minor">
+            <a:schemeClr val="lt1"/>
+          </a:fontRef>
+        </p:style>
+        <p:txBody>
+          <a:bodyPr anchor="ctr"/>
+          <a:lstStyle/>
+          <a:p>
+            <a:pPr algn="ctr" eaLnBrk="1" latinLnBrk="0" hangingPunct="1"/>
+            <a:endParaRPr kumimoji="0" lang="en-US"/>
+          </a:p>
+        </p:txBody>
+      </p:sp>
+      <p:sp>
+        <p:nvSpPr>
+          <p:cNvPr id="8" name="矩形 7"/>
+          <p:cNvSpPr/>
+          <p:nvPr/>
+        </p:nvSpPr>
+        <p:spPr>
+          <a:xfrm>
+            <a:off x="0" y="1600200"/>
+            <a:ext cx="1295400" cy="990600"/>
+          </a:xfrm>
+          <a:prstGeom prst="rect">
+            <a:avLst/>
+          </a:prstGeom>
+          <a:solidFill>
+            <a:schemeClr val="accent2">
+              <a:alpha val="100000"/>
+            </a:schemeClr>
+          </a:solidFill>
+          <a:ln w="50800" cap="rnd" cmpd="dbl" algn="ctr">
+            <a:noFill/>
+            <a:prstDash val="solid"/>
+          </a:ln>
+          <a:effectLst/>
+        </p:spPr>
+        <p:style>
+          <a:lnRef idx="3">
+            <a:schemeClr val="lt1"/>
+          </a:lnRef>
+          <a:fillRef idx="1">
+            <a:schemeClr val="accent1"/>
+          </a:fillRef>
+          <a:effectRef idx="1">
+            <a:schemeClr val="accent1"/>
+          </a:effectRef>
+          <a:fontRef idx="minor">
+            <a:schemeClr val="lt1"/>
+          </a:fontRef>
+        </p:style>
+        <p:txBody>
+          <a:bodyPr anchor="ctr"/>
+          <a:lstStyle/>
+          <a:p>
+            <a:pPr algn="ctr" eaLnBrk="1" latinLnBrk="0" hangingPunct="1"/>
+            <a:endParaRPr kumimoji="0" lang="en-US"/>
+          </a:p>
+        </p:txBody>
+      </p:sp>
+      <p:sp>
+        <p:nvSpPr>
+          <p:cNvPr id="9" name="矩形 8"/>
+          <p:cNvSpPr/>
+          <p:nvPr/>
+        </p:nvSpPr>
+        <p:spPr>
+          <a:xfrm>
+            <a:off x="1371600" y="1600200"/>
+            <a:ext cx="7772400" cy="990600"/>
+          </a:xfrm>
+          <a:prstGeom prst="rect">
+            <a:avLst/>
+          </a:prstGeom>
+          <a:solidFill>
+            <a:schemeClr val="accent1">
+              <a:alpha val="100000"/>
+            </a:schemeClr>
+          </a:solidFill>
+          <a:ln w="50800" cap="rnd" cmpd="dbl" algn="ctr">
+            <a:noFill/>
+            <a:prstDash val="solid"/>
+          </a:ln>
+          <a:effectLst/>
+        </p:spPr>
+        <p:style>
+          <a:lnRef idx="3">
+            <a:schemeClr val="lt1"/>
+          </a:lnRef>
+          <a:fillRef idx="1">
+            <a:schemeClr val="accent1"/>
+          </a:fillRef>
+          <a:effectRef idx="1">
+            <a:schemeClr val="accent1"/>
+          </a:effectRef>
+          <a:fontRef idx="minor">
+            <a:schemeClr val="lt1"/>
+          </a:fontRef>
+        </p:style>
+        <p:txBody>
+          <a:bodyPr anchor="ctr"/>
+          <a:lstStyle/>
+          <a:p>
+            <a:pPr algn="ctr" eaLnBrk="1" latinLnBrk="0" hangingPunct="1"/>
+            <a:endParaRPr kumimoji="0" lang="en-US"/>
+          </a:p>
+        </p:txBody>
+      </p:sp>
+      <p:sp>
+        <p:nvSpPr>
+          <p:cNvPr id="2" name="標題 1"/>
+          <p:cNvSpPr>
+            <a:spLocks noGrp="1"/>
+          </p:cNvSpPr>
+          <p:nvPr>
+            <p:ph type="title"/>
+          </p:nvPr>
+        </p:nvSpPr>
+        <p:spPr>
+          <a:xfrm>
+            <a:off x="1371600" y="1600200"/>
+            <a:ext cx="7620000" cy="990600"/>
+          </a:xfrm>
+        </p:spPr>
+        <p:txBody>
+          <a:bodyPr/>
+          <a:lstStyle>
+            <a:lvl1pPr algn="l">
               <a:buNone/>
-              <a:defRPr sz="1400">
+              <a:defRPr sz="4400" b="0" cap="none">
                 <a:solidFill>
-                  <a:schemeClr val="tx1">
-                    <a:tint val="75000"/>
-                  </a:schemeClr>
+                  <a:srgbClr val="FFFFFF"/>
                 </a:solidFill>
               </a:defRPr>
-            </a:lvl6pPr>
-            <a:lvl7pPr marL="2743200" indent="0">
-              <a:buNone/>
-              <a:defRPr sz="1400">
-                <a:solidFill>
-                  <a:schemeClr val="tx1">
-                    <a:tint val="75000"/>
-                  </a:schemeClr>
-                </a:solidFill>
-              </a:defRPr>
-            </a:lvl7pPr>
-            <a:lvl8pPr marL="3200400" indent="0">
-              <a:buNone/>
-              <a:defRPr sz="1400">
-                <a:solidFill>
-                  <a:schemeClr val="tx1">
-                    <a:tint val="75000"/>
-                  </a:schemeClr>
-                </a:solidFill>
-              </a:defRPr>
-            </a:lvl8pPr>
-            <a:lvl9pPr marL="3657600" indent="0">
-              <a:buNone/>
-              <a:defRPr sz="1400">
-                <a:solidFill>
-                  <a:schemeClr val="tx1">
-                    <a:tint val="75000"/>
-                  </a:schemeClr>
-                </a:solidFill>
-              </a:defRPr>
-            </a:lvl9pPr>
+            </a:lvl1pPr>
           </a:lstStyle>
           <a:p>
-            <a:pPr lvl="0"/>
-            <a:r>
-              <a:rPr lang="zh-TW" altLang="en-US" smtClean="0"/>
-              <a:t>按一下以編輯母片文字樣式</a:t>
-            </a:r>
-          </a:p>
-        </p:txBody>
-      </p:sp>
-      <p:sp>
-        <p:nvSpPr>
-          <p:cNvPr id="4" name="日期版面配置區 3"/>
+            <a:r>
+              <a:rPr kumimoji="0" lang="zh-TW" altLang="en-US" smtClean="0"/>
+              <a:t>按一下以編輯母片標題樣式</a:t>
+            </a:r>
+            <a:endParaRPr kumimoji="0" lang="en-US"/>
+          </a:p>
+        </p:txBody>
+      </p:sp>
+      <p:sp>
+        <p:nvSpPr>
+          <p:cNvPr id="12" name="日期版面配置區 11"/>
           <p:cNvSpPr>
             <a:spLocks noGrp="1"/>
           </p:cNvSpPr>
@@ -2500,37 +2919,33 @@
       </p:sp>
       <p:sp>
         <p:nvSpPr>
-          <p:cNvPr id="5" name="頁尾版面配置區 4"/>
-          <p:cNvSpPr>
-            <a:spLocks noGrp="1"/>
-          </p:cNvSpPr>
-          <p:nvPr>
-            <p:ph type="ftr" sz="quarter" idx="11"/>
-          </p:nvPr>
-        </p:nvSpPr>
-        <p:spPr/>
-        <p:txBody>
-          <a:bodyPr/>
-          <a:lstStyle/>
-          <a:p>
-            <a:endParaRPr lang="zh-TW" altLang="en-US"/>
-          </a:p>
-        </p:txBody>
-      </p:sp>
-      <p:sp>
-        <p:nvSpPr>
-          <p:cNvPr id="6" name="投影片編號版面配置區 5"/>
-          <p:cNvSpPr>
-            <a:spLocks noGrp="1"/>
-          </p:cNvSpPr>
-          <p:nvPr>
-            <p:ph type="sldNum" sz="quarter" idx="12"/>
-          </p:nvPr>
-        </p:nvSpPr>
-        <p:spPr/>
-        <p:txBody>
-          <a:bodyPr/>
-          <a:lstStyle/>
+          <p:cNvPr id="13" name="投影片編號版面配置區 12"/>
+          <p:cNvSpPr>
+            <a:spLocks noGrp="1"/>
+          </p:cNvSpPr>
+          <p:nvPr>
+            <p:ph type="sldNum" sz="quarter" idx="11"/>
+          </p:nvPr>
+        </p:nvSpPr>
+        <p:spPr>
+          <a:xfrm>
+            <a:off x="0" y="1752600"/>
+            <a:ext cx="1295400" cy="701676"/>
+          </a:xfrm>
+        </p:spPr>
+        <p:txBody>
+          <a:bodyPr>
+            <a:noAutofit/>
+          </a:bodyPr>
+          <a:lstStyle>
+            <a:lvl1pPr>
+              <a:defRPr sz="2400">
+                <a:solidFill>
+                  <a:srgbClr val="FFFFFF"/>
+                </a:solidFill>
+              </a:defRPr>
+            </a:lvl1pPr>
+          </a:lstStyle>
           <a:p>
             <a:fld id="{73DA0BB7-265A-403C-9275-D587AB510EDC}" type="slidenum">
               <a:rPr lang="zh-TW" altLang="en-US" smtClean="0"/>
@@ -2540,10 +2955,29 @@
           </a:p>
         </p:txBody>
       </p:sp>
+      <p:sp>
+        <p:nvSpPr>
+          <p:cNvPr id="14" name="頁尾版面配置區 13"/>
+          <p:cNvSpPr>
+            <a:spLocks noGrp="1"/>
+          </p:cNvSpPr>
+          <p:nvPr>
+            <p:ph type="ftr" sz="quarter" idx="12"/>
+          </p:nvPr>
+        </p:nvSpPr>
+        <p:spPr/>
+        <p:txBody>
+          <a:bodyPr/>
+          <a:lstStyle/>
+          <a:p>
+            <a:endParaRPr lang="zh-TW" altLang="en-US"/>
+          </a:p>
+        </p:txBody>
+      </p:sp>
     </p:spTree>
   </p:cSld>
   <p:clrMapOvr>
-    <a:masterClrMapping/>
+    <a:overrideClrMapping bg1="lt1" tx1="dk1" bg2="lt2" tx2="dk2" accent1="accent1" accent2="accent2" accent3="accent3" accent4="accent4" accent5="accent5" accent6="accent6" hlink="hlink" folHlink="folHlink"/>
   </p:clrMapOvr>
 </p:sldLayout>
 </file>
@@ -2581,196 +3015,140 @@
           <a:lstStyle/>
           <a:p>
             <a:r>
-              <a:rPr lang="zh-TW" altLang="en-US" smtClean="0"/>
+              <a:rPr kumimoji="0" lang="zh-TW" altLang="en-US" smtClean="0"/>
               <a:t>按一下以編輯母片標題樣式</a:t>
             </a:r>
-            <a:endParaRPr lang="zh-TW" altLang="en-US"/>
-          </a:p>
-        </p:txBody>
-      </p:sp>
-      <p:sp>
-        <p:nvSpPr>
-          <p:cNvPr id="3" name="內容版面配置區 2"/>
-          <p:cNvSpPr>
-            <a:spLocks noGrp="1"/>
-          </p:cNvSpPr>
-          <p:nvPr>
-            <p:ph sz="half" idx="1"/>
+            <a:endParaRPr kumimoji="0" lang="en-US"/>
+          </a:p>
+        </p:txBody>
+      </p:sp>
+      <p:sp>
+        <p:nvSpPr>
+          <p:cNvPr id="9" name="內容版面配置區 8"/>
+          <p:cNvSpPr>
+            <a:spLocks noGrp="1"/>
+          </p:cNvSpPr>
+          <p:nvPr>
+            <p:ph sz="quarter" idx="1"/>
           </p:nvPr>
         </p:nvSpPr>
         <p:spPr>
           <a:xfrm>
-            <a:off x="457200" y="1600200"/>
-            <a:ext cx="4038600" cy="4525963"/>
+            <a:off x="609600" y="1589567"/>
+            <a:ext cx="3886200" cy="4572000"/>
           </a:xfrm>
         </p:spPr>
         <p:txBody>
           <a:bodyPr/>
-          <a:lstStyle>
-            <a:lvl1pPr>
-              <a:defRPr sz="2800"/>
-            </a:lvl1pPr>
-            <a:lvl2pPr>
-              <a:defRPr sz="2400"/>
-            </a:lvl2pPr>
-            <a:lvl3pPr>
-              <a:defRPr sz="2000"/>
-            </a:lvl3pPr>
-            <a:lvl4pPr>
-              <a:defRPr sz="1800"/>
-            </a:lvl4pPr>
-            <a:lvl5pPr>
-              <a:defRPr sz="1800"/>
-            </a:lvl5pPr>
-            <a:lvl6pPr>
-              <a:defRPr sz="1800"/>
-            </a:lvl6pPr>
-            <a:lvl7pPr>
-              <a:defRPr sz="1800"/>
-            </a:lvl7pPr>
-            <a:lvl8pPr>
-              <a:defRPr sz="1800"/>
-            </a:lvl8pPr>
-            <a:lvl9pPr>
-              <a:defRPr sz="1800"/>
-            </a:lvl9pPr>
-          </a:lstStyle>
-          <a:p>
-            <a:pPr lvl="0"/>
+          <a:lstStyle/>
+          <a:p>
+            <a:pPr lvl="0" eaLnBrk="1" latinLnBrk="0" hangingPunct="1"/>
             <a:r>
               <a:rPr lang="zh-TW" altLang="en-US" smtClean="0"/>
               <a:t>按一下以編輯母片文字樣式</a:t>
             </a:r>
           </a:p>
           <a:p>
-            <a:pPr lvl="1"/>
+            <a:pPr lvl="1" eaLnBrk="1" latinLnBrk="0" hangingPunct="1"/>
             <a:r>
               <a:rPr lang="zh-TW" altLang="en-US" smtClean="0"/>
               <a:t>第二層</a:t>
             </a:r>
           </a:p>
           <a:p>
-            <a:pPr lvl="2"/>
+            <a:pPr lvl="2" eaLnBrk="1" latinLnBrk="0" hangingPunct="1"/>
             <a:r>
               <a:rPr lang="zh-TW" altLang="en-US" smtClean="0"/>
               <a:t>第三層</a:t>
             </a:r>
           </a:p>
           <a:p>
-            <a:pPr lvl="3"/>
+            <a:pPr lvl="3" eaLnBrk="1" latinLnBrk="0" hangingPunct="1"/>
             <a:r>
               <a:rPr lang="zh-TW" altLang="en-US" smtClean="0"/>
               <a:t>第四層</a:t>
             </a:r>
           </a:p>
           <a:p>
-            <a:pPr lvl="4"/>
+            <a:pPr lvl="4" eaLnBrk="1" latinLnBrk="0" hangingPunct="1"/>
             <a:r>
               <a:rPr lang="zh-TW" altLang="en-US" smtClean="0"/>
               <a:t>第五層</a:t>
             </a:r>
-            <a:endParaRPr lang="zh-TW" altLang="en-US"/>
-          </a:p>
-        </p:txBody>
-      </p:sp>
-      <p:sp>
-        <p:nvSpPr>
-          <p:cNvPr id="4" name="內容版面配置區 3"/>
-          <p:cNvSpPr>
-            <a:spLocks noGrp="1"/>
-          </p:cNvSpPr>
-          <p:nvPr>
-            <p:ph sz="half" idx="2"/>
+            <a:endParaRPr kumimoji="0" lang="en-US"/>
+          </a:p>
+        </p:txBody>
+      </p:sp>
+      <p:sp>
+        <p:nvSpPr>
+          <p:cNvPr id="11" name="內容版面配置區 10"/>
+          <p:cNvSpPr>
+            <a:spLocks noGrp="1"/>
+          </p:cNvSpPr>
+          <p:nvPr>
+            <p:ph sz="quarter" idx="2"/>
           </p:nvPr>
         </p:nvSpPr>
         <p:spPr>
           <a:xfrm>
-            <a:off x="4648200" y="1600200"/>
-            <a:ext cx="4038600" cy="4525963"/>
+            <a:off x="4844901" y="1589567"/>
+            <a:ext cx="3886200" cy="4572000"/>
           </a:xfrm>
         </p:spPr>
         <p:txBody>
           <a:bodyPr/>
-          <a:lstStyle>
-            <a:lvl1pPr>
-              <a:defRPr sz="2800"/>
-            </a:lvl1pPr>
-            <a:lvl2pPr>
-              <a:defRPr sz="2400"/>
-            </a:lvl2pPr>
-            <a:lvl3pPr>
-              <a:defRPr sz="2000"/>
-            </a:lvl3pPr>
-            <a:lvl4pPr>
-              <a:defRPr sz="1800"/>
-            </a:lvl4pPr>
-            <a:lvl5pPr>
-              <a:defRPr sz="1800"/>
-            </a:lvl5pPr>
-            <a:lvl6pPr>
-              <a:defRPr sz="1800"/>
-            </a:lvl6pPr>
-            <a:lvl7pPr>
-              <a:defRPr sz="1800"/>
-            </a:lvl7pPr>
-            <a:lvl8pPr>
-              <a:defRPr sz="1800"/>
-            </a:lvl8pPr>
-            <a:lvl9pPr>
-              <a:defRPr sz="1800"/>
-            </a:lvl9pPr>
-          </a:lstStyle>
-          <a:p>
-            <a:pPr lvl="0"/>
+          <a:lstStyle/>
+          <a:p>
+            <a:pPr lvl="0" eaLnBrk="1" latinLnBrk="0" hangingPunct="1"/>
             <a:r>
               <a:rPr lang="zh-TW" altLang="en-US" smtClean="0"/>
               <a:t>按一下以編輯母片文字樣式</a:t>
             </a:r>
           </a:p>
           <a:p>
-            <a:pPr lvl="1"/>
+            <a:pPr lvl="1" eaLnBrk="1" latinLnBrk="0" hangingPunct="1"/>
             <a:r>
               <a:rPr lang="zh-TW" altLang="en-US" smtClean="0"/>
               <a:t>第二層</a:t>
             </a:r>
           </a:p>
           <a:p>
-            <a:pPr lvl="2"/>
+            <a:pPr lvl="2" eaLnBrk="1" latinLnBrk="0" hangingPunct="1"/>
             <a:r>
               <a:rPr lang="zh-TW" altLang="en-US" smtClean="0"/>
               <a:t>第三層</a:t>
             </a:r>
           </a:p>
           <a:p>
-            <a:pPr lvl="3"/>
+            <a:pPr lvl="3" eaLnBrk="1" latinLnBrk="0" hangingPunct="1"/>
             <a:r>
               <a:rPr lang="zh-TW" altLang="en-US" smtClean="0"/>
               <a:t>第四層</a:t>
             </a:r>
           </a:p>
           <a:p>
-            <a:pPr lvl="4"/>
+            <a:pPr lvl="4" eaLnBrk="1" latinLnBrk="0" hangingPunct="1"/>
             <a:r>
               <a:rPr lang="zh-TW" altLang="en-US" smtClean="0"/>
               <a:t>第五層</a:t>
             </a:r>
-            <a:endParaRPr lang="zh-TW" altLang="en-US"/>
-          </a:p>
-        </p:txBody>
-      </p:sp>
-      <p:sp>
-        <p:nvSpPr>
-          <p:cNvPr id="5" name="日期版面配置區 4"/>
-          <p:cNvSpPr>
-            <a:spLocks noGrp="1"/>
-          </p:cNvSpPr>
-          <p:nvPr>
-            <p:ph type="dt" sz="half" idx="10"/>
+            <a:endParaRPr kumimoji="0" lang="en-US"/>
+          </a:p>
+        </p:txBody>
+      </p:sp>
+      <p:sp>
+        <p:nvSpPr>
+          <p:cNvPr id="8" name="日期版面配置區 7"/>
+          <p:cNvSpPr>
+            <a:spLocks noGrp="1"/>
+          </p:cNvSpPr>
+          <p:nvPr>
+            <p:ph type="dt" sz="half" idx="15"/>
           </p:nvPr>
         </p:nvSpPr>
         <p:spPr/>
         <p:txBody>
-          <a:bodyPr/>
+          <a:bodyPr rtlCol="0"/>
           <a:lstStyle/>
           <a:p>
             <a:fld id="{5BBEAD13-0566-4C6C-97E7-55F17F24B09F}" type="datetimeFigureOut">
@@ -2783,42 +3161,42 @@
       </p:sp>
       <p:sp>
         <p:nvSpPr>
-          <p:cNvPr id="6" name="頁尾版面配置區 5"/>
-          <p:cNvSpPr>
-            <a:spLocks noGrp="1"/>
-          </p:cNvSpPr>
-          <p:nvPr>
-            <p:ph type="ftr" sz="quarter" idx="11"/>
+          <p:cNvPr id="10" name="投影片編號版面配置區 9"/>
+          <p:cNvSpPr>
+            <a:spLocks noGrp="1"/>
+          </p:cNvSpPr>
+          <p:nvPr>
+            <p:ph type="sldNum" sz="quarter" idx="16"/>
           </p:nvPr>
         </p:nvSpPr>
         <p:spPr/>
         <p:txBody>
-          <a:bodyPr/>
-          <a:lstStyle/>
-          <a:p>
-            <a:endParaRPr lang="zh-TW" altLang="en-US"/>
-          </a:p>
-        </p:txBody>
-      </p:sp>
-      <p:sp>
-        <p:nvSpPr>
-          <p:cNvPr id="7" name="投影片編號版面配置區 6"/>
-          <p:cNvSpPr>
-            <a:spLocks noGrp="1"/>
-          </p:cNvSpPr>
-          <p:nvPr>
-            <p:ph type="sldNum" sz="quarter" idx="12"/>
-          </p:nvPr>
-        </p:nvSpPr>
-        <p:spPr/>
-        <p:txBody>
-          <a:bodyPr/>
+          <a:bodyPr rtlCol="0"/>
           <a:lstStyle/>
           <a:p>
             <a:fld id="{73DA0BB7-265A-403C-9275-D587AB510EDC}" type="slidenum">
               <a:rPr lang="zh-TW" altLang="en-US" smtClean="0"/>
               <a:t>‹#›</a:t>
             </a:fld>
+            <a:endParaRPr lang="zh-TW" altLang="en-US"/>
+          </a:p>
+        </p:txBody>
+      </p:sp>
+      <p:sp>
+        <p:nvSpPr>
+          <p:cNvPr id="12" name="頁尾版面配置區 11"/>
+          <p:cNvSpPr>
+            <a:spLocks noGrp="1"/>
+          </p:cNvSpPr>
+          <p:nvPr>
+            <p:ph type="ftr" sz="quarter" idx="17"/>
+          </p:nvPr>
+        </p:nvSpPr>
+        <p:spPr/>
+        <p:txBody>
+          <a:bodyPr rtlCol="0"/>
+          <a:lstStyle/>
+          <a:p>
             <a:endParaRPr lang="zh-TW" altLang="en-US"/>
           </a:p>
         </p:txBody>
@@ -2858,9 +3236,14 @@
             <p:ph type="title"/>
           </p:nvPr>
         </p:nvSpPr>
-        <p:spPr/>
-        <p:txBody>
-          <a:bodyPr/>
+        <p:spPr>
+          <a:xfrm>
+            <a:off x="533400" y="273050"/>
+            <a:ext cx="8153400" cy="869950"/>
+          </a:xfrm>
+        </p:spPr>
+        <p:txBody>
+          <a:bodyPr anchor="ctr"/>
           <a:lstStyle>
             <a:lvl1pPr>
               <a:defRPr/>
@@ -2868,326 +3251,140 @@
           </a:lstStyle>
           <a:p>
             <a:r>
-              <a:rPr lang="zh-TW" altLang="en-US" smtClean="0"/>
+              <a:rPr kumimoji="0" lang="zh-TW" altLang="en-US" smtClean="0"/>
               <a:t>按一下以編輯母片標題樣式</a:t>
             </a:r>
-            <a:endParaRPr lang="zh-TW" altLang="en-US"/>
-          </a:p>
-        </p:txBody>
-      </p:sp>
-      <p:sp>
-        <p:nvSpPr>
-          <p:cNvPr id="3" name="文字版面配置區 2"/>
-          <p:cNvSpPr>
-            <a:spLocks noGrp="1"/>
-          </p:cNvSpPr>
-          <p:nvPr>
-            <p:ph type="body" idx="1"/>
+            <a:endParaRPr kumimoji="0" lang="en-US"/>
+          </a:p>
+        </p:txBody>
+      </p:sp>
+      <p:sp>
+        <p:nvSpPr>
+          <p:cNvPr id="11" name="內容版面配置區 10"/>
+          <p:cNvSpPr>
+            <a:spLocks noGrp="1"/>
+          </p:cNvSpPr>
+          <p:nvPr>
+            <p:ph sz="quarter" idx="2"/>
           </p:nvPr>
         </p:nvSpPr>
         <p:spPr>
           <a:xfrm>
-            <a:off x="457200" y="1535113"/>
-            <a:ext cx="4040188" cy="639762"/>
+            <a:off x="609600" y="2438400"/>
+            <a:ext cx="3886200" cy="3581400"/>
           </a:xfrm>
         </p:spPr>
         <p:txBody>
-          <a:bodyPr anchor="b"/>
-          <a:lstStyle>
-            <a:lvl1pPr marL="0" indent="0">
-              <a:buNone/>
-              <a:defRPr sz="2400" b="1"/>
-            </a:lvl1pPr>
-            <a:lvl2pPr marL="457200" indent="0">
-              <a:buNone/>
-              <a:defRPr sz="2000" b="1"/>
-            </a:lvl2pPr>
-            <a:lvl3pPr marL="914400" indent="0">
-              <a:buNone/>
-              <a:defRPr sz="1800" b="1"/>
-            </a:lvl3pPr>
-            <a:lvl4pPr marL="1371600" indent="0">
-              <a:buNone/>
-              <a:defRPr sz="1600" b="1"/>
-            </a:lvl4pPr>
-            <a:lvl5pPr marL="1828800" indent="0">
-              <a:buNone/>
-              <a:defRPr sz="1600" b="1"/>
-            </a:lvl5pPr>
-            <a:lvl6pPr marL="2286000" indent="0">
-              <a:buNone/>
-              <a:defRPr sz="1600" b="1"/>
-            </a:lvl6pPr>
-            <a:lvl7pPr marL="2743200" indent="0">
-              <a:buNone/>
-              <a:defRPr sz="1600" b="1"/>
-            </a:lvl7pPr>
-            <a:lvl8pPr marL="3200400" indent="0">
-              <a:buNone/>
-              <a:defRPr sz="1600" b="1"/>
-            </a:lvl8pPr>
-            <a:lvl9pPr marL="3657600" indent="0">
-              <a:buNone/>
-              <a:defRPr sz="1600" b="1"/>
-            </a:lvl9pPr>
-          </a:lstStyle>
-          <a:p>
-            <a:pPr lvl="0"/>
+          <a:bodyPr/>
+          <a:lstStyle/>
+          <a:p>
+            <a:pPr lvl="0" eaLnBrk="1" latinLnBrk="0" hangingPunct="1"/>
             <a:r>
               <a:rPr lang="zh-TW" altLang="en-US" smtClean="0"/>
               <a:t>按一下以編輯母片文字樣式</a:t>
             </a:r>
           </a:p>
-        </p:txBody>
-      </p:sp>
-      <p:sp>
-        <p:nvSpPr>
-          <p:cNvPr id="4" name="內容版面配置區 3"/>
-          <p:cNvSpPr>
-            <a:spLocks noGrp="1"/>
-          </p:cNvSpPr>
-          <p:nvPr>
-            <p:ph sz="half" idx="2"/>
+          <a:p>
+            <a:pPr lvl="1" eaLnBrk="1" latinLnBrk="0" hangingPunct="1"/>
+            <a:r>
+              <a:rPr lang="zh-TW" altLang="en-US" smtClean="0"/>
+              <a:t>第二層</a:t>
+            </a:r>
+          </a:p>
+          <a:p>
+            <a:pPr lvl="2" eaLnBrk="1" latinLnBrk="0" hangingPunct="1"/>
+            <a:r>
+              <a:rPr lang="zh-TW" altLang="en-US" smtClean="0"/>
+              <a:t>第三層</a:t>
+            </a:r>
+          </a:p>
+          <a:p>
+            <a:pPr lvl="3" eaLnBrk="1" latinLnBrk="0" hangingPunct="1"/>
+            <a:r>
+              <a:rPr lang="zh-TW" altLang="en-US" smtClean="0"/>
+              <a:t>第四層</a:t>
+            </a:r>
+          </a:p>
+          <a:p>
+            <a:pPr lvl="4" eaLnBrk="1" latinLnBrk="0" hangingPunct="1"/>
+            <a:r>
+              <a:rPr lang="zh-TW" altLang="en-US" smtClean="0"/>
+              <a:t>第五層</a:t>
+            </a:r>
+            <a:endParaRPr kumimoji="0" lang="en-US"/>
+          </a:p>
+        </p:txBody>
+      </p:sp>
+      <p:sp>
+        <p:nvSpPr>
+          <p:cNvPr id="13" name="內容版面配置區 12"/>
+          <p:cNvSpPr>
+            <a:spLocks noGrp="1"/>
+          </p:cNvSpPr>
+          <p:nvPr>
+            <p:ph sz="quarter" idx="4"/>
           </p:nvPr>
         </p:nvSpPr>
         <p:spPr>
           <a:xfrm>
-            <a:off x="457200" y="2174875"/>
-            <a:ext cx="4040188" cy="3951288"/>
+            <a:off x="4800600" y="2438400"/>
+            <a:ext cx="3886200" cy="3581400"/>
           </a:xfrm>
         </p:spPr>
         <p:txBody>
           <a:bodyPr/>
-          <a:lstStyle>
-            <a:lvl1pPr>
-              <a:defRPr sz="2400"/>
-            </a:lvl1pPr>
-            <a:lvl2pPr>
-              <a:defRPr sz="2000"/>
-            </a:lvl2pPr>
-            <a:lvl3pPr>
-              <a:defRPr sz="1800"/>
-            </a:lvl3pPr>
-            <a:lvl4pPr>
-              <a:defRPr sz="1600"/>
-            </a:lvl4pPr>
-            <a:lvl5pPr>
-              <a:defRPr sz="1600"/>
-            </a:lvl5pPr>
-            <a:lvl6pPr>
-              <a:defRPr sz="1600"/>
-            </a:lvl6pPr>
-            <a:lvl7pPr>
-              <a:defRPr sz="1600"/>
-            </a:lvl7pPr>
-            <a:lvl8pPr>
-              <a:defRPr sz="1600"/>
-            </a:lvl8pPr>
-            <a:lvl9pPr>
-              <a:defRPr sz="1600"/>
-            </a:lvl9pPr>
-          </a:lstStyle>
-          <a:p>
-            <a:pPr lvl="0"/>
+          <a:lstStyle/>
+          <a:p>
+            <a:pPr lvl="0" eaLnBrk="1" latinLnBrk="0" hangingPunct="1"/>
             <a:r>
               <a:rPr lang="zh-TW" altLang="en-US" smtClean="0"/>
               <a:t>按一下以編輯母片文字樣式</a:t>
             </a:r>
           </a:p>
           <a:p>
-            <a:pPr lvl="1"/>
+            <a:pPr lvl="1" eaLnBrk="1" latinLnBrk="0" hangingPunct="1"/>
             <a:r>
               <a:rPr lang="zh-TW" altLang="en-US" smtClean="0"/>
               <a:t>第二層</a:t>
             </a:r>
           </a:p>
           <a:p>
-            <a:pPr lvl="2"/>
+            <a:pPr lvl="2" eaLnBrk="1" latinLnBrk="0" hangingPunct="1"/>
             <a:r>
               <a:rPr lang="zh-TW" altLang="en-US" smtClean="0"/>
               <a:t>第三層</a:t>
             </a:r>
           </a:p>
           <a:p>
-            <a:pPr lvl="3"/>
+            <a:pPr lvl="3" eaLnBrk="1" latinLnBrk="0" hangingPunct="1"/>
             <a:r>
               <a:rPr lang="zh-TW" altLang="en-US" smtClean="0"/>
               <a:t>第四層</a:t>
             </a:r>
           </a:p>
           <a:p>
-            <a:pPr lvl="4"/>
+            <a:pPr lvl="4" eaLnBrk="1" latinLnBrk="0" hangingPunct="1"/>
             <a:r>
               <a:rPr lang="zh-TW" altLang="en-US" smtClean="0"/>
               <a:t>第五層</a:t>
             </a:r>
-            <a:endParaRPr lang="zh-TW" altLang="en-US"/>
-          </a:p>
-        </p:txBody>
-      </p:sp>
-      <p:sp>
-        <p:nvSpPr>
-          <p:cNvPr id="5" name="文字版面配置區 4"/>
-          <p:cNvSpPr>
-            <a:spLocks noGrp="1"/>
-          </p:cNvSpPr>
-          <p:nvPr>
-            <p:ph type="body" sz="quarter" idx="3"/>
-          </p:nvPr>
-        </p:nvSpPr>
-        <p:spPr>
-          <a:xfrm>
-            <a:off x="4645025" y="1535113"/>
-            <a:ext cx="4041775" cy="639762"/>
-          </a:xfrm>
-        </p:spPr>
-        <p:txBody>
-          <a:bodyPr anchor="b"/>
-          <a:lstStyle>
-            <a:lvl1pPr marL="0" indent="0">
-              <a:buNone/>
-              <a:defRPr sz="2400" b="1"/>
-            </a:lvl1pPr>
-            <a:lvl2pPr marL="457200" indent="0">
-              <a:buNone/>
-              <a:defRPr sz="2000" b="1"/>
-            </a:lvl2pPr>
-            <a:lvl3pPr marL="914400" indent="0">
-              <a:buNone/>
-              <a:defRPr sz="1800" b="1"/>
-            </a:lvl3pPr>
-            <a:lvl4pPr marL="1371600" indent="0">
-              <a:buNone/>
-              <a:defRPr sz="1600" b="1"/>
-            </a:lvl4pPr>
-            <a:lvl5pPr marL="1828800" indent="0">
-              <a:buNone/>
-              <a:defRPr sz="1600" b="1"/>
-            </a:lvl5pPr>
-            <a:lvl6pPr marL="2286000" indent="0">
-              <a:buNone/>
-              <a:defRPr sz="1600" b="1"/>
-            </a:lvl6pPr>
-            <a:lvl7pPr marL="2743200" indent="0">
-              <a:buNone/>
-              <a:defRPr sz="1600" b="1"/>
-            </a:lvl7pPr>
-            <a:lvl8pPr marL="3200400" indent="0">
-              <a:buNone/>
-              <a:defRPr sz="1600" b="1"/>
-            </a:lvl8pPr>
-            <a:lvl9pPr marL="3657600" indent="0">
-              <a:buNone/>
-              <a:defRPr sz="1600" b="1"/>
-            </a:lvl9pPr>
-          </a:lstStyle>
-          <a:p>
-            <a:pPr lvl="0"/>
-            <a:r>
-              <a:rPr lang="zh-TW" altLang="en-US" smtClean="0"/>
-              <a:t>按一下以編輯母片文字樣式</a:t>
-            </a:r>
-          </a:p>
-        </p:txBody>
-      </p:sp>
-      <p:sp>
-        <p:nvSpPr>
-          <p:cNvPr id="6" name="內容版面配置區 5"/>
-          <p:cNvSpPr>
-            <a:spLocks noGrp="1"/>
-          </p:cNvSpPr>
-          <p:nvPr>
-            <p:ph sz="quarter" idx="4"/>
-          </p:nvPr>
-        </p:nvSpPr>
-        <p:spPr>
-          <a:xfrm>
-            <a:off x="4645025" y="2174875"/>
-            <a:ext cx="4041775" cy="3951288"/>
-          </a:xfrm>
-        </p:spPr>
-        <p:txBody>
-          <a:bodyPr/>
-          <a:lstStyle>
-            <a:lvl1pPr>
-              <a:defRPr sz="2400"/>
-            </a:lvl1pPr>
-            <a:lvl2pPr>
-              <a:defRPr sz="2000"/>
-            </a:lvl2pPr>
-            <a:lvl3pPr>
-              <a:defRPr sz="1800"/>
-            </a:lvl3pPr>
-            <a:lvl4pPr>
-              <a:defRPr sz="1600"/>
-            </a:lvl4pPr>
-            <a:lvl5pPr>
-              <a:defRPr sz="1600"/>
-            </a:lvl5pPr>
-            <a:lvl6pPr>
-              <a:defRPr sz="1600"/>
-            </a:lvl6pPr>
-            <a:lvl7pPr>
-              <a:defRPr sz="1600"/>
-            </a:lvl7pPr>
-            <a:lvl8pPr>
-              <a:defRPr sz="1600"/>
-            </a:lvl8pPr>
-            <a:lvl9pPr>
-              <a:defRPr sz="1600"/>
-            </a:lvl9pPr>
-          </a:lstStyle>
-          <a:p>
-            <a:pPr lvl="0"/>
-            <a:r>
-              <a:rPr lang="zh-TW" altLang="en-US" smtClean="0"/>
-              <a:t>按一下以編輯母片文字樣式</a:t>
-            </a:r>
-          </a:p>
-          <a:p>
-            <a:pPr lvl="1"/>
-            <a:r>
-              <a:rPr lang="zh-TW" altLang="en-US" smtClean="0"/>
-              <a:t>第二層</a:t>
-            </a:r>
-          </a:p>
-          <a:p>
-            <a:pPr lvl="2"/>
-            <a:r>
-              <a:rPr lang="zh-TW" altLang="en-US" smtClean="0"/>
-              <a:t>第三層</a:t>
-            </a:r>
-          </a:p>
-          <a:p>
-            <a:pPr lvl="3"/>
-            <a:r>
-              <a:rPr lang="zh-TW" altLang="en-US" smtClean="0"/>
-              <a:t>第四層</a:t>
-            </a:r>
-          </a:p>
-          <a:p>
-            <a:pPr lvl="4"/>
-            <a:r>
-              <a:rPr lang="zh-TW" altLang="en-US" smtClean="0"/>
-              <a:t>第五層</a:t>
-            </a:r>
-            <a:endParaRPr lang="zh-TW" altLang="en-US"/>
-          </a:p>
-        </p:txBody>
-      </p:sp>
-      <p:sp>
-        <p:nvSpPr>
-          <p:cNvPr id="7" name="日期版面配置區 6"/>
-          <p:cNvSpPr>
-            <a:spLocks noGrp="1"/>
-          </p:cNvSpPr>
-          <p:nvPr>
-            <p:ph type="dt" sz="half" idx="10"/>
+            <a:endParaRPr kumimoji="0" lang="en-US"/>
+          </a:p>
+        </p:txBody>
+      </p:sp>
+      <p:sp>
+        <p:nvSpPr>
+          <p:cNvPr id="10" name="日期版面配置區 9"/>
+          <p:cNvSpPr>
+            <a:spLocks noGrp="1"/>
+          </p:cNvSpPr>
+          <p:nvPr>
+            <p:ph type="dt" sz="half" idx="15"/>
           </p:nvPr>
         </p:nvSpPr>
         <p:spPr/>
         <p:txBody>
-          <a:bodyPr/>
+          <a:bodyPr rtlCol="0"/>
           <a:lstStyle/>
           <a:p>
             <a:fld id="{5BBEAD13-0566-4C6C-97E7-55F17F24B09F}" type="datetimeFigureOut">
@@ -3200,36 +3397,17 @@
       </p:sp>
       <p:sp>
         <p:nvSpPr>
-          <p:cNvPr id="8" name="頁尾版面配置區 7"/>
-          <p:cNvSpPr>
-            <a:spLocks noGrp="1"/>
-          </p:cNvSpPr>
-          <p:nvPr>
-            <p:ph type="ftr" sz="quarter" idx="11"/>
+          <p:cNvPr id="12" name="投影片編號版面配置區 11"/>
+          <p:cNvSpPr>
+            <a:spLocks noGrp="1"/>
+          </p:cNvSpPr>
+          <p:nvPr>
+            <p:ph type="sldNum" sz="quarter" idx="16"/>
           </p:nvPr>
         </p:nvSpPr>
         <p:spPr/>
         <p:txBody>
-          <a:bodyPr/>
-          <a:lstStyle/>
-          <a:p>
-            <a:endParaRPr lang="zh-TW" altLang="en-US"/>
-          </a:p>
-        </p:txBody>
-      </p:sp>
-      <p:sp>
-        <p:nvSpPr>
-          <p:cNvPr id="9" name="投影片編號版面配置區 8"/>
-          <p:cNvSpPr>
-            <a:spLocks noGrp="1"/>
-          </p:cNvSpPr>
-          <p:nvPr>
-            <p:ph type="sldNum" sz="quarter" idx="12"/>
-          </p:nvPr>
-        </p:nvSpPr>
-        <p:spPr/>
-        <p:txBody>
-          <a:bodyPr/>
+          <a:bodyPr rtlCol="0"/>
           <a:lstStyle/>
           <a:p>
             <a:fld id="{73DA0BB7-265A-403C-9275-D587AB510EDC}" type="slidenum">
@@ -3237,6 +3415,107 @@
               <a:t>‹#›</a:t>
             </a:fld>
             <a:endParaRPr lang="zh-TW" altLang="en-US"/>
+          </a:p>
+        </p:txBody>
+      </p:sp>
+      <p:sp>
+        <p:nvSpPr>
+          <p:cNvPr id="14" name="頁尾版面配置區 13"/>
+          <p:cNvSpPr>
+            <a:spLocks noGrp="1"/>
+          </p:cNvSpPr>
+          <p:nvPr>
+            <p:ph type="ftr" sz="quarter" idx="17"/>
+          </p:nvPr>
+        </p:nvSpPr>
+        <p:spPr/>
+        <p:txBody>
+          <a:bodyPr rtlCol="0"/>
+          <a:lstStyle/>
+          <a:p>
+            <a:endParaRPr lang="zh-TW" altLang="en-US"/>
+          </a:p>
+        </p:txBody>
+      </p:sp>
+      <p:sp>
+        <p:nvSpPr>
+          <p:cNvPr id="16" name="文字版面配置區 15"/>
+          <p:cNvSpPr>
+            <a:spLocks noGrp="1"/>
+          </p:cNvSpPr>
+          <p:nvPr>
+            <p:ph type="body" sz="quarter" idx="1"/>
+          </p:nvPr>
+        </p:nvSpPr>
+        <p:spPr>
+          <a:xfrm>
+            <a:off x="609600" y="1752600"/>
+            <a:ext cx="3886200" cy="640080"/>
+          </a:xfrm>
+          <a:solidFill>
+            <a:schemeClr val="accent2"/>
+          </a:solidFill>
+        </p:spPr>
+        <p:txBody>
+          <a:bodyPr rtlCol="0" anchor="ctr"/>
+          <a:lstStyle>
+            <a:lvl1pPr marL="0" indent="0">
+              <a:buFontTx/>
+              <a:buNone/>
+              <a:defRPr sz="2000" b="1">
+                <a:solidFill>
+                  <a:srgbClr val="FFFFFF"/>
+                </a:solidFill>
+              </a:defRPr>
+            </a:lvl1pPr>
+          </a:lstStyle>
+          <a:p>
+            <a:pPr lvl="0" eaLnBrk="1" latinLnBrk="0" hangingPunct="1"/>
+            <a:r>
+              <a:rPr kumimoji="0" lang="zh-TW" altLang="en-US" smtClean="0"/>
+              <a:t>按一下以編輯母片文字樣式</a:t>
+            </a:r>
+          </a:p>
+        </p:txBody>
+      </p:sp>
+      <p:sp>
+        <p:nvSpPr>
+          <p:cNvPr id="15" name="文字版面配置區 14"/>
+          <p:cNvSpPr>
+            <a:spLocks noGrp="1"/>
+          </p:cNvSpPr>
+          <p:nvPr>
+            <p:ph type="body" sz="quarter" idx="3"/>
+          </p:nvPr>
+        </p:nvSpPr>
+        <p:spPr>
+          <a:xfrm>
+            <a:off x="4800600" y="1752600"/>
+            <a:ext cx="3886200" cy="640080"/>
+          </a:xfrm>
+          <a:solidFill>
+            <a:schemeClr val="accent4"/>
+          </a:solidFill>
+        </p:spPr>
+        <p:txBody>
+          <a:bodyPr rtlCol="0" anchor="ctr"/>
+          <a:lstStyle>
+            <a:lvl1pPr marL="0" indent="0">
+              <a:buFontTx/>
+              <a:buNone/>
+              <a:defRPr sz="2000" b="1">
+                <a:solidFill>
+                  <a:srgbClr val="FFFFFF"/>
+                </a:solidFill>
+              </a:defRPr>
+            </a:lvl1pPr>
+          </a:lstStyle>
+          <a:p>
+            <a:pPr lvl="0" eaLnBrk="1" latinLnBrk="0" hangingPunct="1"/>
+            <a:r>
+              <a:rPr kumimoji="0" lang="zh-TW" altLang="en-US" smtClean="0"/>
+              <a:t>按一下以編輯母片文字樣式</a:t>
+            </a:r>
           </a:p>
         </p:txBody>
       </p:sp>
@@ -3281,10 +3560,10 @@
           <a:lstStyle/>
           <a:p>
             <a:r>
-              <a:rPr lang="zh-TW" altLang="en-US" smtClean="0"/>
+              <a:rPr kumimoji="0" lang="zh-TW" altLang="en-US" smtClean="0"/>
               <a:t>按一下以編輯母片標題樣式</a:t>
             </a:r>
-            <a:endParaRPr lang="zh-TW" altLang="en-US"/>
+            <a:endParaRPr kumimoji="0" lang="en-US"/>
           </a:p>
         </p:txBody>
       </p:sp>
@@ -3343,7 +3622,15 @@
         <p:spPr/>
         <p:txBody>
           <a:bodyPr/>
-          <a:lstStyle/>
+          <a:lstStyle>
+            <a:lvl1pPr>
+              <a:defRPr>
+                <a:solidFill>
+                  <a:srgbClr val="FFFFFF"/>
+                </a:solidFill>
+              </a:defRPr>
+            </a:lvl1pPr>
+          </a:lstStyle>
           <a:p>
             <a:fld id="{73DA0BB7-265A-403C-9275-D587AB510EDC}" type="slidenum">
               <a:rPr lang="zh-TW" altLang="en-US" smtClean="0"/>
@@ -3362,7 +3649,7 @@
 </file>
 
 <file path=ppt/slideLayouts/slideLayout7.xml><?xml version="1.0" encoding="utf-8"?>
-<p:sldLayout xmlns:a="http://schemas.openxmlformats.org/drawingml/2006/main" xmlns:r="http://schemas.openxmlformats.org/officeDocument/2006/relationships" xmlns:p="http://schemas.openxmlformats.org/presentationml/2006/main" type="blank" preserve="1">
+<p:sldLayout xmlns:a="http://schemas.openxmlformats.org/drawingml/2006/main" xmlns:r="http://schemas.openxmlformats.org/officeDocument/2006/relationships" xmlns:p="http://schemas.openxmlformats.org/presentationml/2006/main" showMasterSp="0" type="blank" preserve="1">
   <p:cSld name="空白">
     <p:spTree>
       <p:nvGrpSpPr>
@@ -3430,10 +3717,23 @@
             <p:ph type="sldNum" sz="quarter" idx="12"/>
           </p:nvPr>
         </p:nvSpPr>
-        <p:spPr/>
+        <p:spPr>
+          <a:xfrm>
+            <a:off x="0" y="6248400"/>
+            <a:ext cx="533400" cy="381000"/>
+          </a:xfrm>
+        </p:spPr>
         <p:txBody>
           <a:bodyPr/>
-          <a:lstStyle/>
+          <a:lstStyle>
+            <a:lvl1pPr>
+              <a:defRPr>
+                <a:solidFill>
+                  <a:schemeClr val="tx2"/>
+                </a:solidFill>
+              </a:defRPr>
+            </a:lvl1pPr>
+          </a:lstStyle>
           <a:p>
             <a:fld id="{73DA0BB7-265A-403C-9275-D587AB510EDC}" type="slidenum">
               <a:rPr lang="zh-TW" altLang="en-US" smtClean="0"/>
@@ -3480,173 +3780,24 @@
         </p:nvSpPr>
         <p:spPr>
           <a:xfrm>
-            <a:off x="457200" y="273050"/>
-            <a:ext cx="3008313" cy="1162050"/>
+            <a:off x="609600" y="273050"/>
+            <a:ext cx="8077200" cy="869950"/>
           </a:xfrm>
         </p:spPr>
         <p:txBody>
-          <a:bodyPr anchor="b"/>
+          <a:bodyPr anchor="ctr"/>
           <a:lstStyle>
             <a:lvl1pPr algn="l">
-              <a:defRPr sz="2000" b="1"/>
+              <a:buNone/>
+              <a:defRPr sz="4400" b="0"/>
             </a:lvl1pPr>
           </a:lstStyle>
           <a:p>
             <a:r>
-              <a:rPr lang="zh-TW" altLang="en-US" smtClean="0"/>
+              <a:rPr kumimoji="0" lang="zh-TW" altLang="en-US" smtClean="0"/>
               <a:t>按一下以編輯母片標題樣式</a:t>
             </a:r>
-            <a:endParaRPr lang="zh-TW" altLang="en-US"/>
-          </a:p>
-        </p:txBody>
-      </p:sp>
-      <p:sp>
-        <p:nvSpPr>
-          <p:cNvPr id="3" name="內容版面配置區 2"/>
-          <p:cNvSpPr>
-            <a:spLocks noGrp="1"/>
-          </p:cNvSpPr>
-          <p:nvPr>
-            <p:ph idx="1"/>
-          </p:nvPr>
-        </p:nvSpPr>
-        <p:spPr>
-          <a:xfrm>
-            <a:off x="3575050" y="273050"/>
-            <a:ext cx="5111750" cy="5853113"/>
-          </a:xfrm>
-        </p:spPr>
-        <p:txBody>
-          <a:bodyPr/>
-          <a:lstStyle>
-            <a:lvl1pPr>
-              <a:defRPr sz="3200"/>
-            </a:lvl1pPr>
-            <a:lvl2pPr>
-              <a:defRPr sz="2800"/>
-            </a:lvl2pPr>
-            <a:lvl3pPr>
-              <a:defRPr sz="2400"/>
-            </a:lvl3pPr>
-            <a:lvl4pPr>
-              <a:defRPr sz="2000"/>
-            </a:lvl4pPr>
-            <a:lvl5pPr>
-              <a:defRPr sz="2000"/>
-            </a:lvl5pPr>
-            <a:lvl6pPr>
-              <a:defRPr sz="2000"/>
-            </a:lvl6pPr>
-            <a:lvl7pPr>
-              <a:defRPr sz="2000"/>
-            </a:lvl7pPr>
-            <a:lvl8pPr>
-              <a:defRPr sz="2000"/>
-            </a:lvl8pPr>
-            <a:lvl9pPr>
-              <a:defRPr sz="2000"/>
-            </a:lvl9pPr>
-          </a:lstStyle>
-          <a:p>
-            <a:pPr lvl="0"/>
-            <a:r>
-              <a:rPr lang="zh-TW" altLang="en-US" smtClean="0"/>
-              <a:t>按一下以編輯母片文字樣式</a:t>
-            </a:r>
-          </a:p>
-          <a:p>
-            <a:pPr lvl="1"/>
-            <a:r>
-              <a:rPr lang="zh-TW" altLang="en-US" smtClean="0"/>
-              <a:t>第二層</a:t>
-            </a:r>
-          </a:p>
-          <a:p>
-            <a:pPr lvl="2"/>
-            <a:r>
-              <a:rPr lang="zh-TW" altLang="en-US" smtClean="0"/>
-              <a:t>第三層</a:t>
-            </a:r>
-          </a:p>
-          <a:p>
-            <a:pPr lvl="3"/>
-            <a:r>
-              <a:rPr lang="zh-TW" altLang="en-US" smtClean="0"/>
-              <a:t>第四層</a:t>
-            </a:r>
-          </a:p>
-          <a:p>
-            <a:pPr lvl="4"/>
-            <a:r>
-              <a:rPr lang="zh-TW" altLang="en-US" smtClean="0"/>
-              <a:t>第五層</a:t>
-            </a:r>
-            <a:endParaRPr lang="zh-TW" altLang="en-US"/>
-          </a:p>
-        </p:txBody>
-      </p:sp>
-      <p:sp>
-        <p:nvSpPr>
-          <p:cNvPr id="4" name="文字版面配置區 3"/>
-          <p:cNvSpPr>
-            <a:spLocks noGrp="1"/>
-          </p:cNvSpPr>
-          <p:nvPr>
-            <p:ph type="body" sz="half" idx="2"/>
-          </p:nvPr>
-        </p:nvSpPr>
-        <p:spPr>
-          <a:xfrm>
-            <a:off x="457200" y="1435100"/>
-            <a:ext cx="3008313" cy="4691063"/>
-          </a:xfrm>
-        </p:spPr>
-        <p:txBody>
-          <a:bodyPr/>
-          <a:lstStyle>
-            <a:lvl1pPr marL="0" indent="0">
-              <a:buNone/>
-              <a:defRPr sz="1400"/>
-            </a:lvl1pPr>
-            <a:lvl2pPr marL="457200" indent="0">
-              <a:buNone/>
-              <a:defRPr sz="1200"/>
-            </a:lvl2pPr>
-            <a:lvl3pPr marL="914400" indent="0">
-              <a:buNone/>
-              <a:defRPr sz="1000"/>
-            </a:lvl3pPr>
-            <a:lvl4pPr marL="1371600" indent="0">
-              <a:buNone/>
-              <a:defRPr sz="900"/>
-            </a:lvl4pPr>
-            <a:lvl5pPr marL="1828800" indent="0">
-              <a:buNone/>
-              <a:defRPr sz="900"/>
-            </a:lvl5pPr>
-            <a:lvl6pPr marL="2286000" indent="0">
-              <a:buNone/>
-              <a:defRPr sz="900"/>
-            </a:lvl6pPr>
-            <a:lvl7pPr marL="2743200" indent="0">
-              <a:buNone/>
-              <a:defRPr sz="900"/>
-            </a:lvl7pPr>
-            <a:lvl8pPr marL="3200400" indent="0">
-              <a:buNone/>
-              <a:defRPr sz="900"/>
-            </a:lvl8pPr>
-            <a:lvl9pPr marL="3657600" indent="0">
-              <a:buNone/>
-              <a:defRPr sz="900"/>
-            </a:lvl9pPr>
-          </a:lstStyle>
-          <a:p>
-            <a:pPr lvl="0"/>
-            <a:r>
-              <a:rPr lang="zh-TW" altLang="en-US" smtClean="0"/>
-              <a:t>按一下以編輯母片文字樣式</a:t>
-            </a:r>
+            <a:endParaRPr kumimoji="0" lang="en-US"/>
           </a:p>
         </p:txBody>
       </p:sp>
@@ -3705,13 +3856,152 @@
         <p:spPr/>
         <p:txBody>
           <a:bodyPr/>
-          <a:lstStyle/>
+          <a:lstStyle>
+            <a:lvl1pPr>
+              <a:defRPr>
+                <a:solidFill>
+                  <a:srgbClr val="FFFFFF"/>
+                </a:solidFill>
+              </a:defRPr>
+            </a:lvl1pPr>
+          </a:lstStyle>
           <a:p>
             <a:fld id="{73DA0BB7-265A-403C-9275-D587AB510EDC}" type="slidenum">
               <a:rPr lang="zh-TW" altLang="en-US" smtClean="0"/>
               <a:t>‹#›</a:t>
             </a:fld>
             <a:endParaRPr lang="zh-TW" altLang="en-US"/>
+          </a:p>
+        </p:txBody>
+      </p:sp>
+      <p:sp>
+        <p:nvSpPr>
+          <p:cNvPr id="3" name="文字版面配置區 2"/>
+          <p:cNvSpPr>
+            <a:spLocks noGrp="1"/>
+          </p:cNvSpPr>
+          <p:nvPr>
+            <p:ph type="body" idx="2"/>
+          </p:nvPr>
+        </p:nvSpPr>
+        <p:spPr>
+          <a:xfrm>
+            <a:off x="609600" y="1752600"/>
+            <a:ext cx="1600200" cy="4343400"/>
+          </a:xfrm>
+          <a:ln w="50800" cap="sq" cmpd="dbl" algn="ctr">
+            <a:solidFill>
+              <a:schemeClr val="accent2"/>
+            </a:solidFill>
+            <a:prstDash val="solid"/>
+            <a:miter lim="800000"/>
+          </a:ln>
+          <a:effectLst/>
+        </p:spPr>
+        <p:style>
+          <a:lnRef idx="3">
+            <a:schemeClr val="lt1"/>
+          </a:lnRef>
+          <a:fillRef idx="1">
+            <a:schemeClr val="accent2"/>
+          </a:fillRef>
+          <a:effectRef idx="1">
+            <a:schemeClr val="accent2"/>
+          </a:effectRef>
+          <a:fontRef idx="minor">
+            <a:schemeClr val="lt1"/>
+          </a:fontRef>
+        </p:style>
+        <p:txBody>
+          <a:bodyPr lIns="137160" tIns="182880" rIns="137160" bIns="91440"/>
+          <a:lstStyle>
+            <a:lvl1pPr marL="0" indent="0">
+              <a:spcAft>
+                <a:spcPts val="1000"/>
+              </a:spcAft>
+              <a:buNone/>
+              <a:defRPr sz="1800"/>
+            </a:lvl1pPr>
+            <a:lvl2pPr>
+              <a:buNone/>
+              <a:defRPr sz="1200"/>
+            </a:lvl2pPr>
+            <a:lvl3pPr>
+              <a:buNone/>
+              <a:defRPr sz="1000"/>
+            </a:lvl3pPr>
+            <a:lvl4pPr>
+              <a:buNone/>
+              <a:defRPr sz="900"/>
+            </a:lvl4pPr>
+            <a:lvl5pPr>
+              <a:buNone/>
+              <a:defRPr sz="900"/>
+            </a:lvl5pPr>
+          </a:lstStyle>
+          <a:p>
+            <a:pPr lvl="0" eaLnBrk="1" latinLnBrk="0" hangingPunct="1"/>
+            <a:r>
+              <a:rPr kumimoji="0" lang="zh-TW" altLang="en-US" smtClean="0"/>
+              <a:t>按一下以編輯母片文字樣式</a:t>
+            </a:r>
+          </a:p>
+        </p:txBody>
+      </p:sp>
+      <p:sp>
+        <p:nvSpPr>
+          <p:cNvPr id="9" name="內容版面配置區 8"/>
+          <p:cNvSpPr>
+            <a:spLocks noGrp="1"/>
+          </p:cNvSpPr>
+          <p:nvPr>
+            <p:ph sz="quarter" idx="1"/>
+          </p:nvPr>
+        </p:nvSpPr>
+        <p:spPr>
+          <a:xfrm>
+            <a:off x="2362200" y="1752600"/>
+            <a:ext cx="6400800" cy="4419600"/>
+          </a:xfrm>
+        </p:spPr>
+        <p:txBody>
+          <a:bodyPr/>
+          <a:lstStyle/>
+          <a:p>
+            <a:pPr lvl="0" eaLnBrk="1" latinLnBrk="0" hangingPunct="1"/>
+            <a:r>
+              <a:rPr lang="zh-TW" altLang="en-US" smtClean="0"/>
+              <a:t>按一下以編輯母片文字樣式</a:t>
+            </a:r>
+          </a:p>
+          <a:p>
+            <a:pPr lvl="1" eaLnBrk="1" latinLnBrk="0" hangingPunct="1"/>
+            <a:r>
+              <a:rPr lang="zh-TW" altLang="en-US" smtClean="0"/>
+              <a:t>第二層</a:t>
+            </a:r>
+          </a:p>
+          <a:p>
+            <a:pPr lvl="2" eaLnBrk="1" latinLnBrk="0" hangingPunct="1"/>
+            <a:r>
+              <a:rPr lang="zh-TW" altLang="en-US" smtClean="0"/>
+              <a:t>第三層</a:t>
+            </a:r>
+          </a:p>
+          <a:p>
+            <a:pPr lvl="3" eaLnBrk="1" latinLnBrk="0" hangingPunct="1"/>
+            <a:r>
+              <a:rPr lang="zh-TW" altLang="en-US" smtClean="0"/>
+              <a:t>第四層</a:t>
+            </a:r>
+          </a:p>
+          <a:p>
+            <a:pPr lvl="4" eaLnBrk="1" latinLnBrk="0" hangingPunct="1"/>
+            <a:r>
+              <a:rPr lang="zh-TW" altLang="en-US" smtClean="0"/>
+              <a:t>第五層</a:t>
+            </a:r>
+            <a:endParaRPr kumimoji="0" lang="en-US"/>
           </a:p>
         </p:txBody>
       </p:sp>
@@ -3724,8 +4014,13 @@
 </file>
 
 <file path=ppt/slideLayouts/slideLayout9.xml><?xml version="1.0" encoding="utf-8"?>
-<p:sldLayout xmlns:a="http://schemas.openxmlformats.org/drawingml/2006/main" xmlns:r="http://schemas.openxmlformats.org/officeDocument/2006/relationships" xmlns:p="http://schemas.openxmlformats.org/presentationml/2006/main" type="picTx" preserve="1">
+<p:sldLayout xmlns:a="http://schemas.openxmlformats.org/drawingml/2006/main" xmlns:r="http://schemas.openxmlformats.org/officeDocument/2006/relationships" xmlns:p="http://schemas.openxmlformats.org/presentationml/2006/main" showMasterSp="0" type="picTx" preserve="1">
   <p:cSld name="含標題的圖片">
+    <p:bg>
+      <p:bgRef idx="1003">
+        <a:schemeClr val="bg2"/>
+      </p:bgRef>
+    </p:bg>
     <p:spTree>
       <p:nvGrpSpPr>
         <p:cNvPr id="1" name=""/>
@@ -3742,51 +4037,390 @@
       </p:grpSpPr>
       <p:sp>
         <p:nvSpPr>
-          <p:cNvPr id="2" name="標題 1"/>
-          <p:cNvSpPr>
-            <a:spLocks noGrp="1"/>
-          </p:cNvSpPr>
-          <p:nvPr>
-            <p:ph type="title"/>
+          <p:cNvPr id="4" name="文字版面配置區 3"/>
+          <p:cNvSpPr>
+            <a:spLocks noGrp="1"/>
+          </p:cNvSpPr>
+          <p:nvPr>
+            <p:ph type="body" sz="half" idx="2"/>
           </p:nvPr>
         </p:nvSpPr>
         <p:spPr>
           <a:xfrm>
-            <a:off x="1792288" y="4800600"/>
-            <a:ext cx="5486400" cy="566738"/>
+            <a:off x="1600200" y="5486400"/>
+            <a:ext cx="7315200" cy="685800"/>
           </a:xfrm>
         </p:spPr>
         <p:txBody>
-          <a:bodyPr anchor="b"/>
+          <a:bodyPr/>
+          <a:lstStyle>
+            <a:lvl1pPr marL="0" indent="0">
+              <a:buFontTx/>
+              <a:buNone/>
+              <a:defRPr sz="1700"/>
+            </a:lvl1pPr>
+            <a:lvl2pPr>
+              <a:buFontTx/>
+              <a:buNone/>
+              <a:defRPr sz="1200"/>
+            </a:lvl2pPr>
+            <a:lvl3pPr>
+              <a:buFontTx/>
+              <a:buNone/>
+              <a:defRPr sz="1000"/>
+            </a:lvl3pPr>
+            <a:lvl4pPr>
+              <a:buFontTx/>
+              <a:buNone/>
+              <a:defRPr sz="900"/>
+            </a:lvl4pPr>
+            <a:lvl5pPr>
+              <a:buFontTx/>
+              <a:buNone/>
+              <a:defRPr sz="900"/>
+            </a:lvl5pPr>
+          </a:lstStyle>
+          <a:p>
+            <a:pPr lvl="0" eaLnBrk="1" latinLnBrk="0" hangingPunct="1"/>
+            <a:r>
+              <a:rPr kumimoji="0" lang="zh-TW" altLang="en-US" smtClean="0"/>
+              <a:t>按一下以編輯母片文字樣式</a:t>
+            </a:r>
+          </a:p>
+        </p:txBody>
+      </p:sp>
+      <p:sp>
+        <p:nvSpPr>
+          <p:cNvPr id="8" name="矩形 7"/>
+          <p:cNvSpPr/>
+          <p:nvPr/>
+        </p:nvSpPr>
+        <p:spPr bwMode="white">
+          <a:xfrm>
+            <a:off x="-9144" y="4572000"/>
+            <a:ext cx="9144000" cy="886968"/>
+          </a:xfrm>
+          <a:prstGeom prst="rect">
+            <a:avLst/>
+          </a:prstGeom>
+          <a:solidFill>
+            <a:srgbClr val="FFFFFF"/>
+          </a:solidFill>
+          <a:ln w="50800" cap="rnd" cmpd="dbl" algn="ctr">
+            <a:noFill/>
+            <a:prstDash val="solid"/>
+          </a:ln>
+          <a:effectLst/>
+        </p:spPr>
+        <p:style>
+          <a:lnRef idx="3">
+            <a:schemeClr val="lt1"/>
+          </a:lnRef>
+          <a:fillRef idx="1">
+            <a:schemeClr val="accent1"/>
+          </a:fillRef>
+          <a:effectRef idx="1">
+            <a:schemeClr val="accent1"/>
+          </a:effectRef>
+          <a:fontRef idx="minor">
+            <a:schemeClr val="lt1"/>
+          </a:fontRef>
+        </p:style>
+        <p:txBody>
+          <a:bodyPr anchor="ctr"/>
+          <a:lstStyle/>
+          <a:p>
+            <a:pPr algn="ctr" eaLnBrk="1" latinLnBrk="0" hangingPunct="1"/>
+            <a:endParaRPr kumimoji="0" lang="en-US"/>
+          </a:p>
+        </p:txBody>
+      </p:sp>
+      <p:sp>
+        <p:nvSpPr>
+          <p:cNvPr id="9" name="矩形 8"/>
+          <p:cNvSpPr/>
+          <p:nvPr/>
+        </p:nvSpPr>
+        <p:spPr>
+          <a:xfrm>
+            <a:off x="-9144" y="4663440"/>
+            <a:ext cx="1463040" cy="713232"/>
+          </a:xfrm>
+          <a:prstGeom prst="rect">
+            <a:avLst/>
+          </a:prstGeom>
+          <a:solidFill>
+            <a:schemeClr val="accent2">
+              <a:alpha val="100000"/>
+            </a:schemeClr>
+          </a:solidFill>
+          <a:ln w="50800" cap="rnd" cmpd="dbl" algn="ctr">
+            <a:noFill/>
+            <a:prstDash val="solid"/>
+          </a:ln>
+          <a:effectLst/>
+        </p:spPr>
+        <p:style>
+          <a:lnRef idx="3">
+            <a:schemeClr val="lt1"/>
+          </a:lnRef>
+          <a:fillRef idx="1">
+            <a:schemeClr val="accent1"/>
+          </a:fillRef>
+          <a:effectRef idx="1">
+            <a:schemeClr val="accent1"/>
+          </a:effectRef>
+          <a:fontRef idx="minor">
+            <a:schemeClr val="lt1"/>
+          </a:fontRef>
+        </p:style>
+        <p:txBody>
+          <a:bodyPr anchor="ctr"/>
+          <a:lstStyle/>
+          <a:p>
+            <a:pPr algn="ctr" eaLnBrk="1" latinLnBrk="0" hangingPunct="1"/>
+            <a:endParaRPr kumimoji="0" lang="en-US"/>
+          </a:p>
+        </p:txBody>
+      </p:sp>
+      <p:sp>
+        <p:nvSpPr>
+          <p:cNvPr id="10" name="矩形 9"/>
+          <p:cNvSpPr/>
+          <p:nvPr/>
+        </p:nvSpPr>
+        <p:spPr>
+          <a:xfrm>
+            <a:off x="1545336" y="4654296"/>
+            <a:ext cx="7598664" cy="713232"/>
+          </a:xfrm>
+          <a:prstGeom prst="rect">
+            <a:avLst/>
+          </a:prstGeom>
+          <a:solidFill>
+            <a:schemeClr val="accent1">
+              <a:alpha val="100000"/>
+            </a:schemeClr>
+          </a:solidFill>
+          <a:ln w="50800" cap="rnd" cmpd="dbl" algn="ctr">
+            <a:noFill/>
+            <a:prstDash val="solid"/>
+          </a:ln>
+          <a:effectLst/>
+        </p:spPr>
+        <p:style>
+          <a:lnRef idx="3">
+            <a:schemeClr val="lt1"/>
+          </a:lnRef>
+          <a:fillRef idx="1">
+            <a:schemeClr val="accent1"/>
+          </a:fillRef>
+          <a:effectRef idx="1">
+            <a:schemeClr val="accent1"/>
+          </a:effectRef>
+          <a:fontRef idx="minor">
+            <a:schemeClr val="lt1"/>
+          </a:fontRef>
+        </p:style>
+        <p:txBody>
+          <a:bodyPr anchor="ctr"/>
+          <a:lstStyle/>
+          <a:p>
+            <a:pPr algn="ctr" eaLnBrk="1" latinLnBrk="0" hangingPunct="1"/>
+            <a:endParaRPr kumimoji="0" lang="en-US"/>
+          </a:p>
+        </p:txBody>
+      </p:sp>
+      <p:sp>
+        <p:nvSpPr>
+          <p:cNvPr id="2" name="標題 1"/>
+          <p:cNvSpPr>
+            <a:spLocks noGrp="1"/>
+          </p:cNvSpPr>
+          <p:nvPr>
+            <p:ph type="title"/>
+          </p:nvPr>
+        </p:nvSpPr>
+        <p:spPr>
+          <a:xfrm>
+            <a:off x="1600200" y="4648200"/>
+            <a:ext cx="7315200" cy="685800"/>
+          </a:xfrm>
+        </p:spPr>
+        <p:txBody>
+          <a:bodyPr anchor="ctr"/>
           <a:lstStyle>
             <a:lvl1pPr algn="l">
-              <a:defRPr sz="2000" b="1"/>
+              <a:buNone/>
+              <a:defRPr sz="2800" b="0">
+                <a:solidFill>
+                  <a:srgbClr val="FFFFFF"/>
+                </a:solidFill>
+              </a:defRPr>
             </a:lvl1pPr>
           </a:lstStyle>
           <a:p>
             <a:r>
-              <a:rPr lang="zh-TW" altLang="en-US" smtClean="0"/>
+              <a:rPr kumimoji="0" lang="zh-TW" altLang="en-US" smtClean="0"/>
               <a:t>按一下以編輯母片標題樣式</a:t>
             </a:r>
-            <a:endParaRPr lang="zh-TW" altLang="en-US"/>
-          </a:p>
-        </p:txBody>
-      </p:sp>
-      <p:sp>
-        <p:nvSpPr>
-          <p:cNvPr id="3" name="圖片版面配置區 2"/>
-          <p:cNvSpPr>
-            <a:spLocks noGrp="1"/>
-          </p:cNvSpPr>
-          <p:nvPr>
-            <p:ph type="pic" idx="1"/>
+            <a:endParaRPr kumimoji="0" lang="en-US"/>
+          </a:p>
+        </p:txBody>
+      </p:sp>
+      <p:sp>
+        <p:nvSpPr>
+          <p:cNvPr id="11" name="矩形 10"/>
+          <p:cNvSpPr/>
+          <p:nvPr/>
+        </p:nvSpPr>
+        <p:spPr bwMode="white">
+          <a:xfrm>
+            <a:off x="1447800" y="0"/>
+            <a:ext cx="100584" cy="6867144"/>
+          </a:xfrm>
+          <a:prstGeom prst="rect">
+            <a:avLst/>
+          </a:prstGeom>
+          <a:solidFill>
+            <a:srgbClr val="FFFFFF"/>
+          </a:solidFill>
+          <a:ln w="50800" cap="rnd" cmpd="dbl" algn="ctr">
+            <a:noFill/>
+            <a:prstDash val="solid"/>
+          </a:ln>
+          <a:effectLst/>
+        </p:spPr>
+        <p:style>
+          <a:lnRef idx="3">
+            <a:schemeClr val="lt1"/>
+          </a:lnRef>
+          <a:fillRef idx="1">
+            <a:schemeClr val="accent1"/>
+          </a:fillRef>
+          <a:effectRef idx="1">
+            <a:schemeClr val="accent1"/>
+          </a:effectRef>
+          <a:fontRef idx="minor">
+            <a:schemeClr val="lt1"/>
+          </a:fontRef>
+        </p:style>
+        <p:txBody>
+          <a:bodyPr anchor="ctr"/>
+          <a:lstStyle/>
+          <a:p>
+            <a:pPr algn="ctr" eaLnBrk="1" latinLnBrk="0" hangingPunct="1"/>
+            <a:endParaRPr kumimoji="0" lang="en-US"/>
+          </a:p>
+        </p:txBody>
+      </p:sp>
+      <p:sp>
+        <p:nvSpPr>
+          <p:cNvPr id="12" name="日期版面配置區 11"/>
+          <p:cNvSpPr>
+            <a:spLocks noGrp="1"/>
+          </p:cNvSpPr>
+          <p:nvPr>
+            <p:ph type="dt" sz="half" idx="10"/>
           </p:nvPr>
         </p:nvSpPr>
         <p:spPr>
           <a:xfrm>
-            <a:off x="1792288" y="612775"/>
-            <a:ext cx="5486400" cy="4114800"/>
+            <a:off x="6248400" y="6248400"/>
+            <a:ext cx="2667000" cy="365125"/>
           </a:xfrm>
+        </p:spPr>
+        <p:txBody>
+          <a:bodyPr rtlCol="0"/>
+          <a:lstStyle/>
+          <a:p>
+            <a:fld id="{5BBEAD13-0566-4C6C-97E7-55F17F24B09F}" type="datetimeFigureOut">
+              <a:rPr lang="zh-TW" altLang="en-US" smtClean="0"/>
+              <a:t>2015/1/26</a:t>
+            </a:fld>
+            <a:endParaRPr lang="zh-TW" altLang="en-US"/>
+          </a:p>
+        </p:txBody>
+      </p:sp>
+      <p:sp>
+        <p:nvSpPr>
+          <p:cNvPr id="13" name="投影片編號版面配置區 12"/>
+          <p:cNvSpPr>
+            <a:spLocks noGrp="1"/>
+          </p:cNvSpPr>
+          <p:nvPr>
+            <p:ph type="sldNum" sz="quarter" idx="11"/>
+          </p:nvPr>
+        </p:nvSpPr>
+        <p:spPr>
+          <a:xfrm>
+            <a:off x="0" y="4667249"/>
+            <a:ext cx="1447800" cy="663578"/>
+          </a:xfrm>
+        </p:spPr>
+        <p:txBody>
+          <a:bodyPr rtlCol="0"/>
+          <a:lstStyle>
+            <a:lvl1pPr>
+              <a:defRPr sz="2800"/>
+            </a:lvl1pPr>
+          </a:lstStyle>
+          <a:p>
+            <a:fld id="{73DA0BB7-265A-403C-9275-D587AB510EDC}" type="slidenum">
+              <a:rPr lang="zh-TW" altLang="en-US" smtClean="0"/>
+              <a:t>‹#›</a:t>
+            </a:fld>
+            <a:endParaRPr lang="zh-TW" altLang="en-US"/>
+          </a:p>
+        </p:txBody>
+      </p:sp>
+      <p:sp>
+        <p:nvSpPr>
+          <p:cNvPr id="14" name="頁尾版面配置區 13"/>
+          <p:cNvSpPr>
+            <a:spLocks noGrp="1"/>
+          </p:cNvSpPr>
+          <p:nvPr>
+            <p:ph type="ftr" sz="quarter" idx="12"/>
+          </p:nvPr>
+        </p:nvSpPr>
+        <p:spPr>
+          <a:xfrm>
+            <a:off x="1600200" y="6248206"/>
+            <a:ext cx="4572000" cy="365125"/>
+          </a:xfrm>
+        </p:spPr>
+        <p:txBody>
+          <a:bodyPr rtlCol="0"/>
+          <a:lstStyle/>
+          <a:p>
+            <a:endParaRPr lang="zh-TW" altLang="en-US"/>
+          </a:p>
+        </p:txBody>
+      </p:sp>
+      <p:sp>
+        <p:nvSpPr>
+          <p:cNvPr id="3" name="圖片版面配置區 2"/>
+          <p:cNvSpPr>
+            <a:spLocks noGrp="1"/>
+          </p:cNvSpPr>
+          <p:nvPr>
+            <p:ph type="pic" idx="1"/>
+          </p:nvPr>
+        </p:nvSpPr>
+        <p:spPr>
+          <a:xfrm>
+            <a:off x="1560576" y="0"/>
+            <a:ext cx="7583424" cy="4568952"/>
+          </a:xfrm>
+          <a:solidFill>
+            <a:schemeClr val="accent1">
+              <a:tint val="40000"/>
+            </a:schemeClr>
+          </a:solidFill>
+          <a:ln>
+            <a:noFill/>
+          </a:ln>
         </p:spPr>
         <p:txBody>
           <a:bodyPr/>
@@ -3795,178 +4429,20 @@
               <a:buNone/>
               <a:defRPr sz="3200"/>
             </a:lvl1pPr>
-            <a:lvl2pPr marL="457200" indent="0">
-              <a:buNone/>
-              <a:defRPr sz="2800"/>
-            </a:lvl2pPr>
-            <a:lvl3pPr marL="914400" indent="0">
-              <a:buNone/>
-              <a:defRPr sz="2400"/>
-            </a:lvl3pPr>
-            <a:lvl4pPr marL="1371600" indent="0">
-              <a:buNone/>
-              <a:defRPr sz="2000"/>
-            </a:lvl4pPr>
-            <a:lvl5pPr marL="1828800" indent="0">
-              <a:buNone/>
-              <a:defRPr sz="2000"/>
-            </a:lvl5pPr>
-            <a:lvl6pPr marL="2286000" indent="0">
-              <a:buNone/>
-              <a:defRPr sz="2000"/>
-            </a:lvl6pPr>
-            <a:lvl7pPr marL="2743200" indent="0">
-              <a:buNone/>
-              <a:defRPr sz="2000"/>
-            </a:lvl7pPr>
-            <a:lvl8pPr marL="3200400" indent="0">
-              <a:buNone/>
-              <a:defRPr sz="2000"/>
-            </a:lvl8pPr>
-            <a:lvl9pPr marL="3657600" indent="0">
-              <a:buNone/>
-              <a:defRPr sz="2000"/>
-            </a:lvl9pPr>
           </a:lstStyle>
           <a:p>
-            <a:endParaRPr lang="zh-TW" altLang="en-US"/>
-          </a:p>
-        </p:txBody>
-      </p:sp>
-      <p:sp>
-        <p:nvSpPr>
-          <p:cNvPr id="4" name="文字版面配置區 3"/>
-          <p:cNvSpPr>
-            <a:spLocks noGrp="1"/>
-          </p:cNvSpPr>
-          <p:nvPr>
-            <p:ph type="body" sz="half" idx="2"/>
-          </p:nvPr>
-        </p:nvSpPr>
-        <p:spPr>
-          <a:xfrm>
-            <a:off x="1792288" y="5367338"/>
-            <a:ext cx="5486400" cy="804862"/>
-          </a:xfrm>
-        </p:spPr>
-        <p:txBody>
-          <a:bodyPr/>
-          <a:lstStyle>
-            <a:lvl1pPr marL="0" indent="0">
-              <a:buNone/>
-              <a:defRPr sz="1400"/>
-            </a:lvl1pPr>
-            <a:lvl2pPr marL="457200" indent="0">
-              <a:buNone/>
-              <a:defRPr sz="1200"/>
-            </a:lvl2pPr>
-            <a:lvl3pPr marL="914400" indent="0">
-              <a:buNone/>
-              <a:defRPr sz="1000"/>
-            </a:lvl3pPr>
-            <a:lvl4pPr marL="1371600" indent="0">
-              <a:buNone/>
-              <a:defRPr sz="900"/>
-            </a:lvl4pPr>
-            <a:lvl5pPr marL="1828800" indent="0">
-              <a:buNone/>
-              <a:defRPr sz="900"/>
-            </a:lvl5pPr>
-            <a:lvl6pPr marL="2286000" indent="0">
-              <a:buNone/>
-              <a:defRPr sz="900"/>
-            </a:lvl6pPr>
-            <a:lvl7pPr marL="2743200" indent="0">
-              <a:buNone/>
-              <a:defRPr sz="900"/>
-            </a:lvl7pPr>
-            <a:lvl8pPr marL="3200400" indent="0">
-              <a:buNone/>
-              <a:defRPr sz="900"/>
-            </a:lvl8pPr>
-            <a:lvl9pPr marL="3657600" indent="0">
-              <a:buNone/>
-              <a:defRPr sz="900"/>
-            </a:lvl9pPr>
-          </a:lstStyle>
-          <a:p>
-            <a:pPr lvl="0"/>
-            <a:r>
-              <a:rPr lang="zh-TW" altLang="en-US" smtClean="0"/>
-              <a:t>按一下以編輯母片文字樣式</a:t>
-            </a:r>
-          </a:p>
-        </p:txBody>
-      </p:sp>
-      <p:sp>
-        <p:nvSpPr>
-          <p:cNvPr id="5" name="日期版面配置區 4"/>
-          <p:cNvSpPr>
-            <a:spLocks noGrp="1"/>
-          </p:cNvSpPr>
-          <p:nvPr>
-            <p:ph type="dt" sz="half" idx="10"/>
-          </p:nvPr>
-        </p:nvSpPr>
-        <p:spPr/>
-        <p:txBody>
-          <a:bodyPr/>
-          <a:lstStyle/>
-          <a:p>
-            <a:fld id="{5BBEAD13-0566-4C6C-97E7-55F17F24B09F}" type="datetimeFigureOut">
-              <a:rPr lang="zh-TW" altLang="en-US" smtClean="0"/>
-              <a:t>2015/1/26</a:t>
-            </a:fld>
-            <a:endParaRPr lang="zh-TW" altLang="en-US"/>
-          </a:p>
-        </p:txBody>
-      </p:sp>
-      <p:sp>
-        <p:nvSpPr>
-          <p:cNvPr id="6" name="頁尾版面配置區 5"/>
-          <p:cNvSpPr>
-            <a:spLocks noGrp="1"/>
-          </p:cNvSpPr>
-          <p:nvPr>
-            <p:ph type="ftr" sz="quarter" idx="11"/>
-          </p:nvPr>
-        </p:nvSpPr>
-        <p:spPr/>
-        <p:txBody>
-          <a:bodyPr/>
-          <a:lstStyle/>
-          <a:p>
-            <a:endParaRPr lang="zh-TW" altLang="en-US"/>
-          </a:p>
-        </p:txBody>
-      </p:sp>
-      <p:sp>
-        <p:nvSpPr>
-          <p:cNvPr id="7" name="投影片編號版面配置區 6"/>
-          <p:cNvSpPr>
-            <a:spLocks noGrp="1"/>
-          </p:cNvSpPr>
-          <p:nvPr>
-            <p:ph type="sldNum" sz="quarter" idx="12"/>
-          </p:nvPr>
-        </p:nvSpPr>
-        <p:spPr/>
-        <p:txBody>
-          <a:bodyPr/>
-          <a:lstStyle/>
-          <a:p>
-            <a:fld id="{73DA0BB7-265A-403C-9275-D587AB510EDC}" type="slidenum">
-              <a:rPr lang="zh-TW" altLang="en-US" smtClean="0"/>
-              <a:t>‹#›</a:t>
-            </a:fld>
-            <a:endParaRPr lang="zh-TW" altLang="en-US"/>
+            <a:r>
+              <a:rPr kumimoji="0" lang="zh-TW" altLang="en-US" smtClean="0"/>
+              <a:t>按一下圖示以新增圖片</a:t>
+            </a:r>
+            <a:endParaRPr kumimoji="0" lang="en-US" dirty="0"/>
           </a:p>
         </p:txBody>
       </p:sp>
     </p:spTree>
   </p:cSld>
   <p:clrMapOvr>
-    <a:masterClrMapping/>
+    <a:overrideClrMapping bg1="lt1" tx1="dk1" bg2="lt2" tx2="dk2" accent1="accent1" accent2="accent2" accent3="accent3" accent4="accent4" accent5="accent5" accent6="accent6" hlink="hlink" folHlink="folHlink"/>
   </p:clrMapOvr>
 </p:sldLayout>
 </file>
@@ -3995,7 +4471,7 @@
       </p:grpSpPr>
       <p:sp>
         <p:nvSpPr>
-          <p:cNvPr id="2" name="標題版面配置區 1"/>
+          <p:cNvPr id="22" name="標題版面配置區 21"/>
           <p:cNvSpPr>
             <a:spLocks noGrp="1"/>
           </p:cNvSpPr>
@@ -4005,30 +4481,30 @@
         </p:nvSpPr>
         <p:spPr>
           <a:xfrm>
-            <a:off x="457200" y="274638"/>
-            <a:ext cx="8229600" cy="1143000"/>
+            <a:off x="609600" y="228600"/>
+            <a:ext cx="8153400" cy="990600"/>
           </a:xfrm>
           <a:prstGeom prst="rect">
             <a:avLst/>
           </a:prstGeom>
         </p:spPr>
         <p:txBody>
-          <a:bodyPr vert="horz" lIns="91440" tIns="45720" rIns="91440" bIns="45720" rtlCol="0" anchor="ctr">
+          <a:bodyPr vert="horz" anchor="ctr">
             <a:normAutofit/>
           </a:bodyPr>
           <a:lstStyle/>
           <a:p>
             <a:r>
-              <a:rPr lang="zh-TW" altLang="en-US" smtClean="0"/>
+              <a:rPr kumimoji="0" lang="zh-TW" altLang="en-US" smtClean="0"/>
               <a:t>按一下以編輯母片標題樣式</a:t>
             </a:r>
-            <a:endParaRPr lang="zh-TW" altLang="en-US"/>
-          </a:p>
-        </p:txBody>
-      </p:sp>
-      <p:sp>
-        <p:nvSpPr>
-          <p:cNvPr id="3" name="文字版面配置區 2"/>
+            <a:endParaRPr kumimoji="0" lang="en-US"/>
+          </a:p>
+        </p:txBody>
+      </p:sp>
+      <p:sp>
+        <p:nvSpPr>
+          <p:cNvPr id="13" name="文字版面配置區 12"/>
           <p:cNvSpPr>
             <a:spLocks noGrp="1"/>
           </p:cNvSpPr>
@@ -4038,59 +4514,59 @@
         </p:nvSpPr>
         <p:spPr>
           <a:xfrm>
-            <a:off x="457200" y="1600200"/>
-            <a:ext cx="8229600" cy="4525963"/>
+            <a:off x="612648" y="1600200"/>
+            <a:ext cx="8153400" cy="4526280"/>
           </a:xfrm>
           <a:prstGeom prst="rect">
             <a:avLst/>
           </a:prstGeom>
         </p:spPr>
         <p:txBody>
-          <a:bodyPr vert="horz" lIns="91440" tIns="45720" rIns="91440" bIns="45720" rtlCol="0">
+          <a:bodyPr vert="horz">
             <a:normAutofit/>
           </a:bodyPr>
           <a:lstStyle/>
           <a:p>
-            <a:pPr lvl="0"/>
-            <a:r>
-              <a:rPr lang="zh-TW" altLang="en-US" smtClean="0"/>
+            <a:pPr lvl="0" eaLnBrk="1" latinLnBrk="0" hangingPunct="1"/>
+            <a:r>
+              <a:rPr kumimoji="0" lang="zh-TW" altLang="en-US" smtClean="0"/>
               <a:t>按一下以編輯母片文字樣式</a:t>
             </a:r>
           </a:p>
           <a:p>
-            <a:pPr lvl="1"/>
-            <a:r>
-              <a:rPr lang="zh-TW" altLang="en-US" smtClean="0"/>
+            <a:pPr lvl="1" eaLnBrk="1" latinLnBrk="0" hangingPunct="1"/>
+            <a:r>
+              <a:rPr kumimoji="0" lang="zh-TW" altLang="en-US" smtClean="0"/>
               <a:t>第二層</a:t>
             </a:r>
           </a:p>
           <a:p>
-            <a:pPr lvl="2"/>
-            <a:r>
-              <a:rPr lang="zh-TW" altLang="en-US" smtClean="0"/>
+            <a:pPr lvl="2" eaLnBrk="1" latinLnBrk="0" hangingPunct="1"/>
+            <a:r>
+              <a:rPr kumimoji="0" lang="zh-TW" altLang="en-US" smtClean="0"/>
               <a:t>第三層</a:t>
             </a:r>
           </a:p>
           <a:p>
-            <a:pPr lvl="3"/>
-            <a:r>
-              <a:rPr lang="zh-TW" altLang="en-US" smtClean="0"/>
+            <a:pPr lvl="3" eaLnBrk="1" latinLnBrk="0" hangingPunct="1"/>
+            <a:r>
+              <a:rPr kumimoji="0" lang="zh-TW" altLang="en-US" smtClean="0"/>
               <a:t>第四層</a:t>
             </a:r>
           </a:p>
           <a:p>
-            <a:pPr lvl="4"/>
-            <a:r>
-              <a:rPr lang="zh-TW" altLang="en-US" smtClean="0"/>
+            <a:pPr lvl="4" eaLnBrk="1" latinLnBrk="0" hangingPunct="1"/>
+            <a:r>
+              <a:rPr kumimoji="0" lang="zh-TW" altLang="en-US" smtClean="0"/>
               <a:t>第五層</a:t>
             </a:r>
-            <a:endParaRPr lang="zh-TW" altLang="en-US"/>
-          </a:p>
-        </p:txBody>
-      </p:sp>
-      <p:sp>
-        <p:nvSpPr>
-          <p:cNvPr id="4" name="日期版面配置區 3"/>
+            <a:endParaRPr kumimoji="0" lang="en-US"/>
+          </a:p>
+        </p:txBody>
+      </p:sp>
+      <p:sp>
+        <p:nvSpPr>
+          <p:cNvPr id="14" name="日期版面配置區 13"/>
           <p:cNvSpPr>
             <a:spLocks noGrp="1"/>
           </p:cNvSpPr>
@@ -4100,22 +4576,20 @@
         </p:nvSpPr>
         <p:spPr>
           <a:xfrm>
-            <a:off x="457200" y="6356350"/>
-            <a:ext cx="2133600" cy="365125"/>
+            <a:off x="6096000" y="6248400"/>
+            <a:ext cx="2667000" cy="365125"/>
           </a:xfrm>
           <a:prstGeom prst="rect">
             <a:avLst/>
           </a:prstGeom>
         </p:spPr>
         <p:txBody>
-          <a:bodyPr vert="horz" lIns="91440" tIns="45720" rIns="91440" bIns="45720" rtlCol="0" anchor="ctr"/>
+          <a:bodyPr vert="horz" anchor="ctr" anchorCtr="0"/>
           <a:lstStyle>
-            <a:lvl1pPr algn="l">
-              <a:defRPr sz="1200">
+            <a:lvl1pPr algn="l" eaLnBrk="1" latinLnBrk="0" hangingPunct="1">
+              <a:defRPr kumimoji="0" sz="1400">
                 <a:solidFill>
-                  <a:schemeClr val="tx1">
-                    <a:tint val="75000"/>
-                  </a:schemeClr>
+                  <a:schemeClr val="tx2"/>
                 </a:solidFill>
               </a:defRPr>
             </a:lvl1pPr>
@@ -4131,7 +4605,7 @@
       </p:sp>
       <p:sp>
         <p:nvSpPr>
-          <p:cNvPr id="5" name="頁尾版面配置區 4"/>
+          <p:cNvPr id="3" name="頁尾版面配置區 2"/>
           <p:cNvSpPr>
             <a:spLocks noGrp="1"/>
           </p:cNvSpPr>
@@ -4141,22 +4615,20 @@
         </p:nvSpPr>
         <p:spPr>
           <a:xfrm>
-            <a:off x="3124200" y="6356350"/>
-            <a:ext cx="2895600" cy="365125"/>
+            <a:off x="609600" y="6248206"/>
+            <a:ext cx="5421083" cy="365125"/>
           </a:xfrm>
           <a:prstGeom prst="rect">
             <a:avLst/>
           </a:prstGeom>
         </p:spPr>
         <p:txBody>
-          <a:bodyPr vert="horz" lIns="91440" tIns="45720" rIns="91440" bIns="45720" rtlCol="0" anchor="ctr"/>
+          <a:bodyPr vert="horz" anchor="ctr"/>
           <a:lstStyle>
-            <a:lvl1pPr algn="ctr">
-              <a:defRPr sz="1200">
+            <a:lvl1pPr algn="r" eaLnBrk="1" latinLnBrk="0" hangingPunct="1">
+              <a:defRPr kumimoji="0" sz="1400">
                 <a:solidFill>
-                  <a:schemeClr val="tx1">
-                    <a:tint val="75000"/>
-                  </a:schemeClr>
+                  <a:schemeClr val="tx2"/>
                 </a:solidFill>
               </a:defRPr>
             </a:lvl1pPr>
@@ -4168,32 +4640,174 @@
       </p:sp>
       <p:sp>
         <p:nvSpPr>
-          <p:cNvPr id="6" name="投影片編號版面配置區 5"/>
-          <p:cNvSpPr>
-            <a:spLocks noGrp="1"/>
-          </p:cNvSpPr>
-          <p:nvPr>
-            <p:ph type="sldNum" sz="quarter" idx="4"/>
-          </p:nvPr>
+          <p:cNvPr id="7" name="矩形 6"/>
+          <p:cNvSpPr/>
+          <p:nvPr/>
+        </p:nvSpPr>
+        <p:spPr bwMode="white">
+          <a:xfrm>
+            <a:off x="0" y="1234440"/>
+            <a:ext cx="9144000" cy="320040"/>
+          </a:xfrm>
+          <a:prstGeom prst="rect">
+            <a:avLst/>
+          </a:prstGeom>
+          <a:solidFill>
+            <a:srgbClr val="FFFFFF"/>
+          </a:solidFill>
+          <a:ln w="50800" cap="rnd" cmpd="dbl" algn="ctr">
+            <a:noFill/>
+            <a:prstDash val="solid"/>
+          </a:ln>
+          <a:effectLst/>
+        </p:spPr>
+        <p:style>
+          <a:lnRef idx="3">
+            <a:schemeClr val="lt1"/>
+          </a:lnRef>
+          <a:fillRef idx="1">
+            <a:schemeClr val="accent1"/>
+          </a:fillRef>
+          <a:effectRef idx="1">
+            <a:schemeClr val="accent1"/>
+          </a:effectRef>
+          <a:fontRef idx="minor">
+            <a:schemeClr val="lt1"/>
+          </a:fontRef>
+        </p:style>
+        <p:txBody>
+          <a:bodyPr anchor="ctr"/>
+          <a:lstStyle/>
+          <a:p>
+            <a:pPr algn="ctr" eaLnBrk="1" latinLnBrk="0" hangingPunct="1"/>
+            <a:endParaRPr kumimoji="0" lang="en-US"/>
+          </a:p>
+        </p:txBody>
+      </p:sp>
+      <p:sp>
+        <p:nvSpPr>
+          <p:cNvPr id="8" name="矩形 7"/>
+          <p:cNvSpPr/>
+          <p:nvPr/>
         </p:nvSpPr>
         <p:spPr>
           <a:xfrm>
-            <a:off x="6553200" y="6356350"/>
-            <a:ext cx="2133600" cy="365125"/>
+            <a:off x="0" y="1280160"/>
+            <a:ext cx="533400" cy="228600"/>
+          </a:xfrm>
+          <a:prstGeom prst="rect">
+            <a:avLst/>
+          </a:prstGeom>
+          <a:solidFill>
+            <a:schemeClr val="accent2">
+              <a:alpha val="100000"/>
+            </a:schemeClr>
+          </a:solidFill>
+          <a:ln w="50800" cap="rnd" cmpd="dbl" algn="ctr">
+            <a:noFill/>
+            <a:prstDash val="solid"/>
+          </a:ln>
+          <a:effectLst/>
+        </p:spPr>
+        <p:style>
+          <a:lnRef idx="3">
+            <a:schemeClr val="lt1"/>
+          </a:lnRef>
+          <a:fillRef idx="1">
+            <a:schemeClr val="accent1"/>
+          </a:fillRef>
+          <a:effectRef idx="1">
+            <a:schemeClr val="accent1"/>
+          </a:effectRef>
+          <a:fontRef idx="minor">
+            <a:schemeClr val="lt1"/>
+          </a:fontRef>
+        </p:style>
+        <p:txBody>
+          <a:bodyPr anchor="ctr"/>
+          <a:lstStyle/>
+          <a:p>
+            <a:pPr algn="ctr" eaLnBrk="1" latinLnBrk="0" hangingPunct="1"/>
+            <a:endParaRPr kumimoji="0" lang="en-US"/>
+          </a:p>
+        </p:txBody>
+      </p:sp>
+      <p:sp>
+        <p:nvSpPr>
+          <p:cNvPr id="9" name="矩形 8"/>
+          <p:cNvSpPr/>
+          <p:nvPr/>
+        </p:nvSpPr>
+        <p:spPr>
+          <a:xfrm>
+            <a:off x="590550" y="1280160"/>
+            <a:ext cx="8553450" cy="228600"/>
+          </a:xfrm>
+          <a:prstGeom prst="rect">
+            <a:avLst/>
+          </a:prstGeom>
+          <a:solidFill>
+            <a:schemeClr val="accent1">
+              <a:alpha val="100000"/>
+            </a:schemeClr>
+          </a:solidFill>
+          <a:ln w="50800" cap="rnd" cmpd="dbl" algn="ctr">
+            <a:noFill/>
+            <a:prstDash val="solid"/>
+          </a:ln>
+          <a:effectLst/>
+        </p:spPr>
+        <p:style>
+          <a:lnRef idx="3">
+            <a:schemeClr val="lt1"/>
+          </a:lnRef>
+          <a:fillRef idx="1">
+            <a:schemeClr val="accent1"/>
+          </a:fillRef>
+          <a:effectRef idx="1">
+            <a:schemeClr val="accent1"/>
+          </a:effectRef>
+          <a:fontRef idx="minor">
+            <a:schemeClr val="lt1"/>
+          </a:fontRef>
+        </p:style>
+        <p:txBody>
+          <a:bodyPr anchor="ctr"/>
+          <a:lstStyle/>
+          <a:p>
+            <a:pPr algn="ctr" eaLnBrk="1" latinLnBrk="0" hangingPunct="1"/>
+            <a:endParaRPr kumimoji="0" lang="en-US"/>
+          </a:p>
+        </p:txBody>
+      </p:sp>
+      <p:sp>
+        <p:nvSpPr>
+          <p:cNvPr id="23" name="投影片編號版面配置區 22"/>
+          <p:cNvSpPr>
+            <a:spLocks noGrp="1"/>
+          </p:cNvSpPr>
+          <p:nvPr>
+            <p:ph type="sldNum" sz="quarter" idx="4"/>
+          </p:nvPr>
+        </p:nvSpPr>
+        <p:spPr>
+          <a:xfrm>
+            <a:off x="0" y="1272222"/>
+            <a:ext cx="533400" cy="244476"/>
           </a:xfrm>
           <a:prstGeom prst="rect">
             <a:avLst/>
           </a:prstGeom>
         </p:spPr>
         <p:txBody>
-          <a:bodyPr vert="horz" lIns="91440" tIns="45720" rIns="91440" bIns="45720" rtlCol="0" anchor="ctr"/>
+          <a:bodyPr vert="horz" anchor="ctr" anchorCtr="0">
+            <a:normAutofit/>
+          </a:bodyPr>
           <a:lstStyle>
-            <a:lvl1pPr algn="r">
-              <a:defRPr sz="1200">
+            <a:lvl1pPr algn="ctr" eaLnBrk="1" latinLnBrk="0" hangingPunct="1">
+              <a:defRPr kumimoji="0" sz="1400" b="1">
                 <a:solidFill>
-                  <a:schemeClr val="tx1">
-                    <a:tint val="75000"/>
-                  </a:schemeClr>
+                  <a:srgbClr val="FFFFFF"/>
                 </a:solidFill>
               </a:defRPr>
             </a:lvl1pPr>
@@ -4211,28 +4825,28 @@
   </p:cSld>
   <p:clrMap bg1="lt1" tx1="dk1" bg2="lt2" tx2="dk2" accent1="accent1" accent2="accent2" accent3="accent3" accent4="accent4" accent5="accent5" accent6="accent6" hlink="hlink" folHlink="folHlink"/>
   <p:sldLayoutIdLst>
-    <p:sldLayoutId id="2147483649" r:id="rId1"/>
-    <p:sldLayoutId id="2147483650" r:id="rId2"/>
-    <p:sldLayoutId id="2147483651" r:id="rId3"/>
-    <p:sldLayoutId id="2147483652" r:id="rId4"/>
-    <p:sldLayoutId id="2147483653" r:id="rId5"/>
-    <p:sldLayoutId id="2147483654" r:id="rId6"/>
-    <p:sldLayoutId id="2147483655" r:id="rId7"/>
-    <p:sldLayoutId id="2147483656" r:id="rId8"/>
-    <p:sldLayoutId id="2147483657" r:id="rId9"/>
-    <p:sldLayoutId id="2147483658" r:id="rId10"/>
-    <p:sldLayoutId id="2147483659" r:id="rId11"/>
+    <p:sldLayoutId id="2147483661" r:id="rId1"/>
+    <p:sldLayoutId id="2147483662" r:id="rId2"/>
+    <p:sldLayoutId id="2147483663" r:id="rId3"/>
+    <p:sldLayoutId id="2147483664" r:id="rId4"/>
+    <p:sldLayoutId id="2147483665" r:id="rId5"/>
+    <p:sldLayoutId id="2147483666" r:id="rId6"/>
+    <p:sldLayoutId id="2147483667" r:id="rId7"/>
+    <p:sldLayoutId id="2147483668" r:id="rId8"/>
+    <p:sldLayoutId id="2147483669" r:id="rId9"/>
+    <p:sldLayoutId id="2147483670" r:id="rId10"/>
+    <p:sldLayoutId id="2147483671" r:id="rId11"/>
   </p:sldLayoutIdLst>
   <p:txStyles>
     <p:titleStyle>
-      <a:lvl1pPr algn="ctr" defTabSz="914400" rtl="0" eaLnBrk="1" latinLnBrk="0" hangingPunct="1">
+      <a:lvl1pPr algn="l" rtl="0" eaLnBrk="1" latinLnBrk="0" hangingPunct="1">
         <a:spcBef>
           <a:spcPct val="0"/>
         </a:spcBef>
         <a:buNone/>
-        <a:defRPr sz="4400" kern="1200">
+        <a:defRPr kumimoji="0" sz="4400" kern="1200">
           <a:solidFill>
-            <a:schemeClr val="tx1"/>
+            <a:schemeClr val="tx2"/>
           </a:solidFill>
           <a:latin typeface="+mj-lt"/>
           <a:ea typeface="+mj-ea"/>
@@ -4241,13 +4855,17 @@
       </a:lvl1pPr>
     </p:titleStyle>
     <p:bodyStyle>
-      <a:lvl1pPr marL="342900" indent="-342900" algn="l" defTabSz="914400" rtl="0" eaLnBrk="1" latinLnBrk="0" hangingPunct="1">
+      <a:lvl1pPr marL="320040" indent="-320040" algn="l" rtl="0" eaLnBrk="1" latinLnBrk="0" hangingPunct="1">
         <a:spcBef>
-          <a:spcPct val="20000"/>
+          <a:spcPts val="700"/>
         </a:spcBef>
-        <a:buFont typeface="Arial" pitchFamily="34" charset="0"/>
-        <a:buChar char="•"/>
-        <a:defRPr sz="3200" kern="1200">
+        <a:buClr>
+          <a:schemeClr val="accent2"/>
+        </a:buClr>
+        <a:buSzPct val="60000"/>
+        <a:buFont typeface="Wingdings"/>
+        <a:buChar char=""/>
+        <a:defRPr kumimoji="0" sz="2900" kern="1200">
           <a:solidFill>
             <a:schemeClr val="tx1"/>
           </a:solidFill>
@@ -4256,13 +4874,17 @@
           <a:cs typeface="+mn-cs"/>
         </a:defRPr>
       </a:lvl1pPr>
-      <a:lvl2pPr marL="742950" indent="-285750" algn="l" defTabSz="914400" rtl="0" eaLnBrk="1" latinLnBrk="0" hangingPunct="1">
+      <a:lvl2pPr marL="640080" indent="-274320" algn="l" rtl="0" eaLnBrk="1" latinLnBrk="0" hangingPunct="1">
         <a:spcBef>
-          <a:spcPct val="20000"/>
+          <a:spcPts val="550"/>
         </a:spcBef>
-        <a:buFont typeface="Arial" pitchFamily="34" charset="0"/>
-        <a:buChar char="–"/>
-        <a:defRPr sz="2800" kern="1200">
+        <a:buClr>
+          <a:schemeClr val="accent1"/>
+        </a:buClr>
+        <a:buSzPct val="70000"/>
+        <a:buFont typeface="Wingdings 2"/>
+        <a:buChar char=""/>
+        <a:defRPr kumimoji="0" sz="2600" kern="1200">
           <a:solidFill>
             <a:schemeClr val="tx1"/>
           </a:solidFill>
@@ -4271,13 +4893,17 @@
           <a:cs typeface="+mn-cs"/>
         </a:defRPr>
       </a:lvl2pPr>
-      <a:lvl3pPr marL="1143000" indent="-228600" algn="l" defTabSz="914400" rtl="0" eaLnBrk="1" latinLnBrk="0" hangingPunct="1">
+      <a:lvl3pPr marL="914400" indent="-228600" algn="l" rtl="0" eaLnBrk="1" latinLnBrk="0" hangingPunct="1">
         <a:spcBef>
-          <a:spcPct val="20000"/>
+          <a:spcPts val="500"/>
         </a:spcBef>
-        <a:buFont typeface="Arial" pitchFamily="34" charset="0"/>
-        <a:buChar char="•"/>
-        <a:defRPr sz="2400" kern="1200">
+        <a:buClr>
+          <a:schemeClr val="accent2"/>
+        </a:buClr>
+        <a:buSzPct val="75000"/>
+        <a:buFont typeface="Wingdings"/>
+        <a:buChar char=""/>
+        <a:defRPr kumimoji="0" sz="2300" kern="1200">
           <a:solidFill>
             <a:schemeClr val="tx1"/>
           </a:solidFill>
@@ -4286,13 +4912,17 @@
           <a:cs typeface="+mn-cs"/>
         </a:defRPr>
       </a:lvl3pPr>
-      <a:lvl4pPr marL="1600200" indent="-228600" algn="l" defTabSz="914400" rtl="0" eaLnBrk="1" latinLnBrk="0" hangingPunct="1">
+      <a:lvl4pPr marL="1371600" indent="-228600" algn="l" rtl="0" eaLnBrk="1" latinLnBrk="0" hangingPunct="1">
         <a:spcBef>
-          <a:spcPct val="20000"/>
+          <a:spcPts val="400"/>
         </a:spcBef>
-        <a:buFont typeface="Arial" pitchFamily="34" charset="0"/>
-        <a:buChar char="–"/>
-        <a:defRPr sz="2000" kern="1200">
+        <a:buClr>
+          <a:schemeClr val="accent3"/>
+        </a:buClr>
+        <a:buSzPct val="75000"/>
+        <a:buFont typeface="Wingdings"/>
+        <a:buChar char=""/>
+        <a:defRPr kumimoji="0" sz="2000" kern="1200">
           <a:solidFill>
             <a:schemeClr val="tx1"/>
           </a:solidFill>
@@ -4301,13 +4931,17 @@
           <a:cs typeface="+mn-cs"/>
         </a:defRPr>
       </a:lvl4pPr>
-      <a:lvl5pPr marL="2057400" indent="-228600" algn="l" defTabSz="914400" rtl="0" eaLnBrk="1" latinLnBrk="0" hangingPunct="1">
+      <a:lvl5pPr marL="1828800" indent="-228600" algn="l" rtl="0" eaLnBrk="1" latinLnBrk="0" hangingPunct="1">
         <a:spcBef>
-          <a:spcPct val="20000"/>
+          <a:spcPts val="400"/>
         </a:spcBef>
-        <a:buFont typeface="Arial" pitchFamily="34" charset="0"/>
-        <a:buChar char="»"/>
-        <a:defRPr sz="2000" kern="1200">
+        <a:buClr>
+          <a:schemeClr val="accent4"/>
+        </a:buClr>
+        <a:buSzPct val="65000"/>
+        <a:buFont typeface="Wingdings"/>
+        <a:buChar char=""/>
+        <a:defRPr kumimoji="0" sz="2000" kern="1200">
           <a:solidFill>
             <a:schemeClr val="tx1"/>
           </a:solidFill>
@@ -4316,13 +4950,16 @@
           <a:cs typeface="+mn-cs"/>
         </a:defRPr>
       </a:lvl5pPr>
-      <a:lvl6pPr marL="2514600" indent="-228600" algn="l" defTabSz="914400" rtl="0" eaLnBrk="1" latinLnBrk="0" hangingPunct="1">
+      <a:lvl6pPr marL="2103120" indent="-228600" algn="l" rtl="0" eaLnBrk="1" latinLnBrk="0" hangingPunct="1">
         <a:spcBef>
           <a:spcPct val="20000"/>
         </a:spcBef>
-        <a:buFont typeface="Arial" pitchFamily="34" charset="0"/>
-        <a:buChar char="•"/>
-        <a:defRPr sz="2000" kern="1200">
+        <a:buClr>
+          <a:schemeClr val="accent1"/>
+        </a:buClr>
+        <a:buFont typeface="Wingdings"/>
+        <a:buChar char="§"/>
+        <a:defRPr kumimoji="0" sz="1800" kern="1200" baseline="0">
           <a:solidFill>
             <a:schemeClr val="tx1"/>
           </a:solidFill>
@@ -4331,13 +4968,16 @@
           <a:cs typeface="+mn-cs"/>
         </a:defRPr>
       </a:lvl6pPr>
-      <a:lvl7pPr marL="2971800" indent="-228600" algn="l" defTabSz="914400" rtl="0" eaLnBrk="1" latinLnBrk="0" hangingPunct="1">
+      <a:lvl7pPr marL="2377440" indent="-228600" algn="l" rtl="0" eaLnBrk="1" latinLnBrk="0" hangingPunct="1">
         <a:spcBef>
           <a:spcPct val="20000"/>
         </a:spcBef>
-        <a:buFont typeface="Arial" pitchFamily="34" charset="0"/>
-        <a:buChar char="•"/>
-        <a:defRPr sz="2000" kern="1200">
+        <a:buClr>
+          <a:schemeClr val="accent2"/>
+        </a:buClr>
+        <a:buFont typeface="Wingdings"/>
+        <a:buChar char="§"/>
+        <a:defRPr kumimoji="0" sz="1800" kern="1200" baseline="0">
           <a:solidFill>
             <a:schemeClr val="tx1"/>
           </a:solidFill>
@@ -4346,13 +4986,16 @@
           <a:cs typeface="+mn-cs"/>
         </a:defRPr>
       </a:lvl7pPr>
-      <a:lvl8pPr marL="3429000" indent="-228600" algn="l" defTabSz="914400" rtl="0" eaLnBrk="1" latinLnBrk="0" hangingPunct="1">
+      <a:lvl8pPr marL="2651760" indent="-228600" algn="l" rtl="0" eaLnBrk="1" latinLnBrk="0" hangingPunct="1">
         <a:spcBef>
           <a:spcPct val="20000"/>
         </a:spcBef>
-        <a:buFont typeface="Arial" pitchFamily="34" charset="0"/>
-        <a:buChar char="•"/>
-        <a:defRPr sz="2000" kern="1200">
+        <a:buClr>
+          <a:schemeClr val="accent3"/>
+        </a:buClr>
+        <a:buFont typeface="Wingdings"/>
+        <a:buChar char="§"/>
+        <a:defRPr kumimoji="0" sz="1800" kern="1200" baseline="0">
           <a:solidFill>
             <a:schemeClr val="tx1"/>
           </a:solidFill>
@@ -4361,13 +5004,16 @@
           <a:cs typeface="+mn-cs"/>
         </a:defRPr>
       </a:lvl8pPr>
-      <a:lvl9pPr marL="3886200" indent="-228600" algn="l" defTabSz="914400" rtl="0" eaLnBrk="1" latinLnBrk="0" hangingPunct="1">
+      <a:lvl9pPr marL="2926080" indent="-228600" algn="l" rtl="0" eaLnBrk="1" latinLnBrk="0" hangingPunct="1">
         <a:spcBef>
           <a:spcPct val="20000"/>
         </a:spcBef>
-        <a:buFont typeface="Arial" pitchFamily="34" charset="0"/>
-        <a:buChar char="•"/>
-        <a:defRPr sz="2000" kern="1200">
+        <a:buClr>
+          <a:schemeClr val="accent4"/>
+        </a:buClr>
+        <a:buFont typeface="Wingdings"/>
+        <a:buChar char="§"/>
+        <a:defRPr kumimoji="0" sz="1800" kern="1200" baseline="0">
           <a:solidFill>
             <a:schemeClr val="tx1"/>
           </a:solidFill>
@@ -4378,11 +5024,8 @@
       </a:lvl9pPr>
     </p:bodyStyle>
     <p:otherStyle>
-      <a:defPPr>
-        <a:defRPr lang="zh-TW"/>
-      </a:defPPr>
-      <a:lvl1pPr marL="0" algn="l" defTabSz="914400" rtl="0" eaLnBrk="1" latinLnBrk="0" hangingPunct="1">
-        <a:defRPr sz="1800" kern="1200">
+      <a:lvl1pPr marL="0" algn="l" rtl="0" eaLnBrk="1" latinLnBrk="0" hangingPunct="1">
+        <a:defRPr kumimoji="0" kern="1200">
           <a:solidFill>
             <a:schemeClr val="tx1"/>
           </a:solidFill>
@@ -4391,8 +5034,8 @@
           <a:cs typeface="+mn-cs"/>
         </a:defRPr>
       </a:lvl1pPr>
-      <a:lvl2pPr marL="457200" algn="l" defTabSz="914400" rtl="0" eaLnBrk="1" latinLnBrk="0" hangingPunct="1">
-        <a:defRPr sz="1800" kern="1200">
+      <a:lvl2pPr marL="457200" algn="l" rtl="0" eaLnBrk="1" latinLnBrk="0" hangingPunct="1">
+        <a:defRPr kumimoji="0" kern="1200">
           <a:solidFill>
             <a:schemeClr val="tx1"/>
           </a:solidFill>
@@ -4401,8 +5044,8 @@
           <a:cs typeface="+mn-cs"/>
         </a:defRPr>
       </a:lvl2pPr>
-      <a:lvl3pPr marL="914400" algn="l" defTabSz="914400" rtl="0" eaLnBrk="1" latinLnBrk="0" hangingPunct="1">
-        <a:defRPr sz="1800" kern="1200">
+      <a:lvl3pPr marL="914400" algn="l" rtl="0" eaLnBrk="1" latinLnBrk="0" hangingPunct="1">
+        <a:defRPr kumimoji="0" kern="1200">
           <a:solidFill>
             <a:schemeClr val="tx1"/>
           </a:solidFill>
@@ -4411,8 +5054,8 @@
           <a:cs typeface="+mn-cs"/>
         </a:defRPr>
       </a:lvl3pPr>
-      <a:lvl4pPr marL="1371600" algn="l" defTabSz="914400" rtl="0" eaLnBrk="1" latinLnBrk="0" hangingPunct="1">
-        <a:defRPr sz="1800" kern="1200">
+      <a:lvl4pPr marL="1371600" algn="l" rtl="0" eaLnBrk="1" latinLnBrk="0" hangingPunct="1">
+        <a:defRPr kumimoji="0" kern="1200">
           <a:solidFill>
             <a:schemeClr val="tx1"/>
           </a:solidFill>
@@ -4421,8 +5064,8 @@
           <a:cs typeface="+mn-cs"/>
         </a:defRPr>
       </a:lvl4pPr>
-      <a:lvl5pPr marL="1828800" algn="l" defTabSz="914400" rtl="0" eaLnBrk="1" latinLnBrk="0" hangingPunct="1">
-        <a:defRPr sz="1800" kern="1200">
+      <a:lvl5pPr marL="1828800" algn="l" rtl="0" eaLnBrk="1" latinLnBrk="0" hangingPunct="1">
+        <a:defRPr kumimoji="0" kern="1200">
           <a:solidFill>
             <a:schemeClr val="tx1"/>
           </a:solidFill>
@@ -4431,8 +5074,8 @@
           <a:cs typeface="+mn-cs"/>
         </a:defRPr>
       </a:lvl5pPr>
-      <a:lvl6pPr marL="2286000" algn="l" defTabSz="914400" rtl="0" eaLnBrk="1" latinLnBrk="0" hangingPunct="1">
-        <a:defRPr sz="1800" kern="1200">
+      <a:lvl6pPr marL="2286000" algn="l" rtl="0" eaLnBrk="1" latinLnBrk="0" hangingPunct="1">
+        <a:defRPr kumimoji="0" kern="1200">
           <a:solidFill>
             <a:schemeClr val="tx1"/>
           </a:solidFill>
@@ -4441,8 +5084,8 @@
           <a:cs typeface="+mn-cs"/>
         </a:defRPr>
       </a:lvl6pPr>
-      <a:lvl7pPr marL="2743200" algn="l" defTabSz="914400" rtl="0" eaLnBrk="1" latinLnBrk="0" hangingPunct="1">
-        <a:defRPr sz="1800" kern="1200">
+      <a:lvl7pPr marL="2743200" algn="l" rtl="0" eaLnBrk="1" latinLnBrk="0" hangingPunct="1">
+        <a:defRPr kumimoji="0" kern="1200">
           <a:solidFill>
             <a:schemeClr val="tx1"/>
           </a:solidFill>
@@ -4451,8 +5094,8 @@
           <a:cs typeface="+mn-cs"/>
         </a:defRPr>
       </a:lvl7pPr>
-      <a:lvl8pPr marL="3200400" algn="l" defTabSz="914400" rtl="0" eaLnBrk="1" latinLnBrk="0" hangingPunct="1">
-        <a:defRPr sz="1800" kern="1200">
+      <a:lvl8pPr marL="3200400" algn="l" rtl="0" eaLnBrk="1" latinLnBrk="0" hangingPunct="1">
+        <a:defRPr kumimoji="0" kern="1200">
           <a:solidFill>
             <a:schemeClr val="tx1"/>
           </a:solidFill>
@@ -4461,8 +5104,8 @@
           <a:cs typeface="+mn-cs"/>
         </a:defRPr>
       </a:lvl8pPr>
-      <a:lvl9pPr marL="3657600" algn="l" defTabSz="914400" rtl="0" eaLnBrk="1" latinLnBrk="0" hangingPunct="1">
-        <a:defRPr sz="1800" kern="1200">
+      <a:lvl9pPr marL="3657600" algn="l" rtl="0" eaLnBrk="1" latinLnBrk="0" hangingPunct="1">
+        <a:defRPr kumimoji="0" kern="1200">
           <a:solidFill>
             <a:schemeClr val="tx1"/>
           </a:solidFill>
@@ -4661,12 +5304,12 @@
             <a:graphicFrameLocks noGrp="1"/>
           </p:cNvGraphicFramePr>
           <p:nvPr>
-            <p:ph idx="1"/>
+            <p:ph sz="quarter" idx="1"/>
           </p:nvPr>
         </p:nvGraphicFramePr>
         <p:xfrm>
-          <a:off x="457200" y="1600200"/>
-          <a:ext cx="8229600" cy="4525963"/>
+          <a:off x="612775" y="1600200"/>
+          <a:ext cx="8153400" cy="4495800"/>
         </p:xfrm>
         <a:graphic>
           <a:graphicData uri="http://schemas.openxmlformats.org/drawingml/2006/chart">
@@ -4734,7 +5377,7 @@
             <a:spLocks noGrp="1"/>
           </p:cNvSpPr>
           <p:nvPr>
-            <p:ph idx="1"/>
+            <p:ph sz="quarter" idx="1"/>
           </p:nvPr>
         </p:nvSpPr>
         <p:spPr/>
@@ -4828,7 +5471,7 @@
             <a:spLocks noGrp="1"/>
           </p:cNvSpPr>
           <p:nvPr>
-            <p:ph idx="1"/>
+            <p:ph sz="quarter" idx="1"/>
           </p:nvPr>
         </p:nvSpPr>
         <p:spPr/>
@@ -4939,7 +5582,7 @@
             <a:spLocks noGrp="1"/>
           </p:cNvSpPr>
           <p:nvPr>
-            <p:ph idx="1"/>
+            <p:ph sz="quarter" idx="1"/>
           </p:nvPr>
         </p:nvSpPr>
         <p:spPr/>
@@ -5020,7 +5663,7 @@
             <a:spLocks noGrp="1"/>
           </p:cNvSpPr>
           <p:nvPr>
-            <p:ph idx="1"/>
+            <p:ph sz="quarter" idx="1"/>
           </p:nvPr>
         </p:nvSpPr>
         <p:spPr/>
@@ -5134,7 +5777,7 @@
             <a:spLocks noGrp="1"/>
           </p:cNvSpPr>
           <p:nvPr>
-            <p:ph idx="1"/>
+            <p:ph sz="quarter" idx="1"/>
           </p:nvPr>
         </p:nvSpPr>
         <p:spPr/>
@@ -5232,7 +5875,7 @@
             <a:spLocks noGrp="1"/>
           </p:cNvSpPr>
           <p:nvPr>
-            <p:ph idx="1"/>
+            <p:ph sz="quarter" idx="1"/>
           </p:nvPr>
         </p:nvSpPr>
         <p:spPr/>
@@ -5326,7 +5969,7 @@
             <a:spLocks noGrp="1"/>
           </p:cNvSpPr>
           <p:nvPr>
-            <p:ph idx="1"/>
+            <p:ph sz="quarter" idx="1"/>
           </p:nvPr>
         </p:nvSpPr>
         <p:spPr>
@@ -5337,7 +5980,7 @@
         </p:spPr>
         <p:txBody>
           <a:bodyPr>
-            <a:normAutofit fontScale="70000" lnSpcReduction="20000"/>
+            <a:normAutofit fontScale="77500" lnSpcReduction="20000"/>
           </a:bodyPr>
           <a:lstStyle/>
           <a:p>
@@ -5430,7 +6073,6 @@
               <a:rPr lang="en-US" altLang="zh-TW" dirty="0" smtClean="0"/>
               <a:t>(2011Sá)</a:t>
             </a:r>
-            <a:endParaRPr lang="en-US" altLang="zh-TW" dirty="0" smtClean="0"/>
           </a:p>
           <a:p>
             <a:pPr lvl="0"/>
@@ -5542,13 +6184,13 @@
             <a:spLocks noGrp="1"/>
           </p:cNvSpPr>
           <p:nvPr>
-            <p:ph idx="1"/>
+            <p:ph sz="quarter" idx="1"/>
           </p:nvPr>
         </p:nvSpPr>
         <p:spPr/>
         <p:txBody>
           <a:bodyPr>
-            <a:normAutofit fontScale="77500" lnSpcReduction="20000"/>
+            <a:normAutofit fontScale="85000" lnSpcReduction="20000"/>
           </a:bodyPr>
           <a:lstStyle/>
           <a:p>
@@ -5771,7 +6413,7 @@
             <a:spLocks noGrp="1"/>
           </p:cNvSpPr>
           <p:nvPr>
-            <p:ph idx="1"/>
+            <p:ph sz="quarter" idx="1"/>
           </p:nvPr>
         </p:nvSpPr>
         <p:spPr/>
@@ -5865,7 +6507,7 @@
             <a:spLocks noGrp="1"/>
           </p:cNvSpPr>
           <p:nvPr>
-            <p:ph idx="1"/>
+            <p:ph sz="quarter" idx="1"/>
           </p:nvPr>
         </p:nvSpPr>
         <p:spPr/>
@@ -5875,15 +6517,7 @@
           <a:p>
             <a:r>
               <a:rPr lang="en-US" altLang="zh-TW" dirty="0" smtClean="0"/>
-              <a:t>Input: CN3.txt (</a:t>
-            </a:r>
-            <a:r>
-              <a:rPr lang="en-US" altLang="zh-TW" dirty="0" smtClean="0"/>
-              <a:t>2008~2012</a:t>
-            </a:r>
-            <a:r>
-              <a:rPr lang="en-US" altLang="zh-TW" dirty="0" smtClean="0"/>
-              <a:t>)</a:t>
+              <a:t>Input: CN3.txt (2008~2012)</a:t>
             </a:r>
           </a:p>
           <a:p>
@@ -6679,7 +7313,7 @@
                 <a:spLocks noGrp="1"/>
               </p:cNvSpPr>
               <p:nvPr>
-                <p:ph idx="1"/>
+                <p:ph sz="quarter" idx="1"/>
               </p:nvPr>
             </p:nvSpPr>
             <p:spPr/>
@@ -6725,7 +7359,7 @@
                       <m:fPr>
                         <m:ctrlPr>
                           <a:rPr lang="en-US" altLang="zh-TW" i="1" smtClean="0">
-                            <a:latin typeface="Cambria Math" panose="02040503050406030204" pitchFamily="18" charset="0"/>
+                            <a:latin typeface="Cambria Math"/>
                           </a:rPr>
                         </m:ctrlPr>
                       </m:fPr>
@@ -6781,7 +7415,7 @@
                       <m:fPr>
                         <m:ctrlPr>
                           <a:rPr lang="en-US" altLang="zh-TW" i="1">
-                            <a:latin typeface="Cambria Math" panose="02040503050406030204" pitchFamily="18" charset="0"/>
+                            <a:latin typeface="Cambria Math"/>
                           </a:rPr>
                         </m:ctrlPr>
                       </m:fPr>
@@ -6869,92 +7503,60 @@
 </file>
 
 <file path=ppt/theme/theme1.xml><?xml version="1.0" encoding="utf-8"?>
-<a:theme xmlns:a="http://schemas.openxmlformats.org/drawingml/2006/main" name="Office 佈景主題">
+<a:theme xmlns:a="http://schemas.openxmlformats.org/drawingml/2006/main" name="中庸">
   <a:themeElements>
-    <a:clrScheme name="Office">
+    <a:clrScheme name="中庸">
       <a:dk1>
         <a:sysClr val="windowText" lastClr="000000"/>
       </a:dk1>
       <a:lt1>
-        <a:sysClr val="window" lastClr="FFFFFF"/>
+        <a:sysClr val="window" lastClr="C7EDCC"/>
       </a:lt1>
       <a:dk2>
-        <a:srgbClr val="1F497D"/>
+        <a:srgbClr val="775F55"/>
       </a:dk2>
       <a:lt2>
-        <a:srgbClr val="EEECE1"/>
+        <a:srgbClr val="EBDDC3"/>
       </a:lt2>
       <a:accent1>
-        <a:srgbClr val="4F81BD"/>
+        <a:srgbClr val="94B6D2"/>
       </a:accent1>
       <a:accent2>
-        <a:srgbClr val="C0504D"/>
+        <a:srgbClr val="DD8047"/>
       </a:accent2>
       <a:accent3>
-        <a:srgbClr val="9BBB59"/>
+        <a:srgbClr val="A5AB81"/>
       </a:accent3>
       <a:accent4>
-        <a:srgbClr val="8064A2"/>
+        <a:srgbClr val="D8B25C"/>
       </a:accent4>
       <a:accent5>
-        <a:srgbClr val="4BACC6"/>
+        <a:srgbClr val="7BA79D"/>
       </a:accent5>
       <a:accent6>
-        <a:srgbClr val="F79646"/>
+        <a:srgbClr val="968C8C"/>
       </a:accent6>
       <a:hlink>
-        <a:srgbClr val="0000FF"/>
+        <a:srgbClr val="F7B615"/>
       </a:hlink>
       <a:folHlink>
-        <a:srgbClr val="800080"/>
+        <a:srgbClr val="704404"/>
       </a:folHlink>
     </a:clrScheme>
-    <a:fontScheme name="Office">
+    <a:fontScheme name="中庸">
       <a:majorFont>
-        <a:latin typeface="Calibri"/>
+        <a:latin typeface="Tw Cen MT"/>
         <a:ea typeface=""/>
         <a:cs typeface=""/>
-        <a:font script="Jpan" typeface="ＭＳ Ｐゴシック"/>
-        <a:font script="Hang" typeface="맑은 고딕"/>
-        <a:font script="Hans" typeface="宋体"/>
-        <a:font script="Hant" typeface="新細明體"/>
-        <a:font script="Arab" typeface="Times New Roman"/>
-        <a:font script="Hebr" typeface="Times New Roman"/>
-        <a:font script="Thai" typeface="Angsana New"/>
-        <a:font script="Ethi" typeface="Nyala"/>
-        <a:font script="Beng" typeface="Vrinda"/>
-        <a:font script="Gujr" typeface="Shruti"/>
-        <a:font script="Khmr" typeface="MoolBoran"/>
-        <a:font script="Knda" typeface="Tunga"/>
-        <a:font script="Guru" typeface="Raavi"/>
-        <a:font script="Cans" typeface="Euphemia"/>
-        <a:font script="Cher" typeface="Plantagenet Cherokee"/>
-        <a:font script="Yiii" typeface="Microsoft Yi Baiti"/>
-        <a:font script="Tibt" typeface="Microsoft Himalaya"/>
-        <a:font script="Thaa" typeface="MV Boli"/>
-        <a:font script="Deva" typeface="Mangal"/>
-        <a:font script="Telu" typeface="Gautami"/>
-        <a:font script="Taml" typeface="Latha"/>
-        <a:font script="Syrc" typeface="Estrangelo Edessa"/>
-        <a:font script="Orya" typeface="Kalinga"/>
-        <a:font script="Mlym" typeface="Kartika"/>
-        <a:font script="Laoo" typeface="DokChampa"/>
-        <a:font script="Sinh" typeface="Iskoola Pota"/>
-        <a:font script="Mong" typeface="Mongolian Baiti"/>
-        <a:font script="Viet" typeface="Times New Roman"/>
-        <a:font script="Uigh" typeface="Microsoft Uighur"/>
-      </a:majorFont>
-      <a:minorFont>
-        <a:latin typeface="Calibri"/>
-        <a:ea typeface=""/>
-        <a:cs typeface=""/>
-        <a:font script="Jpan" typeface="ＭＳ Ｐゴシック"/>
-        <a:font script="Hang" typeface="맑은 고딕"/>
-        <a:font script="Hans" typeface="宋体"/>
-        <a:font script="Hant" typeface="新細明體"/>
+        <a:font script="Grek" typeface="Calibri"/>
+        <a:font script="Cyrl" typeface="Calibri"/>
+        <a:font script="Jpan" typeface="HGPｺﾞｼｯｸE"/>
+        <a:font script="Hang" typeface="HY얕은샘물M"/>
+        <a:font script="Hans" typeface="华文仿宋"/>
+        <a:font script="Hant" typeface="微軟正黑體"/>
         <a:font script="Arab" typeface="Arial"/>
-        <a:font script="Hebr" typeface="Arial"/>
-        <a:font script="Thai" typeface="Cordia New"/>
+        <a:font script="Hebr" typeface="Levenim MT"/>
+        <a:font script="Thai" typeface="FreesiaUPC"/>
         <a:font script="Ethi" typeface="Nyala"/>
         <a:font script="Beng" typeface="Vrinda"/>
         <a:font script="Gujr" typeface="Shruti"/>
@@ -6975,79 +7577,76 @@
         <a:font script="Laoo" typeface="DokChampa"/>
         <a:font script="Sinh" typeface="Iskoola Pota"/>
         <a:font script="Mong" typeface="Mongolian Baiti"/>
-        <a:font script="Viet" typeface="Arial"/>
+        <a:font script="Viet" typeface="Tahoma"/>
         <a:font script="Uigh" typeface="Microsoft Uighur"/>
+        <a:font script="Geor" typeface="Sylfaen"/>
+      </a:majorFont>
+      <a:minorFont>
+        <a:latin typeface="Tw Cen MT"/>
+        <a:ea typeface=""/>
+        <a:cs typeface=""/>
+        <a:font script="Grek" typeface="Calibri"/>
+        <a:font script="Cyrl" typeface="Calibri"/>
+        <a:font script="Jpan" typeface="HGPｺﾞｼｯｸE"/>
+        <a:font script="Hang" typeface="HY얕은샘물M"/>
+        <a:font script="Hans" typeface="华文仿宋"/>
+        <a:font script="Hant" typeface="微軟正黑體"/>
+        <a:font script="Arab" typeface="Arial"/>
+        <a:font script="Hebr" typeface="Levenim MT"/>
+        <a:font script="Thai" typeface="FreesiaUPC"/>
+        <a:font script="Ethi" typeface="Nyala"/>
+        <a:font script="Beng" typeface="Vrinda"/>
+        <a:font script="Gujr" typeface="Shruti"/>
+        <a:font script="Khmr" typeface="DaunPenh"/>
+        <a:font script="Knda" typeface="Tunga"/>
+        <a:font script="Guru" typeface="Raavi"/>
+        <a:font script="Cans" typeface="Euphemia"/>
+        <a:font script="Cher" typeface="Plantagenet Cherokee"/>
+        <a:font script="Yiii" typeface="Microsoft Yi Baiti"/>
+        <a:font script="Tibt" typeface="Microsoft Himalaya"/>
+        <a:font script="Thaa" typeface="MV Boli"/>
+        <a:font script="Deva" typeface="Mangal"/>
+        <a:font script="Telu" typeface="Gautami"/>
+        <a:font script="Taml" typeface="Latha"/>
+        <a:font script="Syrc" typeface="Estrangelo Edessa"/>
+        <a:font script="Orya" typeface="Kalinga"/>
+        <a:font script="Mlym" typeface="Kartika"/>
+        <a:font script="Laoo" typeface="DokChampa"/>
+        <a:font script="Sinh" typeface="Iskoola Pota"/>
+        <a:font script="Mong" typeface="Mongolian Baiti"/>
+        <a:font script="Viet" typeface="Tahoma"/>
+        <a:font script="Uigh" typeface="Microsoft Uighur"/>
+        <a:font script="Geor" typeface="Sylfaen"/>
       </a:minorFont>
     </a:fontScheme>
-    <a:fmtScheme name="Office">
+    <a:fmtScheme name="中庸">
       <a:fillStyleLst>
         <a:solidFill>
           <a:schemeClr val="phClr"/>
         </a:solidFill>
-        <a:gradFill rotWithShape="1">
-          <a:gsLst>
-            <a:gs pos="0">
-              <a:schemeClr val="phClr">
-                <a:tint val="50000"/>
-                <a:satMod val="300000"/>
-              </a:schemeClr>
-            </a:gs>
-            <a:gs pos="35000">
-              <a:schemeClr val="phClr">
-                <a:tint val="37000"/>
-                <a:satMod val="300000"/>
-              </a:schemeClr>
-            </a:gs>
-            <a:gs pos="100000">
-              <a:schemeClr val="phClr">
-                <a:tint val="15000"/>
-                <a:satMod val="350000"/>
-              </a:schemeClr>
-            </a:gs>
-          </a:gsLst>
-          <a:lin ang="16200000" scaled="1"/>
-        </a:gradFill>
-        <a:gradFill rotWithShape="1">
-          <a:gsLst>
-            <a:gs pos="0">
-              <a:schemeClr val="phClr">
-                <a:shade val="51000"/>
-                <a:satMod val="130000"/>
-              </a:schemeClr>
-            </a:gs>
-            <a:gs pos="80000">
-              <a:schemeClr val="phClr">
-                <a:shade val="93000"/>
-                <a:satMod val="130000"/>
-              </a:schemeClr>
-            </a:gs>
-            <a:gs pos="100000">
-              <a:schemeClr val="phClr">
-                <a:shade val="94000"/>
-                <a:satMod val="135000"/>
-              </a:schemeClr>
-            </a:gs>
-          </a:gsLst>
-          <a:lin ang="16200000" scaled="0"/>
-        </a:gradFill>
+        <a:solidFill>
+          <a:schemeClr val="phClr">
+            <a:tint val="50000"/>
+          </a:schemeClr>
+        </a:solidFill>
+        <a:solidFill>
+          <a:schemeClr val="phClr"/>
+        </a:solidFill>
       </a:fillStyleLst>
       <a:lnStyleLst>
-        <a:ln w="9525" cap="flat" cmpd="sng" algn="ctr">
-          <a:solidFill>
-            <a:schemeClr val="phClr">
-              <a:shade val="95000"/>
-              <a:satMod val="105000"/>
-            </a:schemeClr>
-          </a:solidFill>
-          <a:prstDash val="solid"/>
-        </a:ln>
-        <a:ln w="25400" cap="flat" cmpd="sng" algn="ctr">
+        <a:ln w="10000" cap="flat" cmpd="sng" algn="ctr">
           <a:solidFill>
             <a:schemeClr val="phClr"/>
           </a:solidFill>
           <a:prstDash val="solid"/>
         </a:ln>
-        <a:ln w="38100" cap="flat" cmpd="sng" algn="ctr">
+        <a:ln w="19050" cap="flat" cmpd="sng" algn="ctr">
+          <a:solidFill>
+            <a:schemeClr val="phClr"/>
+          </a:solidFill>
+          <a:prstDash val="solid"/>
+        </a:ln>
+        <a:ln w="47625" cap="flat" cmpd="dbl" algn="ctr">
           <a:solidFill>
             <a:schemeClr val="phClr"/>
           </a:solidFill>
@@ -7057,40 +7656,43 @@
       <a:effectStyleLst>
         <a:effectStyle>
           <a:effectLst>
-            <a:outerShdw blurRad="40000" dist="20000" dir="5400000" rotWithShape="0">
+            <a:outerShdw blurRad="38100" dist="30000" dir="5400000" rotWithShape="0">
               <a:srgbClr val="000000">
-                <a:alpha val="38000"/>
+                <a:alpha val="45000"/>
               </a:srgbClr>
             </a:outerShdw>
           </a:effectLst>
         </a:effectStyle>
         <a:effectStyle>
           <a:effectLst>
-            <a:outerShdw blurRad="40000" dist="23000" dir="5400000" rotWithShape="0">
+            <a:outerShdw blurRad="38100" dist="30000" dir="5400000" rotWithShape="0">
               <a:srgbClr val="000000">
-                <a:alpha val="35000"/>
+                <a:alpha val="45000"/>
               </a:srgbClr>
             </a:outerShdw>
           </a:effectLst>
         </a:effectStyle>
         <a:effectStyle>
           <a:effectLst>
-            <a:outerShdw blurRad="40000" dist="23000" dir="5400000" rotWithShape="0">
+            <a:outerShdw blurRad="38100" dist="25400" dir="5400000" rotWithShape="0">
               <a:srgbClr val="000000">
                 <a:alpha val="35000"/>
               </a:srgbClr>
             </a:outerShdw>
           </a:effectLst>
           <a:scene3d>
-            <a:camera prst="orthographicFront">
+            <a:camera prst="isometricTopDown" fov="0">
               <a:rot lat="0" lon="0" rev="0"/>
             </a:camera>
-            <a:lightRig rig="threePt" dir="t">
-              <a:rot lat="0" lon="0" rev="1200000"/>
+            <a:lightRig rig="balanced" dir="t">
+              <a:rot lat="0" lon="0" rev="13800000"/>
             </a:lightRig>
           </a:scene3d>
-          <a:sp3d>
-            <a:bevelT w="63500" h="25400"/>
+          <a:sp3d extrusionH="12700" prstMaterial="plastic">
+            <a:bevelT w="38100" h="25400" prst="softRound"/>
+            <a:contourClr>
+              <a:schemeClr val="phClr"/>
+            </a:contourClr>
           </a:sp3d>
         </a:effectStyle>
       </a:effectStyleLst>
@@ -7098,51 +7700,34 @@
         <a:solidFill>
           <a:schemeClr val="phClr"/>
         </a:solidFill>
-        <a:gradFill rotWithShape="1">
-          <a:gsLst>
-            <a:gs pos="0">
+        <a:blipFill>
+          <a:blip xmlns:r="http://schemas.openxmlformats.org/officeDocument/2006/relationships" r:embed="rId1">
+            <a:duotone>
               <a:schemeClr val="phClr">
-                <a:tint val="40000"/>
-                <a:satMod val="350000"/>
+                <a:shade val="90000"/>
+                <a:satMod val="140000"/>
               </a:schemeClr>
-            </a:gs>
-            <a:gs pos="40000">
               <a:schemeClr val="phClr">
-                <a:tint val="45000"/>
-                <a:shade val="99000"/>
-                <a:satMod val="350000"/>
+                <a:satMod val="120000"/>
               </a:schemeClr>
-            </a:gs>
-            <a:gs pos="100000">
+            </a:duotone>
+          </a:blip>
+          <a:tile tx="0" ty="0" sx="100000" sy="100000" flip="none" algn="tl"/>
+        </a:blipFill>
+        <a:blipFill>
+          <a:blip xmlns:r="http://schemas.openxmlformats.org/officeDocument/2006/relationships" r:embed="rId2">
+            <a:duotone>
               <a:schemeClr val="phClr">
-                <a:shade val="20000"/>
-                <a:satMod val="255000"/>
+                <a:shade val="90000"/>
+                <a:satMod val="140000"/>
               </a:schemeClr>
-            </a:gs>
-          </a:gsLst>
-          <a:path path="circle">
-            <a:fillToRect l="50000" t="-80000" r="50000" b="180000"/>
-          </a:path>
-        </a:gradFill>
-        <a:gradFill rotWithShape="1">
-          <a:gsLst>
-            <a:gs pos="0">
               <a:schemeClr val="phClr">
-                <a:tint val="80000"/>
-                <a:satMod val="300000"/>
+                <a:satMod val="120000"/>
               </a:schemeClr>
-            </a:gs>
-            <a:gs pos="100000">
-              <a:schemeClr val="phClr">
-                <a:shade val="30000"/>
-                <a:satMod val="200000"/>
-              </a:schemeClr>
-            </a:gs>
-          </a:gsLst>
-          <a:path path="circle">
-            <a:fillToRect l="50000" t="50000" r="50000" b="50000"/>
-          </a:path>
-        </a:gradFill>
+            </a:duotone>
+          </a:blip>
+          <a:tile tx="0" ty="0" sx="100000" sy="100000" flip="none" algn="tl"/>
+        </a:blipFill>
       </a:bgFillStyleLst>
     </a:fmtScheme>
   </a:themeElements>
